--- a/CrossPlatformDev/CrossPlatformDev.pptx
+++ b/CrossPlatformDev/CrossPlatformDev.pptx
@@ -5,14 +5,16 @@
     <p:sldMasterId id="2147483694" r:id="rId1"/>
   </p:sldMasterIdLst>
   <p:notesMasterIdLst>
-    <p:notesMasterId r:id="rId7"/>
+    <p:notesMasterId r:id="rId9"/>
   </p:notesMasterIdLst>
   <p:sldIdLst>
     <p:sldId id="269" r:id="rId2"/>
-    <p:sldId id="273" r:id="rId3"/>
-    <p:sldId id="258" r:id="rId4"/>
-    <p:sldId id="274" r:id="rId5"/>
-    <p:sldId id="271" r:id="rId6"/>
+    <p:sldId id="270" r:id="rId3"/>
+    <p:sldId id="271" r:id="rId4"/>
+    <p:sldId id="272" r:id="rId5"/>
+    <p:sldId id="275" r:id="rId6"/>
+    <p:sldId id="273" r:id="rId7"/>
+    <p:sldId id="274" r:id="rId8"/>
   </p:sldIdLst>
   <p:sldSz cx="9144000" cy="6858000" type="screen4x3"/>
   <p:notesSz cx="6858000" cy="9144000"/>
@@ -130,2969 +132,6 @@
 </p:presentation>
 </file>
 
-<file path=ppt/diagrams/colors1.xml><?xml version="1.0" encoding="utf-8"?>
-<dgm:colorsDef xmlns:dgm="http://schemas.openxmlformats.org/drawingml/2006/diagram" xmlns:a="http://schemas.openxmlformats.org/drawingml/2006/main" uniqueId="urn:microsoft.com/office/officeart/2005/8/colors/colorful1">
-  <dgm:title val=""/>
-  <dgm:desc val=""/>
-  <dgm:catLst>
-    <dgm:cat type="colorful" pri="10100"/>
-  </dgm:catLst>
-  <dgm:styleLbl name="node0">
-    <dgm:fillClrLst meth="repeat">
-      <a:schemeClr val="accent1"/>
-    </dgm:fillClrLst>
-    <dgm:linClrLst meth="repeat">
-      <a:schemeClr val="lt1"/>
-    </dgm:linClrLst>
-    <dgm:effectClrLst/>
-    <dgm:txLinClrLst/>
-    <dgm:txFillClrLst/>
-    <dgm:txEffectClrLst/>
-  </dgm:styleLbl>
-  <dgm:styleLbl name="node1">
-    <dgm:fillClrLst meth="repeat">
-      <a:schemeClr val="accent2"/>
-      <a:schemeClr val="accent3"/>
-      <a:schemeClr val="accent4"/>
-      <a:schemeClr val="accent5"/>
-      <a:schemeClr val="accent6"/>
-    </dgm:fillClrLst>
-    <dgm:linClrLst meth="repeat">
-      <a:schemeClr val="lt1"/>
-    </dgm:linClrLst>
-    <dgm:effectClrLst/>
-    <dgm:txLinClrLst/>
-    <dgm:txFillClrLst/>
-    <dgm:txEffectClrLst/>
-  </dgm:styleLbl>
-  <dgm:styleLbl name="alignNode1">
-    <dgm:fillClrLst meth="repeat">
-      <a:schemeClr val="accent2"/>
-      <a:schemeClr val="accent3"/>
-      <a:schemeClr val="accent4"/>
-      <a:schemeClr val="accent5"/>
-      <a:schemeClr val="accent6"/>
-    </dgm:fillClrLst>
-    <dgm:linClrLst meth="repeat">
-      <a:schemeClr val="accent2"/>
-      <a:schemeClr val="accent3"/>
-      <a:schemeClr val="accent4"/>
-      <a:schemeClr val="accent5"/>
-      <a:schemeClr val="accent6"/>
-    </dgm:linClrLst>
-    <dgm:effectClrLst/>
-    <dgm:txLinClrLst/>
-    <dgm:txFillClrLst/>
-    <dgm:txEffectClrLst/>
-  </dgm:styleLbl>
-  <dgm:styleLbl name="lnNode1">
-    <dgm:fillClrLst meth="repeat">
-      <a:schemeClr val="accent2"/>
-      <a:schemeClr val="accent3"/>
-      <a:schemeClr val="accent4"/>
-      <a:schemeClr val="accent5"/>
-      <a:schemeClr val="accent6"/>
-    </dgm:fillClrLst>
-    <dgm:linClrLst meth="repeat">
-      <a:schemeClr val="lt1"/>
-    </dgm:linClrLst>
-    <dgm:effectClrLst/>
-    <dgm:txLinClrLst/>
-    <dgm:txFillClrLst/>
-    <dgm:txEffectClrLst/>
-  </dgm:styleLbl>
-  <dgm:styleLbl name="vennNode1">
-    <dgm:fillClrLst meth="repeat">
-      <a:schemeClr val="accent2">
-        <a:alpha val="50000"/>
-      </a:schemeClr>
-      <a:schemeClr val="accent3">
-        <a:alpha val="50000"/>
-      </a:schemeClr>
-      <a:schemeClr val="accent4">
-        <a:alpha val="50000"/>
-      </a:schemeClr>
-      <a:schemeClr val="accent5">
-        <a:alpha val="50000"/>
-      </a:schemeClr>
-      <a:schemeClr val="accent6">
-        <a:alpha val="50000"/>
-      </a:schemeClr>
-    </dgm:fillClrLst>
-    <dgm:linClrLst meth="repeat">
-      <a:schemeClr val="lt1"/>
-    </dgm:linClrLst>
-    <dgm:effectClrLst/>
-    <dgm:txLinClrLst/>
-    <dgm:txFillClrLst/>
-    <dgm:txEffectClrLst/>
-  </dgm:styleLbl>
-  <dgm:styleLbl name="node2">
-    <dgm:fillClrLst>
-      <a:schemeClr val="accent2"/>
-    </dgm:fillClrLst>
-    <dgm:linClrLst meth="repeat">
-      <a:schemeClr val="lt1"/>
-    </dgm:linClrLst>
-    <dgm:effectClrLst/>
-    <dgm:txLinClrLst/>
-    <dgm:txFillClrLst/>
-    <dgm:txEffectClrLst/>
-  </dgm:styleLbl>
-  <dgm:styleLbl name="node3">
-    <dgm:fillClrLst>
-      <a:schemeClr val="accent3"/>
-    </dgm:fillClrLst>
-    <dgm:linClrLst meth="repeat">
-      <a:schemeClr val="lt1"/>
-    </dgm:linClrLst>
-    <dgm:effectClrLst/>
-    <dgm:txLinClrLst/>
-    <dgm:txFillClrLst/>
-    <dgm:txEffectClrLst/>
-  </dgm:styleLbl>
-  <dgm:styleLbl name="node4">
-    <dgm:fillClrLst>
-      <a:schemeClr val="accent4"/>
-    </dgm:fillClrLst>
-    <dgm:linClrLst meth="repeat">
-      <a:schemeClr val="lt1"/>
-    </dgm:linClrLst>
-    <dgm:effectClrLst/>
-    <dgm:txLinClrLst/>
-    <dgm:txFillClrLst/>
-    <dgm:txEffectClrLst/>
-  </dgm:styleLbl>
-  <dgm:styleLbl name="fgImgPlace1">
-    <dgm:fillClrLst meth="repeat">
-      <a:schemeClr val="accent2">
-        <a:tint val="50000"/>
-      </a:schemeClr>
-      <a:schemeClr val="accent3">
-        <a:tint val="50000"/>
-      </a:schemeClr>
-      <a:schemeClr val="accent4">
-        <a:tint val="50000"/>
-      </a:schemeClr>
-      <a:schemeClr val="accent5">
-        <a:tint val="50000"/>
-      </a:schemeClr>
-      <a:schemeClr val="accent6">
-        <a:tint val="50000"/>
-      </a:schemeClr>
-    </dgm:fillClrLst>
-    <dgm:linClrLst meth="repeat">
-      <a:schemeClr val="lt1"/>
-    </dgm:linClrLst>
-    <dgm:effectClrLst/>
-    <dgm:txLinClrLst/>
-    <dgm:txFillClrLst meth="repeat">
-      <a:schemeClr val="lt1"/>
-    </dgm:txFillClrLst>
-    <dgm:txEffectClrLst/>
-  </dgm:styleLbl>
-  <dgm:styleLbl name="alignImgPlace1">
-    <dgm:fillClrLst>
-      <a:schemeClr val="accent1">
-        <a:tint val="50000"/>
-      </a:schemeClr>
-      <a:schemeClr val="accent2">
-        <a:tint val="20000"/>
-      </a:schemeClr>
-    </dgm:fillClrLst>
-    <dgm:linClrLst meth="repeat">
-      <a:schemeClr val="lt1"/>
-    </dgm:linClrLst>
-    <dgm:effectClrLst/>
-    <dgm:txLinClrLst/>
-    <dgm:txFillClrLst meth="repeat">
-      <a:schemeClr val="lt1"/>
-    </dgm:txFillClrLst>
-    <dgm:txEffectClrLst/>
-  </dgm:styleLbl>
-  <dgm:styleLbl name="bgImgPlace1">
-    <dgm:fillClrLst>
-      <a:schemeClr val="accent1">
-        <a:tint val="50000"/>
-      </a:schemeClr>
-      <a:schemeClr val="accent2">
-        <a:tint val="20000"/>
-      </a:schemeClr>
-    </dgm:fillClrLst>
-    <dgm:linClrLst meth="repeat">
-      <a:schemeClr val="lt1"/>
-    </dgm:linClrLst>
-    <dgm:effectClrLst/>
-    <dgm:txLinClrLst/>
-    <dgm:txFillClrLst meth="repeat">
-      <a:schemeClr val="lt1"/>
-    </dgm:txFillClrLst>
-    <dgm:txEffectClrLst/>
-  </dgm:styleLbl>
-  <dgm:styleLbl name="sibTrans2D1">
-    <dgm:fillClrLst meth="repeat">
-      <a:schemeClr val="accent2"/>
-      <a:schemeClr val="accent3"/>
-      <a:schemeClr val="accent4"/>
-      <a:schemeClr val="accent5"/>
-      <a:schemeClr val="accent6"/>
-    </dgm:fillClrLst>
-    <dgm:linClrLst meth="cycle">
-      <a:schemeClr val="lt1"/>
-    </dgm:linClrLst>
-    <dgm:effectClrLst/>
-    <dgm:txLinClrLst/>
-    <dgm:txFillClrLst/>
-    <dgm:txEffectClrLst/>
-  </dgm:styleLbl>
-  <dgm:styleLbl name="fgSibTrans2D1">
-    <dgm:fillClrLst meth="repeat">
-      <a:schemeClr val="accent2"/>
-      <a:schemeClr val="accent3"/>
-      <a:schemeClr val="accent4"/>
-      <a:schemeClr val="accent5"/>
-      <a:schemeClr val="accent6"/>
-    </dgm:fillClrLst>
-    <dgm:linClrLst meth="cycle">
-      <a:schemeClr val="lt1"/>
-    </dgm:linClrLst>
-    <dgm:effectClrLst/>
-    <dgm:txLinClrLst/>
-    <dgm:txFillClrLst meth="repeat">
-      <a:schemeClr val="lt1"/>
-    </dgm:txFillClrLst>
-    <dgm:txEffectClrLst/>
-  </dgm:styleLbl>
-  <dgm:styleLbl name="bgSibTrans2D1">
-    <dgm:fillClrLst meth="repeat">
-      <a:schemeClr val="accent2"/>
-      <a:schemeClr val="accent3"/>
-      <a:schemeClr val="accent4"/>
-      <a:schemeClr val="accent5"/>
-      <a:schemeClr val="accent6"/>
-    </dgm:fillClrLst>
-    <dgm:linClrLst meth="cycle">
-      <a:schemeClr val="lt1"/>
-    </dgm:linClrLst>
-    <dgm:effectClrLst/>
-    <dgm:txLinClrLst/>
-    <dgm:txFillClrLst meth="repeat">
-      <a:schemeClr val="lt1"/>
-    </dgm:txFillClrLst>
-    <dgm:txEffectClrLst/>
-  </dgm:styleLbl>
-  <dgm:styleLbl name="sibTrans1D1">
-    <dgm:fillClrLst meth="repeat">
-      <a:schemeClr val="accent2"/>
-      <a:schemeClr val="accent3"/>
-      <a:schemeClr val="accent4"/>
-      <a:schemeClr val="accent5"/>
-      <a:schemeClr val="accent6"/>
-    </dgm:fillClrLst>
-    <dgm:linClrLst meth="repeat">
-      <a:schemeClr val="accent2"/>
-      <a:schemeClr val="accent3"/>
-      <a:schemeClr val="accent4"/>
-      <a:schemeClr val="accent5"/>
-      <a:schemeClr val="accent6"/>
-    </dgm:linClrLst>
-    <dgm:effectClrLst/>
-    <dgm:txLinClrLst/>
-    <dgm:txFillClrLst meth="repeat">
-      <a:schemeClr val="tx1"/>
-    </dgm:txFillClrLst>
-    <dgm:txEffectClrLst/>
-  </dgm:styleLbl>
-  <dgm:styleLbl name="callout">
-    <dgm:fillClrLst meth="repeat">
-      <a:schemeClr val="accent2"/>
-    </dgm:fillClrLst>
-    <dgm:linClrLst meth="repeat">
-      <a:schemeClr val="accent2">
-        <a:tint val="50000"/>
-      </a:schemeClr>
-    </dgm:linClrLst>
-    <dgm:effectClrLst/>
-    <dgm:txLinClrLst/>
-    <dgm:txFillClrLst meth="repeat">
-      <a:schemeClr val="tx1"/>
-    </dgm:txFillClrLst>
-    <dgm:txEffectClrLst/>
-  </dgm:styleLbl>
-  <dgm:styleLbl name="asst0">
-    <dgm:fillClrLst meth="repeat">
-      <a:schemeClr val="accent1"/>
-    </dgm:fillClrLst>
-    <dgm:linClrLst meth="repeat">
-      <a:schemeClr val="lt1"/>
-    </dgm:linClrLst>
-    <dgm:effectClrLst/>
-    <dgm:txLinClrLst/>
-    <dgm:txFillClrLst/>
-    <dgm:txEffectClrLst/>
-  </dgm:styleLbl>
-  <dgm:styleLbl name="asst1">
-    <dgm:fillClrLst meth="repeat">
-      <a:schemeClr val="accent2"/>
-    </dgm:fillClrLst>
-    <dgm:linClrLst meth="repeat">
-      <a:schemeClr val="lt1"/>
-    </dgm:linClrLst>
-    <dgm:effectClrLst/>
-    <dgm:txLinClrLst/>
-    <dgm:txFillClrLst/>
-    <dgm:txEffectClrLst/>
-  </dgm:styleLbl>
-  <dgm:styleLbl name="asst2">
-    <dgm:fillClrLst>
-      <a:schemeClr val="accent3"/>
-    </dgm:fillClrLst>
-    <dgm:linClrLst meth="repeat">
-      <a:schemeClr val="lt1"/>
-    </dgm:linClrLst>
-    <dgm:effectClrLst/>
-    <dgm:txLinClrLst/>
-    <dgm:txFillClrLst/>
-    <dgm:txEffectClrLst/>
-  </dgm:styleLbl>
-  <dgm:styleLbl name="asst3">
-    <dgm:fillClrLst>
-      <a:schemeClr val="accent4"/>
-    </dgm:fillClrLst>
-    <dgm:linClrLst meth="repeat">
-      <a:schemeClr val="lt1"/>
-    </dgm:linClrLst>
-    <dgm:effectClrLst/>
-    <dgm:txLinClrLst/>
-    <dgm:txFillClrLst/>
-    <dgm:txEffectClrLst/>
-  </dgm:styleLbl>
-  <dgm:styleLbl name="asst4">
-    <dgm:fillClrLst>
-      <a:schemeClr val="accent5"/>
-    </dgm:fillClrLst>
-    <dgm:linClrLst meth="repeat">
-      <a:schemeClr val="lt1"/>
-    </dgm:linClrLst>
-    <dgm:effectClrLst/>
-    <dgm:txLinClrLst/>
-    <dgm:txFillClrLst/>
-    <dgm:txEffectClrLst/>
-  </dgm:styleLbl>
-  <dgm:styleLbl name="parChTrans2D1">
-    <dgm:fillClrLst meth="repeat">
-      <a:schemeClr val="accent2"/>
-    </dgm:fillClrLst>
-    <dgm:linClrLst meth="repeat">
-      <a:schemeClr val="lt1"/>
-    </dgm:linClrLst>
-    <dgm:effectClrLst/>
-    <dgm:txLinClrLst/>
-    <dgm:txFillClrLst meth="repeat">
-      <a:schemeClr val="lt1"/>
-    </dgm:txFillClrLst>
-    <dgm:txEffectClrLst/>
-  </dgm:styleLbl>
-  <dgm:styleLbl name="parChTrans2D2">
-    <dgm:fillClrLst meth="repeat">
-      <a:schemeClr val="accent3"/>
-    </dgm:fillClrLst>
-    <dgm:linClrLst meth="repeat">
-      <a:schemeClr val="lt1"/>
-    </dgm:linClrLst>
-    <dgm:effectClrLst/>
-    <dgm:txLinClrLst/>
-    <dgm:txFillClrLst/>
-    <dgm:txEffectClrLst/>
-  </dgm:styleLbl>
-  <dgm:styleLbl name="parChTrans2D3">
-    <dgm:fillClrLst meth="repeat">
-      <a:schemeClr val="accent4"/>
-    </dgm:fillClrLst>
-    <dgm:linClrLst meth="repeat">
-      <a:schemeClr val="lt1"/>
-    </dgm:linClrLst>
-    <dgm:effectClrLst/>
-    <dgm:txLinClrLst/>
-    <dgm:txFillClrLst/>
-    <dgm:txEffectClrLst/>
-  </dgm:styleLbl>
-  <dgm:styleLbl name="parChTrans2D4">
-    <dgm:fillClrLst meth="repeat">
-      <a:schemeClr val="accent5"/>
-    </dgm:fillClrLst>
-    <dgm:linClrLst meth="repeat">
-      <a:schemeClr val="lt1"/>
-    </dgm:linClrLst>
-    <dgm:effectClrLst/>
-    <dgm:txLinClrLst/>
-    <dgm:txFillClrLst meth="repeat">
-      <a:schemeClr val="lt1"/>
-    </dgm:txFillClrLst>
-    <dgm:txEffectClrLst/>
-  </dgm:styleLbl>
-  <dgm:styleLbl name="parChTrans1D1">
-    <dgm:fillClrLst meth="repeat">
-      <a:schemeClr val="accent2"/>
-    </dgm:fillClrLst>
-    <dgm:linClrLst meth="repeat">
-      <a:schemeClr val="accent1"/>
-    </dgm:linClrLst>
-    <dgm:effectClrLst/>
-    <dgm:txLinClrLst/>
-    <dgm:txFillClrLst meth="repeat">
-      <a:schemeClr val="tx1"/>
-    </dgm:txFillClrLst>
-    <dgm:txEffectClrLst/>
-  </dgm:styleLbl>
-  <dgm:styleLbl name="parChTrans1D2">
-    <dgm:fillClrLst meth="repeat">
-      <a:schemeClr val="accent3">
-        <a:tint val="90000"/>
-      </a:schemeClr>
-    </dgm:fillClrLst>
-    <dgm:linClrLst meth="repeat">
-      <a:schemeClr val="accent2"/>
-    </dgm:linClrLst>
-    <dgm:effectClrLst/>
-    <dgm:txLinClrLst/>
-    <dgm:txFillClrLst meth="repeat">
-      <a:schemeClr val="tx1"/>
-    </dgm:txFillClrLst>
-    <dgm:txEffectClrLst/>
-  </dgm:styleLbl>
-  <dgm:styleLbl name="parChTrans1D3">
-    <dgm:fillClrLst meth="repeat">
-      <a:schemeClr val="accent4">
-        <a:tint val="70000"/>
-      </a:schemeClr>
-    </dgm:fillClrLst>
-    <dgm:linClrLst meth="repeat">
-      <a:schemeClr val="accent3"/>
-    </dgm:linClrLst>
-    <dgm:effectClrLst/>
-    <dgm:txLinClrLst/>
-    <dgm:txFillClrLst meth="repeat">
-      <a:schemeClr val="tx1"/>
-    </dgm:txFillClrLst>
-    <dgm:txEffectClrLst/>
-  </dgm:styleLbl>
-  <dgm:styleLbl name="parChTrans1D4">
-    <dgm:fillClrLst meth="repeat">
-      <a:schemeClr val="accent5">
-        <a:tint val="50000"/>
-      </a:schemeClr>
-    </dgm:fillClrLst>
-    <dgm:linClrLst meth="repeat">
-      <a:schemeClr val="accent4"/>
-    </dgm:linClrLst>
-    <dgm:effectClrLst/>
-    <dgm:txLinClrLst/>
-    <dgm:txFillClrLst meth="repeat">
-      <a:schemeClr val="tx1"/>
-    </dgm:txFillClrLst>
-    <dgm:txEffectClrLst/>
-  </dgm:styleLbl>
-  <dgm:styleLbl name="fgAcc1">
-    <dgm:fillClrLst meth="repeat">
-      <a:schemeClr val="lt1">
-        <a:alpha val="90000"/>
-      </a:schemeClr>
-    </dgm:fillClrLst>
-    <dgm:linClrLst meth="repeat">
-      <a:schemeClr val="accent2"/>
-      <a:schemeClr val="accent3"/>
-      <a:schemeClr val="accent4"/>
-      <a:schemeClr val="accent5"/>
-      <a:schemeClr val="accent6"/>
-    </dgm:linClrLst>
-    <dgm:effectClrLst/>
-    <dgm:txLinClrLst/>
-    <dgm:txFillClrLst meth="repeat">
-      <a:schemeClr val="dk1"/>
-    </dgm:txFillClrLst>
-    <dgm:txEffectClrLst/>
-  </dgm:styleLbl>
-  <dgm:styleLbl name="conFgAcc1">
-    <dgm:fillClrLst meth="repeat">
-      <a:schemeClr val="lt1">
-        <a:alpha val="90000"/>
-      </a:schemeClr>
-    </dgm:fillClrLst>
-    <dgm:linClrLst meth="repeat">
-      <a:schemeClr val="accent2"/>
-      <a:schemeClr val="accent3"/>
-      <a:schemeClr val="accent4"/>
-      <a:schemeClr val="accent5"/>
-      <a:schemeClr val="accent6"/>
-    </dgm:linClrLst>
-    <dgm:effectClrLst/>
-    <dgm:txLinClrLst/>
-    <dgm:txFillClrLst meth="repeat">
-      <a:schemeClr val="dk1"/>
-    </dgm:txFillClrLst>
-    <dgm:txEffectClrLst/>
-  </dgm:styleLbl>
-  <dgm:styleLbl name="alignAcc1">
-    <dgm:fillClrLst meth="repeat">
-      <a:schemeClr val="lt1">
-        <a:alpha val="90000"/>
-      </a:schemeClr>
-    </dgm:fillClrLst>
-    <dgm:linClrLst meth="repeat">
-      <a:schemeClr val="accent2"/>
-      <a:schemeClr val="accent3"/>
-      <a:schemeClr val="accent4"/>
-      <a:schemeClr val="accent5"/>
-      <a:schemeClr val="accent6"/>
-    </dgm:linClrLst>
-    <dgm:effectClrLst/>
-    <dgm:txLinClrLst/>
-    <dgm:txFillClrLst meth="repeat">
-      <a:schemeClr val="dk1"/>
-    </dgm:txFillClrLst>
-    <dgm:txEffectClrLst/>
-  </dgm:styleLbl>
-  <dgm:styleLbl name="trAlignAcc1">
-    <dgm:fillClrLst meth="repeat">
-      <a:schemeClr val="lt1">
-        <a:alpha val="40000"/>
-      </a:schemeClr>
-    </dgm:fillClrLst>
-    <dgm:linClrLst meth="repeat">
-      <a:schemeClr val="accent1"/>
-    </dgm:linClrLst>
-    <dgm:effectClrLst/>
-    <dgm:txLinClrLst/>
-    <dgm:txFillClrLst meth="repeat">
-      <a:schemeClr val="dk1"/>
-    </dgm:txFillClrLst>
-    <dgm:txEffectClrLst/>
-  </dgm:styleLbl>
-  <dgm:styleLbl name="bgAcc1">
-    <dgm:fillClrLst meth="repeat">
-      <a:schemeClr val="lt1">
-        <a:alpha val="90000"/>
-      </a:schemeClr>
-    </dgm:fillClrLst>
-    <dgm:linClrLst meth="repeat">
-      <a:schemeClr val="accent2"/>
-      <a:schemeClr val="accent3"/>
-      <a:schemeClr val="accent4"/>
-      <a:schemeClr val="accent5"/>
-      <a:schemeClr val="accent6"/>
-    </dgm:linClrLst>
-    <dgm:effectClrLst/>
-    <dgm:txLinClrLst/>
-    <dgm:txFillClrLst meth="repeat">
-      <a:schemeClr val="dk1"/>
-    </dgm:txFillClrLst>
-    <dgm:txEffectClrLst/>
-  </dgm:styleLbl>
-  <dgm:styleLbl name="solidFgAcc1">
-    <dgm:fillClrLst meth="repeat">
-      <a:schemeClr val="lt1"/>
-    </dgm:fillClrLst>
-    <dgm:linClrLst meth="repeat">
-      <a:schemeClr val="accent2"/>
-      <a:schemeClr val="accent3"/>
-      <a:schemeClr val="accent4"/>
-      <a:schemeClr val="accent5"/>
-      <a:schemeClr val="accent6"/>
-    </dgm:linClrLst>
-    <dgm:effectClrLst/>
-    <dgm:txLinClrLst/>
-    <dgm:txFillClrLst meth="repeat">
-      <a:schemeClr val="dk1"/>
-    </dgm:txFillClrLst>
-    <dgm:txEffectClrLst/>
-  </dgm:styleLbl>
-  <dgm:styleLbl name="solidAlignAcc1">
-    <dgm:fillClrLst meth="repeat">
-      <a:schemeClr val="lt1"/>
-    </dgm:fillClrLst>
-    <dgm:linClrLst meth="repeat">
-      <a:schemeClr val="accent2"/>
-      <a:schemeClr val="accent3"/>
-      <a:schemeClr val="accent4"/>
-      <a:schemeClr val="accent5"/>
-      <a:schemeClr val="accent6"/>
-    </dgm:linClrLst>
-    <dgm:effectClrLst/>
-    <dgm:txLinClrLst/>
-    <dgm:txFillClrLst meth="repeat">
-      <a:schemeClr val="dk1"/>
-    </dgm:txFillClrLst>
-    <dgm:txEffectClrLst/>
-  </dgm:styleLbl>
-  <dgm:styleLbl name="solidBgAcc1">
-    <dgm:fillClrLst meth="repeat">
-      <a:schemeClr val="lt1"/>
-    </dgm:fillClrLst>
-    <dgm:linClrLst meth="repeat">
-      <a:schemeClr val="accent2"/>
-      <a:schemeClr val="accent3"/>
-      <a:schemeClr val="accent4"/>
-      <a:schemeClr val="accent5"/>
-      <a:schemeClr val="accent6"/>
-    </dgm:linClrLst>
-    <dgm:effectClrLst/>
-    <dgm:txLinClrLst/>
-    <dgm:txFillClrLst meth="repeat">
-      <a:schemeClr val="dk1"/>
-    </dgm:txFillClrLst>
-    <dgm:txEffectClrLst/>
-  </dgm:styleLbl>
-  <dgm:styleLbl name="fgAccFollowNode1">
-    <dgm:fillClrLst meth="repeat">
-      <a:schemeClr val="accent2">
-        <a:tint val="40000"/>
-        <a:alpha val="90000"/>
-      </a:schemeClr>
-      <a:schemeClr val="accent3">
-        <a:tint val="40000"/>
-        <a:alpha val="90000"/>
-      </a:schemeClr>
-      <a:schemeClr val="accent4">
-        <a:tint val="40000"/>
-        <a:alpha val="90000"/>
-      </a:schemeClr>
-      <a:schemeClr val="accent5">
-        <a:tint val="40000"/>
-        <a:alpha val="90000"/>
-      </a:schemeClr>
-      <a:schemeClr val="accent6">
-        <a:tint val="40000"/>
-        <a:alpha val="90000"/>
-      </a:schemeClr>
-    </dgm:fillClrLst>
-    <dgm:linClrLst meth="repeat">
-      <a:schemeClr val="accent2">
-        <a:tint val="40000"/>
-        <a:alpha val="90000"/>
-      </a:schemeClr>
-      <a:schemeClr val="accent3">
-        <a:tint val="40000"/>
-        <a:alpha val="90000"/>
-      </a:schemeClr>
-      <a:schemeClr val="accent4">
-        <a:tint val="40000"/>
-        <a:alpha val="90000"/>
-      </a:schemeClr>
-      <a:schemeClr val="accent5">
-        <a:tint val="40000"/>
-        <a:alpha val="90000"/>
-      </a:schemeClr>
-      <a:schemeClr val="accent6">
-        <a:tint val="40000"/>
-        <a:alpha val="90000"/>
-      </a:schemeClr>
-    </dgm:linClrLst>
-    <dgm:effectClrLst/>
-    <dgm:txLinClrLst/>
-    <dgm:txFillClrLst meth="repeat">
-      <a:schemeClr val="dk1"/>
-    </dgm:txFillClrLst>
-    <dgm:txEffectClrLst/>
-  </dgm:styleLbl>
-  <dgm:styleLbl name="alignAccFollowNode1">
-    <dgm:fillClrLst meth="repeat">
-      <a:schemeClr val="accent2">
-        <a:tint val="40000"/>
-        <a:alpha val="90000"/>
-      </a:schemeClr>
-      <a:schemeClr val="accent3">
-        <a:tint val="40000"/>
-        <a:alpha val="90000"/>
-      </a:schemeClr>
-      <a:schemeClr val="accent4">
-        <a:tint val="40000"/>
-        <a:alpha val="90000"/>
-      </a:schemeClr>
-      <a:schemeClr val="accent5">
-        <a:tint val="40000"/>
-        <a:alpha val="90000"/>
-      </a:schemeClr>
-      <a:schemeClr val="accent6">
-        <a:tint val="40000"/>
-        <a:alpha val="90000"/>
-      </a:schemeClr>
-    </dgm:fillClrLst>
-    <dgm:linClrLst meth="repeat">
-      <a:schemeClr val="accent2">
-        <a:tint val="40000"/>
-        <a:alpha val="90000"/>
-      </a:schemeClr>
-      <a:schemeClr val="accent3">
-        <a:tint val="40000"/>
-        <a:alpha val="90000"/>
-      </a:schemeClr>
-      <a:schemeClr val="accent4">
-        <a:tint val="40000"/>
-        <a:alpha val="90000"/>
-      </a:schemeClr>
-      <a:schemeClr val="accent5">
-        <a:tint val="40000"/>
-        <a:alpha val="90000"/>
-      </a:schemeClr>
-      <a:schemeClr val="accent6">
-        <a:tint val="40000"/>
-        <a:alpha val="90000"/>
-      </a:schemeClr>
-    </dgm:linClrLst>
-    <dgm:effectClrLst/>
-    <dgm:txLinClrLst/>
-    <dgm:txFillClrLst meth="repeat">
-      <a:schemeClr val="dk1"/>
-    </dgm:txFillClrLst>
-    <dgm:txEffectClrLst/>
-  </dgm:styleLbl>
-  <dgm:styleLbl name="bgAccFollowNode1">
-    <dgm:fillClrLst meth="repeat">
-      <a:schemeClr val="accent2">
-        <a:tint val="40000"/>
-        <a:alpha val="90000"/>
-      </a:schemeClr>
-      <a:schemeClr val="accent3">
-        <a:tint val="40000"/>
-        <a:alpha val="90000"/>
-      </a:schemeClr>
-      <a:schemeClr val="accent4">
-        <a:tint val="40000"/>
-        <a:alpha val="90000"/>
-      </a:schemeClr>
-      <a:schemeClr val="accent5">
-        <a:tint val="40000"/>
-        <a:alpha val="90000"/>
-      </a:schemeClr>
-      <a:schemeClr val="accent6">
-        <a:tint val="40000"/>
-        <a:alpha val="90000"/>
-      </a:schemeClr>
-    </dgm:fillClrLst>
-    <dgm:linClrLst meth="repeat">
-      <a:schemeClr val="accent2">
-        <a:tint val="40000"/>
-        <a:alpha val="90000"/>
-      </a:schemeClr>
-      <a:schemeClr val="accent3">
-        <a:tint val="40000"/>
-        <a:alpha val="90000"/>
-      </a:schemeClr>
-      <a:schemeClr val="accent4">
-        <a:tint val="40000"/>
-        <a:alpha val="90000"/>
-      </a:schemeClr>
-      <a:schemeClr val="accent5">
-        <a:tint val="40000"/>
-        <a:alpha val="90000"/>
-      </a:schemeClr>
-      <a:schemeClr val="accent6">
-        <a:tint val="40000"/>
-        <a:alpha val="90000"/>
-      </a:schemeClr>
-    </dgm:linClrLst>
-    <dgm:effectClrLst/>
-    <dgm:txLinClrLst/>
-    <dgm:txFillClrLst meth="repeat">
-      <a:schemeClr val="dk1"/>
-    </dgm:txFillClrLst>
-    <dgm:txEffectClrLst/>
-  </dgm:styleLbl>
-  <dgm:styleLbl name="fgAcc0">
-    <dgm:fillClrLst meth="repeat">
-      <a:schemeClr val="lt1">
-        <a:alpha val="90000"/>
-      </a:schemeClr>
-    </dgm:fillClrLst>
-    <dgm:linClrLst>
-      <a:schemeClr val="accent1"/>
-    </dgm:linClrLst>
-    <dgm:effectClrLst/>
-    <dgm:txLinClrLst/>
-    <dgm:txFillClrLst meth="repeat">
-      <a:schemeClr val="dk1"/>
-    </dgm:txFillClrLst>
-    <dgm:txEffectClrLst/>
-  </dgm:styleLbl>
-  <dgm:styleLbl name="fgAcc2">
-    <dgm:fillClrLst meth="repeat">
-      <a:schemeClr val="lt1">
-        <a:alpha val="90000"/>
-      </a:schemeClr>
-    </dgm:fillClrLst>
-    <dgm:linClrLst>
-      <a:schemeClr val="accent2"/>
-    </dgm:linClrLst>
-    <dgm:effectClrLst/>
-    <dgm:txLinClrLst/>
-    <dgm:txFillClrLst meth="repeat">
-      <a:schemeClr val="dk1"/>
-    </dgm:txFillClrLst>
-    <dgm:txEffectClrLst/>
-  </dgm:styleLbl>
-  <dgm:styleLbl name="fgAcc3">
-    <dgm:fillClrLst meth="repeat">
-      <a:schemeClr val="lt1">
-        <a:alpha val="90000"/>
-      </a:schemeClr>
-    </dgm:fillClrLst>
-    <dgm:linClrLst>
-      <a:schemeClr val="accent3"/>
-    </dgm:linClrLst>
-    <dgm:effectClrLst/>
-    <dgm:txLinClrLst/>
-    <dgm:txFillClrLst meth="repeat">
-      <a:schemeClr val="dk1"/>
-    </dgm:txFillClrLst>
-    <dgm:txEffectClrLst/>
-  </dgm:styleLbl>
-  <dgm:styleLbl name="fgAcc4">
-    <dgm:fillClrLst meth="repeat">
-      <a:schemeClr val="lt1">
-        <a:alpha val="90000"/>
-      </a:schemeClr>
-    </dgm:fillClrLst>
-    <dgm:linClrLst>
-      <a:schemeClr val="accent4"/>
-    </dgm:linClrLst>
-    <dgm:effectClrLst/>
-    <dgm:txLinClrLst/>
-    <dgm:txFillClrLst meth="repeat">
-      <a:schemeClr val="dk1"/>
-    </dgm:txFillClrLst>
-    <dgm:txEffectClrLst/>
-  </dgm:styleLbl>
-  <dgm:styleLbl name="bgShp">
-    <dgm:fillClrLst meth="repeat">
-      <a:schemeClr val="accent2">
-        <a:tint val="40000"/>
-      </a:schemeClr>
-    </dgm:fillClrLst>
-    <dgm:linClrLst meth="repeat">
-      <a:schemeClr val="dk1"/>
-    </dgm:linClrLst>
-    <dgm:effectClrLst/>
-    <dgm:txLinClrLst/>
-    <dgm:txFillClrLst meth="repeat">
-      <a:schemeClr val="dk1"/>
-    </dgm:txFillClrLst>
-    <dgm:txEffectClrLst/>
-  </dgm:styleLbl>
-  <dgm:styleLbl name="dkBgShp">
-    <dgm:fillClrLst meth="repeat">
-      <a:schemeClr val="accent2">
-        <a:shade val="90000"/>
-      </a:schemeClr>
-    </dgm:fillClrLst>
-    <dgm:linClrLst meth="repeat">
-      <a:schemeClr val="dk1"/>
-    </dgm:linClrLst>
-    <dgm:effectClrLst/>
-    <dgm:txLinClrLst/>
-    <dgm:txFillClrLst meth="repeat">
-      <a:schemeClr val="lt1"/>
-    </dgm:txFillClrLst>
-    <dgm:txEffectClrLst/>
-  </dgm:styleLbl>
-  <dgm:styleLbl name="trBgShp">
-    <dgm:fillClrLst meth="repeat">
-      <a:schemeClr val="accent1">
-        <a:tint val="50000"/>
-        <a:alpha val="40000"/>
-      </a:schemeClr>
-    </dgm:fillClrLst>
-    <dgm:linClrLst meth="repeat">
-      <a:schemeClr val="accent2"/>
-    </dgm:linClrLst>
-    <dgm:effectClrLst/>
-    <dgm:txLinClrLst/>
-    <dgm:txFillClrLst meth="repeat">
-      <a:schemeClr val="lt1"/>
-    </dgm:txFillClrLst>
-    <dgm:txEffectClrLst/>
-  </dgm:styleLbl>
-  <dgm:styleLbl name="fgShp">
-    <dgm:fillClrLst meth="repeat">
-      <a:schemeClr val="accent2">
-        <a:tint val="40000"/>
-      </a:schemeClr>
-    </dgm:fillClrLst>
-    <dgm:linClrLst meth="repeat">
-      <a:schemeClr val="lt1"/>
-    </dgm:linClrLst>
-    <dgm:effectClrLst/>
-    <dgm:txLinClrLst/>
-    <dgm:txFillClrLst meth="repeat">
-      <a:schemeClr val="dk1"/>
-    </dgm:txFillClrLst>
-    <dgm:txEffectClrLst/>
-  </dgm:styleLbl>
-  <dgm:styleLbl name="revTx">
-    <dgm:fillClrLst meth="repeat">
-      <a:schemeClr val="lt1">
-        <a:alpha val="0"/>
-      </a:schemeClr>
-    </dgm:fillClrLst>
-    <dgm:linClrLst meth="repeat">
-      <a:schemeClr val="dk1">
-        <a:alpha val="0"/>
-      </a:schemeClr>
-    </dgm:linClrLst>
-    <dgm:effectClrLst/>
-    <dgm:txLinClrLst/>
-    <dgm:txFillClrLst meth="repeat">
-      <a:schemeClr val="tx1"/>
-    </dgm:txFillClrLst>
-    <dgm:txEffectClrLst/>
-  </dgm:styleLbl>
-</dgm:colorsDef>
-</file>
-
-<file path=ppt/diagrams/data1.xml><?xml version="1.0" encoding="utf-8"?>
-<dgm:dataModel xmlns:dgm="http://schemas.openxmlformats.org/drawingml/2006/diagram" xmlns:a="http://schemas.openxmlformats.org/drawingml/2006/main">
-  <dgm:ptLst>
-    <dgm:pt modelId="{B991DC49-D647-4256-B983-3EF57D0B1533}" type="doc">
-      <dgm:prSet loTypeId="urn:microsoft.com/office/officeart/2005/8/layout/cycle1" loCatId="cycle" qsTypeId="urn:microsoft.com/office/officeart/2005/8/quickstyle/simple1" qsCatId="simple" csTypeId="urn:microsoft.com/office/officeart/2005/8/colors/colorful1" csCatId="colorful" phldr="1"/>
-      <dgm:spPr/>
-      <dgm:t>
-        <a:bodyPr/>
-        <a:lstStyle/>
-        <a:p>
-          <a:endParaRPr lang="en-US"/>
-        </a:p>
-      </dgm:t>
-    </dgm:pt>
-    <dgm:pt modelId="{322A53C3-3FD6-4FE1-9364-28535E954CBB}">
-      <dgm:prSet phldrT="[Text]"/>
-      <dgm:spPr/>
-      <dgm:t>
-        <a:bodyPr/>
-        <a:lstStyle/>
-        <a:p>
-          <a:r>
-            <a:rPr lang="en-US" dirty="0" smtClean="0"/>
-            <a:t>Design</a:t>
-          </a:r>
-          <a:endParaRPr lang="en-US" dirty="0"/>
-        </a:p>
-      </dgm:t>
-    </dgm:pt>
-    <dgm:pt modelId="{D905AD28-384F-402E-9198-A6C44B67DD52}" type="parTrans" cxnId="{BC247FFF-F7BE-4ACD-9DE6-0D7E285A8FB3}">
-      <dgm:prSet/>
-      <dgm:spPr/>
-      <dgm:t>
-        <a:bodyPr/>
-        <a:lstStyle/>
-        <a:p>
-          <a:endParaRPr lang="en-US"/>
-        </a:p>
-      </dgm:t>
-    </dgm:pt>
-    <dgm:pt modelId="{B6FC5505-1B37-4C71-A792-6BD3624DA08D}" type="sibTrans" cxnId="{BC247FFF-F7BE-4ACD-9DE6-0D7E285A8FB3}">
-      <dgm:prSet/>
-      <dgm:spPr/>
-      <dgm:t>
-        <a:bodyPr/>
-        <a:lstStyle/>
-        <a:p>
-          <a:endParaRPr lang="en-US"/>
-        </a:p>
-      </dgm:t>
-    </dgm:pt>
-    <dgm:pt modelId="{366F2990-E236-41E9-BB3A-A81CD461EB4E}">
-      <dgm:prSet phldrT="[Text]"/>
-      <dgm:spPr/>
-      <dgm:t>
-        <a:bodyPr/>
-        <a:lstStyle/>
-        <a:p>
-          <a:r>
-            <a:rPr lang="en-US" dirty="0" smtClean="0"/>
-            <a:t>Develop</a:t>
-          </a:r>
-          <a:endParaRPr lang="en-US" dirty="0"/>
-        </a:p>
-      </dgm:t>
-    </dgm:pt>
-    <dgm:pt modelId="{49755C8D-A3D2-4F48-AA85-5501FC3143C9}" type="parTrans" cxnId="{356629A5-A331-4EDE-B121-65960A2F0531}">
-      <dgm:prSet/>
-      <dgm:spPr/>
-      <dgm:t>
-        <a:bodyPr/>
-        <a:lstStyle/>
-        <a:p>
-          <a:endParaRPr lang="en-US"/>
-        </a:p>
-      </dgm:t>
-    </dgm:pt>
-    <dgm:pt modelId="{1D918555-6901-42AA-99E9-8082B3DCC941}" type="sibTrans" cxnId="{356629A5-A331-4EDE-B121-65960A2F0531}">
-      <dgm:prSet/>
-      <dgm:spPr/>
-      <dgm:t>
-        <a:bodyPr/>
-        <a:lstStyle/>
-        <a:p>
-          <a:endParaRPr lang="en-US"/>
-        </a:p>
-      </dgm:t>
-    </dgm:pt>
-    <dgm:pt modelId="{F3C4013E-4DBA-4754-B260-7CA05A94C07C}">
-      <dgm:prSet phldrT="[Text]"/>
-      <dgm:spPr/>
-      <dgm:t>
-        <a:bodyPr/>
-        <a:lstStyle/>
-        <a:p>
-          <a:r>
-            <a:rPr lang="en-US" dirty="0" smtClean="0"/>
-            <a:t>Test</a:t>
-          </a:r>
-          <a:endParaRPr lang="en-US" dirty="0"/>
-        </a:p>
-      </dgm:t>
-    </dgm:pt>
-    <dgm:pt modelId="{3C343E7F-4052-48EA-AA58-32D777512CD7}" type="parTrans" cxnId="{B97BB102-47FC-4D82-B4C5-ACF89056AD77}">
-      <dgm:prSet/>
-      <dgm:spPr/>
-      <dgm:t>
-        <a:bodyPr/>
-        <a:lstStyle/>
-        <a:p>
-          <a:endParaRPr lang="en-US"/>
-        </a:p>
-      </dgm:t>
-    </dgm:pt>
-    <dgm:pt modelId="{08BF35C9-C25D-48BC-8014-5FDE9376F5BD}" type="sibTrans" cxnId="{B97BB102-47FC-4D82-B4C5-ACF89056AD77}">
-      <dgm:prSet/>
-      <dgm:spPr/>
-      <dgm:t>
-        <a:bodyPr/>
-        <a:lstStyle/>
-        <a:p>
-          <a:endParaRPr lang="en-US"/>
-        </a:p>
-      </dgm:t>
-    </dgm:pt>
-    <dgm:pt modelId="{85030DE2-A69E-42D8-940D-F65FC183FB87}">
-      <dgm:prSet phldrT="[Text]"/>
-      <dgm:spPr/>
-      <dgm:t>
-        <a:bodyPr/>
-        <a:lstStyle/>
-        <a:p>
-          <a:r>
-            <a:rPr lang="en-US" dirty="0" smtClean="0"/>
-            <a:t>Release</a:t>
-          </a:r>
-          <a:endParaRPr lang="en-US" dirty="0"/>
-        </a:p>
-      </dgm:t>
-    </dgm:pt>
-    <dgm:pt modelId="{B04EFE06-B43A-4983-A9A4-960F2254BEE1}" type="parTrans" cxnId="{B96492A9-8ED3-4419-BA2B-0401A7FF0ED6}">
-      <dgm:prSet/>
-      <dgm:spPr/>
-      <dgm:t>
-        <a:bodyPr/>
-        <a:lstStyle/>
-        <a:p>
-          <a:endParaRPr lang="en-US"/>
-        </a:p>
-      </dgm:t>
-    </dgm:pt>
-    <dgm:pt modelId="{896B4627-B608-4A58-AC85-5CEE01563E13}" type="sibTrans" cxnId="{B96492A9-8ED3-4419-BA2B-0401A7FF0ED6}">
-      <dgm:prSet/>
-      <dgm:spPr/>
-      <dgm:t>
-        <a:bodyPr/>
-        <a:lstStyle/>
-        <a:p>
-          <a:endParaRPr lang="en-US"/>
-        </a:p>
-      </dgm:t>
-    </dgm:pt>
-    <dgm:pt modelId="{737F05AC-A2F5-4D9F-A5D1-35C84787EA9D}" type="pres">
-      <dgm:prSet presAssocID="{B991DC49-D647-4256-B983-3EF57D0B1533}" presName="cycle" presStyleCnt="0">
-        <dgm:presLayoutVars>
-          <dgm:dir/>
-          <dgm:resizeHandles val="exact"/>
-        </dgm:presLayoutVars>
-      </dgm:prSet>
-      <dgm:spPr/>
-      <dgm:t>
-        <a:bodyPr/>
-        <a:lstStyle/>
-        <a:p>
-          <a:endParaRPr lang="en-US"/>
-        </a:p>
-      </dgm:t>
-    </dgm:pt>
-    <dgm:pt modelId="{A4262B2D-2E1D-4256-92D0-102EAF758967}" type="pres">
-      <dgm:prSet presAssocID="{322A53C3-3FD6-4FE1-9364-28535E954CBB}" presName="dummy" presStyleCnt="0"/>
-      <dgm:spPr/>
-    </dgm:pt>
-    <dgm:pt modelId="{A6702A3A-3901-4C44-A9F6-6AD6AF6529AA}" type="pres">
-      <dgm:prSet presAssocID="{322A53C3-3FD6-4FE1-9364-28535E954CBB}" presName="node" presStyleLbl="revTx" presStyleIdx="0" presStyleCnt="4">
-        <dgm:presLayoutVars>
-          <dgm:bulletEnabled val="1"/>
-        </dgm:presLayoutVars>
-      </dgm:prSet>
-      <dgm:spPr/>
-      <dgm:t>
-        <a:bodyPr/>
-        <a:lstStyle/>
-        <a:p>
-          <a:endParaRPr lang="en-US"/>
-        </a:p>
-      </dgm:t>
-    </dgm:pt>
-    <dgm:pt modelId="{0C00723A-D21D-4560-937D-EBDED2D0BCA2}" type="pres">
-      <dgm:prSet presAssocID="{B6FC5505-1B37-4C71-A792-6BD3624DA08D}" presName="sibTrans" presStyleLbl="node1" presStyleIdx="0" presStyleCnt="4"/>
-      <dgm:spPr/>
-      <dgm:t>
-        <a:bodyPr/>
-        <a:lstStyle/>
-        <a:p>
-          <a:endParaRPr lang="en-US"/>
-        </a:p>
-      </dgm:t>
-    </dgm:pt>
-    <dgm:pt modelId="{F1A4F250-B570-4569-9919-24493368D798}" type="pres">
-      <dgm:prSet presAssocID="{366F2990-E236-41E9-BB3A-A81CD461EB4E}" presName="dummy" presStyleCnt="0"/>
-      <dgm:spPr/>
-    </dgm:pt>
-    <dgm:pt modelId="{D0AD386D-8925-4CC1-B69E-3F5F9F168F62}" type="pres">
-      <dgm:prSet presAssocID="{366F2990-E236-41E9-BB3A-A81CD461EB4E}" presName="node" presStyleLbl="revTx" presStyleIdx="1" presStyleCnt="4">
-        <dgm:presLayoutVars>
-          <dgm:bulletEnabled val="1"/>
-        </dgm:presLayoutVars>
-      </dgm:prSet>
-      <dgm:spPr/>
-      <dgm:t>
-        <a:bodyPr/>
-        <a:lstStyle/>
-        <a:p>
-          <a:endParaRPr lang="en-US"/>
-        </a:p>
-      </dgm:t>
-    </dgm:pt>
-    <dgm:pt modelId="{534A8FBA-CE59-45B5-A99A-C63CE1609992}" type="pres">
-      <dgm:prSet presAssocID="{1D918555-6901-42AA-99E9-8082B3DCC941}" presName="sibTrans" presStyleLbl="node1" presStyleIdx="1" presStyleCnt="4"/>
-      <dgm:spPr/>
-      <dgm:t>
-        <a:bodyPr/>
-        <a:lstStyle/>
-        <a:p>
-          <a:endParaRPr lang="en-US"/>
-        </a:p>
-      </dgm:t>
-    </dgm:pt>
-    <dgm:pt modelId="{F3D18B15-DF88-4CD0-A136-4CF418EAB3A5}" type="pres">
-      <dgm:prSet presAssocID="{F3C4013E-4DBA-4754-B260-7CA05A94C07C}" presName="dummy" presStyleCnt="0"/>
-      <dgm:spPr/>
-    </dgm:pt>
-    <dgm:pt modelId="{C48651FA-90BA-44A6-972F-9CD326820611}" type="pres">
-      <dgm:prSet presAssocID="{F3C4013E-4DBA-4754-B260-7CA05A94C07C}" presName="node" presStyleLbl="revTx" presStyleIdx="2" presStyleCnt="4">
-        <dgm:presLayoutVars>
-          <dgm:bulletEnabled val="1"/>
-        </dgm:presLayoutVars>
-      </dgm:prSet>
-      <dgm:spPr/>
-      <dgm:t>
-        <a:bodyPr/>
-        <a:lstStyle/>
-        <a:p>
-          <a:endParaRPr lang="en-US"/>
-        </a:p>
-      </dgm:t>
-    </dgm:pt>
-    <dgm:pt modelId="{67F4A698-7E53-4CC4-90F1-0C1987BC2242}" type="pres">
-      <dgm:prSet presAssocID="{08BF35C9-C25D-48BC-8014-5FDE9376F5BD}" presName="sibTrans" presStyleLbl="node1" presStyleIdx="2" presStyleCnt="4"/>
-      <dgm:spPr/>
-      <dgm:t>
-        <a:bodyPr/>
-        <a:lstStyle/>
-        <a:p>
-          <a:endParaRPr lang="en-US"/>
-        </a:p>
-      </dgm:t>
-    </dgm:pt>
-    <dgm:pt modelId="{6DC2996A-4DFB-406B-9B9D-C456D05EBE6B}" type="pres">
-      <dgm:prSet presAssocID="{85030DE2-A69E-42D8-940D-F65FC183FB87}" presName="dummy" presStyleCnt="0"/>
-      <dgm:spPr/>
-    </dgm:pt>
-    <dgm:pt modelId="{F07DD156-3C76-46F4-B341-75B5A6D2898E}" type="pres">
-      <dgm:prSet presAssocID="{85030DE2-A69E-42D8-940D-F65FC183FB87}" presName="node" presStyleLbl="revTx" presStyleIdx="3" presStyleCnt="4">
-        <dgm:presLayoutVars>
-          <dgm:bulletEnabled val="1"/>
-        </dgm:presLayoutVars>
-      </dgm:prSet>
-      <dgm:spPr/>
-      <dgm:t>
-        <a:bodyPr/>
-        <a:lstStyle/>
-        <a:p>
-          <a:endParaRPr lang="en-US"/>
-        </a:p>
-      </dgm:t>
-    </dgm:pt>
-    <dgm:pt modelId="{FF5624A6-40DD-4362-86C8-6C07D370A9D1}" type="pres">
-      <dgm:prSet presAssocID="{896B4627-B608-4A58-AC85-5CEE01563E13}" presName="sibTrans" presStyleLbl="node1" presStyleIdx="3" presStyleCnt="4"/>
-      <dgm:spPr/>
-      <dgm:t>
-        <a:bodyPr/>
-        <a:lstStyle/>
-        <a:p>
-          <a:endParaRPr lang="en-US"/>
-        </a:p>
-      </dgm:t>
-    </dgm:pt>
-  </dgm:ptLst>
-  <dgm:cxnLst>
-    <dgm:cxn modelId="{B96492A9-8ED3-4419-BA2B-0401A7FF0ED6}" srcId="{B991DC49-D647-4256-B983-3EF57D0B1533}" destId="{85030DE2-A69E-42D8-940D-F65FC183FB87}" srcOrd="3" destOrd="0" parTransId="{B04EFE06-B43A-4983-A9A4-960F2254BEE1}" sibTransId="{896B4627-B608-4A58-AC85-5CEE01563E13}"/>
-    <dgm:cxn modelId="{16E2C76A-2C41-48E1-BB2C-B94A7336E405}" type="presOf" srcId="{366F2990-E236-41E9-BB3A-A81CD461EB4E}" destId="{D0AD386D-8925-4CC1-B69E-3F5F9F168F62}" srcOrd="0" destOrd="0" presId="urn:microsoft.com/office/officeart/2005/8/layout/cycle1"/>
-    <dgm:cxn modelId="{B14A3E09-875F-4B5E-B9AA-A2439F3CB7A9}" type="presOf" srcId="{B6FC5505-1B37-4C71-A792-6BD3624DA08D}" destId="{0C00723A-D21D-4560-937D-EBDED2D0BCA2}" srcOrd="0" destOrd="0" presId="urn:microsoft.com/office/officeart/2005/8/layout/cycle1"/>
-    <dgm:cxn modelId="{B44CE998-28A4-496C-A1EA-B20E51777701}" type="presOf" srcId="{B991DC49-D647-4256-B983-3EF57D0B1533}" destId="{737F05AC-A2F5-4D9F-A5D1-35C84787EA9D}" srcOrd="0" destOrd="0" presId="urn:microsoft.com/office/officeart/2005/8/layout/cycle1"/>
-    <dgm:cxn modelId="{C008FC82-CD81-4429-B1F2-5E381BD74F0F}" type="presOf" srcId="{F3C4013E-4DBA-4754-B260-7CA05A94C07C}" destId="{C48651FA-90BA-44A6-972F-9CD326820611}" srcOrd="0" destOrd="0" presId="urn:microsoft.com/office/officeart/2005/8/layout/cycle1"/>
-    <dgm:cxn modelId="{BC247FFF-F7BE-4ACD-9DE6-0D7E285A8FB3}" srcId="{B991DC49-D647-4256-B983-3EF57D0B1533}" destId="{322A53C3-3FD6-4FE1-9364-28535E954CBB}" srcOrd="0" destOrd="0" parTransId="{D905AD28-384F-402E-9198-A6C44B67DD52}" sibTransId="{B6FC5505-1B37-4C71-A792-6BD3624DA08D}"/>
-    <dgm:cxn modelId="{356629A5-A331-4EDE-B121-65960A2F0531}" srcId="{B991DC49-D647-4256-B983-3EF57D0B1533}" destId="{366F2990-E236-41E9-BB3A-A81CD461EB4E}" srcOrd="1" destOrd="0" parTransId="{49755C8D-A3D2-4F48-AA85-5501FC3143C9}" sibTransId="{1D918555-6901-42AA-99E9-8082B3DCC941}"/>
-    <dgm:cxn modelId="{732DC8DE-CD48-4B9D-A722-0BABC7E289CE}" type="presOf" srcId="{1D918555-6901-42AA-99E9-8082B3DCC941}" destId="{534A8FBA-CE59-45B5-A99A-C63CE1609992}" srcOrd="0" destOrd="0" presId="urn:microsoft.com/office/officeart/2005/8/layout/cycle1"/>
-    <dgm:cxn modelId="{47EDE697-7018-4FEB-B551-137A7CD82C57}" type="presOf" srcId="{896B4627-B608-4A58-AC85-5CEE01563E13}" destId="{FF5624A6-40DD-4362-86C8-6C07D370A9D1}" srcOrd="0" destOrd="0" presId="urn:microsoft.com/office/officeart/2005/8/layout/cycle1"/>
-    <dgm:cxn modelId="{789DAE6C-B079-4E62-9113-73FE9ED6B9CD}" type="presOf" srcId="{322A53C3-3FD6-4FE1-9364-28535E954CBB}" destId="{A6702A3A-3901-4C44-A9F6-6AD6AF6529AA}" srcOrd="0" destOrd="0" presId="urn:microsoft.com/office/officeart/2005/8/layout/cycle1"/>
-    <dgm:cxn modelId="{3A8EE9DD-C6CE-4C25-A459-08B35C55DAEB}" type="presOf" srcId="{08BF35C9-C25D-48BC-8014-5FDE9376F5BD}" destId="{67F4A698-7E53-4CC4-90F1-0C1987BC2242}" srcOrd="0" destOrd="0" presId="urn:microsoft.com/office/officeart/2005/8/layout/cycle1"/>
-    <dgm:cxn modelId="{B8A8D813-C372-4B78-84DF-106659556BB9}" type="presOf" srcId="{85030DE2-A69E-42D8-940D-F65FC183FB87}" destId="{F07DD156-3C76-46F4-B341-75B5A6D2898E}" srcOrd="0" destOrd="0" presId="urn:microsoft.com/office/officeart/2005/8/layout/cycle1"/>
-    <dgm:cxn modelId="{B97BB102-47FC-4D82-B4C5-ACF89056AD77}" srcId="{B991DC49-D647-4256-B983-3EF57D0B1533}" destId="{F3C4013E-4DBA-4754-B260-7CA05A94C07C}" srcOrd="2" destOrd="0" parTransId="{3C343E7F-4052-48EA-AA58-32D777512CD7}" sibTransId="{08BF35C9-C25D-48BC-8014-5FDE9376F5BD}"/>
-    <dgm:cxn modelId="{FF3B5322-BFED-44AF-A17F-9D8E1D138B98}" type="presParOf" srcId="{737F05AC-A2F5-4D9F-A5D1-35C84787EA9D}" destId="{A4262B2D-2E1D-4256-92D0-102EAF758967}" srcOrd="0" destOrd="0" presId="urn:microsoft.com/office/officeart/2005/8/layout/cycle1"/>
-    <dgm:cxn modelId="{219E34E4-026A-416E-821E-C8CAB2EAD9B2}" type="presParOf" srcId="{737F05AC-A2F5-4D9F-A5D1-35C84787EA9D}" destId="{A6702A3A-3901-4C44-A9F6-6AD6AF6529AA}" srcOrd="1" destOrd="0" presId="urn:microsoft.com/office/officeart/2005/8/layout/cycle1"/>
-    <dgm:cxn modelId="{0A95D11E-BAF2-492C-93B1-4E9F2209A84A}" type="presParOf" srcId="{737F05AC-A2F5-4D9F-A5D1-35C84787EA9D}" destId="{0C00723A-D21D-4560-937D-EBDED2D0BCA2}" srcOrd="2" destOrd="0" presId="urn:microsoft.com/office/officeart/2005/8/layout/cycle1"/>
-    <dgm:cxn modelId="{699F63D2-DE2C-4122-B4BF-54F0FE3764C0}" type="presParOf" srcId="{737F05AC-A2F5-4D9F-A5D1-35C84787EA9D}" destId="{F1A4F250-B570-4569-9919-24493368D798}" srcOrd="3" destOrd="0" presId="urn:microsoft.com/office/officeart/2005/8/layout/cycle1"/>
-    <dgm:cxn modelId="{B6D4689B-6121-46FA-A4D2-C9A66703203B}" type="presParOf" srcId="{737F05AC-A2F5-4D9F-A5D1-35C84787EA9D}" destId="{D0AD386D-8925-4CC1-B69E-3F5F9F168F62}" srcOrd="4" destOrd="0" presId="urn:microsoft.com/office/officeart/2005/8/layout/cycle1"/>
-    <dgm:cxn modelId="{56EAFA85-3AF0-487D-BF36-5F9FF0BEFE86}" type="presParOf" srcId="{737F05AC-A2F5-4D9F-A5D1-35C84787EA9D}" destId="{534A8FBA-CE59-45B5-A99A-C63CE1609992}" srcOrd="5" destOrd="0" presId="urn:microsoft.com/office/officeart/2005/8/layout/cycle1"/>
-    <dgm:cxn modelId="{E5AC32FF-F322-4C93-960D-8D1BCF9B65C8}" type="presParOf" srcId="{737F05AC-A2F5-4D9F-A5D1-35C84787EA9D}" destId="{F3D18B15-DF88-4CD0-A136-4CF418EAB3A5}" srcOrd="6" destOrd="0" presId="urn:microsoft.com/office/officeart/2005/8/layout/cycle1"/>
-    <dgm:cxn modelId="{D3E32245-F310-4B75-9B05-815BAA6A9E41}" type="presParOf" srcId="{737F05AC-A2F5-4D9F-A5D1-35C84787EA9D}" destId="{C48651FA-90BA-44A6-972F-9CD326820611}" srcOrd="7" destOrd="0" presId="urn:microsoft.com/office/officeart/2005/8/layout/cycle1"/>
-    <dgm:cxn modelId="{788EB30E-B830-4A37-B936-E1CB8CE10390}" type="presParOf" srcId="{737F05AC-A2F5-4D9F-A5D1-35C84787EA9D}" destId="{67F4A698-7E53-4CC4-90F1-0C1987BC2242}" srcOrd="8" destOrd="0" presId="urn:microsoft.com/office/officeart/2005/8/layout/cycle1"/>
-    <dgm:cxn modelId="{F3B4FE5C-10C6-48DC-B81D-9EE2BC3B0E26}" type="presParOf" srcId="{737F05AC-A2F5-4D9F-A5D1-35C84787EA9D}" destId="{6DC2996A-4DFB-406B-9B9D-C456D05EBE6B}" srcOrd="9" destOrd="0" presId="urn:microsoft.com/office/officeart/2005/8/layout/cycle1"/>
-    <dgm:cxn modelId="{36ABFBB7-F59C-4AF7-B405-B4F86709B2E0}" type="presParOf" srcId="{737F05AC-A2F5-4D9F-A5D1-35C84787EA9D}" destId="{F07DD156-3C76-46F4-B341-75B5A6D2898E}" srcOrd="10" destOrd="0" presId="urn:microsoft.com/office/officeart/2005/8/layout/cycle1"/>
-    <dgm:cxn modelId="{C1AEE5F5-7832-49B1-A309-BF8E608F80E1}" type="presParOf" srcId="{737F05AC-A2F5-4D9F-A5D1-35C84787EA9D}" destId="{FF5624A6-40DD-4362-86C8-6C07D370A9D1}" srcOrd="11" destOrd="0" presId="urn:microsoft.com/office/officeart/2005/8/layout/cycle1"/>
-  </dgm:cxnLst>
-  <dgm:bg/>
-  <dgm:whole/>
-  <dgm:extLst>
-    <a:ext uri="http://schemas.microsoft.com/office/drawing/2008/diagram">
-      <dsp:dataModelExt xmlns:dsp="http://schemas.microsoft.com/office/drawing/2008/diagram" relId="rId7" minVer="http://schemas.openxmlformats.org/drawingml/2006/diagram"/>
-    </a:ext>
-  </dgm:extLst>
-</dgm:dataModel>
-</file>
-
-<file path=ppt/diagrams/drawing1.xml><?xml version="1.0" encoding="utf-8"?>
-<dsp:drawing xmlns:dgm="http://schemas.openxmlformats.org/drawingml/2006/diagram" xmlns:dsp="http://schemas.microsoft.com/office/drawing/2008/diagram" xmlns:a="http://schemas.openxmlformats.org/drawingml/2006/main">
-  <dsp:spTree>
-    <dsp:nvGrpSpPr>
-      <dsp:cNvPr id="0" name=""/>
-      <dsp:cNvGrpSpPr/>
-    </dsp:nvGrpSpPr>
-    <dsp:grpSpPr/>
-    <dsp:sp modelId="{A6702A3A-3901-4C44-A9F6-6AD6AF6529AA}">
-      <dsp:nvSpPr>
-        <dsp:cNvPr id="0" name=""/>
-        <dsp:cNvSpPr/>
-      </dsp:nvSpPr>
-      <dsp:spPr>
-        <a:xfrm>
-          <a:off x="4156034" y="115928"/>
-          <a:ext cx="1862137" cy="1862137"/>
-        </a:xfrm>
-        <a:prstGeom prst="rect">
-          <a:avLst/>
-        </a:prstGeom>
-        <a:noFill/>
-        <a:ln>
-          <a:noFill/>
-        </a:ln>
-        <a:effectLst/>
-      </dsp:spPr>
-      <dsp:style>
-        <a:lnRef idx="0">
-          <a:scrgbClr r="0" g="0" b="0"/>
-        </a:lnRef>
-        <a:fillRef idx="0">
-          <a:scrgbClr r="0" g="0" b="0"/>
-        </a:fillRef>
-        <a:effectRef idx="0">
-          <a:scrgbClr r="0" g="0" b="0"/>
-        </a:effectRef>
-        <a:fontRef idx="minor"/>
-      </dsp:style>
-      <dsp:txBody>
-        <a:bodyPr spcFirstLastPara="0" vert="horz" wrap="square" lIns="41910" tIns="41910" rIns="41910" bIns="41910" numCol="1" spcCol="1270" anchor="ctr" anchorCtr="0">
-          <a:noAutofit/>
-        </a:bodyPr>
-        <a:lstStyle/>
-        <a:p>
-          <a:pPr lvl="0" algn="ctr" defTabSz="1466850">
-            <a:lnSpc>
-              <a:spcPct val="90000"/>
-            </a:lnSpc>
-            <a:spcBef>
-              <a:spcPct val="0"/>
-            </a:spcBef>
-            <a:spcAft>
-              <a:spcPct val="35000"/>
-            </a:spcAft>
-          </a:pPr>
-          <a:r>
-            <a:rPr lang="en-US" sz="3300" kern="1200" dirty="0" smtClean="0"/>
-            <a:t>Design</a:t>
-          </a:r>
-          <a:endParaRPr lang="en-US" sz="3300" kern="1200" dirty="0"/>
-        </a:p>
-      </dsp:txBody>
-      <dsp:txXfrm>
-        <a:off x="4156034" y="115928"/>
-        <a:ext cx="1862137" cy="1862137"/>
-      </dsp:txXfrm>
-    </dsp:sp>
-    <dsp:sp modelId="{0C00723A-D21D-4560-937D-EBDED2D0BCA2}">
-      <dsp:nvSpPr>
-        <dsp:cNvPr id="0" name=""/>
-        <dsp:cNvSpPr/>
-      </dsp:nvSpPr>
-      <dsp:spPr>
-        <a:xfrm>
-          <a:off x="874675" y="-1624"/>
-          <a:ext cx="5261049" cy="5261049"/>
-        </a:xfrm>
-        <a:prstGeom prst="circularArrow">
-          <a:avLst>
-            <a:gd name="adj1" fmla="val 6902"/>
-            <a:gd name="adj2" fmla="val 465346"/>
-            <a:gd name="adj3" fmla="val 549441"/>
-            <a:gd name="adj4" fmla="val 20585213"/>
-            <a:gd name="adj5" fmla="val 8052"/>
-          </a:avLst>
-        </a:prstGeom>
-        <a:solidFill>
-          <a:schemeClr val="accent2">
-            <a:hueOff val="0"/>
-            <a:satOff val="0"/>
-            <a:lumOff val="0"/>
-            <a:alphaOff val="0"/>
-          </a:schemeClr>
-        </a:solidFill>
-        <a:ln w="12700" cap="flat" cmpd="sng" algn="ctr">
-          <a:solidFill>
-            <a:schemeClr val="lt1">
-              <a:hueOff val="0"/>
-              <a:satOff val="0"/>
-              <a:lumOff val="0"/>
-              <a:alphaOff val="0"/>
-            </a:schemeClr>
-          </a:solidFill>
-          <a:prstDash val="solid"/>
-          <a:miter lim="800000"/>
-        </a:ln>
-        <a:effectLst/>
-      </dsp:spPr>
-      <dsp:style>
-        <a:lnRef idx="2">
-          <a:scrgbClr r="0" g="0" b="0"/>
-        </a:lnRef>
-        <a:fillRef idx="1">
-          <a:scrgbClr r="0" g="0" b="0"/>
-        </a:fillRef>
-        <a:effectRef idx="0">
-          <a:scrgbClr r="0" g="0" b="0"/>
-        </a:effectRef>
-        <a:fontRef idx="minor">
-          <a:schemeClr val="lt1"/>
-        </a:fontRef>
-      </dsp:style>
-    </dsp:sp>
-    <dsp:sp modelId="{D0AD386D-8925-4CC1-B69E-3F5F9F168F62}">
-      <dsp:nvSpPr>
-        <dsp:cNvPr id="0" name=""/>
-        <dsp:cNvSpPr/>
-      </dsp:nvSpPr>
-      <dsp:spPr>
-        <a:xfrm>
-          <a:off x="4156034" y="3279734"/>
-          <a:ext cx="1862137" cy="1862137"/>
-        </a:xfrm>
-        <a:prstGeom prst="rect">
-          <a:avLst/>
-        </a:prstGeom>
-        <a:noFill/>
-        <a:ln>
-          <a:noFill/>
-        </a:ln>
-        <a:effectLst/>
-      </dsp:spPr>
-      <dsp:style>
-        <a:lnRef idx="0">
-          <a:scrgbClr r="0" g="0" b="0"/>
-        </a:lnRef>
-        <a:fillRef idx="0">
-          <a:scrgbClr r="0" g="0" b="0"/>
-        </a:fillRef>
-        <a:effectRef idx="0">
-          <a:scrgbClr r="0" g="0" b="0"/>
-        </a:effectRef>
-        <a:fontRef idx="minor"/>
-      </dsp:style>
-      <dsp:txBody>
-        <a:bodyPr spcFirstLastPara="0" vert="horz" wrap="square" lIns="41910" tIns="41910" rIns="41910" bIns="41910" numCol="1" spcCol="1270" anchor="ctr" anchorCtr="0">
-          <a:noAutofit/>
-        </a:bodyPr>
-        <a:lstStyle/>
-        <a:p>
-          <a:pPr lvl="0" algn="ctr" defTabSz="1466850">
-            <a:lnSpc>
-              <a:spcPct val="90000"/>
-            </a:lnSpc>
-            <a:spcBef>
-              <a:spcPct val="0"/>
-            </a:spcBef>
-            <a:spcAft>
-              <a:spcPct val="35000"/>
-            </a:spcAft>
-          </a:pPr>
-          <a:r>
-            <a:rPr lang="en-US" sz="3300" kern="1200" dirty="0" smtClean="0"/>
-            <a:t>Develop</a:t>
-          </a:r>
-          <a:endParaRPr lang="en-US" sz="3300" kern="1200" dirty="0"/>
-        </a:p>
-      </dsp:txBody>
-      <dsp:txXfrm>
-        <a:off x="4156034" y="3279734"/>
-        <a:ext cx="1862137" cy="1862137"/>
-      </dsp:txXfrm>
-    </dsp:sp>
-    <dsp:sp modelId="{534A8FBA-CE59-45B5-A99A-C63CE1609992}">
-      <dsp:nvSpPr>
-        <dsp:cNvPr id="0" name=""/>
-        <dsp:cNvSpPr/>
-      </dsp:nvSpPr>
-      <dsp:spPr>
-        <a:xfrm>
-          <a:off x="874675" y="-1624"/>
-          <a:ext cx="5261049" cy="5261049"/>
-        </a:xfrm>
-        <a:prstGeom prst="circularArrow">
-          <a:avLst>
-            <a:gd name="adj1" fmla="val 6902"/>
-            <a:gd name="adj2" fmla="val 465346"/>
-            <a:gd name="adj3" fmla="val 5949441"/>
-            <a:gd name="adj4" fmla="val 4385213"/>
-            <a:gd name="adj5" fmla="val 8052"/>
-          </a:avLst>
-        </a:prstGeom>
-        <a:solidFill>
-          <a:schemeClr val="accent3">
-            <a:hueOff val="0"/>
-            <a:satOff val="0"/>
-            <a:lumOff val="0"/>
-            <a:alphaOff val="0"/>
-          </a:schemeClr>
-        </a:solidFill>
-        <a:ln w="12700" cap="flat" cmpd="sng" algn="ctr">
-          <a:solidFill>
-            <a:schemeClr val="lt1">
-              <a:hueOff val="0"/>
-              <a:satOff val="0"/>
-              <a:lumOff val="0"/>
-              <a:alphaOff val="0"/>
-            </a:schemeClr>
-          </a:solidFill>
-          <a:prstDash val="solid"/>
-          <a:miter lim="800000"/>
-        </a:ln>
-        <a:effectLst/>
-      </dsp:spPr>
-      <dsp:style>
-        <a:lnRef idx="2">
-          <a:scrgbClr r="0" g="0" b="0"/>
-        </a:lnRef>
-        <a:fillRef idx="1">
-          <a:scrgbClr r="0" g="0" b="0"/>
-        </a:fillRef>
-        <a:effectRef idx="0">
-          <a:scrgbClr r="0" g="0" b="0"/>
-        </a:effectRef>
-        <a:fontRef idx="minor">
-          <a:schemeClr val="lt1"/>
-        </a:fontRef>
-      </dsp:style>
-    </dsp:sp>
-    <dsp:sp modelId="{C48651FA-90BA-44A6-972F-9CD326820611}">
-      <dsp:nvSpPr>
-        <dsp:cNvPr id="0" name=""/>
-        <dsp:cNvSpPr/>
-      </dsp:nvSpPr>
-      <dsp:spPr>
-        <a:xfrm>
-          <a:off x="992228" y="3279734"/>
-          <a:ext cx="1862137" cy="1862137"/>
-        </a:xfrm>
-        <a:prstGeom prst="rect">
-          <a:avLst/>
-        </a:prstGeom>
-        <a:noFill/>
-        <a:ln>
-          <a:noFill/>
-        </a:ln>
-        <a:effectLst/>
-      </dsp:spPr>
-      <dsp:style>
-        <a:lnRef idx="0">
-          <a:scrgbClr r="0" g="0" b="0"/>
-        </a:lnRef>
-        <a:fillRef idx="0">
-          <a:scrgbClr r="0" g="0" b="0"/>
-        </a:fillRef>
-        <a:effectRef idx="0">
-          <a:scrgbClr r="0" g="0" b="0"/>
-        </a:effectRef>
-        <a:fontRef idx="minor"/>
-      </dsp:style>
-      <dsp:txBody>
-        <a:bodyPr spcFirstLastPara="0" vert="horz" wrap="square" lIns="41910" tIns="41910" rIns="41910" bIns="41910" numCol="1" spcCol="1270" anchor="ctr" anchorCtr="0">
-          <a:noAutofit/>
-        </a:bodyPr>
-        <a:lstStyle/>
-        <a:p>
-          <a:pPr lvl="0" algn="ctr" defTabSz="1466850">
-            <a:lnSpc>
-              <a:spcPct val="90000"/>
-            </a:lnSpc>
-            <a:spcBef>
-              <a:spcPct val="0"/>
-            </a:spcBef>
-            <a:spcAft>
-              <a:spcPct val="35000"/>
-            </a:spcAft>
-          </a:pPr>
-          <a:r>
-            <a:rPr lang="en-US" sz="3300" kern="1200" dirty="0" smtClean="0"/>
-            <a:t>Test</a:t>
-          </a:r>
-          <a:endParaRPr lang="en-US" sz="3300" kern="1200" dirty="0"/>
-        </a:p>
-      </dsp:txBody>
-      <dsp:txXfrm>
-        <a:off x="992228" y="3279734"/>
-        <a:ext cx="1862137" cy="1862137"/>
-      </dsp:txXfrm>
-    </dsp:sp>
-    <dsp:sp modelId="{67F4A698-7E53-4CC4-90F1-0C1987BC2242}">
-      <dsp:nvSpPr>
-        <dsp:cNvPr id="0" name=""/>
-        <dsp:cNvSpPr/>
-      </dsp:nvSpPr>
-      <dsp:spPr>
-        <a:xfrm>
-          <a:off x="874675" y="-1624"/>
-          <a:ext cx="5261049" cy="5261049"/>
-        </a:xfrm>
-        <a:prstGeom prst="circularArrow">
-          <a:avLst>
-            <a:gd name="adj1" fmla="val 6902"/>
-            <a:gd name="adj2" fmla="val 465346"/>
-            <a:gd name="adj3" fmla="val 11349441"/>
-            <a:gd name="adj4" fmla="val 9785213"/>
-            <a:gd name="adj5" fmla="val 8052"/>
-          </a:avLst>
-        </a:prstGeom>
-        <a:solidFill>
-          <a:schemeClr val="accent4">
-            <a:hueOff val="0"/>
-            <a:satOff val="0"/>
-            <a:lumOff val="0"/>
-            <a:alphaOff val="0"/>
-          </a:schemeClr>
-        </a:solidFill>
-        <a:ln w="12700" cap="flat" cmpd="sng" algn="ctr">
-          <a:solidFill>
-            <a:schemeClr val="lt1">
-              <a:hueOff val="0"/>
-              <a:satOff val="0"/>
-              <a:lumOff val="0"/>
-              <a:alphaOff val="0"/>
-            </a:schemeClr>
-          </a:solidFill>
-          <a:prstDash val="solid"/>
-          <a:miter lim="800000"/>
-        </a:ln>
-        <a:effectLst/>
-      </dsp:spPr>
-      <dsp:style>
-        <a:lnRef idx="2">
-          <a:scrgbClr r="0" g="0" b="0"/>
-        </a:lnRef>
-        <a:fillRef idx="1">
-          <a:scrgbClr r="0" g="0" b="0"/>
-        </a:fillRef>
-        <a:effectRef idx="0">
-          <a:scrgbClr r="0" g="0" b="0"/>
-        </a:effectRef>
-        <a:fontRef idx="minor">
-          <a:schemeClr val="lt1"/>
-        </a:fontRef>
-      </dsp:style>
-    </dsp:sp>
-    <dsp:sp modelId="{F07DD156-3C76-46F4-B341-75B5A6D2898E}">
-      <dsp:nvSpPr>
-        <dsp:cNvPr id="0" name=""/>
-        <dsp:cNvSpPr/>
-      </dsp:nvSpPr>
-      <dsp:spPr>
-        <a:xfrm>
-          <a:off x="992228" y="115928"/>
-          <a:ext cx="1862137" cy="1862137"/>
-        </a:xfrm>
-        <a:prstGeom prst="rect">
-          <a:avLst/>
-        </a:prstGeom>
-        <a:noFill/>
-        <a:ln>
-          <a:noFill/>
-        </a:ln>
-        <a:effectLst/>
-      </dsp:spPr>
-      <dsp:style>
-        <a:lnRef idx="0">
-          <a:scrgbClr r="0" g="0" b="0"/>
-        </a:lnRef>
-        <a:fillRef idx="0">
-          <a:scrgbClr r="0" g="0" b="0"/>
-        </a:fillRef>
-        <a:effectRef idx="0">
-          <a:scrgbClr r="0" g="0" b="0"/>
-        </a:effectRef>
-        <a:fontRef idx="minor"/>
-      </dsp:style>
-      <dsp:txBody>
-        <a:bodyPr spcFirstLastPara="0" vert="horz" wrap="square" lIns="41910" tIns="41910" rIns="41910" bIns="41910" numCol="1" spcCol="1270" anchor="ctr" anchorCtr="0">
-          <a:noAutofit/>
-        </a:bodyPr>
-        <a:lstStyle/>
-        <a:p>
-          <a:pPr lvl="0" algn="ctr" defTabSz="1466850">
-            <a:lnSpc>
-              <a:spcPct val="90000"/>
-            </a:lnSpc>
-            <a:spcBef>
-              <a:spcPct val="0"/>
-            </a:spcBef>
-            <a:spcAft>
-              <a:spcPct val="35000"/>
-            </a:spcAft>
-          </a:pPr>
-          <a:r>
-            <a:rPr lang="en-US" sz="3300" kern="1200" dirty="0" smtClean="0"/>
-            <a:t>Release</a:t>
-          </a:r>
-          <a:endParaRPr lang="en-US" sz="3300" kern="1200" dirty="0"/>
-        </a:p>
-      </dsp:txBody>
-      <dsp:txXfrm>
-        <a:off x="992228" y="115928"/>
-        <a:ext cx="1862137" cy="1862137"/>
-      </dsp:txXfrm>
-    </dsp:sp>
-    <dsp:sp modelId="{FF5624A6-40DD-4362-86C8-6C07D370A9D1}">
-      <dsp:nvSpPr>
-        <dsp:cNvPr id="0" name=""/>
-        <dsp:cNvSpPr/>
-      </dsp:nvSpPr>
-      <dsp:spPr>
-        <a:xfrm>
-          <a:off x="874675" y="-1624"/>
-          <a:ext cx="5261049" cy="5261049"/>
-        </a:xfrm>
-        <a:prstGeom prst="circularArrow">
-          <a:avLst>
-            <a:gd name="adj1" fmla="val 6902"/>
-            <a:gd name="adj2" fmla="val 465346"/>
-            <a:gd name="adj3" fmla="val 16749441"/>
-            <a:gd name="adj4" fmla="val 15185213"/>
-            <a:gd name="adj5" fmla="val 8052"/>
-          </a:avLst>
-        </a:prstGeom>
-        <a:solidFill>
-          <a:schemeClr val="accent5">
-            <a:hueOff val="0"/>
-            <a:satOff val="0"/>
-            <a:lumOff val="0"/>
-            <a:alphaOff val="0"/>
-          </a:schemeClr>
-        </a:solidFill>
-        <a:ln w="12700" cap="flat" cmpd="sng" algn="ctr">
-          <a:solidFill>
-            <a:schemeClr val="lt1">
-              <a:hueOff val="0"/>
-              <a:satOff val="0"/>
-              <a:lumOff val="0"/>
-              <a:alphaOff val="0"/>
-            </a:schemeClr>
-          </a:solidFill>
-          <a:prstDash val="solid"/>
-          <a:miter lim="800000"/>
-        </a:ln>
-        <a:effectLst/>
-      </dsp:spPr>
-      <dsp:style>
-        <a:lnRef idx="2">
-          <a:scrgbClr r="0" g="0" b="0"/>
-        </a:lnRef>
-        <a:fillRef idx="1">
-          <a:scrgbClr r="0" g="0" b="0"/>
-        </a:fillRef>
-        <a:effectRef idx="0">
-          <a:scrgbClr r="0" g="0" b="0"/>
-        </a:effectRef>
-        <a:fontRef idx="minor">
-          <a:schemeClr val="lt1"/>
-        </a:fontRef>
-      </dsp:style>
-    </dsp:sp>
-  </dsp:spTree>
-</dsp:drawing>
-</file>
-
-<file path=ppt/diagrams/layout1.xml><?xml version="1.0" encoding="utf-8"?>
-<dgm:layoutDef xmlns:dgm="http://schemas.openxmlformats.org/drawingml/2006/diagram" xmlns:a="http://schemas.openxmlformats.org/drawingml/2006/main" uniqueId="urn:microsoft.com/office/officeart/2005/8/layout/cycle1">
-  <dgm:title val=""/>
-  <dgm:desc val=""/>
-  <dgm:catLst>
-    <dgm:cat type="cycle" pri="2000"/>
-  </dgm:catLst>
-  <dgm:sampData>
-    <dgm:dataModel>
-      <dgm:ptLst>
-        <dgm:pt modelId="0" type="doc"/>
-        <dgm:pt modelId="1">
-          <dgm:prSet phldr="1"/>
-        </dgm:pt>
-        <dgm:pt modelId="2">
-          <dgm:prSet phldr="1"/>
-        </dgm:pt>
-        <dgm:pt modelId="3">
-          <dgm:prSet phldr="1"/>
-        </dgm:pt>
-        <dgm:pt modelId="4">
-          <dgm:prSet phldr="1"/>
-        </dgm:pt>
-        <dgm:pt modelId="5">
-          <dgm:prSet phldr="1"/>
-        </dgm:pt>
-      </dgm:ptLst>
-      <dgm:cxnLst>
-        <dgm:cxn modelId="6" srcId="0" destId="1" srcOrd="0" destOrd="0"/>
-        <dgm:cxn modelId="7" srcId="0" destId="2" srcOrd="1" destOrd="0"/>
-        <dgm:cxn modelId="8" srcId="0" destId="3" srcOrd="2" destOrd="0"/>
-        <dgm:cxn modelId="9" srcId="0" destId="4" srcOrd="3" destOrd="0"/>
-        <dgm:cxn modelId="10" srcId="0" destId="5" srcOrd="4" destOrd="0"/>
-      </dgm:cxnLst>
-      <dgm:bg/>
-      <dgm:whole/>
-    </dgm:dataModel>
-  </dgm:sampData>
-  <dgm:styleData>
-    <dgm:dataModel>
-      <dgm:ptLst>
-        <dgm:pt modelId="0" type="doc"/>
-        <dgm:pt modelId="1"/>
-        <dgm:pt modelId="2"/>
-        <dgm:pt modelId="3"/>
-      </dgm:ptLst>
-      <dgm:cxnLst>
-        <dgm:cxn modelId="4" srcId="0" destId="1" srcOrd="0" destOrd="0"/>
-        <dgm:cxn modelId="5" srcId="0" destId="2" srcOrd="1" destOrd="0"/>
-        <dgm:cxn modelId="6" srcId="0" destId="3" srcOrd="2" destOrd="0"/>
-      </dgm:cxnLst>
-      <dgm:bg/>
-      <dgm:whole/>
-    </dgm:dataModel>
-  </dgm:styleData>
-  <dgm:clrData>
-    <dgm:dataModel>
-      <dgm:ptLst>
-        <dgm:pt modelId="0" type="doc"/>
-        <dgm:pt modelId="1"/>
-        <dgm:pt modelId="2"/>
-        <dgm:pt modelId="3"/>
-        <dgm:pt modelId="4"/>
-        <dgm:pt modelId="5"/>
-        <dgm:pt modelId="6"/>
-      </dgm:ptLst>
-      <dgm:cxnLst>
-        <dgm:cxn modelId="7" srcId="0" destId="1" srcOrd="0" destOrd="0"/>
-        <dgm:cxn modelId="8" srcId="0" destId="2" srcOrd="1" destOrd="0"/>
-        <dgm:cxn modelId="9" srcId="0" destId="3" srcOrd="2" destOrd="0"/>
-        <dgm:cxn modelId="10" srcId="0" destId="4" srcOrd="3" destOrd="0"/>
-        <dgm:cxn modelId="11" srcId="0" destId="5" srcOrd="4" destOrd="0"/>
-        <dgm:cxn modelId="12" srcId="0" destId="6" srcOrd="5" destOrd="0"/>
-      </dgm:cxnLst>
-      <dgm:bg/>
-      <dgm:whole/>
-    </dgm:dataModel>
-  </dgm:clrData>
-  <dgm:layoutNode name="cycle">
-    <dgm:varLst>
-      <dgm:dir/>
-      <dgm:resizeHandles val="exact"/>
-    </dgm:varLst>
-    <dgm:choose name="Name0">
-      <dgm:if name="Name1" func="var" arg="dir" op="equ" val="norm">
-        <dgm:alg type="cycle">
-          <dgm:param type="stAng" val="0"/>
-          <dgm:param type="spanAng" val="360"/>
-        </dgm:alg>
-      </dgm:if>
-      <dgm:else name="Name2">
-        <dgm:alg type="cycle">
-          <dgm:param type="stAng" val="0"/>
-          <dgm:param type="spanAng" val="-360"/>
-        </dgm:alg>
-      </dgm:else>
-    </dgm:choose>
-    <dgm:shape xmlns:r="http://schemas.openxmlformats.org/officeDocument/2006/relationships" r:blip="">
-      <dgm:adjLst/>
-    </dgm:shape>
-    <dgm:presOf/>
-    <dgm:choose name="Name3">
-      <dgm:if name="Name4" func="var" arg="dir" op="equ" val="norm">
-        <dgm:constrLst>
-          <dgm:constr type="diam" val="1"/>
-          <dgm:constr type="w" for="ch" forName="node" refType="w"/>
-          <dgm:constr type="w" for="ch" ptType="sibTrans" refType="w" refFor="ch" refForName="node" fact="0.5"/>
-          <dgm:constr type="h" for="ch" ptType="sibTrans" op="equ"/>
-          <dgm:constr type="diam" for="ch" ptType="sibTrans" refType="diam" op="equ"/>
-          <dgm:constr type="sibSp" refType="w" refFor="ch" refForName="node" fact="0.15"/>
-          <dgm:constr type="w" for="ch" forName="dummy" refType="sibSp" fact="2.8"/>
-          <dgm:constr type="primFontSz" for="ch" forName="node" op="equ" val="65"/>
-        </dgm:constrLst>
-      </dgm:if>
-      <dgm:else name="Name5">
-        <dgm:constrLst>
-          <dgm:constr type="diam" val="1"/>
-          <dgm:constr type="w" for="ch" forName="node" refType="w"/>
-          <dgm:constr type="w" for="ch" ptType="sibTrans" refType="w" refFor="ch" refForName="node" fact="0.5"/>
-          <dgm:constr type="h" for="ch" ptType="sibTrans" op="equ"/>
-          <dgm:constr type="diam" for="ch" ptType="sibTrans" refType="diam" op="equ" fact="-1"/>
-          <dgm:constr type="sibSp" refType="w" refFor="ch" refForName="node" fact="0.15"/>
-          <dgm:constr type="w" for="ch" forName="dummy" refType="sibSp" fact="2.8"/>
-          <dgm:constr type="primFontSz" for="ch" forName="node" op="equ" val="65"/>
-        </dgm:constrLst>
-      </dgm:else>
-    </dgm:choose>
-    <dgm:ruleLst>
-      <dgm:rule type="diam" val="INF" fact="NaN" max="NaN"/>
-    </dgm:ruleLst>
-    <dgm:forEach name="nodesForEach" axis="ch" ptType="node">
-      <dgm:choose name="Name6">
-        <dgm:if name="Name7" axis="par ch" ptType="doc node" func="cnt" op="gt" val="1">
-          <dgm:layoutNode name="dummy">
-            <dgm:alg type="sp"/>
-            <dgm:shape xmlns:r="http://schemas.openxmlformats.org/officeDocument/2006/relationships" r:blip="">
-              <dgm:adjLst/>
-            </dgm:shape>
-            <dgm:presOf/>
-            <dgm:constrLst>
-              <dgm:constr type="h" refType="w"/>
-            </dgm:constrLst>
-            <dgm:ruleLst/>
-          </dgm:layoutNode>
-        </dgm:if>
-        <dgm:else name="Name8"/>
-      </dgm:choose>
-      <dgm:layoutNode name="node" styleLbl="revTx">
-        <dgm:varLst>
-          <dgm:bulletEnabled val="1"/>
-        </dgm:varLst>
-        <dgm:alg type="tx">
-          <dgm:param type="txAnchorVertCh" val="mid"/>
-        </dgm:alg>
-        <dgm:shape xmlns:r="http://schemas.openxmlformats.org/officeDocument/2006/relationships" type="rect" r:blip="">
-          <dgm:adjLst/>
-        </dgm:shape>
-        <dgm:presOf axis="desOrSelf" ptType="node"/>
-        <dgm:constrLst>
-          <dgm:constr type="h" refType="w"/>
-          <dgm:constr type="lMarg" refType="primFontSz" fact="0.1"/>
-          <dgm:constr type="rMarg" refType="primFontSz" fact="0.1"/>
-          <dgm:constr type="tMarg" refType="primFontSz" fact="0.1"/>
-          <dgm:constr type="bMarg" refType="primFontSz" fact="0.1"/>
-        </dgm:constrLst>
-        <dgm:ruleLst>
-          <dgm:rule type="primFontSz" val="5" fact="NaN" max="NaN"/>
-        </dgm:ruleLst>
-      </dgm:layoutNode>
-      <dgm:choose name="Name9">
-        <dgm:if name="Name10" axis="par ch" ptType="doc node" func="cnt" op="gt" val="1">
-          <dgm:forEach name="Name11" axis="followSib" ptType="sibTrans" hideLastTrans="0" cnt="1">
-            <dgm:layoutNode name="sibTrans" styleLbl="node1">
-              <dgm:alg type="conn">
-                <dgm:param type="connRout" val="curve"/>
-                <dgm:param type="begPts" val="radial"/>
-                <dgm:param type="endPts" val="radial"/>
-              </dgm:alg>
-              <dgm:shape xmlns:r="http://schemas.openxmlformats.org/officeDocument/2006/relationships" type="conn" r:blip="">
-                <dgm:adjLst/>
-              </dgm:shape>
-              <dgm:presOf axis="self"/>
-              <dgm:constrLst>
-                <dgm:constr type="h" refType="w" fact="0.65"/>
-                <dgm:constr type="begPad"/>
-                <dgm:constr type="endPad"/>
-              </dgm:constrLst>
-              <dgm:ruleLst/>
-            </dgm:layoutNode>
-          </dgm:forEach>
-        </dgm:if>
-        <dgm:else name="Name12"/>
-      </dgm:choose>
-    </dgm:forEach>
-  </dgm:layoutNode>
-</dgm:layoutDef>
-</file>
-
-<file path=ppt/diagrams/quickStyle1.xml><?xml version="1.0" encoding="utf-8"?>
-<dgm:styleDef xmlns:dgm="http://schemas.openxmlformats.org/drawingml/2006/diagram" xmlns:a="http://schemas.openxmlformats.org/drawingml/2006/main" uniqueId="urn:microsoft.com/office/officeart/2005/8/quickstyle/simple1">
-  <dgm:title val=""/>
-  <dgm:desc val=""/>
-  <dgm:catLst>
-    <dgm:cat type="simple" pri="10100"/>
-  </dgm:catLst>
-  <dgm:scene3d>
-    <a:camera prst="orthographicFront"/>
-    <a:lightRig rig="threePt" dir="t"/>
-  </dgm:scene3d>
-  <dgm:styleLbl name="node0">
-    <dgm:scene3d>
-      <a:camera prst="orthographicFront"/>
-      <a:lightRig rig="threePt" dir="t"/>
-    </dgm:scene3d>
-    <dgm:sp3d/>
-    <dgm:txPr/>
-    <dgm:style>
-      <a:lnRef idx="2">
-        <a:scrgbClr r="0" g="0" b="0"/>
-      </a:lnRef>
-      <a:fillRef idx="1">
-        <a:scrgbClr r="0" g="0" b="0"/>
-      </a:fillRef>
-      <a:effectRef idx="0">
-        <a:scrgbClr r="0" g="0" b="0"/>
-      </a:effectRef>
-      <a:fontRef idx="minor">
-        <a:schemeClr val="lt1"/>
-      </a:fontRef>
-    </dgm:style>
-  </dgm:styleLbl>
-  <dgm:styleLbl name="lnNode1">
-    <dgm:scene3d>
-      <a:camera prst="orthographicFront"/>
-      <a:lightRig rig="threePt" dir="t"/>
-    </dgm:scene3d>
-    <dgm:sp3d/>
-    <dgm:txPr/>
-    <dgm:style>
-      <a:lnRef idx="2">
-        <a:scrgbClr r="0" g="0" b="0"/>
-      </a:lnRef>
-      <a:fillRef idx="1">
-        <a:scrgbClr r="0" g="0" b="0"/>
-      </a:fillRef>
-      <a:effectRef idx="0">
-        <a:scrgbClr r="0" g="0" b="0"/>
-      </a:effectRef>
-      <a:fontRef idx="minor">
-        <a:schemeClr val="lt1"/>
-      </a:fontRef>
-    </dgm:style>
-  </dgm:styleLbl>
-  <dgm:styleLbl name="vennNode1">
-    <dgm:scene3d>
-      <a:camera prst="orthographicFront"/>
-      <a:lightRig rig="threePt" dir="t"/>
-    </dgm:scene3d>
-    <dgm:sp3d/>
-    <dgm:txPr/>
-    <dgm:style>
-      <a:lnRef idx="2">
-        <a:scrgbClr r="0" g="0" b="0"/>
-      </a:lnRef>
-      <a:fillRef idx="1">
-        <a:scrgbClr r="0" g="0" b="0"/>
-      </a:fillRef>
-      <a:effectRef idx="0">
-        <a:scrgbClr r="0" g="0" b="0"/>
-      </a:effectRef>
-      <a:fontRef idx="minor">
-        <a:schemeClr val="tx1"/>
-      </a:fontRef>
-    </dgm:style>
-  </dgm:styleLbl>
-  <dgm:styleLbl name="alignNode1">
-    <dgm:scene3d>
-      <a:camera prst="orthographicFront"/>
-      <a:lightRig rig="threePt" dir="t"/>
-    </dgm:scene3d>
-    <dgm:sp3d/>
-    <dgm:txPr/>
-    <dgm:style>
-      <a:lnRef idx="2">
-        <a:scrgbClr r="0" g="0" b="0"/>
-      </a:lnRef>
-      <a:fillRef idx="1">
-        <a:scrgbClr r="0" g="0" b="0"/>
-      </a:fillRef>
-      <a:effectRef idx="0">
-        <a:scrgbClr r="0" g="0" b="0"/>
-      </a:effectRef>
-      <a:fontRef idx="minor">
-        <a:schemeClr val="lt1"/>
-      </a:fontRef>
-    </dgm:style>
-  </dgm:styleLbl>
-  <dgm:styleLbl name="node1">
-    <dgm:scene3d>
-      <a:camera prst="orthographicFront"/>
-      <a:lightRig rig="threePt" dir="t"/>
-    </dgm:scene3d>
-    <dgm:sp3d/>
-    <dgm:txPr/>
-    <dgm:style>
-      <a:lnRef idx="2">
-        <a:scrgbClr r="0" g="0" b="0"/>
-      </a:lnRef>
-      <a:fillRef idx="1">
-        <a:scrgbClr r="0" g="0" b="0"/>
-      </a:fillRef>
-      <a:effectRef idx="0">
-        <a:scrgbClr r="0" g="0" b="0"/>
-      </a:effectRef>
-      <a:fontRef idx="minor">
-        <a:schemeClr val="lt1"/>
-      </a:fontRef>
-    </dgm:style>
-  </dgm:styleLbl>
-  <dgm:styleLbl name="node2">
-    <dgm:scene3d>
-      <a:camera prst="orthographicFront"/>
-      <a:lightRig rig="threePt" dir="t"/>
-    </dgm:scene3d>
-    <dgm:sp3d/>
-    <dgm:txPr/>
-    <dgm:style>
-      <a:lnRef idx="2">
-        <a:scrgbClr r="0" g="0" b="0"/>
-      </a:lnRef>
-      <a:fillRef idx="1">
-        <a:scrgbClr r="0" g="0" b="0"/>
-      </a:fillRef>
-      <a:effectRef idx="0">
-        <a:scrgbClr r="0" g="0" b="0"/>
-      </a:effectRef>
-      <a:fontRef idx="minor">
-        <a:schemeClr val="lt1"/>
-      </a:fontRef>
-    </dgm:style>
-  </dgm:styleLbl>
-  <dgm:styleLbl name="node3">
-    <dgm:scene3d>
-      <a:camera prst="orthographicFront"/>
-      <a:lightRig rig="threePt" dir="t"/>
-    </dgm:scene3d>
-    <dgm:sp3d/>
-    <dgm:txPr/>
-    <dgm:style>
-      <a:lnRef idx="2">
-        <a:scrgbClr r="0" g="0" b="0"/>
-      </a:lnRef>
-      <a:fillRef idx="1">
-        <a:scrgbClr r="0" g="0" b="0"/>
-      </a:fillRef>
-      <a:effectRef idx="0">
-        <a:scrgbClr r="0" g="0" b="0"/>
-      </a:effectRef>
-      <a:fontRef idx="minor">
-        <a:schemeClr val="lt1"/>
-      </a:fontRef>
-    </dgm:style>
-  </dgm:styleLbl>
-  <dgm:styleLbl name="node4">
-    <dgm:scene3d>
-      <a:camera prst="orthographicFront"/>
-      <a:lightRig rig="threePt" dir="t"/>
-    </dgm:scene3d>
-    <dgm:sp3d/>
-    <dgm:txPr/>
-    <dgm:style>
-      <a:lnRef idx="2">
-        <a:scrgbClr r="0" g="0" b="0"/>
-      </a:lnRef>
-      <a:fillRef idx="1">
-        <a:scrgbClr r="0" g="0" b="0"/>
-      </a:fillRef>
-      <a:effectRef idx="0">
-        <a:scrgbClr r="0" g="0" b="0"/>
-      </a:effectRef>
-      <a:fontRef idx="minor">
-        <a:schemeClr val="lt1"/>
-      </a:fontRef>
-    </dgm:style>
-  </dgm:styleLbl>
-  <dgm:styleLbl name="fgImgPlace1">
-    <dgm:scene3d>
-      <a:camera prst="orthographicFront"/>
-      <a:lightRig rig="threePt" dir="t"/>
-    </dgm:scene3d>
-    <dgm:sp3d/>
-    <dgm:txPr/>
-    <dgm:style>
-      <a:lnRef idx="2">
-        <a:scrgbClr r="0" g="0" b="0"/>
-      </a:lnRef>
-      <a:fillRef idx="1">
-        <a:scrgbClr r="0" g="0" b="0"/>
-      </a:fillRef>
-      <a:effectRef idx="0">
-        <a:scrgbClr r="0" g="0" b="0"/>
-      </a:effectRef>
-      <a:fontRef idx="minor"/>
-    </dgm:style>
-  </dgm:styleLbl>
-  <dgm:styleLbl name="alignImgPlace1">
-    <dgm:scene3d>
-      <a:camera prst="orthographicFront"/>
-      <a:lightRig rig="threePt" dir="t"/>
-    </dgm:scene3d>
-    <dgm:sp3d/>
-    <dgm:txPr/>
-    <dgm:style>
-      <a:lnRef idx="2">
-        <a:scrgbClr r="0" g="0" b="0"/>
-      </a:lnRef>
-      <a:fillRef idx="1">
-        <a:scrgbClr r="0" g="0" b="0"/>
-      </a:fillRef>
-      <a:effectRef idx="0">
-        <a:scrgbClr r="0" g="0" b="0"/>
-      </a:effectRef>
-      <a:fontRef idx="minor"/>
-    </dgm:style>
-  </dgm:styleLbl>
-  <dgm:styleLbl name="bgImgPlace1">
-    <dgm:scene3d>
-      <a:camera prst="orthographicFront"/>
-      <a:lightRig rig="threePt" dir="t"/>
-    </dgm:scene3d>
-    <dgm:sp3d/>
-    <dgm:txPr/>
-    <dgm:style>
-      <a:lnRef idx="2">
-        <a:scrgbClr r="0" g="0" b="0"/>
-      </a:lnRef>
-      <a:fillRef idx="1">
-        <a:scrgbClr r="0" g="0" b="0"/>
-      </a:fillRef>
-      <a:effectRef idx="0">
-        <a:scrgbClr r="0" g="0" b="0"/>
-      </a:effectRef>
-      <a:fontRef idx="minor"/>
-    </dgm:style>
-  </dgm:styleLbl>
-  <dgm:styleLbl name="sibTrans2D1">
-    <dgm:scene3d>
-      <a:camera prst="orthographicFront"/>
-      <a:lightRig rig="threePt" dir="t"/>
-    </dgm:scene3d>
-    <dgm:sp3d/>
-    <dgm:txPr/>
-    <dgm:style>
-      <a:lnRef idx="0">
-        <a:scrgbClr r="0" g="0" b="0"/>
-      </a:lnRef>
-      <a:fillRef idx="1">
-        <a:scrgbClr r="0" g="0" b="0"/>
-      </a:fillRef>
-      <a:effectRef idx="0">
-        <a:scrgbClr r="0" g="0" b="0"/>
-      </a:effectRef>
-      <a:fontRef idx="minor">
-        <a:schemeClr val="lt1"/>
-      </a:fontRef>
-    </dgm:style>
-  </dgm:styleLbl>
-  <dgm:styleLbl name="fgSibTrans2D1">
-    <dgm:scene3d>
-      <a:camera prst="orthographicFront"/>
-      <a:lightRig rig="threePt" dir="t"/>
-    </dgm:scene3d>
-    <dgm:sp3d/>
-    <dgm:txPr/>
-    <dgm:style>
-      <a:lnRef idx="0">
-        <a:scrgbClr r="0" g="0" b="0"/>
-      </a:lnRef>
-      <a:fillRef idx="1">
-        <a:scrgbClr r="0" g="0" b="0"/>
-      </a:fillRef>
-      <a:effectRef idx="0">
-        <a:scrgbClr r="0" g="0" b="0"/>
-      </a:effectRef>
-      <a:fontRef idx="minor">
-        <a:schemeClr val="lt1"/>
-      </a:fontRef>
-    </dgm:style>
-  </dgm:styleLbl>
-  <dgm:styleLbl name="bgSibTrans2D1">
-    <dgm:scene3d>
-      <a:camera prst="orthographicFront"/>
-      <a:lightRig rig="threePt" dir="t"/>
-    </dgm:scene3d>
-    <dgm:sp3d/>
-    <dgm:txPr/>
-    <dgm:style>
-      <a:lnRef idx="0">
-        <a:scrgbClr r="0" g="0" b="0"/>
-      </a:lnRef>
-      <a:fillRef idx="1">
-        <a:scrgbClr r="0" g="0" b="0"/>
-      </a:fillRef>
-      <a:effectRef idx="0">
-        <a:scrgbClr r="0" g="0" b="0"/>
-      </a:effectRef>
-      <a:fontRef idx="minor">
-        <a:schemeClr val="lt1"/>
-      </a:fontRef>
-    </dgm:style>
-  </dgm:styleLbl>
-  <dgm:styleLbl name="sibTrans1D1">
-    <dgm:scene3d>
-      <a:camera prst="orthographicFront"/>
-      <a:lightRig rig="threePt" dir="t"/>
-    </dgm:scene3d>
-    <dgm:sp3d/>
-    <dgm:txPr/>
-    <dgm:style>
-      <a:lnRef idx="1">
-        <a:scrgbClr r="0" g="0" b="0"/>
-      </a:lnRef>
-      <a:fillRef idx="0">
-        <a:scrgbClr r="0" g="0" b="0"/>
-      </a:fillRef>
-      <a:effectRef idx="0">
-        <a:scrgbClr r="0" g="0" b="0"/>
-      </a:effectRef>
-      <a:fontRef idx="minor"/>
-    </dgm:style>
-  </dgm:styleLbl>
-  <dgm:styleLbl name="callout">
-    <dgm:scene3d>
-      <a:camera prst="orthographicFront"/>
-      <a:lightRig rig="threePt" dir="t"/>
-    </dgm:scene3d>
-    <dgm:sp3d/>
-    <dgm:txPr/>
-    <dgm:style>
-      <a:lnRef idx="2">
-        <a:scrgbClr r="0" g="0" b="0"/>
-      </a:lnRef>
-      <a:fillRef idx="1">
-        <a:scrgbClr r="0" g="0" b="0"/>
-      </a:fillRef>
-      <a:effectRef idx="0">
-        <a:scrgbClr r="0" g="0" b="0"/>
-      </a:effectRef>
-      <a:fontRef idx="minor"/>
-    </dgm:style>
-  </dgm:styleLbl>
-  <dgm:styleLbl name="asst0">
-    <dgm:scene3d>
-      <a:camera prst="orthographicFront"/>
-      <a:lightRig rig="threePt" dir="t"/>
-    </dgm:scene3d>
-    <dgm:sp3d/>
-    <dgm:txPr/>
-    <dgm:style>
-      <a:lnRef idx="2">
-        <a:scrgbClr r="0" g="0" b="0"/>
-      </a:lnRef>
-      <a:fillRef idx="1">
-        <a:scrgbClr r="0" g="0" b="0"/>
-      </a:fillRef>
-      <a:effectRef idx="0">
-        <a:scrgbClr r="0" g="0" b="0"/>
-      </a:effectRef>
-      <a:fontRef idx="minor">
-        <a:schemeClr val="lt1"/>
-      </a:fontRef>
-    </dgm:style>
-  </dgm:styleLbl>
-  <dgm:styleLbl name="asst1">
-    <dgm:scene3d>
-      <a:camera prst="orthographicFront"/>
-      <a:lightRig rig="threePt" dir="t"/>
-    </dgm:scene3d>
-    <dgm:sp3d/>
-    <dgm:txPr/>
-    <dgm:style>
-      <a:lnRef idx="2">
-        <a:scrgbClr r="0" g="0" b="0"/>
-      </a:lnRef>
-      <a:fillRef idx="1">
-        <a:scrgbClr r="0" g="0" b="0"/>
-      </a:fillRef>
-      <a:effectRef idx="0">
-        <a:scrgbClr r="0" g="0" b="0"/>
-      </a:effectRef>
-      <a:fontRef idx="minor">
-        <a:schemeClr val="lt1"/>
-      </a:fontRef>
-    </dgm:style>
-  </dgm:styleLbl>
-  <dgm:styleLbl name="asst2">
-    <dgm:scene3d>
-      <a:camera prst="orthographicFront"/>
-      <a:lightRig rig="threePt" dir="t"/>
-    </dgm:scene3d>
-    <dgm:sp3d/>
-    <dgm:txPr/>
-    <dgm:style>
-      <a:lnRef idx="2">
-        <a:scrgbClr r="0" g="0" b="0"/>
-      </a:lnRef>
-      <a:fillRef idx="1">
-        <a:scrgbClr r="0" g="0" b="0"/>
-      </a:fillRef>
-      <a:effectRef idx="0">
-        <a:scrgbClr r="0" g="0" b="0"/>
-      </a:effectRef>
-      <a:fontRef idx="minor">
-        <a:schemeClr val="lt1"/>
-      </a:fontRef>
-    </dgm:style>
-  </dgm:styleLbl>
-  <dgm:styleLbl name="asst3">
-    <dgm:scene3d>
-      <a:camera prst="orthographicFront"/>
-      <a:lightRig rig="threePt" dir="t"/>
-    </dgm:scene3d>
-    <dgm:sp3d/>
-    <dgm:txPr/>
-    <dgm:style>
-      <a:lnRef idx="2">
-        <a:scrgbClr r="0" g="0" b="0"/>
-      </a:lnRef>
-      <a:fillRef idx="1">
-        <a:scrgbClr r="0" g="0" b="0"/>
-      </a:fillRef>
-      <a:effectRef idx="0">
-        <a:scrgbClr r="0" g="0" b="0"/>
-      </a:effectRef>
-      <a:fontRef idx="minor">
-        <a:schemeClr val="lt1"/>
-      </a:fontRef>
-    </dgm:style>
-  </dgm:styleLbl>
-  <dgm:styleLbl name="asst4">
-    <dgm:scene3d>
-      <a:camera prst="orthographicFront"/>
-      <a:lightRig rig="threePt" dir="t"/>
-    </dgm:scene3d>
-    <dgm:sp3d/>
-    <dgm:txPr/>
-    <dgm:style>
-      <a:lnRef idx="2">
-        <a:scrgbClr r="0" g="0" b="0"/>
-      </a:lnRef>
-      <a:fillRef idx="1">
-        <a:scrgbClr r="0" g="0" b="0"/>
-      </a:fillRef>
-      <a:effectRef idx="0">
-        <a:scrgbClr r="0" g="0" b="0"/>
-      </a:effectRef>
-      <a:fontRef idx="minor">
-        <a:schemeClr val="lt1"/>
-      </a:fontRef>
-    </dgm:style>
-  </dgm:styleLbl>
-  <dgm:styleLbl name="parChTrans2D1">
-    <dgm:scene3d>
-      <a:camera prst="orthographicFront"/>
-      <a:lightRig rig="threePt" dir="t"/>
-    </dgm:scene3d>
-    <dgm:sp3d/>
-    <dgm:txPr/>
-    <dgm:style>
-      <a:lnRef idx="2">
-        <a:scrgbClr r="0" g="0" b="0"/>
-      </a:lnRef>
-      <a:fillRef idx="1">
-        <a:scrgbClr r="0" g="0" b="0"/>
-      </a:fillRef>
-      <a:effectRef idx="0">
-        <a:scrgbClr r="0" g="0" b="0"/>
-      </a:effectRef>
-      <a:fontRef idx="minor">
-        <a:schemeClr val="lt1"/>
-      </a:fontRef>
-    </dgm:style>
-  </dgm:styleLbl>
-  <dgm:styleLbl name="parChTrans2D2">
-    <dgm:scene3d>
-      <a:camera prst="orthographicFront"/>
-      <a:lightRig rig="threePt" dir="t"/>
-    </dgm:scene3d>
-    <dgm:sp3d/>
-    <dgm:txPr/>
-    <dgm:style>
-      <a:lnRef idx="2">
-        <a:scrgbClr r="0" g="0" b="0"/>
-      </a:lnRef>
-      <a:fillRef idx="1">
-        <a:scrgbClr r="0" g="0" b="0"/>
-      </a:fillRef>
-      <a:effectRef idx="0">
-        <a:scrgbClr r="0" g="0" b="0"/>
-      </a:effectRef>
-      <a:fontRef idx="minor">
-        <a:schemeClr val="lt1"/>
-      </a:fontRef>
-    </dgm:style>
-  </dgm:styleLbl>
-  <dgm:styleLbl name="parChTrans2D3">
-    <dgm:scene3d>
-      <a:camera prst="orthographicFront"/>
-      <a:lightRig rig="threePt" dir="t"/>
-    </dgm:scene3d>
-    <dgm:sp3d/>
-    <dgm:txPr/>
-    <dgm:style>
-      <a:lnRef idx="2">
-        <a:scrgbClr r="0" g="0" b="0"/>
-      </a:lnRef>
-      <a:fillRef idx="1">
-        <a:scrgbClr r="0" g="0" b="0"/>
-      </a:fillRef>
-      <a:effectRef idx="0">
-        <a:scrgbClr r="0" g="0" b="0"/>
-      </a:effectRef>
-      <a:fontRef idx="minor">
-        <a:schemeClr val="lt1"/>
-      </a:fontRef>
-    </dgm:style>
-  </dgm:styleLbl>
-  <dgm:styleLbl name="parChTrans2D4">
-    <dgm:scene3d>
-      <a:camera prst="orthographicFront"/>
-      <a:lightRig rig="threePt" dir="t"/>
-    </dgm:scene3d>
-    <dgm:sp3d/>
-    <dgm:txPr/>
-    <dgm:style>
-      <a:lnRef idx="2">
-        <a:scrgbClr r="0" g="0" b="0"/>
-      </a:lnRef>
-      <a:fillRef idx="1">
-        <a:scrgbClr r="0" g="0" b="0"/>
-      </a:fillRef>
-      <a:effectRef idx="0">
-        <a:scrgbClr r="0" g="0" b="0"/>
-      </a:effectRef>
-      <a:fontRef idx="minor">
-        <a:schemeClr val="lt1"/>
-      </a:fontRef>
-    </dgm:style>
-  </dgm:styleLbl>
-  <dgm:styleLbl name="parChTrans1D1">
-    <dgm:scene3d>
-      <a:camera prst="orthographicFront"/>
-      <a:lightRig rig="threePt" dir="t"/>
-    </dgm:scene3d>
-    <dgm:sp3d/>
-    <dgm:txPr/>
-    <dgm:style>
-      <a:lnRef idx="2">
-        <a:scrgbClr r="0" g="0" b="0"/>
-      </a:lnRef>
-      <a:fillRef idx="0">
-        <a:scrgbClr r="0" g="0" b="0"/>
-      </a:fillRef>
-      <a:effectRef idx="0">
-        <a:scrgbClr r="0" g="0" b="0"/>
-      </a:effectRef>
-      <a:fontRef idx="minor"/>
-    </dgm:style>
-  </dgm:styleLbl>
-  <dgm:styleLbl name="parChTrans1D2">
-    <dgm:scene3d>
-      <a:camera prst="orthographicFront"/>
-      <a:lightRig rig="threePt" dir="t"/>
-    </dgm:scene3d>
-    <dgm:sp3d/>
-    <dgm:txPr/>
-    <dgm:style>
-      <a:lnRef idx="2">
-        <a:scrgbClr r="0" g="0" b="0"/>
-      </a:lnRef>
-      <a:fillRef idx="0">
-        <a:scrgbClr r="0" g="0" b="0"/>
-      </a:fillRef>
-      <a:effectRef idx="0">
-        <a:scrgbClr r="0" g="0" b="0"/>
-      </a:effectRef>
-      <a:fontRef idx="minor"/>
-    </dgm:style>
-  </dgm:styleLbl>
-  <dgm:styleLbl name="parChTrans1D3">
-    <dgm:scene3d>
-      <a:camera prst="orthographicFront"/>
-      <a:lightRig rig="threePt" dir="t"/>
-    </dgm:scene3d>
-    <dgm:sp3d/>
-    <dgm:txPr/>
-    <dgm:style>
-      <a:lnRef idx="2">
-        <a:scrgbClr r="0" g="0" b="0"/>
-      </a:lnRef>
-      <a:fillRef idx="0">
-        <a:scrgbClr r="0" g="0" b="0"/>
-      </a:fillRef>
-      <a:effectRef idx="0">
-        <a:scrgbClr r="0" g="0" b="0"/>
-      </a:effectRef>
-      <a:fontRef idx="minor"/>
-    </dgm:style>
-  </dgm:styleLbl>
-  <dgm:styleLbl name="parChTrans1D4">
-    <dgm:scene3d>
-      <a:camera prst="orthographicFront"/>
-      <a:lightRig rig="threePt" dir="t"/>
-    </dgm:scene3d>
-    <dgm:sp3d/>
-    <dgm:txPr/>
-    <dgm:style>
-      <a:lnRef idx="2">
-        <a:scrgbClr r="0" g="0" b="0"/>
-      </a:lnRef>
-      <a:fillRef idx="0">
-        <a:scrgbClr r="0" g="0" b="0"/>
-      </a:fillRef>
-      <a:effectRef idx="0">
-        <a:scrgbClr r="0" g="0" b="0"/>
-      </a:effectRef>
-      <a:fontRef idx="minor"/>
-    </dgm:style>
-  </dgm:styleLbl>
-  <dgm:styleLbl name="fgAcc1">
-    <dgm:scene3d>
-      <a:camera prst="orthographicFront"/>
-      <a:lightRig rig="threePt" dir="t"/>
-    </dgm:scene3d>
-    <dgm:sp3d/>
-    <dgm:txPr/>
-    <dgm:style>
-      <a:lnRef idx="2">
-        <a:scrgbClr r="0" g="0" b="0"/>
-      </a:lnRef>
-      <a:fillRef idx="1">
-        <a:scrgbClr r="0" g="0" b="0"/>
-      </a:fillRef>
-      <a:effectRef idx="0">
-        <a:scrgbClr r="0" g="0" b="0"/>
-      </a:effectRef>
-      <a:fontRef idx="minor"/>
-    </dgm:style>
-  </dgm:styleLbl>
-  <dgm:styleLbl name="conFgAcc1">
-    <dgm:scene3d>
-      <a:camera prst="orthographicFront"/>
-      <a:lightRig rig="threePt" dir="t"/>
-    </dgm:scene3d>
-    <dgm:sp3d/>
-    <dgm:txPr/>
-    <dgm:style>
-      <a:lnRef idx="2">
-        <a:scrgbClr r="0" g="0" b="0"/>
-      </a:lnRef>
-      <a:fillRef idx="1">
-        <a:scrgbClr r="0" g="0" b="0"/>
-      </a:fillRef>
-      <a:effectRef idx="0">
-        <a:scrgbClr r="0" g="0" b="0"/>
-      </a:effectRef>
-      <a:fontRef idx="minor"/>
-    </dgm:style>
-  </dgm:styleLbl>
-  <dgm:styleLbl name="alignAcc1">
-    <dgm:scene3d>
-      <a:camera prst="orthographicFront"/>
-      <a:lightRig rig="threePt" dir="t"/>
-    </dgm:scene3d>
-    <dgm:sp3d/>
-    <dgm:txPr/>
-    <dgm:style>
-      <a:lnRef idx="2">
-        <a:scrgbClr r="0" g="0" b="0"/>
-      </a:lnRef>
-      <a:fillRef idx="1">
-        <a:scrgbClr r="0" g="0" b="0"/>
-      </a:fillRef>
-      <a:effectRef idx="0">
-        <a:scrgbClr r="0" g="0" b="0"/>
-      </a:effectRef>
-      <a:fontRef idx="minor"/>
-    </dgm:style>
-  </dgm:styleLbl>
-  <dgm:styleLbl name="trAlignAcc1">
-    <dgm:scene3d>
-      <a:camera prst="orthographicFront"/>
-      <a:lightRig rig="threePt" dir="t"/>
-    </dgm:scene3d>
-    <dgm:sp3d/>
-    <dgm:txPr/>
-    <dgm:style>
-      <a:lnRef idx="1">
-        <a:scrgbClr r="0" g="0" b="0"/>
-      </a:lnRef>
-      <a:fillRef idx="1">
-        <a:scrgbClr r="0" g="0" b="0"/>
-      </a:fillRef>
-      <a:effectRef idx="0">
-        <a:scrgbClr r="0" g="0" b="0"/>
-      </a:effectRef>
-      <a:fontRef idx="minor"/>
-    </dgm:style>
-  </dgm:styleLbl>
-  <dgm:styleLbl name="bgAcc1">
-    <dgm:scene3d>
-      <a:camera prst="orthographicFront"/>
-      <a:lightRig rig="threePt" dir="t"/>
-    </dgm:scene3d>
-    <dgm:sp3d/>
-    <dgm:txPr/>
-    <dgm:style>
-      <a:lnRef idx="2">
-        <a:scrgbClr r="0" g="0" b="0"/>
-      </a:lnRef>
-      <a:fillRef idx="1">
-        <a:scrgbClr r="0" g="0" b="0"/>
-      </a:fillRef>
-      <a:effectRef idx="0">
-        <a:scrgbClr r="0" g="0" b="0"/>
-      </a:effectRef>
-      <a:fontRef idx="minor"/>
-    </dgm:style>
-  </dgm:styleLbl>
-  <dgm:styleLbl name="solidFgAcc1">
-    <dgm:scene3d>
-      <a:camera prst="orthographicFront"/>
-      <a:lightRig rig="threePt" dir="t"/>
-    </dgm:scene3d>
-    <dgm:sp3d/>
-    <dgm:txPr/>
-    <dgm:style>
-      <a:lnRef idx="2">
-        <a:scrgbClr r="0" g="0" b="0"/>
-      </a:lnRef>
-      <a:fillRef idx="1">
-        <a:scrgbClr r="0" g="0" b="0"/>
-      </a:fillRef>
-      <a:effectRef idx="0">
-        <a:scrgbClr r="0" g="0" b="0"/>
-      </a:effectRef>
-      <a:fontRef idx="minor"/>
-    </dgm:style>
-  </dgm:styleLbl>
-  <dgm:styleLbl name="solidAlignAcc1">
-    <dgm:scene3d>
-      <a:camera prst="orthographicFront"/>
-      <a:lightRig rig="threePt" dir="t"/>
-    </dgm:scene3d>
-    <dgm:sp3d/>
-    <dgm:txPr/>
-    <dgm:style>
-      <a:lnRef idx="2">
-        <a:scrgbClr r="0" g="0" b="0"/>
-      </a:lnRef>
-      <a:fillRef idx="1">
-        <a:scrgbClr r="0" g="0" b="0"/>
-      </a:fillRef>
-      <a:effectRef idx="0">
-        <a:scrgbClr r="0" g="0" b="0"/>
-      </a:effectRef>
-      <a:fontRef idx="minor"/>
-    </dgm:style>
-  </dgm:styleLbl>
-  <dgm:styleLbl name="solidBgAcc1">
-    <dgm:scene3d>
-      <a:camera prst="orthographicFront"/>
-      <a:lightRig rig="threePt" dir="t"/>
-    </dgm:scene3d>
-    <dgm:sp3d/>
-    <dgm:txPr/>
-    <dgm:style>
-      <a:lnRef idx="2">
-        <a:scrgbClr r="0" g="0" b="0"/>
-      </a:lnRef>
-      <a:fillRef idx="1">
-        <a:scrgbClr r="0" g="0" b="0"/>
-      </a:fillRef>
-      <a:effectRef idx="0">
-        <a:scrgbClr r="0" g="0" b="0"/>
-      </a:effectRef>
-      <a:fontRef idx="minor"/>
-    </dgm:style>
-  </dgm:styleLbl>
-  <dgm:styleLbl name="fgAccFollowNode1">
-    <dgm:scene3d>
-      <a:camera prst="orthographicFront"/>
-      <a:lightRig rig="threePt" dir="t"/>
-    </dgm:scene3d>
-    <dgm:sp3d/>
-    <dgm:txPr/>
-    <dgm:style>
-      <a:lnRef idx="2">
-        <a:scrgbClr r="0" g="0" b="0"/>
-      </a:lnRef>
-      <a:fillRef idx="1">
-        <a:scrgbClr r="0" g="0" b="0"/>
-      </a:fillRef>
-      <a:effectRef idx="0">
-        <a:scrgbClr r="0" g="0" b="0"/>
-      </a:effectRef>
-      <a:fontRef idx="minor"/>
-    </dgm:style>
-  </dgm:styleLbl>
-  <dgm:styleLbl name="alignAccFollowNode1">
-    <dgm:scene3d>
-      <a:camera prst="orthographicFront"/>
-      <a:lightRig rig="threePt" dir="t"/>
-    </dgm:scene3d>
-    <dgm:sp3d/>
-    <dgm:txPr/>
-    <dgm:style>
-      <a:lnRef idx="2">
-        <a:scrgbClr r="0" g="0" b="0"/>
-      </a:lnRef>
-      <a:fillRef idx="1">
-        <a:scrgbClr r="0" g="0" b="0"/>
-      </a:fillRef>
-      <a:effectRef idx="0">
-        <a:scrgbClr r="0" g="0" b="0"/>
-      </a:effectRef>
-      <a:fontRef idx="minor"/>
-    </dgm:style>
-  </dgm:styleLbl>
-  <dgm:styleLbl name="bgAccFollowNode1">
-    <dgm:scene3d>
-      <a:camera prst="orthographicFront"/>
-      <a:lightRig rig="threePt" dir="t"/>
-    </dgm:scene3d>
-    <dgm:sp3d/>
-    <dgm:txPr/>
-    <dgm:style>
-      <a:lnRef idx="2">
-        <a:scrgbClr r="0" g="0" b="0"/>
-      </a:lnRef>
-      <a:fillRef idx="1">
-        <a:scrgbClr r="0" g="0" b="0"/>
-      </a:fillRef>
-      <a:effectRef idx="0">
-        <a:scrgbClr r="0" g="0" b="0"/>
-      </a:effectRef>
-      <a:fontRef idx="minor"/>
-    </dgm:style>
-  </dgm:styleLbl>
-  <dgm:styleLbl name="fgAcc0">
-    <dgm:scene3d>
-      <a:camera prst="orthographicFront"/>
-      <a:lightRig rig="threePt" dir="t"/>
-    </dgm:scene3d>
-    <dgm:sp3d/>
-    <dgm:txPr/>
-    <dgm:style>
-      <a:lnRef idx="2">
-        <a:scrgbClr r="0" g="0" b="0"/>
-      </a:lnRef>
-      <a:fillRef idx="1">
-        <a:scrgbClr r="0" g="0" b="0"/>
-      </a:fillRef>
-      <a:effectRef idx="0">
-        <a:scrgbClr r="0" g="0" b="0"/>
-      </a:effectRef>
-      <a:fontRef idx="minor"/>
-    </dgm:style>
-  </dgm:styleLbl>
-  <dgm:styleLbl name="fgAcc2">
-    <dgm:scene3d>
-      <a:camera prst="orthographicFront"/>
-      <a:lightRig rig="threePt" dir="t"/>
-    </dgm:scene3d>
-    <dgm:sp3d/>
-    <dgm:txPr/>
-    <dgm:style>
-      <a:lnRef idx="2">
-        <a:scrgbClr r="0" g="0" b="0"/>
-      </a:lnRef>
-      <a:fillRef idx="1">
-        <a:scrgbClr r="0" g="0" b="0"/>
-      </a:fillRef>
-      <a:effectRef idx="0">
-        <a:scrgbClr r="0" g="0" b="0"/>
-      </a:effectRef>
-      <a:fontRef idx="minor"/>
-    </dgm:style>
-  </dgm:styleLbl>
-  <dgm:styleLbl name="fgAcc3">
-    <dgm:scene3d>
-      <a:camera prst="orthographicFront"/>
-      <a:lightRig rig="threePt" dir="t"/>
-    </dgm:scene3d>
-    <dgm:sp3d/>
-    <dgm:txPr/>
-    <dgm:style>
-      <a:lnRef idx="2">
-        <a:scrgbClr r="0" g="0" b="0"/>
-      </a:lnRef>
-      <a:fillRef idx="1">
-        <a:scrgbClr r="0" g="0" b="0"/>
-      </a:fillRef>
-      <a:effectRef idx="0">
-        <a:scrgbClr r="0" g="0" b="0"/>
-      </a:effectRef>
-      <a:fontRef idx="minor"/>
-    </dgm:style>
-  </dgm:styleLbl>
-  <dgm:styleLbl name="fgAcc4">
-    <dgm:scene3d>
-      <a:camera prst="orthographicFront"/>
-      <a:lightRig rig="threePt" dir="t"/>
-    </dgm:scene3d>
-    <dgm:sp3d/>
-    <dgm:txPr/>
-    <dgm:style>
-      <a:lnRef idx="2">
-        <a:scrgbClr r="0" g="0" b="0"/>
-      </a:lnRef>
-      <a:fillRef idx="1">
-        <a:scrgbClr r="0" g="0" b="0"/>
-      </a:fillRef>
-      <a:effectRef idx="0">
-        <a:scrgbClr r="0" g="0" b="0"/>
-      </a:effectRef>
-      <a:fontRef idx="minor"/>
-    </dgm:style>
-  </dgm:styleLbl>
-  <dgm:styleLbl name="bgShp">
-    <dgm:scene3d>
-      <a:camera prst="orthographicFront"/>
-      <a:lightRig rig="threePt" dir="t"/>
-    </dgm:scene3d>
-    <dgm:sp3d/>
-    <dgm:txPr/>
-    <dgm:style>
-      <a:lnRef idx="0">
-        <a:scrgbClr r="0" g="0" b="0"/>
-      </a:lnRef>
-      <a:fillRef idx="1">
-        <a:scrgbClr r="0" g="0" b="0"/>
-      </a:fillRef>
-      <a:effectRef idx="0">
-        <a:scrgbClr r="0" g="0" b="0"/>
-      </a:effectRef>
-      <a:fontRef idx="minor"/>
-    </dgm:style>
-  </dgm:styleLbl>
-  <dgm:styleLbl name="dkBgShp">
-    <dgm:scene3d>
-      <a:camera prst="orthographicFront"/>
-      <a:lightRig rig="threePt" dir="t"/>
-    </dgm:scene3d>
-    <dgm:sp3d/>
-    <dgm:txPr/>
-    <dgm:style>
-      <a:lnRef idx="0">
-        <a:scrgbClr r="0" g="0" b="0"/>
-      </a:lnRef>
-      <a:fillRef idx="1">
-        <a:scrgbClr r="0" g="0" b="0"/>
-      </a:fillRef>
-      <a:effectRef idx="0">
-        <a:scrgbClr r="0" g="0" b="0"/>
-      </a:effectRef>
-      <a:fontRef idx="minor"/>
-    </dgm:style>
-  </dgm:styleLbl>
-  <dgm:styleLbl name="trBgShp">
-    <dgm:scene3d>
-      <a:camera prst="orthographicFront"/>
-      <a:lightRig rig="threePt" dir="t"/>
-    </dgm:scene3d>
-    <dgm:sp3d/>
-    <dgm:txPr/>
-    <dgm:style>
-      <a:lnRef idx="0">
-        <a:scrgbClr r="0" g="0" b="0"/>
-      </a:lnRef>
-      <a:fillRef idx="1">
-        <a:scrgbClr r="0" g="0" b="0"/>
-      </a:fillRef>
-      <a:effectRef idx="0">
-        <a:scrgbClr r="0" g="0" b="0"/>
-      </a:effectRef>
-      <a:fontRef idx="minor"/>
-    </dgm:style>
-  </dgm:styleLbl>
-  <dgm:styleLbl name="fgShp">
-    <dgm:scene3d>
-      <a:camera prst="orthographicFront"/>
-      <a:lightRig rig="threePt" dir="t"/>
-    </dgm:scene3d>
-    <dgm:sp3d/>
-    <dgm:txPr/>
-    <dgm:style>
-      <a:lnRef idx="2">
-        <a:scrgbClr r="0" g="0" b="0"/>
-      </a:lnRef>
-      <a:fillRef idx="1">
-        <a:scrgbClr r="0" g="0" b="0"/>
-      </a:fillRef>
-      <a:effectRef idx="0">
-        <a:scrgbClr r="0" g="0" b="0"/>
-      </a:effectRef>
-      <a:fontRef idx="minor"/>
-    </dgm:style>
-  </dgm:styleLbl>
-  <dgm:styleLbl name="revTx">
-    <dgm:scene3d>
-      <a:camera prst="orthographicFront"/>
-      <a:lightRig rig="threePt" dir="t"/>
-    </dgm:scene3d>
-    <dgm:sp3d/>
-    <dgm:txPr/>
-    <dgm:style>
-      <a:lnRef idx="0">
-        <a:scrgbClr r="0" g="0" b="0"/>
-      </a:lnRef>
-      <a:fillRef idx="0">
-        <a:scrgbClr r="0" g="0" b="0"/>
-      </a:fillRef>
-      <a:effectRef idx="0">
-        <a:scrgbClr r="0" g="0" b="0"/>
-      </a:effectRef>
-      <a:fontRef idx="minor"/>
-    </dgm:style>
-  </dgm:styleLbl>
-</dgm:styleDef>
-</file>
-
 <file path=ppt/notesMasters/notesMaster1.xml><?xml version="1.0" encoding="utf-8"?>
 <p:notesMaster xmlns:a="http://schemas.openxmlformats.org/drawingml/2006/main" xmlns:r="http://schemas.openxmlformats.org/officeDocument/2006/relationships" xmlns:p="http://schemas.openxmlformats.org/presentationml/2006/main">
   <p:cSld>
@@ -3175,7 +214,7 @@
           <a:p>
             <a:fld id="{3A7C3860-7027-407A-982A-3CBA694F3788}" type="datetimeFigureOut">
               <a:rPr lang="en-US" smtClean="0"/>
-              <a:t>1/13/2014</a:t>
+              <a:t>1/14/2014</a:t>
             </a:fld>
             <a:endParaRPr lang="en-US"/>
           </a:p>
@@ -3508,7 +547,7 @@
           <a:p>
             <a:fld id="{77DA41C2-2EC4-49B5-B3CD-E0A57519EAE4}" type="slidenum">
               <a:rPr lang="en-US" smtClean="0"/>
-              <a:t>3</a:t>
+              <a:t>7</a:t>
             </a:fld>
             <a:endParaRPr lang="en-US"/>
           </a:p>
@@ -3517,7 +556,7 @@
     </p:spTree>
     <p:extLst>
       <p:ext uri="{BB962C8B-B14F-4D97-AF65-F5344CB8AC3E}">
-        <p14:creationId xmlns:p14="http://schemas.microsoft.com/office/powerpoint/2010/main" val="1683442698"/>
+        <p14:creationId xmlns:p14="http://schemas.microsoft.com/office/powerpoint/2010/main" val="3161039423"/>
       </p:ext>
     </p:extLst>
   </p:cSld>
@@ -6000,38 +3039,38 @@
           <a:p>
             <a:pPr lvl="0"/>
             <a:r>
-              <a:rPr lang="en-US" smtClean="0"/>
+              <a:rPr lang="en-US" dirty="0" smtClean="0"/>
               <a:t>Click to edit Master text styles</a:t>
             </a:r>
           </a:p>
           <a:p>
             <a:pPr lvl="1"/>
             <a:r>
-              <a:rPr lang="en-US" smtClean="0"/>
+              <a:rPr lang="en-US" dirty="0" smtClean="0"/>
               <a:t>Second level</a:t>
             </a:r>
           </a:p>
           <a:p>
             <a:pPr lvl="2"/>
             <a:r>
-              <a:rPr lang="en-US" smtClean="0"/>
+              <a:rPr lang="en-US" dirty="0" smtClean="0"/>
               <a:t>Third level</a:t>
             </a:r>
           </a:p>
           <a:p>
             <a:pPr lvl="3"/>
             <a:r>
-              <a:rPr lang="en-US" smtClean="0"/>
+              <a:rPr lang="en-US" dirty="0" smtClean="0"/>
               <a:t>Fourth level</a:t>
             </a:r>
           </a:p>
           <a:p>
             <a:pPr lvl="4"/>
             <a:r>
-              <a:rPr lang="en-US" smtClean="0"/>
+              <a:rPr lang="en-US" dirty="0" smtClean="0"/>
               <a:t>Fifth level</a:t>
             </a:r>
-            <a:endParaRPr lang="en-US"/>
+            <a:endParaRPr lang="en-US" dirty="0"/>
           </a:p>
         </p:txBody>
       </p:sp>
@@ -6213,7 +3252,7 @@
         </a:spcBef>
         <a:buFont typeface="Arial" panose="020B0604020202020204" pitchFamily="34" charset="0"/>
         <a:buChar char="•"/>
-        <a:defRPr sz="2100" kern="1200">
+        <a:defRPr sz="2800" kern="1200">
           <a:solidFill>
             <a:schemeClr val="tx1"/>
           </a:solidFill>
@@ -6231,7 +3270,7 @@
         </a:spcBef>
         <a:buFont typeface="Arial" panose="020B0604020202020204" pitchFamily="34" charset="0"/>
         <a:buChar char="•"/>
-        <a:defRPr sz="1800" kern="1200">
+        <a:defRPr sz="2400" kern="1200">
           <a:solidFill>
             <a:schemeClr val="tx1"/>
           </a:solidFill>
@@ -6249,7 +3288,7 @@
         </a:spcBef>
         <a:buFont typeface="Arial" panose="020B0604020202020204" pitchFamily="34" charset="0"/>
         <a:buChar char="•"/>
-        <a:defRPr sz="1500" kern="1200">
+        <a:defRPr sz="1800" kern="1200">
           <a:solidFill>
             <a:schemeClr val="tx1"/>
           </a:solidFill>
@@ -6267,7 +3306,7 @@
         </a:spcBef>
         <a:buFont typeface="Arial" panose="020B0604020202020204" pitchFamily="34" charset="0"/>
         <a:buChar char="•"/>
-        <a:defRPr sz="1350" kern="1200">
+        <a:defRPr sz="1600" kern="1200">
           <a:solidFill>
             <a:schemeClr val="tx1"/>
           </a:solidFill>
@@ -6285,7 +3324,7 @@
         </a:spcBef>
         <a:buFont typeface="Arial" panose="020B0604020202020204" pitchFamily="34" charset="0"/>
         <a:buChar char="•"/>
-        <a:defRPr sz="1350" kern="1200">
+        <a:defRPr sz="1600" kern="1200">
           <a:solidFill>
             <a:schemeClr val="tx1"/>
           </a:solidFill>
@@ -6498,37 +3537,20 @@
         </p:nvSpPr>
         <p:spPr>
           <a:xfrm>
-            <a:off x="1219200" y="431800"/>
-            <a:ext cx="6858000" cy="2387600"/>
+            <a:off x="0" y="203200"/>
+            <a:ext cx="9144000" cy="2387600"/>
           </a:xfrm>
         </p:spPr>
         <p:txBody>
-          <a:bodyPr>
-            <a:normAutofit fontScale="90000"/>
+          <a:bodyPr anchor="t">
+            <a:normAutofit/>
           </a:bodyPr>
           <a:lstStyle/>
           <a:p>
             <a:r>
               <a:rPr lang="en-US" dirty="0" smtClean="0"/>
-              <a:t>Continuous Delivery</a:t>
-            </a:r>
-            <a:br>
-              <a:rPr lang="en-US" dirty="0" smtClean="0"/>
-            </a:br>
-            <a:r>
-              <a:rPr lang="en-US" dirty="0" smtClean="0"/>
-              <a:t>the Octopus Way</a:t>
-            </a:r>
-            <a:br>
-              <a:rPr lang="en-US" dirty="0" smtClean="0"/>
-            </a:br>
-            <a:r>
-              <a:rPr lang="en-US" dirty="0" smtClean="0"/>
-              <a:t/>
-            </a:r>
-            <a:br>
-              <a:rPr lang="en-US" dirty="0" smtClean="0"/>
-            </a:br>
+              <a:t>Cross Platform Development with Portable Class Libraries</a:t>
+            </a:r>
             <a:endParaRPr lang="en-US" dirty="0"/>
           </a:p>
         </p:txBody>
@@ -6545,13 +3567,13 @@
         </p:nvSpPr>
         <p:spPr>
           <a:xfrm>
-            <a:off x="1219200" y="2289389"/>
+            <a:off x="1219200" y="2459038"/>
             <a:ext cx="6858000" cy="1655762"/>
           </a:xfrm>
         </p:spPr>
         <p:txBody>
           <a:bodyPr>
-            <a:normAutofit/>
+            <a:normAutofit fontScale="85000" lnSpcReduction="20000"/>
           </a:bodyPr>
           <a:lstStyle/>
           <a:p>
@@ -6564,6 +3586,17 @@
             <a:r>
               <a:rPr lang="en-US" sz="3200" dirty="0" smtClean="0"/>
               <a:t>@</a:t>
+            </a:r>
+            <a:r>
+              <a:rPr lang="en-US" sz="3200" dirty="0" err="1" smtClean="0"/>
+              <a:t>jbogard</a:t>
+            </a:r>
+            <a:endParaRPr lang="en-US" sz="3200" dirty="0" smtClean="0"/>
+          </a:p>
+          <a:p>
+            <a:r>
+              <a:rPr lang="en-US" sz="3200" dirty="0" smtClean="0"/>
+              <a:t>github.com/</a:t>
             </a:r>
             <a:r>
               <a:rPr lang="en-US" sz="3200" dirty="0" err="1" smtClean="0"/>
@@ -6768,7 +3801,7 @@
 </file>
 
 <file path=ppt/slides/slide2.xml><?xml version="1.0" encoding="utf-8"?>
-<p:sld xmlns:a="http://schemas.openxmlformats.org/drawingml/2006/main" xmlns:r="http://schemas.openxmlformats.org/officeDocument/2006/relationships" xmlns:p="http://schemas.openxmlformats.org/presentationml/2006/main" showMasterSp="0">
+<p:sld xmlns:a="http://schemas.openxmlformats.org/drawingml/2006/main" xmlns:r="http://schemas.openxmlformats.org/officeDocument/2006/relationships" xmlns:p="http://schemas.openxmlformats.org/presentationml/2006/main">
   <p:cSld>
     <p:spTree>
       <p:nvGrpSpPr>
@@ -6784,35 +3817,111 @@
           <a:chExt cx="0" cy="0"/>
         </a:xfrm>
       </p:grpSpPr>
-      <p:graphicFrame>
-        <p:nvGraphicFramePr>
-          <p:cNvPr id="3" name="Diagram 2"/>
-          <p:cNvGraphicFramePr/>
-          <p:nvPr>
-            <p:custDataLst>
-              <p:tags r:id="rId1"/>
-            </p:custDataLst>
-            <p:extLst>
-              <p:ext uri="{D42A27DB-BD31-4B8C-83A1-F6EECF244321}">
-                <p14:modId xmlns:p14="http://schemas.microsoft.com/office/powerpoint/2010/main" val="2053267557"/>
-              </p:ext>
-            </p:extLst>
-          </p:nvPr>
-        </p:nvGraphicFramePr>
-        <p:xfrm>
-          <a:off x="914400" y="685800"/>
-          <a:ext cx="7010400" cy="5257800"/>
-        </p:xfrm>
-        <a:graphic>
-          <a:graphicData uri="http://schemas.openxmlformats.org/drawingml/2006/diagram">
-            <dgm:relIds xmlns:dgm="http://schemas.openxmlformats.org/drawingml/2006/diagram" xmlns:r="http://schemas.openxmlformats.org/officeDocument/2006/relationships" r:dm="rId3" r:lo="rId4" r:qs="rId5" r:cs="rId6"/>
-          </a:graphicData>
-        </a:graphic>
-      </p:graphicFrame>
+      <p:sp>
+        <p:nvSpPr>
+          <p:cNvPr id="2" name="Title 1"/>
+          <p:cNvSpPr>
+            <a:spLocks noGrp="1"/>
+          </p:cNvSpPr>
+          <p:nvPr>
+            <p:ph type="title"/>
+          </p:nvPr>
+        </p:nvSpPr>
+        <p:spPr/>
+        <p:txBody>
+          <a:bodyPr/>
+          <a:lstStyle/>
+          <a:p>
+            <a:r>
+              <a:rPr lang="en-US" dirty="0" smtClean="0"/>
+              <a:t>What are Portable Class Libraries?</a:t>
+            </a:r>
+            <a:endParaRPr lang="en-US" dirty="0"/>
+          </a:p>
+        </p:txBody>
+      </p:sp>
+      <p:sp>
+        <p:nvSpPr>
+          <p:cNvPr id="3" name="Content Placeholder 2"/>
+          <p:cNvSpPr>
+            <a:spLocks noGrp="1"/>
+          </p:cNvSpPr>
+          <p:nvPr>
+            <p:ph sz="half" idx="1"/>
+          </p:nvPr>
+        </p:nvSpPr>
+        <p:spPr/>
+        <p:txBody>
+          <a:bodyPr>
+            <a:normAutofit fontScale="77500" lnSpcReduction="20000"/>
+          </a:bodyPr>
+          <a:lstStyle/>
+          <a:p>
+            <a:r>
+              <a:rPr lang="en-US" dirty="0" smtClean="0"/>
+              <a:t>“The Happy Little Feature that Could”</a:t>
+            </a:r>
+          </a:p>
+          <a:p>
+            <a:endParaRPr lang="en-US" dirty="0"/>
+          </a:p>
+          <a:p>
+            <a:r>
+              <a:rPr lang="en-US" dirty="0" smtClean="0"/>
+              <a:t>Enable targeting multiple platforms without recompiling or multiple projects</a:t>
+            </a:r>
+          </a:p>
+          <a:p>
+            <a:endParaRPr lang="en-US" dirty="0"/>
+          </a:p>
+          <a:p>
+            <a:r>
+              <a:rPr lang="en-US" dirty="0" smtClean="0"/>
+              <a:t>Save us from #if hell</a:t>
+            </a:r>
+          </a:p>
+          <a:p>
+            <a:endParaRPr lang="en-US" dirty="0"/>
+          </a:p>
+          <a:p>
+            <a:r>
+              <a:rPr lang="en-US" dirty="0" smtClean="0"/>
+              <a:t>Abstract away the differences between APIs and available features</a:t>
+            </a:r>
+            <a:endParaRPr lang="en-US" dirty="0"/>
+          </a:p>
+        </p:txBody>
+      </p:sp>
+      <p:pic>
+        <p:nvPicPr>
+          <p:cNvPr id="5" name="Content Placeholder 4"/>
+          <p:cNvPicPr>
+            <a:picLocks noGrp="1" noChangeAspect="1"/>
+          </p:cNvPicPr>
+          <p:nvPr>
+            <p:ph sz="half" idx="2"/>
+          </p:nvPr>
+        </p:nvPicPr>
+        <p:blipFill>
+          <a:blip r:embed="rId2"/>
+          <a:stretch>
+            <a:fillRect/>
+          </a:stretch>
+        </p:blipFill>
+        <p:spPr>
+          <a:xfrm>
+            <a:off x="5438775" y="2524919"/>
+            <a:ext cx="2266950" cy="2952750"/>
+          </a:xfrm>
+          <a:prstGeom prst="rect">
+            <a:avLst/>
+          </a:prstGeom>
+        </p:spPr>
+      </p:pic>
     </p:spTree>
     <p:extLst>
       <p:ext uri="{BB962C8B-B14F-4D97-AF65-F5344CB8AC3E}">
-        <p14:creationId xmlns:p14="http://schemas.microsoft.com/office/powerpoint/2010/main" val="1370516280"/>
+        <p14:creationId xmlns:p14="http://schemas.microsoft.com/office/powerpoint/2010/main" val="2198459531"/>
       </p:ext>
     </p:extLst>
   </p:cSld>
@@ -6830,7 +3939,7 @@
 </file>
 
 <file path=ppt/slides/slide3.xml><?xml version="1.0" encoding="utf-8"?>
-<p:sld xmlns:a="http://schemas.openxmlformats.org/drawingml/2006/main" xmlns:r="http://schemas.openxmlformats.org/officeDocument/2006/relationships" xmlns:p="http://schemas.openxmlformats.org/presentationml/2006/main" showMasterSp="0">
+<p:sld xmlns:a="http://schemas.openxmlformats.org/drawingml/2006/main" xmlns:r="http://schemas.openxmlformats.org/officeDocument/2006/relationships" xmlns:p="http://schemas.openxmlformats.org/presentationml/2006/main">
   <p:cSld>
     <p:spTree>
       <p:nvGrpSpPr>
@@ -6854,19 +3963,16 @@
           </p:cNvSpPr>
           <p:nvPr>
             <p:ph type="title"/>
-            <p:custDataLst>
-              <p:tags r:id="rId2"/>
-            </p:custDataLst>
-          </p:nvPr>
-        </p:nvSpPr>
-        <p:spPr/>
-        <p:txBody>
-          <a:bodyPr/>
-          <a:lstStyle/>
-          <a:p>
-            <a:r>
-              <a:rPr lang="en-US" smtClean="0"/>
-              <a:t>Principles</a:t>
+          </p:nvPr>
+        </p:nvSpPr>
+        <p:spPr/>
+        <p:txBody>
+          <a:bodyPr/>
+          <a:lstStyle/>
+          <a:p>
+            <a:r>
+              <a:rPr lang="en-US" dirty="0" smtClean="0"/>
+              <a:t>Who should care?</a:t>
             </a:r>
             <a:endParaRPr lang="en-US" dirty="0"/>
           </a:p>
@@ -6880,75 +3986,63 @@
           </p:cNvSpPr>
           <p:nvPr>
             <p:ph idx="1"/>
-            <p:custDataLst>
-              <p:tags r:id="rId3"/>
-            </p:custDataLst>
-          </p:nvPr>
-        </p:nvSpPr>
-        <p:spPr/>
-        <p:txBody>
-          <a:bodyPr/>
-          <a:lstStyle/>
-          <a:p>
-            <a:r>
-              <a:rPr lang="en-US" smtClean="0"/>
-              <a:t>Repeatable, reliable process for releasing software</a:t>
-            </a:r>
-          </a:p>
-          <a:p>
-            <a:r>
-              <a:rPr lang="en-US" smtClean="0"/>
-              <a:t>Automate almost everything</a:t>
-            </a:r>
-          </a:p>
-          <a:p>
-            <a:r>
-              <a:rPr lang="en-US" smtClean="0"/>
-              <a:t>Keep everything in version control</a:t>
-            </a:r>
-          </a:p>
-          <a:p>
-            <a:r>
-              <a:rPr lang="en-US" smtClean="0"/>
-              <a:t>Bring the pain forward</a:t>
-            </a:r>
-          </a:p>
-          <a:p>
-            <a:r>
-              <a:rPr lang="en-US" smtClean="0"/>
-              <a:t>Build quality in</a:t>
-            </a:r>
-          </a:p>
-          <a:p>
-            <a:r>
-              <a:rPr lang="en-US" smtClean="0"/>
-              <a:t>Done means released</a:t>
-            </a:r>
-          </a:p>
-          <a:p>
-            <a:r>
-              <a:rPr lang="en-US" smtClean="0"/>
-              <a:t>Everyone responsible</a:t>
-            </a:r>
-          </a:p>
-          <a:p>
-            <a:r>
-              <a:rPr lang="en-US" smtClean="0"/>
-              <a:t>Continuous improvement</a:t>
-            </a:r>
-          </a:p>
-          <a:p>
+          </p:nvPr>
+        </p:nvSpPr>
+        <p:spPr/>
+        <p:txBody>
+          <a:bodyPr/>
+          <a:lstStyle/>
+          <a:p>
+            <a:r>
+              <a:rPr lang="en-US" dirty="0" smtClean="0"/>
+              <a:t>2012 – earlier</a:t>
+            </a:r>
+          </a:p>
+          <a:p>
+            <a:pPr lvl="1"/>
+            <a:r>
+              <a:rPr lang="en-US" dirty="0" smtClean="0"/>
+              <a:t>OSS library developers</a:t>
+            </a:r>
+          </a:p>
+          <a:p>
+            <a:pPr lvl="1"/>
+            <a:r>
+              <a:rPr lang="en-US" dirty="0" smtClean="0"/>
+              <a:t>Thick client app developers</a:t>
+            </a:r>
+          </a:p>
+          <a:p>
+            <a:pPr lvl="1"/>
             <a:endParaRPr lang="en-US" dirty="0"/>
           </a:p>
+          <a:p>
+            <a:r>
+              <a:rPr lang="en-US" dirty="0" smtClean="0"/>
+              <a:t>2013 – today</a:t>
+            </a:r>
+          </a:p>
+          <a:p>
+            <a:pPr lvl="1"/>
+            <a:r>
+              <a:rPr lang="en-US" dirty="0" smtClean="0"/>
+              <a:t>Mobile app developers (plus all of the above)</a:t>
+            </a:r>
+          </a:p>
+          <a:p>
+            <a:pPr lvl="1"/>
+            <a:r>
+              <a:rPr lang="en-US" dirty="0" smtClean="0"/>
+              <a:t>People who like testing</a:t>
+            </a:r>
+            <a:endParaRPr lang="en-US" dirty="0"/>
+          </a:p>
         </p:txBody>
       </p:sp>
     </p:spTree>
-    <p:custDataLst>
-      <p:tags r:id="rId1"/>
-    </p:custDataLst>
     <p:extLst>
       <p:ext uri="{BB962C8B-B14F-4D97-AF65-F5344CB8AC3E}">
-        <p14:creationId xmlns:p14="http://schemas.microsoft.com/office/powerpoint/2010/main" val="3290263920"/>
+        <p14:creationId xmlns:p14="http://schemas.microsoft.com/office/powerpoint/2010/main" val="3580092603"/>
       </p:ext>
     </p:extLst>
   </p:cSld>
@@ -6984,117 +4078,6 @@
       </p:grpSpPr>
       <p:sp>
         <p:nvSpPr>
-          <p:cNvPr id="17" name="Down Arrow 16"/>
-          <p:cNvSpPr/>
-          <p:nvPr/>
-        </p:nvSpPr>
-        <p:spPr>
-          <a:xfrm rot="16200000">
-            <a:off x="5537597" y="2621880"/>
-            <a:ext cx="1676400" cy="1612104"/>
-          </a:xfrm>
-          <a:prstGeom prst="downArrow">
-            <a:avLst/>
-          </a:prstGeom>
-        </p:spPr>
-        <p:style>
-          <a:lnRef idx="1">
-            <a:schemeClr val="accent1"/>
-          </a:lnRef>
-          <a:fillRef idx="2">
-            <a:schemeClr val="accent1"/>
-          </a:fillRef>
-          <a:effectRef idx="1">
-            <a:schemeClr val="accent1"/>
-          </a:effectRef>
-          <a:fontRef idx="minor">
-            <a:schemeClr val="dk1"/>
-          </a:fontRef>
-        </p:style>
-        <p:txBody>
-          <a:bodyPr rtlCol="0" anchor="ctr"/>
-          <a:lstStyle/>
-          <a:p>
-            <a:pPr algn="ctr"/>
-            <a:endParaRPr lang="en-US"/>
-          </a:p>
-        </p:txBody>
-      </p:sp>
-      <p:sp>
-        <p:nvSpPr>
-          <p:cNvPr id="12" name="Down Arrow 11"/>
-          <p:cNvSpPr/>
-          <p:nvPr/>
-        </p:nvSpPr>
-        <p:spPr>
-          <a:xfrm rot="16200000">
-            <a:off x="2081212" y="2596752"/>
-            <a:ext cx="1676400" cy="1612104"/>
-          </a:xfrm>
-          <a:prstGeom prst="downArrow">
-            <a:avLst/>
-          </a:prstGeom>
-        </p:spPr>
-        <p:style>
-          <a:lnRef idx="1">
-            <a:schemeClr val="accent1"/>
-          </a:lnRef>
-          <a:fillRef idx="2">
-            <a:schemeClr val="accent1"/>
-          </a:fillRef>
-          <a:effectRef idx="1">
-            <a:schemeClr val="accent1"/>
-          </a:effectRef>
-          <a:fontRef idx="minor">
-            <a:schemeClr val="dk1"/>
-          </a:fontRef>
-        </p:style>
-        <p:txBody>
-          <a:bodyPr rtlCol="0" anchor="ctr"/>
-          <a:lstStyle/>
-          <a:p>
-            <a:pPr algn="ctr"/>
-            <a:endParaRPr lang="en-US"/>
-          </a:p>
-        </p:txBody>
-      </p:sp>
-      <p:cxnSp>
-        <p:nvCxnSpPr>
-          <p:cNvPr id="11" name="Straight Connector 10"/>
-          <p:cNvCxnSpPr>
-            <a:stCxn id="2" idx="0"/>
-          </p:cNvCxnSpPr>
-          <p:nvPr/>
-        </p:nvCxnSpPr>
-        <p:spPr>
-          <a:xfrm>
-            <a:off x="4572000" y="365126"/>
-            <a:ext cx="0" cy="6188074"/>
-          </a:xfrm>
-          <a:prstGeom prst="line">
-            <a:avLst/>
-          </a:prstGeom>
-          <a:ln>
-            <a:prstDash val="dash"/>
-          </a:ln>
-        </p:spPr>
-        <p:style>
-          <a:lnRef idx="1">
-            <a:schemeClr val="dk1"/>
-          </a:lnRef>
-          <a:fillRef idx="0">
-            <a:schemeClr val="dk1"/>
-          </a:fillRef>
-          <a:effectRef idx="0">
-            <a:schemeClr val="dk1"/>
-          </a:effectRef>
-          <a:fontRef idx="minor">
-            <a:schemeClr val="tx1"/>
-          </a:fontRef>
-        </p:style>
-      </p:cxnSp>
-      <p:sp>
-        <p:nvSpPr>
           <p:cNvPr id="2" name="Title 1"/>
           <p:cNvSpPr>
             <a:spLocks noGrp="1"/>
@@ -7110,7 +4093,7 @@
           <a:p>
             <a:r>
               <a:rPr lang="en-US" dirty="0" smtClean="0"/>
-              <a:t>Setup</a:t>
+              <a:t>What is supported?</a:t>
             </a:r>
             <a:endParaRPr lang="en-US" dirty="0"/>
           </a:p>
@@ -7118,530 +4101,105 @@
       </p:sp>
       <p:sp>
         <p:nvSpPr>
-          <p:cNvPr id="4" name="Rectangle 3"/>
-          <p:cNvSpPr/>
-          <p:nvPr/>
-        </p:nvSpPr>
-        <p:spPr>
-          <a:xfrm>
-            <a:off x="628650" y="2895600"/>
-            <a:ext cx="1276350" cy="990600"/>
-          </a:xfrm>
-          <a:prstGeom prst="rect">
-            <a:avLst/>
-          </a:prstGeom>
-        </p:spPr>
-        <p:style>
-          <a:lnRef idx="2">
-            <a:schemeClr val="accent1">
-              <a:shade val="50000"/>
-            </a:schemeClr>
-          </a:lnRef>
-          <a:fillRef idx="1">
-            <a:schemeClr val="accent1"/>
-          </a:fillRef>
-          <a:effectRef idx="0">
-            <a:schemeClr val="accent1"/>
-          </a:effectRef>
-          <a:fontRef idx="minor">
-            <a:schemeClr val="lt1"/>
-          </a:fontRef>
-        </p:style>
-        <p:txBody>
-          <a:bodyPr rtlCol="0" anchor="ctr"/>
-          <a:lstStyle/>
-          <a:p>
-            <a:pPr algn="ctr"/>
-            <a:r>
-              <a:rPr lang="en-US" sz="1400" dirty="0" smtClean="0"/>
-              <a:t>Version Control</a:t>
-            </a:r>
-            <a:endParaRPr lang="en-US" sz="1400" dirty="0"/>
-          </a:p>
-        </p:txBody>
-      </p:sp>
-      <p:sp>
-        <p:nvSpPr>
-          <p:cNvPr id="5" name="Rectangle 4"/>
-          <p:cNvSpPr/>
-          <p:nvPr/>
-        </p:nvSpPr>
-        <p:spPr>
-          <a:xfrm>
-            <a:off x="3933825" y="2895600"/>
-            <a:ext cx="1276350" cy="990600"/>
-          </a:xfrm>
-          <a:prstGeom prst="rect">
-            <a:avLst/>
-          </a:prstGeom>
-        </p:spPr>
-        <p:style>
-          <a:lnRef idx="2">
-            <a:schemeClr val="accent1">
-              <a:shade val="50000"/>
-            </a:schemeClr>
-          </a:lnRef>
-          <a:fillRef idx="1">
-            <a:schemeClr val="accent1"/>
-          </a:fillRef>
-          <a:effectRef idx="0">
-            <a:schemeClr val="accent1"/>
-          </a:effectRef>
-          <a:fontRef idx="minor">
-            <a:schemeClr val="lt1"/>
-          </a:fontRef>
-        </p:style>
-        <p:txBody>
-          <a:bodyPr rtlCol="0" anchor="ctr"/>
-          <a:lstStyle/>
-          <a:p>
-            <a:pPr algn="ctr"/>
-            <a:r>
-              <a:rPr lang="en-US" sz="1400" dirty="0" err="1" smtClean="0"/>
-              <a:t>NuGet</a:t>
-            </a:r>
-            <a:r>
-              <a:rPr lang="en-US" sz="1400" dirty="0" smtClean="0"/>
-              <a:t> Repository</a:t>
-            </a:r>
-            <a:endParaRPr lang="en-US" sz="1400" dirty="0"/>
-          </a:p>
-        </p:txBody>
-      </p:sp>
-      <p:sp>
-        <p:nvSpPr>
-          <p:cNvPr id="6" name="Rectangle 5"/>
-          <p:cNvSpPr/>
-          <p:nvPr/>
-        </p:nvSpPr>
-        <p:spPr>
-          <a:xfrm>
-            <a:off x="2386012" y="2274094"/>
-            <a:ext cx="1066800" cy="533400"/>
-          </a:xfrm>
-          <a:prstGeom prst="rect">
-            <a:avLst/>
-          </a:prstGeom>
-        </p:spPr>
-        <p:style>
-          <a:lnRef idx="2">
-            <a:schemeClr val="accent6">
-              <a:shade val="50000"/>
-            </a:schemeClr>
-          </a:lnRef>
-          <a:fillRef idx="1">
-            <a:schemeClr val="accent6"/>
-          </a:fillRef>
-          <a:effectRef idx="0">
-            <a:schemeClr val="accent6"/>
-          </a:effectRef>
-          <a:fontRef idx="minor">
-            <a:schemeClr val="lt1"/>
-          </a:fontRef>
-        </p:style>
-        <p:txBody>
-          <a:bodyPr rtlCol="0" anchor="ctr"/>
-          <a:lstStyle/>
-          <a:p>
-            <a:pPr algn="ctr"/>
-            <a:r>
-              <a:rPr lang="en-US" sz="1400" dirty="0" smtClean="0"/>
-              <a:t>Build</a:t>
-            </a:r>
-            <a:endParaRPr lang="en-US" sz="1400" dirty="0"/>
-          </a:p>
-        </p:txBody>
-      </p:sp>
-      <p:sp>
-        <p:nvSpPr>
-          <p:cNvPr id="8" name="Rectangle 7"/>
-          <p:cNvSpPr/>
-          <p:nvPr/>
-        </p:nvSpPr>
-        <p:spPr>
-          <a:xfrm>
-            <a:off x="2386012" y="3124199"/>
-            <a:ext cx="1066800" cy="533400"/>
-          </a:xfrm>
-          <a:prstGeom prst="rect">
-            <a:avLst/>
-          </a:prstGeom>
-        </p:spPr>
-        <p:style>
-          <a:lnRef idx="2">
-            <a:schemeClr val="accent6">
-              <a:shade val="50000"/>
-            </a:schemeClr>
-          </a:lnRef>
-          <a:fillRef idx="1">
-            <a:schemeClr val="accent6"/>
-          </a:fillRef>
-          <a:effectRef idx="0">
-            <a:schemeClr val="accent6"/>
-          </a:effectRef>
-          <a:fontRef idx="minor">
-            <a:schemeClr val="lt1"/>
-          </a:fontRef>
-        </p:style>
-        <p:txBody>
-          <a:bodyPr rtlCol="0" anchor="ctr"/>
-          <a:lstStyle/>
-          <a:p>
-            <a:pPr algn="ctr"/>
-            <a:r>
-              <a:rPr lang="en-US" sz="1400" dirty="0" smtClean="0"/>
-              <a:t>Test</a:t>
-            </a:r>
-            <a:endParaRPr lang="en-US" sz="1400" dirty="0"/>
-          </a:p>
-        </p:txBody>
-      </p:sp>
-      <p:sp>
-        <p:nvSpPr>
-          <p:cNvPr id="9" name="Rectangle 8"/>
-          <p:cNvSpPr/>
-          <p:nvPr/>
-        </p:nvSpPr>
-        <p:spPr>
-          <a:xfrm>
-            <a:off x="2386012" y="3974304"/>
-            <a:ext cx="1066800" cy="533400"/>
-          </a:xfrm>
-          <a:prstGeom prst="rect">
-            <a:avLst/>
-          </a:prstGeom>
-        </p:spPr>
-        <p:style>
-          <a:lnRef idx="2">
-            <a:schemeClr val="accent6">
-              <a:shade val="50000"/>
-            </a:schemeClr>
-          </a:lnRef>
-          <a:fillRef idx="1">
-            <a:schemeClr val="accent6"/>
-          </a:fillRef>
-          <a:effectRef idx="0">
-            <a:schemeClr val="accent6"/>
-          </a:effectRef>
-          <a:fontRef idx="minor">
-            <a:schemeClr val="lt1"/>
-          </a:fontRef>
-        </p:style>
-        <p:txBody>
-          <a:bodyPr rtlCol="0" anchor="ctr"/>
-          <a:lstStyle/>
-          <a:p>
-            <a:pPr algn="ctr"/>
-            <a:r>
-              <a:rPr lang="en-US" sz="1400" dirty="0" smtClean="0"/>
-              <a:t>Package</a:t>
-            </a:r>
-            <a:endParaRPr lang="en-US" sz="1400" dirty="0"/>
-          </a:p>
-        </p:txBody>
-      </p:sp>
-      <p:sp>
-        <p:nvSpPr>
-          <p:cNvPr id="13" name="TextBox 12"/>
-          <p:cNvSpPr txBox="1"/>
-          <p:nvPr/>
-        </p:nvSpPr>
-        <p:spPr>
-          <a:xfrm>
-            <a:off x="735806" y="5968425"/>
-            <a:ext cx="3276600" cy="584775"/>
-          </a:xfrm>
-          <a:prstGeom prst="rect">
-            <a:avLst/>
-          </a:prstGeom>
-          <a:noFill/>
-        </p:spPr>
-        <p:txBody>
-          <a:bodyPr wrap="square" rtlCol="0">
-            <a:spAutoFit/>
+          <p:cNvPr id="3" name="Content Placeholder 2"/>
+          <p:cNvSpPr>
+            <a:spLocks noGrp="1"/>
+          </p:cNvSpPr>
+          <p:nvPr>
+            <p:ph idx="1"/>
+          </p:nvPr>
+        </p:nvSpPr>
+        <p:spPr/>
+        <p:txBody>
+          <a:bodyPr>
+            <a:normAutofit fontScale="92500" lnSpcReduction="10000"/>
           </a:bodyPr>
           <a:lstStyle/>
           <a:p>
-            <a:pPr algn="ctr"/>
-            <a:r>
-              <a:rPr lang="en-US" sz="3200" dirty="0" err="1" smtClean="0">
-                <a:solidFill>
-                  <a:srgbClr val="A8A8A8"/>
-                </a:solidFill>
-              </a:rPr>
-              <a:t>TeamCity</a:t>
-            </a:r>
-            <a:endParaRPr lang="en-US" sz="3200" dirty="0">
-              <a:solidFill>
-                <a:srgbClr val="A8A8A8"/>
-              </a:solidFill>
-            </a:endParaRPr>
-          </a:p>
-        </p:txBody>
-      </p:sp>
-      <p:sp>
-        <p:nvSpPr>
-          <p:cNvPr id="14" name="TextBox 13"/>
-          <p:cNvSpPr txBox="1"/>
-          <p:nvPr/>
-        </p:nvSpPr>
-        <p:spPr>
-          <a:xfrm>
-            <a:off x="5120245" y="5968425"/>
-            <a:ext cx="3631406" cy="584775"/>
-          </a:xfrm>
-          <a:prstGeom prst="rect">
-            <a:avLst/>
-          </a:prstGeom>
-          <a:noFill/>
-        </p:spPr>
-        <p:txBody>
-          <a:bodyPr wrap="square" rtlCol="0">
-            <a:spAutoFit/>
-          </a:bodyPr>
-          <a:lstStyle/>
-          <a:p>
-            <a:pPr algn="ctr"/>
-            <a:r>
-              <a:rPr lang="en-US" sz="3200" dirty="0" smtClean="0">
-                <a:solidFill>
-                  <a:srgbClr val="A8A8A8"/>
-                </a:solidFill>
-              </a:rPr>
-              <a:t>Octopus Deploy</a:t>
-            </a:r>
-            <a:endParaRPr lang="en-US" sz="3200" dirty="0">
-              <a:solidFill>
-                <a:srgbClr val="A8A8A8"/>
-              </a:solidFill>
-            </a:endParaRPr>
-          </a:p>
-        </p:txBody>
-      </p:sp>
-      <p:sp>
-        <p:nvSpPr>
-          <p:cNvPr id="15" name="Rectangle 14"/>
-          <p:cNvSpPr/>
-          <p:nvPr/>
-        </p:nvSpPr>
-        <p:spPr>
-          <a:xfrm>
-            <a:off x="5769769" y="2765084"/>
-            <a:ext cx="1066800" cy="533400"/>
-          </a:xfrm>
-          <a:prstGeom prst="rect">
-            <a:avLst/>
-          </a:prstGeom>
-        </p:spPr>
-        <p:style>
-          <a:lnRef idx="2">
-            <a:schemeClr val="accent6">
-              <a:shade val="50000"/>
-            </a:schemeClr>
-          </a:lnRef>
-          <a:fillRef idx="1">
-            <a:schemeClr val="accent6"/>
-          </a:fillRef>
-          <a:effectRef idx="0">
-            <a:schemeClr val="accent6"/>
-          </a:effectRef>
-          <a:fontRef idx="minor">
-            <a:schemeClr val="lt1"/>
-          </a:fontRef>
-        </p:style>
-        <p:txBody>
-          <a:bodyPr rtlCol="0" anchor="ctr"/>
-          <a:lstStyle/>
-          <a:p>
-            <a:pPr algn="ctr"/>
-            <a:r>
-              <a:rPr lang="en-US" sz="1400" dirty="0" smtClean="0"/>
-              <a:t>Deploy</a:t>
-            </a:r>
-            <a:endParaRPr lang="en-US" sz="1400" dirty="0"/>
-          </a:p>
-        </p:txBody>
-      </p:sp>
-      <p:sp>
-        <p:nvSpPr>
-          <p:cNvPr id="16" name="Rectangle 15"/>
-          <p:cNvSpPr/>
-          <p:nvPr/>
-        </p:nvSpPr>
-        <p:spPr>
-          <a:xfrm>
-            <a:off x="5769769" y="3615189"/>
-            <a:ext cx="1066800" cy="533400"/>
-          </a:xfrm>
-          <a:prstGeom prst="rect">
-            <a:avLst/>
-          </a:prstGeom>
-        </p:spPr>
-        <p:style>
-          <a:lnRef idx="2">
-            <a:schemeClr val="accent6">
-              <a:shade val="50000"/>
-            </a:schemeClr>
-          </a:lnRef>
-          <a:fillRef idx="1">
-            <a:schemeClr val="accent6"/>
-          </a:fillRef>
-          <a:effectRef idx="0">
-            <a:schemeClr val="accent6"/>
-          </a:effectRef>
-          <a:fontRef idx="minor">
-            <a:schemeClr val="lt1"/>
-          </a:fontRef>
-        </p:style>
-        <p:txBody>
-          <a:bodyPr rtlCol="0" anchor="ctr"/>
-          <a:lstStyle/>
-          <a:p>
-            <a:pPr algn="ctr"/>
-            <a:r>
-              <a:rPr lang="en-US" sz="1400" dirty="0" smtClean="0"/>
-              <a:t>Promote</a:t>
-            </a:r>
-            <a:endParaRPr lang="en-US" sz="1400" dirty="0"/>
-          </a:p>
-        </p:txBody>
-      </p:sp>
-      <p:sp>
-        <p:nvSpPr>
-          <p:cNvPr id="19" name="Rectangle 18"/>
-          <p:cNvSpPr/>
-          <p:nvPr/>
-        </p:nvSpPr>
-        <p:spPr>
-          <a:xfrm>
-            <a:off x="7475301" y="1517082"/>
-            <a:ext cx="1276350" cy="990600"/>
-          </a:xfrm>
-          <a:prstGeom prst="rect">
-            <a:avLst/>
-          </a:prstGeom>
-        </p:spPr>
-        <p:style>
-          <a:lnRef idx="2">
-            <a:schemeClr val="accent2">
-              <a:shade val="50000"/>
-            </a:schemeClr>
-          </a:lnRef>
-          <a:fillRef idx="1">
-            <a:schemeClr val="accent2"/>
-          </a:fillRef>
-          <a:effectRef idx="0">
-            <a:schemeClr val="accent2"/>
-          </a:effectRef>
-          <a:fontRef idx="minor">
-            <a:schemeClr val="lt1"/>
-          </a:fontRef>
-        </p:style>
-        <p:txBody>
-          <a:bodyPr rtlCol="0" anchor="ctr"/>
-          <a:lstStyle/>
-          <a:p>
-            <a:pPr algn="ctr"/>
-            <a:r>
-              <a:rPr lang="en-US" sz="1400" dirty="0" smtClean="0"/>
-              <a:t>Dev</a:t>
-            </a:r>
-            <a:endParaRPr lang="en-US" sz="1400" dirty="0"/>
-          </a:p>
-        </p:txBody>
-      </p:sp>
-      <p:sp>
-        <p:nvSpPr>
-          <p:cNvPr id="20" name="Rectangle 19"/>
-          <p:cNvSpPr/>
-          <p:nvPr/>
-        </p:nvSpPr>
-        <p:spPr>
-          <a:xfrm>
-            <a:off x="7447966" y="2895599"/>
-            <a:ext cx="1276350" cy="990600"/>
-          </a:xfrm>
-          <a:prstGeom prst="rect">
-            <a:avLst/>
-          </a:prstGeom>
-        </p:spPr>
-        <p:style>
-          <a:lnRef idx="2">
-            <a:schemeClr val="accent2">
-              <a:shade val="50000"/>
-            </a:schemeClr>
-          </a:lnRef>
-          <a:fillRef idx="1">
-            <a:schemeClr val="accent2"/>
-          </a:fillRef>
-          <a:effectRef idx="0">
-            <a:schemeClr val="accent2"/>
-          </a:effectRef>
-          <a:fontRef idx="minor">
-            <a:schemeClr val="lt1"/>
-          </a:fontRef>
-        </p:style>
-        <p:txBody>
-          <a:bodyPr rtlCol="0" anchor="ctr"/>
-          <a:lstStyle/>
-          <a:p>
-            <a:pPr algn="ctr"/>
-            <a:r>
-              <a:rPr lang="en-US" sz="1400" dirty="0" smtClean="0"/>
-              <a:t>Test</a:t>
-            </a:r>
-            <a:endParaRPr lang="en-US" sz="1400" dirty="0"/>
-          </a:p>
-        </p:txBody>
-      </p:sp>
-      <p:sp>
-        <p:nvSpPr>
-          <p:cNvPr id="21" name="Rectangle 20"/>
-          <p:cNvSpPr/>
-          <p:nvPr/>
-        </p:nvSpPr>
-        <p:spPr>
-          <a:xfrm>
-            <a:off x="7447966" y="4274116"/>
-            <a:ext cx="1276350" cy="990600"/>
-          </a:xfrm>
-          <a:prstGeom prst="rect">
-            <a:avLst/>
-          </a:prstGeom>
-        </p:spPr>
-        <p:style>
-          <a:lnRef idx="2">
-            <a:schemeClr val="accent2">
-              <a:shade val="50000"/>
-            </a:schemeClr>
-          </a:lnRef>
-          <a:fillRef idx="1">
-            <a:schemeClr val="accent2"/>
-          </a:fillRef>
-          <a:effectRef idx="0">
-            <a:schemeClr val="accent2"/>
-          </a:effectRef>
-          <a:fontRef idx="minor">
-            <a:schemeClr val="lt1"/>
-          </a:fontRef>
-        </p:style>
-        <p:txBody>
-          <a:bodyPr rtlCol="0" anchor="ctr"/>
-          <a:lstStyle/>
-          <a:p>
-            <a:pPr algn="ctr"/>
-            <a:r>
-              <a:rPr lang="en-US" sz="1400" dirty="0" smtClean="0"/>
-              <a:t>Prod</a:t>
-            </a:r>
-            <a:endParaRPr lang="en-US" sz="1400" dirty="0"/>
+            <a:r>
+              <a:rPr lang="en-US" dirty="0" smtClean="0"/>
+              <a:t>VS 2012</a:t>
+            </a:r>
+          </a:p>
+          <a:p>
+            <a:pPr lvl="1"/>
+            <a:r>
+              <a:rPr lang="en-US" dirty="0" smtClean="0"/>
+              <a:t>.NET 4+</a:t>
+            </a:r>
+          </a:p>
+          <a:p>
+            <a:pPr lvl="1"/>
+            <a:r>
+              <a:rPr lang="en-US" dirty="0" smtClean="0"/>
+              <a:t>Silverlight 4+</a:t>
+            </a:r>
+          </a:p>
+          <a:p>
+            <a:pPr lvl="1"/>
+            <a:r>
+              <a:rPr lang="en-US" dirty="0" smtClean="0"/>
+              <a:t>Windows Phone 7+</a:t>
+            </a:r>
+          </a:p>
+          <a:p>
+            <a:pPr lvl="1"/>
+            <a:r>
+              <a:rPr lang="en-US" dirty="0" smtClean="0"/>
+              <a:t>Windows Store apps</a:t>
+            </a:r>
+          </a:p>
+          <a:p>
+            <a:pPr lvl="1"/>
+            <a:r>
+              <a:rPr lang="en-US" dirty="0" smtClean="0"/>
+              <a:t>Xbox 360</a:t>
+            </a:r>
+          </a:p>
+          <a:p>
+            <a:pPr lvl="1"/>
+            <a:endParaRPr lang="en-US" dirty="0"/>
+          </a:p>
+          <a:p>
+            <a:r>
+              <a:rPr lang="en-US" dirty="0" smtClean="0"/>
+              <a:t>VS 2013</a:t>
+            </a:r>
+          </a:p>
+          <a:p>
+            <a:pPr lvl="1"/>
+            <a:r>
+              <a:rPr lang="en-US" dirty="0" smtClean="0"/>
+              <a:t>.NET 4+</a:t>
+            </a:r>
+          </a:p>
+          <a:p>
+            <a:pPr lvl="1"/>
+            <a:r>
+              <a:rPr lang="en-US" dirty="0" smtClean="0"/>
+              <a:t>Silverlight 5</a:t>
+            </a:r>
+          </a:p>
+          <a:p>
+            <a:pPr lvl="1"/>
+            <a:r>
+              <a:rPr lang="en-US" dirty="0" smtClean="0"/>
+              <a:t>Windows Phone 8</a:t>
+            </a:r>
+          </a:p>
+          <a:p>
+            <a:pPr lvl="1"/>
+            <a:r>
+              <a:rPr lang="en-US" dirty="0" smtClean="0"/>
+              <a:t>Windows Store apps</a:t>
+            </a:r>
           </a:p>
         </p:txBody>
       </p:sp>
     </p:spTree>
     <p:extLst>
       <p:ext uri="{BB962C8B-B14F-4D97-AF65-F5344CB8AC3E}">
-        <p14:creationId xmlns:p14="http://schemas.microsoft.com/office/powerpoint/2010/main" val="521568341"/>
+        <p14:creationId xmlns:p14="http://schemas.microsoft.com/office/powerpoint/2010/main" val="25192279"/>
       </p:ext>
     </p:extLst>
   </p:cSld>
@@ -7659,7 +4217,7 @@
 </file>
 
 <file path=ppt/slides/slide5.xml><?xml version="1.0" encoding="utf-8"?>
-<p:sld xmlns:a="http://schemas.openxmlformats.org/drawingml/2006/main" xmlns:r="http://schemas.openxmlformats.org/officeDocument/2006/relationships" xmlns:p="http://schemas.openxmlformats.org/presentationml/2006/main" showMasterSp="0">
+<p:sld xmlns:a="http://schemas.openxmlformats.org/drawingml/2006/main" xmlns:r="http://schemas.openxmlformats.org/officeDocument/2006/relationships" xmlns:p="http://schemas.openxmlformats.org/presentationml/2006/main">
   <p:cSld>
     <p:spTree>
       <p:nvGrpSpPr>
@@ -7682,66 +4240,528 @@
             <a:spLocks noGrp="1"/>
           </p:cNvSpPr>
           <p:nvPr>
-            <p:ph type="ctrTitle"/>
+            <p:ph type="title"/>
+          </p:nvPr>
+        </p:nvSpPr>
+        <p:spPr/>
+        <p:txBody>
+          <a:bodyPr/>
+          <a:lstStyle/>
+          <a:p>
+            <a:r>
+              <a:rPr lang="en-US" dirty="0" smtClean="0"/>
+              <a:t>What is supported?</a:t>
+            </a:r>
+            <a:endParaRPr lang="en-US" dirty="0"/>
+          </a:p>
+        </p:txBody>
+      </p:sp>
+      <p:sp>
+        <p:nvSpPr>
+          <p:cNvPr id="3" name="Content Placeholder 2"/>
+          <p:cNvSpPr>
+            <a:spLocks noGrp="1"/>
+          </p:cNvSpPr>
+          <p:nvPr>
+            <p:ph idx="1"/>
           </p:nvPr>
         </p:nvSpPr>
         <p:spPr/>
         <p:txBody>
           <a:bodyPr>
-            <a:normAutofit/>
+            <a:normAutofit fontScale="92500" lnSpcReduction="20000"/>
           </a:bodyPr>
           <a:lstStyle/>
           <a:p>
             <a:r>
-              <a:rPr lang="en-US" sz="8000" dirty="0" smtClean="0"/>
-              <a:t>Demo</a:t>
-            </a:r>
-            <a:endParaRPr lang="en-US" sz="8000" dirty="0"/>
-          </a:p>
-        </p:txBody>
-      </p:sp>
-      <p:sp>
-        <p:nvSpPr>
-          <p:cNvPr id="3" name="Subtitle 2"/>
-          <p:cNvSpPr>
-            <a:spLocks noGrp="1"/>
-          </p:cNvSpPr>
-          <p:nvPr>
-            <p:ph type="subTitle" idx="1"/>
-          </p:nvPr>
-        </p:nvSpPr>
-        <p:spPr/>
-        <p:txBody>
-          <a:bodyPr/>
-          <a:lstStyle/>
-          <a:p>
-            <a:endParaRPr lang="en-US"/>
-          </a:p>
-        </p:txBody>
-      </p:sp>
-      <p:sp>
-        <p:nvSpPr>
-          <p:cNvPr id="4" name="Footer Placeholder 3"/>
-          <p:cNvSpPr>
-            <a:spLocks noGrp="1"/>
-          </p:cNvSpPr>
-          <p:nvPr>
-            <p:ph type="ftr" sz="quarter" idx="11"/>
-          </p:nvPr>
-        </p:nvSpPr>
-        <p:spPr/>
-        <p:txBody>
-          <a:bodyPr/>
-          <a:lstStyle/>
-          <a:p>
-            <a:endParaRPr lang="en-US"/>
-          </a:p>
-        </p:txBody>
-      </p:sp>
+              <a:rPr lang="en-US" dirty="0" smtClean="0"/>
+              <a:t>VS 2012</a:t>
+            </a:r>
+          </a:p>
+          <a:p>
+            <a:pPr lvl="1"/>
+            <a:r>
+              <a:rPr lang="en-US" dirty="0" smtClean="0"/>
+              <a:t>.NET 4+</a:t>
+            </a:r>
+          </a:p>
+          <a:p>
+            <a:pPr lvl="1"/>
+            <a:r>
+              <a:rPr lang="en-US" dirty="0" smtClean="0"/>
+              <a:t>Silverlight 4+</a:t>
+            </a:r>
+          </a:p>
+          <a:p>
+            <a:pPr lvl="1"/>
+            <a:r>
+              <a:rPr lang="en-US" dirty="0" smtClean="0"/>
+              <a:t>Windows Phone 7+</a:t>
+            </a:r>
+          </a:p>
+          <a:p>
+            <a:pPr lvl="1"/>
+            <a:r>
+              <a:rPr lang="en-US" dirty="0" smtClean="0"/>
+              <a:t>Windows Store apps</a:t>
+            </a:r>
+          </a:p>
+          <a:p>
+            <a:pPr lvl="1"/>
+            <a:r>
+              <a:rPr lang="en-US" dirty="0" smtClean="0"/>
+              <a:t>Xbox 360</a:t>
+            </a:r>
+          </a:p>
+          <a:p>
+            <a:pPr lvl="1"/>
+            <a:endParaRPr lang="en-US" dirty="0"/>
+          </a:p>
+          <a:p>
+            <a:r>
+              <a:rPr lang="en-US" dirty="0" smtClean="0"/>
+              <a:t>VS 2013</a:t>
+            </a:r>
+          </a:p>
+          <a:p>
+            <a:pPr lvl="1"/>
+            <a:r>
+              <a:rPr lang="en-US" dirty="0" smtClean="0"/>
+              <a:t>.NET 4+</a:t>
+            </a:r>
+          </a:p>
+          <a:p>
+            <a:pPr lvl="1"/>
+            <a:r>
+              <a:rPr lang="en-US" dirty="0" smtClean="0"/>
+              <a:t>Silverlight 5</a:t>
+            </a:r>
+          </a:p>
+          <a:p>
+            <a:pPr lvl="1"/>
+            <a:r>
+              <a:rPr lang="en-US" dirty="0" smtClean="0"/>
+              <a:t>Windows Phone 8</a:t>
+            </a:r>
+          </a:p>
+          <a:p>
+            <a:pPr lvl="1"/>
+            <a:r>
+              <a:rPr lang="en-US" dirty="0" smtClean="0"/>
+              <a:t>Windows Store apps</a:t>
+            </a:r>
+          </a:p>
+          <a:p>
+            <a:pPr lvl="1"/>
+            <a:r>
+              <a:rPr lang="en-US" b="1" dirty="0" err="1" smtClean="0"/>
+              <a:t>Xamarin.Android</a:t>
+            </a:r>
+            <a:endParaRPr lang="en-US" b="1" dirty="0" smtClean="0"/>
+          </a:p>
+          <a:p>
+            <a:pPr lvl="1"/>
+            <a:r>
+              <a:rPr lang="en-US" b="1" dirty="0" err="1" smtClean="0"/>
+              <a:t>Xamarin.iOS</a:t>
+            </a:r>
+            <a:endParaRPr lang="en-US" b="1" dirty="0"/>
+          </a:p>
+        </p:txBody>
+      </p:sp>
+      <p:pic>
+        <p:nvPicPr>
+          <p:cNvPr id="1026" name="Picture 2" descr="http://1.bp.blogspot.com/-WRCgiO-64qk/UYns2bvdVpI/AAAAAAAAFEQ/jT8yvj526-8/s640/misc-all-the-things.png"/>
+          <p:cNvPicPr>
+            <a:picLocks noChangeAspect="1" noChangeArrowheads="1"/>
+          </p:cNvPicPr>
+          <p:nvPr/>
+        </p:nvPicPr>
+        <p:blipFill>
+          <a:blip r:embed="rId2">
+            <a:extLst>
+              <a:ext uri="{28A0092B-C50C-407E-A947-70E740481C1C}">
+                <a14:useLocalDpi xmlns:a14="http://schemas.microsoft.com/office/drawing/2010/main" val="0"/>
+              </a:ext>
+            </a:extLst>
+          </a:blip>
+          <a:srcRect/>
+          <a:stretch>
+            <a:fillRect/>
+          </a:stretch>
+        </p:blipFill>
+        <p:spPr bwMode="auto">
+          <a:xfrm>
+            <a:off x="5334000" y="2743200"/>
+            <a:ext cx="2857500" cy="2143125"/>
+          </a:xfrm>
+          <a:prstGeom prst="rect">
+            <a:avLst/>
+          </a:prstGeom>
+          <a:noFill/>
+          <a:extLst>
+            <a:ext uri="{909E8E84-426E-40DD-AFC4-6F175D3DCCD1}">
+              <a14:hiddenFill xmlns:a14="http://schemas.microsoft.com/office/drawing/2010/main">
+                <a:solidFill>
+                  <a:srgbClr val="FFFFFF"/>
+                </a:solidFill>
+              </a14:hiddenFill>
+            </a:ext>
+          </a:extLst>
+        </p:spPr>
+      </p:pic>
     </p:spTree>
     <p:extLst>
       <p:ext uri="{BB962C8B-B14F-4D97-AF65-F5344CB8AC3E}">
-        <p14:creationId xmlns:p14="http://schemas.microsoft.com/office/powerpoint/2010/main" val="2888380966"/>
+        <p14:creationId xmlns:p14="http://schemas.microsoft.com/office/powerpoint/2010/main" val="2509327903"/>
+      </p:ext>
+    </p:extLst>
+  </p:cSld>
+  <p:clrMapOvr>
+    <a:masterClrMapping/>
+  </p:clrMapOvr>
+  <p:timing>
+    <p:tnLst>
+      <p:par>
+        <p:cTn id="1" dur="indefinite" restart="never" nodeType="tmRoot">
+          <p:childTnLst>
+            <p:seq concurrent="1" nextAc="seek">
+              <p:cTn id="2" dur="indefinite" nodeType="mainSeq">
+                <p:childTnLst>
+                  <p:par>
+                    <p:cTn id="3" fill="hold">
+                      <p:stCondLst>
+                        <p:cond delay="indefinite"/>
+                      </p:stCondLst>
+                      <p:childTnLst>
+                        <p:par>
+                          <p:cTn id="4" fill="hold">
+                            <p:stCondLst>
+                              <p:cond delay="0"/>
+                            </p:stCondLst>
+                            <p:childTnLst>
+                              <p:par>
+                                <p:cTn id="5" presetID="1" presetClass="entr" presetSubtype="0" fill="hold" nodeType="clickEffect">
+                                  <p:stCondLst>
+                                    <p:cond delay="0"/>
+                                  </p:stCondLst>
+                                  <p:childTnLst>
+                                    <p:set>
+                                      <p:cBhvr>
+                                        <p:cTn id="6" dur="1" fill="hold">
+                                          <p:stCondLst>
+                                            <p:cond delay="0"/>
+                                          </p:stCondLst>
+                                        </p:cTn>
+                                        <p:tgtEl>
+                                          <p:spTgt spid="1026"/>
+                                        </p:tgtEl>
+                                        <p:attrNameLst>
+                                          <p:attrName>style.visibility</p:attrName>
+                                        </p:attrNameLst>
+                                      </p:cBhvr>
+                                      <p:to>
+                                        <p:strVal val="visible"/>
+                                      </p:to>
+                                    </p:set>
+                                  </p:childTnLst>
+                                </p:cTn>
+                              </p:par>
+                            </p:childTnLst>
+                          </p:cTn>
+                        </p:par>
+                      </p:childTnLst>
+                    </p:cTn>
+                  </p:par>
+                </p:childTnLst>
+              </p:cTn>
+              <p:prevCondLst>
+                <p:cond evt="onPrev" delay="0">
+                  <p:tgtEl>
+                    <p:sldTgt/>
+                  </p:tgtEl>
+                </p:cond>
+              </p:prevCondLst>
+              <p:nextCondLst>
+                <p:cond evt="onNext" delay="0">
+                  <p:tgtEl>
+                    <p:sldTgt/>
+                  </p:tgtEl>
+                </p:cond>
+              </p:nextCondLst>
+            </p:seq>
+          </p:childTnLst>
+        </p:cTn>
+      </p:par>
+    </p:tnLst>
+  </p:timing>
+</p:sld>
+</file>
+
+<file path=ppt/slides/slide6.xml><?xml version="1.0" encoding="utf-8"?>
+<p:sld xmlns:a="http://schemas.openxmlformats.org/drawingml/2006/main" xmlns:r="http://schemas.openxmlformats.org/officeDocument/2006/relationships" xmlns:p="http://schemas.openxmlformats.org/presentationml/2006/main">
+  <p:cSld>
+    <p:spTree>
+      <p:nvGrpSpPr>
+        <p:cNvPr id="1" name=""/>
+        <p:cNvGrpSpPr/>
+        <p:nvPr/>
+      </p:nvGrpSpPr>
+      <p:grpSpPr>
+        <a:xfrm>
+          <a:off x="0" y="0"/>
+          <a:ext cx="0" cy="0"/>
+          <a:chOff x="0" y="0"/>
+          <a:chExt cx="0" cy="0"/>
+        </a:xfrm>
+      </p:grpSpPr>
+      <p:sp>
+        <p:nvSpPr>
+          <p:cNvPr id="2" name="Title 1"/>
+          <p:cNvSpPr>
+            <a:spLocks noGrp="1"/>
+          </p:cNvSpPr>
+          <p:nvPr>
+            <p:ph type="title"/>
+          </p:nvPr>
+        </p:nvSpPr>
+        <p:spPr/>
+        <p:txBody>
+          <a:bodyPr/>
+          <a:lstStyle/>
+          <a:p>
+            <a:r>
+              <a:rPr lang="en-US" dirty="0" smtClean="0"/>
+              <a:t>Licensing</a:t>
+            </a:r>
+            <a:endParaRPr lang="en-US" dirty="0"/>
+          </a:p>
+        </p:txBody>
+      </p:sp>
+      <p:sp>
+        <p:nvSpPr>
+          <p:cNvPr id="3" name="Content Placeholder 2"/>
+          <p:cNvSpPr>
+            <a:spLocks noGrp="1"/>
+          </p:cNvSpPr>
+          <p:nvPr>
+            <p:ph idx="1"/>
+          </p:nvPr>
+        </p:nvSpPr>
+        <p:spPr/>
+        <p:txBody>
+          <a:bodyPr/>
+          <a:lstStyle/>
+          <a:p>
+            <a:r>
+              <a:rPr lang="en-US" dirty="0" smtClean="0"/>
+              <a:t>Pre November 2013 – Windows only</a:t>
+            </a:r>
+          </a:p>
+          <a:p>
+            <a:endParaRPr lang="en-US" dirty="0" smtClean="0"/>
+          </a:p>
+          <a:p>
+            <a:r>
+              <a:rPr lang="en-US" dirty="0" smtClean="0"/>
+              <a:t>After November 2013 - available on all platforms</a:t>
+            </a:r>
+            <a:endParaRPr lang="en-US" dirty="0"/>
+          </a:p>
+        </p:txBody>
+      </p:sp>
+      <p:pic>
+        <p:nvPicPr>
+          <p:cNvPr id="2050" name="Picture 2" descr="http://1.bp.blogspot.com/-WRCgiO-64qk/UYns2bvdVpI/AAAAAAAAFEQ/jT8yvj526-8/s640/misc-all-the-things.png"/>
+          <p:cNvPicPr>
+            <a:picLocks noChangeAspect="1" noChangeArrowheads="1"/>
+          </p:cNvPicPr>
+          <p:nvPr/>
+        </p:nvPicPr>
+        <p:blipFill>
+          <a:blip r:embed="rId2">
+            <a:extLst>
+              <a:ext uri="{28A0092B-C50C-407E-A947-70E740481C1C}">
+                <a14:useLocalDpi xmlns:a14="http://schemas.microsoft.com/office/drawing/2010/main" val="0"/>
+              </a:ext>
+            </a:extLst>
+          </a:blip>
+          <a:srcRect/>
+          <a:stretch>
+            <a:fillRect/>
+          </a:stretch>
+        </p:blipFill>
+        <p:spPr bwMode="auto">
+          <a:xfrm>
+            <a:off x="2667000" y="3810000"/>
+            <a:ext cx="2857500" cy="2143125"/>
+          </a:xfrm>
+          <a:prstGeom prst="rect">
+            <a:avLst/>
+          </a:prstGeom>
+          <a:noFill/>
+          <a:extLst>
+            <a:ext uri="{909E8E84-426E-40DD-AFC4-6F175D3DCCD1}">
+              <a14:hiddenFill xmlns:a14="http://schemas.microsoft.com/office/drawing/2010/main">
+                <a:solidFill>
+                  <a:srgbClr val="FFFFFF"/>
+                </a:solidFill>
+              </a14:hiddenFill>
+            </a:ext>
+          </a:extLst>
+        </p:spPr>
+      </p:pic>
+    </p:spTree>
+    <p:extLst>
+      <p:ext uri="{BB962C8B-B14F-4D97-AF65-F5344CB8AC3E}">
+        <p14:creationId xmlns:p14="http://schemas.microsoft.com/office/powerpoint/2010/main" val="2383670473"/>
+      </p:ext>
+    </p:extLst>
+  </p:cSld>
+  <p:clrMapOvr>
+    <a:masterClrMapping/>
+  </p:clrMapOvr>
+  <p:timing>
+    <p:tnLst>
+      <p:par>
+        <p:cTn id="1" dur="indefinite" restart="never" nodeType="tmRoot">
+          <p:childTnLst>
+            <p:seq concurrent="1" nextAc="seek">
+              <p:cTn id="2" dur="indefinite" nodeType="mainSeq">
+                <p:childTnLst>
+                  <p:par>
+                    <p:cTn id="3" fill="hold">
+                      <p:stCondLst>
+                        <p:cond delay="indefinite"/>
+                      </p:stCondLst>
+                      <p:childTnLst>
+                        <p:par>
+                          <p:cTn id="4" fill="hold">
+                            <p:stCondLst>
+                              <p:cond delay="0"/>
+                            </p:stCondLst>
+                            <p:childTnLst>
+                              <p:par>
+                                <p:cTn id="5" presetID="1" presetClass="entr" presetSubtype="0" fill="hold" nodeType="clickEffect">
+                                  <p:stCondLst>
+                                    <p:cond delay="0"/>
+                                  </p:stCondLst>
+                                  <p:childTnLst>
+                                    <p:set>
+                                      <p:cBhvr>
+                                        <p:cTn id="6" dur="1" fill="hold">
+                                          <p:stCondLst>
+                                            <p:cond delay="0"/>
+                                          </p:stCondLst>
+                                        </p:cTn>
+                                        <p:tgtEl>
+                                          <p:spTgt spid="2050"/>
+                                        </p:tgtEl>
+                                        <p:attrNameLst>
+                                          <p:attrName>style.visibility</p:attrName>
+                                        </p:attrNameLst>
+                                      </p:cBhvr>
+                                      <p:to>
+                                        <p:strVal val="visible"/>
+                                      </p:to>
+                                    </p:set>
+                                  </p:childTnLst>
+                                </p:cTn>
+                              </p:par>
+                            </p:childTnLst>
+                          </p:cTn>
+                        </p:par>
+                      </p:childTnLst>
+                    </p:cTn>
+                  </p:par>
+                </p:childTnLst>
+              </p:cTn>
+              <p:prevCondLst>
+                <p:cond evt="onPrev" delay="0">
+                  <p:tgtEl>
+                    <p:sldTgt/>
+                  </p:tgtEl>
+                </p:cond>
+              </p:prevCondLst>
+              <p:nextCondLst>
+                <p:cond evt="onNext" delay="0">
+                  <p:tgtEl>
+                    <p:sldTgt/>
+                  </p:tgtEl>
+                </p:cond>
+              </p:nextCondLst>
+            </p:seq>
+          </p:childTnLst>
+        </p:cTn>
+      </p:par>
+    </p:tnLst>
+  </p:timing>
+</p:sld>
+</file>
+
+<file path=ppt/slides/slide7.xml><?xml version="1.0" encoding="utf-8"?>
+<p:sld xmlns:a="http://schemas.openxmlformats.org/drawingml/2006/main" xmlns:r="http://schemas.openxmlformats.org/officeDocument/2006/relationships" xmlns:p="http://schemas.openxmlformats.org/presentationml/2006/main">
+  <p:cSld>
+    <p:spTree>
+      <p:nvGrpSpPr>
+        <p:cNvPr id="1" name=""/>
+        <p:cNvGrpSpPr/>
+        <p:nvPr/>
+      </p:nvGrpSpPr>
+      <p:grpSpPr>
+        <a:xfrm>
+          <a:off x="0" y="0"/>
+          <a:ext cx="0" cy="0"/>
+          <a:chOff x="0" y="0"/>
+          <a:chExt cx="0" cy="0"/>
+        </a:xfrm>
+      </p:grpSpPr>
+      <p:sp>
+        <p:nvSpPr>
+          <p:cNvPr id="2" name="Title 1"/>
+          <p:cNvSpPr>
+            <a:spLocks noGrp="1"/>
+          </p:cNvSpPr>
+          <p:nvPr>
+            <p:ph type="title"/>
+          </p:nvPr>
+        </p:nvSpPr>
+        <p:spPr/>
+        <p:txBody>
+          <a:bodyPr/>
+          <a:lstStyle/>
+          <a:p>
+            <a:r>
+              <a:rPr lang="en-US" dirty="0" smtClean="0"/>
+              <a:t>How does it work?</a:t>
+            </a:r>
+            <a:endParaRPr lang="en-US" dirty="0"/>
+          </a:p>
+        </p:txBody>
+      </p:sp>
+      <p:sp>
+        <p:nvSpPr>
+          <p:cNvPr id="4" name="Text Placeholder 3"/>
+          <p:cNvSpPr>
+            <a:spLocks noGrp="1"/>
+          </p:cNvSpPr>
+          <p:nvPr>
+            <p:ph type="body" idx="1"/>
+          </p:nvPr>
+        </p:nvSpPr>
+        <p:spPr/>
+        <p:txBody>
+          <a:bodyPr/>
+          <a:lstStyle/>
+          <a:p>
+            <a:endParaRPr lang="en-US"/>
+          </a:p>
+        </p:txBody>
+      </p:sp>
+    </p:spTree>
+    <p:extLst>
+      <p:ext uri="{BB962C8B-B14F-4D97-AF65-F5344CB8AC3E}">
+        <p14:creationId xmlns:p14="http://schemas.microsoft.com/office/powerpoint/2010/main" val="3481620307"/>
       </p:ext>
     </p:extLst>
   </p:cSld>
@@ -7767,30 +4787,6 @@
 <file path=ppt/tags/tag2.xml><?xml version="1.0" encoding="utf-8"?>
 <p:tagLst xmlns:a="http://schemas.openxmlformats.org/drawingml/2006/main" xmlns:r="http://schemas.openxmlformats.org/officeDocument/2006/relationships" xmlns:p="http://schemas.openxmlformats.org/presentationml/2006/main">
   <p:tag name="DVSHAPEID" val="uA659GxK01l5RE4S2hskxe"/>
-</p:tagLst>
-</file>
-
-<file path=ppt/tags/tag3.xml><?xml version="1.0" encoding="utf-8"?>
-<p:tagLst xmlns:a="http://schemas.openxmlformats.org/drawingml/2006/main" xmlns:r="http://schemas.openxmlformats.org/officeDocument/2006/relationships" xmlns:p="http://schemas.openxmlformats.org/presentationml/2006/main">
-  <p:tag name="DVSHAPEID" val="KqnQr14qliG5w1lOvfrj5k"/>
-</p:tagLst>
-</file>
-
-<file path=ppt/tags/tag4.xml><?xml version="1.0" encoding="utf-8"?>
-<p:tagLst xmlns:a="http://schemas.openxmlformats.org/drawingml/2006/main" xmlns:r="http://schemas.openxmlformats.org/officeDocument/2006/relationships" xmlns:p="http://schemas.openxmlformats.org/presentationml/2006/main">
-  <p:tag name="DVSECTIONID" val="2J6CRbKDISaueyjfK4nPIQ"/>
-</p:tagLst>
-</file>
-
-<file path=ppt/tags/tag5.xml><?xml version="1.0" encoding="utf-8"?>
-<p:tagLst xmlns:a="http://schemas.openxmlformats.org/drawingml/2006/main" xmlns:r="http://schemas.openxmlformats.org/officeDocument/2006/relationships" xmlns:p="http://schemas.openxmlformats.org/presentationml/2006/main">
-  <p:tag name="DVSHAPEID" val="eLZE1Yhiaal1zsiy8H9OdA"/>
-</p:tagLst>
-</file>
-
-<file path=ppt/tags/tag6.xml><?xml version="1.0" encoding="utf-8"?>
-<p:tagLst xmlns:a="http://schemas.openxmlformats.org/drawingml/2006/main" xmlns:r="http://schemas.openxmlformats.org/officeDocument/2006/relationships" xmlns:p="http://schemas.openxmlformats.org/presentationml/2006/main">
-  <p:tag name="DVSHAPEID" val="HfDPzGcWadyqbBQN06827v"/>
 </p:tagLst>
 </file>
 

--- a/CrossPlatformDev/CrossPlatformDev.pptx
+++ b/CrossPlatformDev/CrossPlatformDev.pptx
@@ -5,7 +5,7 @@
     <p:sldMasterId id="2147483694" r:id="rId1"/>
   </p:sldMasterIdLst>
   <p:notesMasterIdLst>
-    <p:notesMasterId r:id="rId9"/>
+    <p:notesMasterId r:id="rId13"/>
   </p:notesMasterIdLst>
   <p:sldIdLst>
     <p:sldId id="269" r:id="rId2"/>
@@ -13,8 +13,12 @@
     <p:sldId id="271" r:id="rId4"/>
     <p:sldId id="272" r:id="rId5"/>
     <p:sldId id="275" r:id="rId6"/>
-    <p:sldId id="273" r:id="rId7"/>
-    <p:sldId id="274" r:id="rId8"/>
+    <p:sldId id="276" r:id="rId7"/>
+    <p:sldId id="273" r:id="rId8"/>
+    <p:sldId id="277" r:id="rId9"/>
+    <p:sldId id="278" r:id="rId10"/>
+    <p:sldId id="279" r:id="rId11"/>
+    <p:sldId id="274" r:id="rId12"/>
   </p:sldIdLst>
   <p:sldSz cx="9144000" cy="6858000" type="screen4x3"/>
   <p:notesSz cx="6858000" cy="9144000"/>
@@ -214,7 +218,7 @@
           <a:p>
             <a:fld id="{3A7C3860-7027-407A-982A-3CBA694F3788}" type="datetimeFigureOut">
               <a:rPr lang="en-US" smtClean="0"/>
-              <a:t>1/14/2014</a:t>
+              <a:t>4/7/2014</a:t>
             </a:fld>
             <a:endParaRPr lang="en-US"/>
           </a:p>
@@ -547,7 +551,7 @@
           <a:p>
             <a:fld id="{77DA41C2-2EC4-49B5-B3CD-E0A57519EAE4}" type="slidenum">
               <a:rPr lang="en-US" smtClean="0"/>
-              <a:t>7</a:t>
+              <a:t>11</a:t>
             </a:fld>
             <a:endParaRPr lang="en-US"/>
           </a:p>
@@ -3800,6 +3804,820 @@
 </p:sld>
 </file>
 
+<file path=ppt/slides/slide10.xml><?xml version="1.0" encoding="utf-8"?>
+<p:sld xmlns:a="http://schemas.openxmlformats.org/drawingml/2006/main" xmlns:r="http://schemas.openxmlformats.org/officeDocument/2006/relationships" xmlns:p="http://schemas.openxmlformats.org/presentationml/2006/main">
+  <p:cSld>
+    <p:spTree>
+      <p:nvGrpSpPr>
+        <p:cNvPr id="1" name=""/>
+        <p:cNvGrpSpPr/>
+        <p:nvPr/>
+      </p:nvGrpSpPr>
+      <p:grpSpPr>
+        <a:xfrm>
+          <a:off x="0" y="0"/>
+          <a:ext cx="0" cy="0"/>
+          <a:chOff x="0" y="0"/>
+          <a:chExt cx="0" cy="0"/>
+        </a:xfrm>
+      </p:grpSpPr>
+      <p:sp>
+        <p:nvSpPr>
+          <p:cNvPr id="8" name="Title 7"/>
+          <p:cNvSpPr>
+            <a:spLocks noGrp="1"/>
+          </p:cNvSpPr>
+          <p:nvPr>
+            <p:ph type="title"/>
+          </p:nvPr>
+        </p:nvSpPr>
+        <p:spPr/>
+        <p:txBody>
+          <a:bodyPr/>
+          <a:lstStyle/>
+          <a:p>
+            <a:r>
+              <a:rPr lang="en-US" dirty="0" smtClean="0"/>
+              <a:t>Cross-Platform App Architecture</a:t>
+            </a:r>
+            <a:endParaRPr lang="en-US" dirty="0"/>
+          </a:p>
+        </p:txBody>
+      </p:sp>
+      <p:sp>
+        <p:nvSpPr>
+          <p:cNvPr id="10" name="Rectangle 9"/>
+          <p:cNvSpPr/>
+          <p:nvPr/>
+        </p:nvSpPr>
+        <p:spPr>
+          <a:xfrm>
+            <a:off x="762000" y="1828800"/>
+            <a:ext cx="3276600" cy="1752600"/>
+          </a:xfrm>
+          <a:prstGeom prst="rect">
+            <a:avLst/>
+          </a:prstGeom>
+        </p:spPr>
+        <p:style>
+          <a:lnRef idx="2">
+            <a:schemeClr val="accent1">
+              <a:shade val="50000"/>
+            </a:schemeClr>
+          </a:lnRef>
+          <a:fillRef idx="1">
+            <a:schemeClr val="accent1"/>
+          </a:fillRef>
+          <a:effectRef idx="0">
+            <a:schemeClr val="accent1"/>
+          </a:effectRef>
+          <a:fontRef idx="minor">
+            <a:schemeClr val="lt1"/>
+          </a:fontRef>
+        </p:style>
+        <p:txBody>
+          <a:bodyPr rtlCol="0" anchor="t"/>
+          <a:lstStyle/>
+          <a:p>
+            <a:pPr algn="ctr"/>
+            <a:r>
+              <a:rPr lang="en-US" dirty="0" smtClean="0"/>
+              <a:t>Windows Store App</a:t>
+            </a:r>
+            <a:endParaRPr lang="en-US" dirty="0"/>
+          </a:p>
+        </p:txBody>
+      </p:sp>
+      <p:sp>
+        <p:nvSpPr>
+          <p:cNvPr id="11" name="Rectangle 10"/>
+          <p:cNvSpPr/>
+          <p:nvPr/>
+        </p:nvSpPr>
+        <p:spPr>
+          <a:xfrm>
+            <a:off x="914400" y="2286000"/>
+            <a:ext cx="2971800" cy="304800"/>
+          </a:xfrm>
+          <a:prstGeom prst="rect">
+            <a:avLst/>
+          </a:prstGeom>
+        </p:spPr>
+        <p:style>
+          <a:lnRef idx="2">
+            <a:schemeClr val="accent6">
+              <a:shade val="50000"/>
+            </a:schemeClr>
+          </a:lnRef>
+          <a:fillRef idx="1">
+            <a:schemeClr val="accent6"/>
+          </a:fillRef>
+          <a:effectRef idx="0">
+            <a:schemeClr val="accent6"/>
+          </a:effectRef>
+          <a:fontRef idx="minor">
+            <a:schemeClr val="lt1"/>
+          </a:fontRef>
+        </p:style>
+        <p:txBody>
+          <a:bodyPr rtlCol="0" anchor="ctr"/>
+          <a:lstStyle/>
+          <a:p>
+            <a:pPr algn="ctr"/>
+            <a:r>
+              <a:rPr lang="en-US" sz="1100" dirty="0" smtClean="0"/>
+              <a:t>Startup</a:t>
+            </a:r>
+            <a:endParaRPr lang="en-US" sz="1100" dirty="0"/>
+          </a:p>
+        </p:txBody>
+      </p:sp>
+      <p:sp>
+        <p:nvSpPr>
+          <p:cNvPr id="12" name="Rectangle 11"/>
+          <p:cNvSpPr/>
+          <p:nvPr/>
+        </p:nvSpPr>
+        <p:spPr>
+          <a:xfrm>
+            <a:off x="914400" y="2728911"/>
+            <a:ext cx="2971800" cy="304800"/>
+          </a:xfrm>
+          <a:prstGeom prst="rect">
+            <a:avLst/>
+          </a:prstGeom>
+        </p:spPr>
+        <p:style>
+          <a:lnRef idx="2">
+            <a:schemeClr val="accent6">
+              <a:shade val="50000"/>
+            </a:schemeClr>
+          </a:lnRef>
+          <a:fillRef idx="1">
+            <a:schemeClr val="accent6"/>
+          </a:fillRef>
+          <a:effectRef idx="0">
+            <a:schemeClr val="accent6"/>
+          </a:effectRef>
+          <a:fontRef idx="minor">
+            <a:schemeClr val="lt1"/>
+          </a:fontRef>
+        </p:style>
+        <p:txBody>
+          <a:bodyPr rtlCol="0" anchor="ctr"/>
+          <a:lstStyle/>
+          <a:p>
+            <a:pPr algn="ctr"/>
+            <a:r>
+              <a:rPr lang="en-US" sz="1100" dirty="0" smtClean="0"/>
+              <a:t>Views</a:t>
+            </a:r>
+            <a:endParaRPr lang="en-US" sz="1100" dirty="0"/>
+          </a:p>
+        </p:txBody>
+      </p:sp>
+      <p:sp>
+        <p:nvSpPr>
+          <p:cNvPr id="13" name="Rectangle 12"/>
+          <p:cNvSpPr/>
+          <p:nvPr/>
+        </p:nvSpPr>
+        <p:spPr>
+          <a:xfrm>
+            <a:off x="914400" y="3155155"/>
+            <a:ext cx="2971800" cy="304800"/>
+          </a:xfrm>
+          <a:prstGeom prst="rect">
+            <a:avLst/>
+          </a:prstGeom>
+        </p:spPr>
+        <p:style>
+          <a:lnRef idx="2">
+            <a:schemeClr val="accent6">
+              <a:shade val="50000"/>
+            </a:schemeClr>
+          </a:lnRef>
+          <a:fillRef idx="1">
+            <a:schemeClr val="accent6"/>
+          </a:fillRef>
+          <a:effectRef idx="0">
+            <a:schemeClr val="accent6"/>
+          </a:effectRef>
+          <a:fontRef idx="minor">
+            <a:schemeClr val="lt1"/>
+          </a:fontRef>
+        </p:style>
+        <p:txBody>
+          <a:bodyPr rtlCol="0" anchor="ctr"/>
+          <a:lstStyle/>
+          <a:p>
+            <a:pPr algn="ctr"/>
+            <a:r>
+              <a:rPr lang="en-US" sz="1100" dirty="0" smtClean="0"/>
+              <a:t>Platform-specific functionality</a:t>
+            </a:r>
+            <a:endParaRPr lang="en-US" sz="1100" dirty="0"/>
+          </a:p>
+        </p:txBody>
+      </p:sp>
+      <p:sp>
+        <p:nvSpPr>
+          <p:cNvPr id="14" name="Rectangle 13"/>
+          <p:cNvSpPr/>
+          <p:nvPr/>
+        </p:nvSpPr>
+        <p:spPr>
+          <a:xfrm>
+            <a:off x="5105400" y="1828800"/>
+            <a:ext cx="3276600" cy="1752600"/>
+          </a:xfrm>
+          <a:prstGeom prst="rect">
+            <a:avLst/>
+          </a:prstGeom>
+        </p:spPr>
+        <p:style>
+          <a:lnRef idx="2">
+            <a:schemeClr val="accent1">
+              <a:shade val="50000"/>
+            </a:schemeClr>
+          </a:lnRef>
+          <a:fillRef idx="1">
+            <a:schemeClr val="accent1"/>
+          </a:fillRef>
+          <a:effectRef idx="0">
+            <a:schemeClr val="accent1"/>
+          </a:effectRef>
+          <a:fontRef idx="minor">
+            <a:schemeClr val="lt1"/>
+          </a:fontRef>
+        </p:style>
+        <p:txBody>
+          <a:bodyPr rtlCol="0" anchor="t"/>
+          <a:lstStyle/>
+          <a:p>
+            <a:pPr algn="ctr"/>
+            <a:r>
+              <a:rPr lang="en-US" dirty="0" smtClean="0"/>
+              <a:t>Windows Phone App</a:t>
+            </a:r>
+            <a:endParaRPr lang="en-US" dirty="0"/>
+          </a:p>
+        </p:txBody>
+      </p:sp>
+      <p:sp>
+        <p:nvSpPr>
+          <p:cNvPr id="15" name="Rectangle 14"/>
+          <p:cNvSpPr/>
+          <p:nvPr/>
+        </p:nvSpPr>
+        <p:spPr>
+          <a:xfrm>
+            <a:off x="5257800" y="2286000"/>
+            <a:ext cx="2971800" cy="304800"/>
+          </a:xfrm>
+          <a:prstGeom prst="rect">
+            <a:avLst/>
+          </a:prstGeom>
+        </p:spPr>
+        <p:style>
+          <a:lnRef idx="2">
+            <a:schemeClr val="accent6">
+              <a:shade val="50000"/>
+            </a:schemeClr>
+          </a:lnRef>
+          <a:fillRef idx="1">
+            <a:schemeClr val="accent6"/>
+          </a:fillRef>
+          <a:effectRef idx="0">
+            <a:schemeClr val="accent6"/>
+          </a:effectRef>
+          <a:fontRef idx="minor">
+            <a:schemeClr val="lt1"/>
+          </a:fontRef>
+        </p:style>
+        <p:txBody>
+          <a:bodyPr rtlCol="0" anchor="ctr"/>
+          <a:lstStyle/>
+          <a:p>
+            <a:pPr algn="ctr"/>
+            <a:r>
+              <a:rPr lang="en-US" sz="1100" dirty="0" smtClean="0"/>
+              <a:t>Startup</a:t>
+            </a:r>
+            <a:endParaRPr lang="en-US" sz="1100" dirty="0"/>
+          </a:p>
+        </p:txBody>
+      </p:sp>
+      <p:sp>
+        <p:nvSpPr>
+          <p:cNvPr id="16" name="Rectangle 15"/>
+          <p:cNvSpPr/>
+          <p:nvPr/>
+        </p:nvSpPr>
+        <p:spPr>
+          <a:xfrm>
+            <a:off x="5257800" y="2728911"/>
+            <a:ext cx="2971800" cy="304800"/>
+          </a:xfrm>
+          <a:prstGeom prst="rect">
+            <a:avLst/>
+          </a:prstGeom>
+        </p:spPr>
+        <p:style>
+          <a:lnRef idx="2">
+            <a:schemeClr val="accent6">
+              <a:shade val="50000"/>
+            </a:schemeClr>
+          </a:lnRef>
+          <a:fillRef idx="1">
+            <a:schemeClr val="accent6"/>
+          </a:fillRef>
+          <a:effectRef idx="0">
+            <a:schemeClr val="accent6"/>
+          </a:effectRef>
+          <a:fontRef idx="minor">
+            <a:schemeClr val="lt1"/>
+          </a:fontRef>
+        </p:style>
+        <p:txBody>
+          <a:bodyPr rtlCol="0" anchor="ctr"/>
+          <a:lstStyle/>
+          <a:p>
+            <a:pPr algn="ctr"/>
+            <a:r>
+              <a:rPr lang="en-US" sz="1100" dirty="0" smtClean="0"/>
+              <a:t>Views</a:t>
+            </a:r>
+            <a:endParaRPr lang="en-US" sz="1100" dirty="0"/>
+          </a:p>
+        </p:txBody>
+      </p:sp>
+      <p:sp>
+        <p:nvSpPr>
+          <p:cNvPr id="17" name="Rectangle 16"/>
+          <p:cNvSpPr/>
+          <p:nvPr/>
+        </p:nvSpPr>
+        <p:spPr>
+          <a:xfrm>
+            <a:off x="5257800" y="3155155"/>
+            <a:ext cx="2971800" cy="304800"/>
+          </a:xfrm>
+          <a:prstGeom prst="rect">
+            <a:avLst/>
+          </a:prstGeom>
+        </p:spPr>
+        <p:style>
+          <a:lnRef idx="2">
+            <a:schemeClr val="accent6">
+              <a:shade val="50000"/>
+            </a:schemeClr>
+          </a:lnRef>
+          <a:fillRef idx="1">
+            <a:schemeClr val="accent6"/>
+          </a:fillRef>
+          <a:effectRef idx="0">
+            <a:schemeClr val="accent6"/>
+          </a:effectRef>
+          <a:fontRef idx="minor">
+            <a:schemeClr val="lt1"/>
+          </a:fontRef>
+        </p:style>
+        <p:txBody>
+          <a:bodyPr rtlCol="0" anchor="ctr"/>
+          <a:lstStyle/>
+          <a:p>
+            <a:pPr algn="ctr"/>
+            <a:r>
+              <a:rPr lang="en-US" sz="1100" dirty="0" smtClean="0"/>
+              <a:t>Platform-specific functionality</a:t>
+            </a:r>
+            <a:endParaRPr lang="en-US" sz="1100" dirty="0"/>
+          </a:p>
+        </p:txBody>
+      </p:sp>
+      <p:sp>
+        <p:nvSpPr>
+          <p:cNvPr id="18" name="Rectangle 17"/>
+          <p:cNvSpPr/>
+          <p:nvPr/>
+        </p:nvSpPr>
+        <p:spPr>
+          <a:xfrm>
+            <a:off x="2971800" y="4648200"/>
+            <a:ext cx="3276600" cy="1752600"/>
+          </a:xfrm>
+          <a:prstGeom prst="rect">
+            <a:avLst/>
+          </a:prstGeom>
+        </p:spPr>
+        <p:style>
+          <a:lnRef idx="2">
+            <a:schemeClr val="accent1">
+              <a:shade val="50000"/>
+            </a:schemeClr>
+          </a:lnRef>
+          <a:fillRef idx="1">
+            <a:schemeClr val="accent1"/>
+          </a:fillRef>
+          <a:effectRef idx="0">
+            <a:schemeClr val="accent1"/>
+          </a:effectRef>
+          <a:fontRef idx="minor">
+            <a:schemeClr val="lt1"/>
+          </a:fontRef>
+        </p:style>
+        <p:txBody>
+          <a:bodyPr rtlCol="0" anchor="t"/>
+          <a:lstStyle/>
+          <a:p>
+            <a:r>
+              <a:rPr lang="en-US" dirty="0" smtClean="0"/>
+              <a:t>Portable Class Library</a:t>
+            </a:r>
+            <a:endParaRPr lang="en-US" dirty="0"/>
+          </a:p>
+        </p:txBody>
+      </p:sp>
+      <p:sp>
+        <p:nvSpPr>
+          <p:cNvPr id="19" name="Rectangle 18"/>
+          <p:cNvSpPr/>
+          <p:nvPr/>
+        </p:nvSpPr>
+        <p:spPr>
+          <a:xfrm>
+            <a:off x="3124200" y="5105400"/>
+            <a:ext cx="2971800" cy="304800"/>
+          </a:xfrm>
+          <a:prstGeom prst="rect">
+            <a:avLst/>
+          </a:prstGeom>
+        </p:spPr>
+        <p:style>
+          <a:lnRef idx="2">
+            <a:schemeClr val="accent6">
+              <a:shade val="50000"/>
+            </a:schemeClr>
+          </a:lnRef>
+          <a:fillRef idx="1">
+            <a:schemeClr val="accent6"/>
+          </a:fillRef>
+          <a:effectRef idx="0">
+            <a:schemeClr val="accent6"/>
+          </a:effectRef>
+          <a:fontRef idx="minor">
+            <a:schemeClr val="lt1"/>
+          </a:fontRef>
+        </p:style>
+        <p:txBody>
+          <a:bodyPr rtlCol="0" anchor="ctr"/>
+          <a:lstStyle/>
+          <a:p>
+            <a:pPr algn="ctr"/>
+            <a:r>
+              <a:rPr lang="en-US" sz="1100" dirty="0" smtClean="0"/>
+              <a:t>View Models</a:t>
+            </a:r>
+            <a:endParaRPr lang="en-US" sz="1100" dirty="0"/>
+          </a:p>
+        </p:txBody>
+      </p:sp>
+      <p:sp>
+        <p:nvSpPr>
+          <p:cNvPr id="20" name="Rectangle 19"/>
+          <p:cNvSpPr/>
+          <p:nvPr/>
+        </p:nvSpPr>
+        <p:spPr>
+          <a:xfrm>
+            <a:off x="3124200" y="5548311"/>
+            <a:ext cx="2971800" cy="304800"/>
+          </a:xfrm>
+          <a:prstGeom prst="rect">
+            <a:avLst/>
+          </a:prstGeom>
+        </p:spPr>
+        <p:style>
+          <a:lnRef idx="2">
+            <a:schemeClr val="accent6">
+              <a:shade val="50000"/>
+            </a:schemeClr>
+          </a:lnRef>
+          <a:fillRef idx="1">
+            <a:schemeClr val="accent6"/>
+          </a:fillRef>
+          <a:effectRef idx="0">
+            <a:schemeClr val="accent6"/>
+          </a:effectRef>
+          <a:fontRef idx="minor">
+            <a:schemeClr val="lt1"/>
+          </a:fontRef>
+        </p:style>
+        <p:txBody>
+          <a:bodyPr rtlCol="0" anchor="ctr"/>
+          <a:lstStyle/>
+          <a:p>
+            <a:pPr algn="ctr"/>
+            <a:r>
+              <a:rPr lang="en-US" sz="1100" dirty="0" smtClean="0"/>
+              <a:t>Models</a:t>
+            </a:r>
+            <a:endParaRPr lang="en-US" sz="1100" dirty="0"/>
+          </a:p>
+        </p:txBody>
+      </p:sp>
+      <p:sp>
+        <p:nvSpPr>
+          <p:cNvPr id="21" name="Rectangle 20"/>
+          <p:cNvSpPr/>
+          <p:nvPr/>
+        </p:nvSpPr>
+        <p:spPr>
+          <a:xfrm>
+            <a:off x="3124200" y="5974555"/>
+            <a:ext cx="2971800" cy="304800"/>
+          </a:xfrm>
+          <a:prstGeom prst="rect">
+            <a:avLst/>
+          </a:prstGeom>
+        </p:spPr>
+        <p:style>
+          <a:lnRef idx="2">
+            <a:schemeClr val="accent6">
+              <a:shade val="50000"/>
+            </a:schemeClr>
+          </a:lnRef>
+          <a:fillRef idx="1">
+            <a:schemeClr val="accent6"/>
+          </a:fillRef>
+          <a:effectRef idx="0">
+            <a:schemeClr val="accent6"/>
+          </a:effectRef>
+          <a:fontRef idx="minor">
+            <a:schemeClr val="lt1"/>
+          </a:fontRef>
+        </p:style>
+        <p:txBody>
+          <a:bodyPr rtlCol="0" anchor="ctr"/>
+          <a:lstStyle/>
+          <a:p>
+            <a:pPr algn="ctr"/>
+            <a:r>
+              <a:rPr lang="en-US" sz="1100" dirty="0" smtClean="0"/>
+              <a:t>Platform abstractions</a:t>
+            </a:r>
+            <a:endParaRPr lang="en-US" sz="1100" dirty="0"/>
+          </a:p>
+        </p:txBody>
+      </p:sp>
+      <p:sp>
+        <p:nvSpPr>
+          <p:cNvPr id="22" name="Bent Arrow 21"/>
+          <p:cNvSpPr/>
+          <p:nvPr/>
+        </p:nvSpPr>
+        <p:spPr>
+          <a:xfrm rot="10800000">
+            <a:off x="6743700" y="4011827"/>
+            <a:ext cx="381000" cy="838200"/>
+          </a:xfrm>
+          <a:prstGeom prst="bentArrow">
+            <a:avLst/>
+          </a:prstGeom>
+        </p:spPr>
+        <p:style>
+          <a:lnRef idx="2">
+            <a:schemeClr val="accent6">
+              <a:shade val="50000"/>
+            </a:schemeClr>
+          </a:lnRef>
+          <a:fillRef idx="1">
+            <a:schemeClr val="accent6"/>
+          </a:fillRef>
+          <a:effectRef idx="0">
+            <a:schemeClr val="accent6"/>
+          </a:effectRef>
+          <a:fontRef idx="minor">
+            <a:schemeClr val="lt1"/>
+          </a:fontRef>
+        </p:style>
+        <p:txBody>
+          <a:bodyPr rtlCol="0" anchor="ctr"/>
+          <a:lstStyle/>
+          <a:p>
+            <a:pPr algn="ctr"/>
+            <a:endParaRPr lang="en-US">
+              <a:solidFill>
+                <a:schemeClr val="tx1"/>
+              </a:solidFill>
+            </a:endParaRPr>
+          </a:p>
+        </p:txBody>
+      </p:sp>
+      <p:sp>
+        <p:nvSpPr>
+          <p:cNvPr id="23" name="Bent Arrow 22"/>
+          <p:cNvSpPr/>
+          <p:nvPr/>
+        </p:nvSpPr>
+        <p:spPr>
+          <a:xfrm rot="10800000" flipH="1">
+            <a:off x="2095501" y="4011827"/>
+            <a:ext cx="381000" cy="838200"/>
+          </a:xfrm>
+          <a:prstGeom prst="bentArrow">
+            <a:avLst/>
+          </a:prstGeom>
+        </p:spPr>
+        <p:style>
+          <a:lnRef idx="2">
+            <a:schemeClr val="accent6">
+              <a:shade val="50000"/>
+            </a:schemeClr>
+          </a:lnRef>
+          <a:fillRef idx="1">
+            <a:schemeClr val="accent6"/>
+          </a:fillRef>
+          <a:effectRef idx="0">
+            <a:schemeClr val="accent6"/>
+          </a:effectRef>
+          <a:fontRef idx="minor">
+            <a:schemeClr val="lt1"/>
+          </a:fontRef>
+        </p:style>
+        <p:txBody>
+          <a:bodyPr rtlCol="0" anchor="ctr"/>
+          <a:lstStyle/>
+          <a:p>
+            <a:pPr algn="ctr"/>
+            <a:endParaRPr lang="en-US">
+              <a:solidFill>
+                <a:schemeClr val="tx1"/>
+              </a:solidFill>
+            </a:endParaRPr>
+          </a:p>
+        </p:txBody>
+      </p:sp>
+      <p:sp>
+        <p:nvSpPr>
+          <p:cNvPr id="24" name="TextBox 23"/>
+          <p:cNvSpPr txBox="1"/>
+          <p:nvPr/>
+        </p:nvSpPr>
+        <p:spPr>
+          <a:xfrm>
+            <a:off x="628650" y="4478923"/>
+            <a:ext cx="1600200" cy="338554"/>
+          </a:xfrm>
+          <a:prstGeom prst="rect">
+            <a:avLst/>
+          </a:prstGeom>
+          <a:noFill/>
+        </p:spPr>
+        <p:txBody>
+          <a:bodyPr wrap="square" rtlCol="0">
+            <a:spAutoFit/>
+          </a:bodyPr>
+          <a:lstStyle/>
+          <a:p>
+            <a:r>
+              <a:rPr lang="en-US" sz="1600" dirty="0" smtClean="0"/>
+              <a:t>Reference</a:t>
+            </a:r>
+            <a:endParaRPr lang="en-US" sz="1600" dirty="0"/>
+          </a:p>
+        </p:txBody>
+      </p:sp>
+      <p:sp>
+        <p:nvSpPr>
+          <p:cNvPr id="25" name="TextBox 24"/>
+          <p:cNvSpPr txBox="1"/>
+          <p:nvPr/>
+        </p:nvSpPr>
+        <p:spPr>
+          <a:xfrm>
+            <a:off x="7315200" y="4478923"/>
+            <a:ext cx="1600200" cy="338554"/>
+          </a:xfrm>
+          <a:prstGeom prst="rect">
+            <a:avLst/>
+          </a:prstGeom>
+          <a:noFill/>
+        </p:spPr>
+        <p:txBody>
+          <a:bodyPr wrap="square" rtlCol="0">
+            <a:spAutoFit/>
+          </a:bodyPr>
+          <a:lstStyle/>
+          <a:p>
+            <a:r>
+              <a:rPr lang="en-US" sz="1600" dirty="0" smtClean="0"/>
+              <a:t>Reference</a:t>
+            </a:r>
+            <a:endParaRPr lang="en-US" sz="1600" dirty="0"/>
+          </a:p>
+        </p:txBody>
+      </p:sp>
+    </p:spTree>
+    <p:extLst>
+      <p:ext uri="{BB962C8B-B14F-4D97-AF65-F5344CB8AC3E}">
+        <p14:creationId xmlns:p14="http://schemas.microsoft.com/office/powerpoint/2010/main" val="3652531824"/>
+      </p:ext>
+    </p:extLst>
+  </p:cSld>
+  <p:clrMapOvr>
+    <a:masterClrMapping/>
+  </p:clrMapOvr>
+  <p:timing>
+    <p:tnLst>
+      <p:par>
+        <p:cTn id="1" dur="indefinite" restart="never" nodeType="tmRoot"/>
+      </p:par>
+    </p:tnLst>
+  </p:timing>
+</p:sld>
+</file>
+
+<file path=ppt/slides/slide11.xml><?xml version="1.0" encoding="utf-8"?>
+<p:sld xmlns:a="http://schemas.openxmlformats.org/drawingml/2006/main" xmlns:r="http://schemas.openxmlformats.org/officeDocument/2006/relationships" xmlns:p="http://schemas.openxmlformats.org/presentationml/2006/main">
+  <p:cSld>
+    <p:spTree>
+      <p:nvGrpSpPr>
+        <p:cNvPr id="1" name=""/>
+        <p:cNvGrpSpPr/>
+        <p:nvPr/>
+      </p:nvGrpSpPr>
+      <p:grpSpPr>
+        <a:xfrm>
+          <a:off x="0" y="0"/>
+          <a:ext cx="0" cy="0"/>
+          <a:chOff x="0" y="0"/>
+          <a:chExt cx="0" cy="0"/>
+        </a:xfrm>
+      </p:grpSpPr>
+      <p:sp>
+        <p:nvSpPr>
+          <p:cNvPr id="2" name="Title 1"/>
+          <p:cNvSpPr>
+            <a:spLocks noGrp="1"/>
+          </p:cNvSpPr>
+          <p:nvPr>
+            <p:ph type="title"/>
+          </p:nvPr>
+        </p:nvSpPr>
+        <p:spPr/>
+        <p:txBody>
+          <a:bodyPr/>
+          <a:lstStyle/>
+          <a:p>
+            <a:r>
+              <a:rPr lang="en-US" dirty="0" smtClean="0"/>
+              <a:t>Demo</a:t>
+            </a:r>
+            <a:endParaRPr lang="en-US" dirty="0"/>
+          </a:p>
+        </p:txBody>
+      </p:sp>
+      <p:sp>
+        <p:nvSpPr>
+          <p:cNvPr id="4" name="Text Placeholder 3"/>
+          <p:cNvSpPr>
+            <a:spLocks noGrp="1"/>
+          </p:cNvSpPr>
+          <p:nvPr>
+            <p:ph type="body" idx="1"/>
+          </p:nvPr>
+        </p:nvSpPr>
+        <p:spPr/>
+        <p:txBody>
+          <a:bodyPr/>
+          <a:lstStyle/>
+          <a:p>
+            <a:endParaRPr lang="en-US"/>
+          </a:p>
+        </p:txBody>
+      </p:sp>
+    </p:spTree>
+    <p:extLst>
+      <p:ext uri="{BB962C8B-B14F-4D97-AF65-F5344CB8AC3E}">
+        <p14:creationId xmlns:p14="http://schemas.microsoft.com/office/powerpoint/2010/main" val="3481620307"/>
+      </p:ext>
+    </p:extLst>
+  </p:cSld>
+  <p:clrMapOvr>
+    <a:masterClrMapping/>
+  </p:clrMapOvr>
+  <p:timing>
+    <p:tnLst>
+      <p:par>
+        <p:cTn id="1" dur="indefinite" restart="never" nodeType="tmRoot"/>
+      </p:par>
+    </p:tnLst>
+  </p:timing>
+</p:sld>
+</file>
+
 <file path=ppt/slides/slide2.xml><?xml version="1.0" encoding="utf-8"?>
 <p:sld xmlns:a="http://schemas.openxmlformats.org/drawingml/2006/main" xmlns:r="http://schemas.openxmlformats.org/officeDocument/2006/relationships" xmlns:p="http://schemas.openxmlformats.org/presentationml/2006/main">
   <p:cSld>
@@ -4532,6 +5350,319 @@
           <a:p>
             <a:r>
               <a:rPr lang="en-US" dirty="0" smtClean="0"/>
+              <a:t>What is supported</a:t>
+            </a:r>
+            <a:r>
+              <a:rPr lang="en-US" dirty="0" smtClean="0"/>
+              <a:t>? //build edition</a:t>
+            </a:r>
+            <a:endParaRPr lang="en-US" dirty="0"/>
+          </a:p>
+        </p:txBody>
+      </p:sp>
+      <p:sp>
+        <p:nvSpPr>
+          <p:cNvPr id="3" name="Content Placeholder 2"/>
+          <p:cNvSpPr>
+            <a:spLocks noGrp="1"/>
+          </p:cNvSpPr>
+          <p:nvPr>
+            <p:ph idx="1"/>
+          </p:nvPr>
+        </p:nvSpPr>
+        <p:spPr>
+          <a:xfrm>
+            <a:off x="628650" y="1825624"/>
+            <a:ext cx="7886700" cy="4651376"/>
+          </a:xfrm>
+        </p:spPr>
+        <p:txBody>
+          <a:bodyPr>
+            <a:normAutofit fontScale="92500" lnSpcReduction="20000"/>
+          </a:bodyPr>
+          <a:lstStyle/>
+          <a:p>
+            <a:r>
+              <a:rPr lang="en-US" dirty="0" smtClean="0"/>
+              <a:t>VS 2012</a:t>
+            </a:r>
+          </a:p>
+          <a:p>
+            <a:pPr lvl="1"/>
+            <a:r>
+              <a:rPr lang="en-US" dirty="0" smtClean="0"/>
+              <a:t>.NET 4+</a:t>
+            </a:r>
+          </a:p>
+          <a:p>
+            <a:pPr lvl="1"/>
+            <a:r>
+              <a:rPr lang="en-US" dirty="0" smtClean="0"/>
+              <a:t>Silverlight 4+</a:t>
+            </a:r>
+          </a:p>
+          <a:p>
+            <a:pPr lvl="1"/>
+            <a:r>
+              <a:rPr lang="en-US" dirty="0" smtClean="0"/>
+              <a:t>Windows Phone 7+</a:t>
+            </a:r>
+          </a:p>
+          <a:p>
+            <a:pPr lvl="1"/>
+            <a:r>
+              <a:rPr lang="en-US" dirty="0" smtClean="0"/>
+              <a:t>Windows Store apps</a:t>
+            </a:r>
+          </a:p>
+          <a:p>
+            <a:pPr lvl="1"/>
+            <a:r>
+              <a:rPr lang="en-US" dirty="0" smtClean="0"/>
+              <a:t>Xbox 360</a:t>
+            </a:r>
+          </a:p>
+          <a:p>
+            <a:pPr lvl="1"/>
+            <a:endParaRPr lang="en-US" dirty="0"/>
+          </a:p>
+          <a:p>
+            <a:r>
+              <a:rPr lang="en-US" dirty="0" smtClean="0"/>
+              <a:t>VS </a:t>
+            </a:r>
+            <a:r>
+              <a:rPr lang="en-US" dirty="0" smtClean="0"/>
+              <a:t>2013 Update 2 RC</a:t>
+            </a:r>
+            <a:endParaRPr lang="en-US" dirty="0" smtClean="0"/>
+          </a:p>
+          <a:p>
+            <a:pPr lvl="1"/>
+            <a:r>
+              <a:rPr lang="en-US" dirty="0" smtClean="0"/>
+              <a:t>.NET 4+</a:t>
+            </a:r>
+          </a:p>
+          <a:p>
+            <a:pPr lvl="1"/>
+            <a:r>
+              <a:rPr lang="en-US" dirty="0" smtClean="0"/>
+              <a:t>Silverlight 5</a:t>
+            </a:r>
+          </a:p>
+          <a:p>
+            <a:pPr lvl="1"/>
+            <a:r>
+              <a:rPr lang="en-US" dirty="0" smtClean="0"/>
+              <a:t>Windows Phone </a:t>
+            </a:r>
+            <a:r>
+              <a:rPr lang="en-US" dirty="0" smtClean="0"/>
+              <a:t>8 Silverlight</a:t>
+            </a:r>
+          </a:p>
+          <a:p>
+            <a:pPr lvl="1"/>
+            <a:r>
+              <a:rPr lang="en-US" dirty="0" smtClean="0"/>
+              <a:t>Windows Phone 8.1</a:t>
+            </a:r>
+            <a:endParaRPr lang="en-US" dirty="0" smtClean="0"/>
+          </a:p>
+          <a:p>
+            <a:pPr lvl="1"/>
+            <a:r>
+              <a:rPr lang="en-US" dirty="0" smtClean="0"/>
+              <a:t>Windows </a:t>
+            </a:r>
+            <a:r>
+              <a:rPr lang="en-US" dirty="0" smtClean="0"/>
+              <a:t>8</a:t>
+            </a:r>
+            <a:endParaRPr lang="en-US" dirty="0" smtClean="0"/>
+          </a:p>
+          <a:p>
+            <a:pPr lvl="1"/>
+            <a:r>
+              <a:rPr lang="en-US" dirty="0" err="1" smtClean="0"/>
+              <a:t>Xamarin.Android</a:t>
+            </a:r>
+            <a:endParaRPr lang="en-US" dirty="0" smtClean="0"/>
+          </a:p>
+          <a:p>
+            <a:pPr lvl="1"/>
+            <a:r>
+              <a:rPr lang="en-US" dirty="0" err="1" smtClean="0"/>
+              <a:t>Xamarin.iOS</a:t>
+            </a:r>
+            <a:endParaRPr lang="en-US" dirty="0"/>
+          </a:p>
+        </p:txBody>
+      </p:sp>
+      <p:pic>
+        <p:nvPicPr>
+          <p:cNvPr id="1026" name="Picture 2" descr="http://1.bp.blogspot.com/-WRCgiO-64qk/UYns2bvdVpI/AAAAAAAAFEQ/jT8yvj526-8/s640/misc-all-the-things.png"/>
+          <p:cNvPicPr>
+            <a:picLocks noChangeAspect="1" noChangeArrowheads="1"/>
+          </p:cNvPicPr>
+          <p:nvPr/>
+        </p:nvPicPr>
+        <p:blipFill>
+          <a:blip r:embed="rId2">
+            <a:extLst>
+              <a:ext uri="{28A0092B-C50C-407E-A947-70E740481C1C}">
+                <a14:useLocalDpi xmlns:a14="http://schemas.microsoft.com/office/drawing/2010/main" val="0"/>
+              </a:ext>
+            </a:extLst>
+          </a:blip>
+          <a:srcRect/>
+          <a:stretch>
+            <a:fillRect/>
+          </a:stretch>
+        </p:blipFill>
+        <p:spPr bwMode="auto">
+          <a:xfrm>
+            <a:off x="5562600" y="2362200"/>
+            <a:ext cx="2857500" cy="2143125"/>
+          </a:xfrm>
+          <a:prstGeom prst="rect">
+            <a:avLst/>
+          </a:prstGeom>
+          <a:noFill/>
+          <a:extLst>
+            <a:ext uri="{909E8E84-426E-40DD-AFC4-6F175D3DCCD1}">
+              <a14:hiddenFill xmlns:a14="http://schemas.microsoft.com/office/drawing/2010/main">
+                <a:solidFill>
+                  <a:srgbClr val="FFFFFF"/>
+                </a:solidFill>
+              </a14:hiddenFill>
+            </a:ext>
+          </a:extLst>
+        </p:spPr>
+      </p:pic>
+    </p:spTree>
+    <p:extLst>
+      <p:ext uri="{BB962C8B-B14F-4D97-AF65-F5344CB8AC3E}">
+        <p14:creationId xmlns:p14="http://schemas.microsoft.com/office/powerpoint/2010/main" val="1980002931"/>
+      </p:ext>
+    </p:extLst>
+  </p:cSld>
+  <p:clrMapOvr>
+    <a:masterClrMapping/>
+  </p:clrMapOvr>
+  <p:timing>
+    <p:tnLst>
+      <p:par>
+        <p:cTn id="1" dur="indefinite" restart="never" nodeType="tmRoot">
+          <p:childTnLst>
+            <p:seq concurrent="1" nextAc="seek">
+              <p:cTn id="2" dur="indefinite" nodeType="mainSeq">
+                <p:childTnLst>
+                  <p:par>
+                    <p:cTn id="3" fill="hold">
+                      <p:stCondLst>
+                        <p:cond delay="indefinite"/>
+                      </p:stCondLst>
+                      <p:childTnLst>
+                        <p:par>
+                          <p:cTn id="4" fill="hold">
+                            <p:stCondLst>
+                              <p:cond delay="0"/>
+                            </p:stCondLst>
+                            <p:childTnLst>
+                              <p:par>
+                                <p:cTn id="5" presetID="1" presetClass="entr" presetSubtype="0" fill="hold" nodeType="clickEffect">
+                                  <p:stCondLst>
+                                    <p:cond delay="0"/>
+                                  </p:stCondLst>
+                                  <p:childTnLst>
+                                    <p:set>
+                                      <p:cBhvr>
+                                        <p:cTn id="6" dur="1" fill="hold">
+                                          <p:stCondLst>
+                                            <p:cond delay="0"/>
+                                          </p:stCondLst>
+                                        </p:cTn>
+                                        <p:tgtEl>
+                                          <p:spTgt spid="1026"/>
+                                        </p:tgtEl>
+                                        <p:attrNameLst>
+                                          <p:attrName>style.visibility</p:attrName>
+                                        </p:attrNameLst>
+                                      </p:cBhvr>
+                                      <p:to>
+                                        <p:strVal val="visible"/>
+                                      </p:to>
+                                    </p:set>
+                                  </p:childTnLst>
+                                </p:cTn>
+                              </p:par>
+                            </p:childTnLst>
+                          </p:cTn>
+                        </p:par>
+                      </p:childTnLst>
+                    </p:cTn>
+                  </p:par>
+                </p:childTnLst>
+              </p:cTn>
+              <p:prevCondLst>
+                <p:cond evt="onPrev" delay="0">
+                  <p:tgtEl>
+                    <p:sldTgt/>
+                  </p:tgtEl>
+                </p:cond>
+              </p:prevCondLst>
+              <p:nextCondLst>
+                <p:cond evt="onNext" delay="0">
+                  <p:tgtEl>
+                    <p:sldTgt/>
+                  </p:tgtEl>
+                </p:cond>
+              </p:nextCondLst>
+            </p:seq>
+          </p:childTnLst>
+        </p:cTn>
+      </p:par>
+    </p:tnLst>
+  </p:timing>
+</p:sld>
+</file>
+
+<file path=ppt/slides/slide7.xml><?xml version="1.0" encoding="utf-8"?>
+<p:sld xmlns:a="http://schemas.openxmlformats.org/drawingml/2006/main" xmlns:r="http://schemas.openxmlformats.org/officeDocument/2006/relationships" xmlns:p="http://schemas.openxmlformats.org/presentationml/2006/main">
+  <p:cSld>
+    <p:spTree>
+      <p:nvGrpSpPr>
+        <p:cNvPr id="1" name=""/>
+        <p:cNvGrpSpPr/>
+        <p:nvPr/>
+      </p:nvGrpSpPr>
+      <p:grpSpPr>
+        <a:xfrm>
+          <a:off x="0" y="0"/>
+          <a:ext cx="0" cy="0"/>
+          <a:chOff x="0" y="0"/>
+          <a:chExt cx="0" cy="0"/>
+        </a:xfrm>
+      </p:grpSpPr>
+      <p:sp>
+        <p:nvSpPr>
+          <p:cNvPr id="2" name="Title 1"/>
+          <p:cNvSpPr>
+            <a:spLocks noGrp="1"/>
+          </p:cNvSpPr>
+          <p:nvPr>
+            <p:ph type="title"/>
+          </p:nvPr>
+        </p:nvSpPr>
+        <p:spPr/>
+        <p:txBody>
+          <a:bodyPr/>
+          <a:lstStyle/>
+          <a:p>
+            <a:r>
+              <a:rPr lang="en-US" dirty="0" smtClean="0"/>
               <a:t>Licensing</a:t>
             </a:r>
             <a:endParaRPr lang="en-US" dirty="0"/>
@@ -4699,7 +5830,7 @@
 </p:sld>
 </file>
 
-<file path=ppt/slides/slide7.xml><?xml version="1.0" encoding="utf-8"?>
+<file path=ppt/slides/slide8.xml><?xml version="1.0" encoding="utf-8"?>
 <p:sld xmlns:a="http://schemas.openxmlformats.org/drawingml/2006/main" xmlns:r="http://schemas.openxmlformats.org/officeDocument/2006/relationships" xmlns:p="http://schemas.openxmlformats.org/presentationml/2006/main">
   <p:cSld>
     <p:spTree>
@@ -4733,7 +5864,15 @@
           <a:p>
             <a:r>
               <a:rPr lang="en-US" dirty="0" smtClean="0"/>
-              <a:t>How does it work?</a:t>
+              <a:t>MVVM (Model-View-</a:t>
+            </a:r>
+            <a:r>
+              <a:rPr lang="en-US" dirty="0" err="1" smtClean="0"/>
+              <a:t>ViewModel</a:t>
+            </a:r>
+            <a:r>
+              <a:rPr lang="en-US" dirty="0" smtClean="0"/>
+              <a:t>)</a:t>
             </a:r>
             <a:endParaRPr lang="en-US" dirty="0"/>
           </a:p>
@@ -4741,27 +5880,974 @@
       </p:sp>
       <p:sp>
         <p:nvSpPr>
-          <p:cNvPr id="4" name="Text Placeholder 3"/>
-          <p:cNvSpPr>
-            <a:spLocks noGrp="1"/>
-          </p:cNvSpPr>
-          <p:nvPr>
-            <p:ph type="body" idx="1"/>
+          <p:cNvPr id="3" name="Content Placeholder 2"/>
+          <p:cNvSpPr>
+            <a:spLocks noGrp="1"/>
+          </p:cNvSpPr>
+          <p:nvPr>
+            <p:ph sz="half" idx="1"/>
           </p:nvPr>
         </p:nvSpPr>
         <p:spPr/>
         <p:txBody>
-          <a:bodyPr/>
-          <a:lstStyle/>
-          <a:p>
+          <a:bodyPr>
+            <a:normAutofit fontScale="85000" lnSpcReduction="10000"/>
+          </a:bodyPr>
+          <a:lstStyle/>
+          <a:p>
+            <a:r>
+              <a:rPr lang="en-US" dirty="0" smtClean="0"/>
+              <a:t>Views</a:t>
+            </a:r>
+          </a:p>
+          <a:p>
+            <a:pPr lvl="1"/>
+            <a:r>
+              <a:rPr lang="en-US" dirty="0" smtClean="0"/>
+              <a:t>How to display information</a:t>
+            </a:r>
+          </a:p>
+          <a:p>
+            <a:pPr lvl="1"/>
+            <a:r>
+              <a:rPr lang="en-US" dirty="0" smtClean="0"/>
+              <a:t>Native</a:t>
+            </a:r>
+          </a:p>
+          <a:p>
+            <a:pPr lvl="1"/>
+            <a:endParaRPr lang="en-US" dirty="0"/>
+          </a:p>
+          <a:p>
+            <a:r>
+              <a:rPr lang="en-US" dirty="0" smtClean="0"/>
+              <a:t>View Models</a:t>
+            </a:r>
+          </a:p>
+          <a:p>
+            <a:pPr lvl="1"/>
+            <a:r>
+              <a:rPr lang="en-US" dirty="0" smtClean="0"/>
+              <a:t>What information to display</a:t>
+            </a:r>
+          </a:p>
+          <a:p>
+            <a:pPr lvl="1"/>
+            <a:r>
+              <a:rPr lang="en-US" dirty="0" smtClean="0"/>
+              <a:t>Flow of interaction</a:t>
+            </a:r>
+          </a:p>
+          <a:p>
+            <a:pPr lvl="1"/>
+            <a:endParaRPr lang="en-US" dirty="0"/>
+          </a:p>
+          <a:p>
+            <a:r>
+              <a:rPr lang="en-US" dirty="0" smtClean="0"/>
+              <a:t>Models</a:t>
+            </a:r>
+          </a:p>
+          <a:p>
+            <a:pPr lvl="1"/>
+            <a:r>
+              <a:rPr lang="en-US" dirty="0" smtClean="0"/>
+              <a:t>Data objects</a:t>
+            </a:r>
+          </a:p>
+          <a:p>
+            <a:pPr lvl="1"/>
+            <a:r>
+              <a:rPr lang="en-US" dirty="0" smtClean="0"/>
+              <a:t>Business objects</a:t>
+            </a:r>
+          </a:p>
+          <a:p>
+            <a:pPr lvl="1"/>
+            <a:r>
+              <a:rPr lang="en-US" dirty="0" smtClean="0"/>
+              <a:t>Domain models </a:t>
+            </a:r>
+            <a:r>
+              <a:rPr lang="en-US" dirty="0" err="1" smtClean="0"/>
+              <a:t>etc</a:t>
+            </a:r>
+            <a:endParaRPr lang="en-US" dirty="0"/>
+          </a:p>
+        </p:txBody>
+      </p:sp>
+      <p:sp>
+        <p:nvSpPr>
+          <p:cNvPr id="5" name="Rectangle 4"/>
+          <p:cNvSpPr/>
+          <p:nvPr/>
+        </p:nvSpPr>
+        <p:spPr>
+          <a:xfrm>
+            <a:off x="4572000" y="2133600"/>
+            <a:ext cx="2590800" cy="457200"/>
+          </a:xfrm>
+          <a:prstGeom prst="rect">
+            <a:avLst/>
+          </a:prstGeom>
+        </p:spPr>
+        <p:style>
+          <a:lnRef idx="2">
+            <a:schemeClr val="accent1">
+              <a:shade val="50000"/>
+            </a:schemeClr>
+          </a:lnRef>
+          <a:fillRef idx="1">
+            <a:schemeClr val="accent1"/>
+          </a:fillRef>
+          <a:effectRef idx="0">
+            <a:schemeClr val="accent1"/>
+          </a:effectRef>
+          <a:fontRef idx="minor">
+            <a:schemeClr val="lt1"/>
+          </a:fontRef>
+        </p:style>
+        <p:txBody>
+          <a:bodyPr rtlCol="0" anchor="ctr"/>
+          <a:lstStyle/>
+          <a:p>
+            <a:pPr algn="ctr"/>
+            <a:r>
+              <a:rPr lang="en-US" dirty="0" smtClean="0"/>
+              <a:t>Views</a:t>
+            </a:r>
+            <a:endParaRPr lang="en-US" dirty="0"/>
+          </a:p>
+        </p:txBody>
+      </p:sp>
+      <p:sp>
+        <p:nvSpPr>
+          <p:cNvPr id="7" name="Rectangle 6"/>
+          <p:cNvSpPr/>
+          <p:nvPr/>
+        </p:nvSpPr>
+        <p:spPr>
+          <a:xfrm>
+            <a:off x="4572000" y="3572926"/>
+            <a:ext cx="2590800" cy="457200"/>
+          </a:xfrm>
+          <a:prstGeom prst="rect">
+            <a:avLst/>
+          </a:prstGeom>
+        </p:spPr>
+        <p:style>
+          <a:lnRef idx="2">
+            <a:schemeClr val="accent1">
+              <a:shade val="50000"/>
+            </a:schemeClr>
+          </a:lnRef>
+          <a:fillRef idx="1">
+            <a:schemeClr val="accent1"/>
+          </a:fillRef>
+          <a:effectRef idx="0">
+            <a:schemeClr val="accent1"/>
+          </a:effectRef>
+          <a:fontRef idx="minor">
+            <a:schemeClr val="lt1"/>
+          </a:fontRef>
+        </p:style>
+        <p:txBody>
+          <a:bodyPr rtlCol="0" anchor="ctr"/>
+          <a:lstStyle/>
+          <a:p>
+            <a:pPr algn="ctr"/>
+            <a:r>
+              <a:rPr lang="en-US" dirty="0" smtClean="0"/>
+              <a:t>View Model</a:t>
+            </a:r>
+            <a:endParaRPr lang="en-US" dirty="0"/>
+          </a:p>
+        </p:txBody>
+      </p:sp>
+      <p:sp>
+        <p:nvSpPr>
+          <p:cNvPr id="8" name="Rectangle 7"/>
+          <p:cNvSpPr/>
+          <p:nvPr/>
+        </p:nvSpPr>
+        <p:spPr>
+          <a:xfrm>
+            <a:off x="4572000" y="5012252"/>
+            <a:ext cx="2590800" cy="457200"/>
+          </a:xfrm>
+          <a:prstGeom prst="rect">
+            <a:avLst/>
+          </a:prstGeom>
+        </p:spPr>
+        <p:style>
+          <a:lnRef idx="2">
+            <a:schemeClr val="accent1">
+              <a:shade val="50000"/>
+            </a:schemeClr>
+          </a:lnRef>
+          <a:fillRef idx="1">
+            <a:schemeClr val="accent1"/>
+          </a:fillRef>
+          <a:effectRef idx="0">
+            <a:schemeClr val="accent1"/>
+          </a:effectRef>
+          <a:fontRef idx="minor">
+            <a:schemeClr val="lt1"/>
+          </a:fontRef>
+        </p:style>
+        <p:txBody>
+          <a:bodyPr rtlCol="0" anchor="ctr"/>
+          <a:lstStyle/>
+          <a:p>
+            <a:pPr algn="ctr"/>
+            <a:r>
+              <a:rPr lang="en-US" dirty="0" smtClean="0"/>
+              <a:t>Model</a:t>
+            </a:r>
+            <a:endParaRPr lang="en-US" dirty="0"/>
+          </a:p>
+        </p:txBody>
+      </p:sp>
+      <p:sp>
+        <p:nvSpPr>
+          <p:cNvPr id="9" name="Down Arrow 8"/>
+          <p:cNvSpPr/>
+          <p:nvPr/>
+        </p:nvSpPr>
+        <p:spPr>
+          <a:xfrm>
+            <a:off x="5715000" y="2790685"/>
+            <a:ext cx="304800" cy="582355"/>
+          </a:xfrm>
+          <a:prstGeom prst="downArrow">
+            <a:avLst/>
+          </a:prstGeom>
+        </p:spPr>
+        <p:style>
+          <a:lnRef idx="2">
+            <a:schemeClr val="accent6">
+              <a:shade val="50000"/>
+            </a:schemeClr>
+          </a:lnRef>
+          <a:fillRef idx="1">
+            <a:schemeClr val="accent6"/>
+          </a:fillRef>
+          <a:effectRef idx="0">
+            <a:schemeClr val="accent6"/>
+          </a:effectRef>
+          <a:fontRef idx="minor">
+            <a:schemeClr val="lt1"/>
+          </a:fontRef>
+        </p:style>
+        <p:txBody>
+          <a:bodyPr rtlCol="0" anchor="ctr"/>
+          <a:lstStyle/>
+          <a:p>
+            <a:pPr algn="ctr"/>
             <a:endParaRPr lang="en-US"/>
+          </a:p>
+        </p:txBody>
+      </p:sp>
+      <p:sp>
+        <p:nvSpPr>
+          <p:cNvPr id="10" name="Down Arrow 9"/>
+          <p:cNvSpPr/>
+          <p:nvPr/>
+        </p:nvSpPr>
+        <p:spPr>
+          <a:xfrm>
+            <a:off x="5715000" y="4210327"/>
+            <a:ext cx="304800" cy="582355"/>
+          </a:xfrm>
+          <a:prstGeom prst="downArrow">
+            <a:avLst/>
+          </a:prstGeom>
+        </p:spPr>
+        <p:style>
+          <a:lnRef idx="2">
+            <a:schemeClr val="accent6">
+              <a:shade val="50000"/>
+            </a:schemeClr>
+          </a:lnRef>
+          <a:fillRef idx="1">
+            <a:schemeClr val="accent6"/>
+          </a:fillRef>
+          <a:effectRef idx="0">
+            <a:schemeClr val="accent6"/>
+          </a:effectRef>
+          <a:fontRef idx="minor">
+            <a:schemeClr val="lt1"/>
+          </a:fontRef>
+        </p:style>
+        <p:txBody>
+          <a:bodyPr rtlCol="0" anchor="ctr"/>
+          <a:lstStyle/>
+          <a:p>
+            <a:pPr algn="ctr"/>
+            <a:endParaRPr lang="en-US"/>
+          </a:p>
+        </p:txBody>
+      </p:sp>
+      <p:sp>
+        <p:nvSpPr>
+          <p:cNvPr id="11" name="TextBox 10"/>
+          <p:cNvSpPr txBox="1"/>
+          <p:nvPr/>
+        </p:nvSpPr>
+        <p:spPr>
+          <a:xfrm>
+            <a:off x="6134100" y="2897197"/>
+            <a:ext cx="1504950" cy="307777"/>
+          </a:xfrm>
+          <a:prstGeom prst="rect">
+            <a:avLst/>
+          </a:prstGeom>
+          <a:noFill/>
+        </p:spPr>
+        <p:txBody>
+          <a:bodyPr wrap="square" rtlCol="0">
+            <a:spAutoFit/>
+          </a:bodyPr>
+          <a:lstStyle/>
+          <a:p>
+            <a:r>
+              <a:rPr lang="en-US" sz="1400" dirty="0" err="1" smtClean="0"/>
+              <a:t>Databinds</a:t>
+            </a:r>
+            <a:endParaRPr lang="en-US" sz="1400" dirty="0"/>
+          </a:p>
+        </p:txBody>
+      </p:sp>
+      <p:sp>
+        <p:nvSpPr>
+          <p:cNvPr id="16" name="TextBox 15"/>
+          <p:cNvSpPr txBox="1"/>
+          <p:nvPr/>
+        </p:nvSpPr>
+        <p:spPr>
+          <a:xfrm>
+            <a:off x="6134100" y="4316838"/>
+            <a:ext cx="1638300" cy="307777"/>
+          </a:xfrm>
+          <a:prstGeom prst="rect">
+            <a:avLst/>
+          </a:prstGeom>
+          <a:noFill/>
+        </p:spPr>
+        <p:txBody>
+          <a:bodyPr wrap="square" rtlCol="0">
+            <a:spAutoFit/>
+          </a:bodyPr>
+          <a:lstStyle/>
+          <a:p>
+            <a:r>
+              <a:rPr lang="en-US" sz="1400" dirty="0" smtClean="0"/>
+              <a:t>References</a:t>
+            </a:r>
+            <a:endParaRPr lang="en-US" sz="1400" dirty="0"/>
+          </a:p>
+        </p:txBody>
+      </p:sp>
+      <p:sp>
+        <p:nvSpPr>
+          <p:cNvPr id="17" name="Right Brace 16"/>
+          <p:cNvSpPr/>
+          <p:nvPr/>
+        </p:nvSpPr>
+        <p:spPr>
+          <a:xfrm>
+            <a:off x="7315200" y="2133600"/>
+            <a:ext cx="304800" cy="457200"/>
+          </a:xfrm>
+          <a:prstGeom prst="rightBrace">
+            <a:avLst/>
+          </a:prstGeom>
+        </p:spPr>
+        <p:style>
+          <a:lnRef idx="1">
+            <a:schemeClr val="accent1"/>
+          </a:lnRef>
+          <a:fillRef idx="0">
+            <a:schemeClr val="accent1"/>
+          </a:fillRef>
+          <a:effectRef idx="0">
+            <a:schemeClr val="accent1"/>
+          </a:effectRef>
+          <a:fontRef idx="minor">
+            <a:schemeClr val="tx1"/>
+          </a:fontRef>
+        </p:style>
+        <p:txBody>
+          <a:bodyPr rtlCol="0" anchor="ctr"/>
+          <a:lstStyle/>
+          <a:p>
+            <a:pPr algn="ctr"/>
+            <a:endParaRPr lang="en-US"/>
+          </a:p>
+        </p:txBody>
+      </p:sp>
+      <p:sp>
+        <p:nvSpPr>
+          <p:cNvPr id="18" name="Right Brace 17"/>
+          <p:cNvSpPr/>
+          <p:nvPr/>
+        </p:nvSpPr>
+        <p:spPr>
+          <a:xfrm>
+            <a:off x="7315200" y="3572926"/>
+            <a:ext cx="304800" cy="1896526"/>
+          </a:xfrm>
+          <a:prstGeom prst="rightBrace">
+            <a:avLst/>
+          </a:prstGeom>
+        </p:spPr>
+        <p:style>
+          <a:lnRef idx="1">
+            <a:schemeClr val="accent1"/>
+          </a:lnRef>
+          <a:fillRef idx="0">
+            <a:schemeClr val="accent1"/>
+          </a:fillRef>
+          <a:effectRef idx="0">
+            <a:schemeClr val="accent1"/>
+          </a:effectRef>
+          <a:fontRef idx="minor">
+            <a:schemeClr val="tx1"/>
+          </a:fontRef>
+        </p:style>
+        <p:txBody>
+          <a:bodyPr rtlCol="0" anchor="ctr"/>
+          <a:lstStyle/>
+          <a:p>
+            <a:pPr algn="ctr"/>
+            <a:endParaRPr lang="en-US"/>
+          </a:p>
+        </p:txBody>
+      </p:sp>
+      <p:sp>
+        <p:nvSpPr>
+          <p:cNvPr id="19" name="TextBox 18"/>
+          <p:cNvSpPr txBox="1"/>
+          <p:nvPr/>
+        </p:nvSpPr>
+        <p:spPr>
+          <a:xfrm>
+            <a:off x="7696200" y="4316838"/>
+            <a:ext cx="1371600" cy="338554"/>
+          </a:xfrm>
+          <a:prstGeom prst="rect">
+            <a:avLst/>
+          </a:prstGeom>
+          <a:noFill/>
+        </p:spPr>
+        <p:txBody>
+          <a:bodyPr wrap="square" rtlCol="0">
+            <a:spAutoFit/>
+          </a:bodyPr>
+          <a:lstStyle/>
+          <a:p>
+            <a:r>
+              <a:rPr lang="en-US" sz="1600" dirty="0" smtClean="0"/>
+              <a:t>Portable</a:t>
+            </a:r>
+            <a:endParaRPr lang="en-US" sz="1600" dirty="0"/>
+          </a:p>
+        </p:txBody>
+      </p:sp>
+      <p:sp>
+        <p:nvSpPr>
+          <p:cNvPr id="20" name="TextBox 19"/>
+          <p:cNvSpPr txBox="1"/>
+          <p:nvPr/>
+        </p:nvSpPr>
+        <p:spPr>
+          <a:xfrm>
+            <a:off x="7696200" y="2177534"/>
+            <a:ext cx="1371600" cy="584775"/>
+          </a:xfrm>
+          <a:prstGeom prst="rect">
+            <a:avLst/>
+          </a:prstGeom>
+          <a:noFill/>
+        </p:spPr>
+        <p:txBody>
+          <a:bodyPr wrap="square" rtlCol="0">
+            <a:spAutoFit/>
+          </a:bodyPr>
+          <a:lstStyle/>
+          <a:p>
+            <a:r>
+              <a:rPr lang="en-US" sz="1600" dirty="0" smtClean="0"/>
+              <a:t>Platform-specific</a:t>
+            </a:r>
+            <a:endParaRPr lang="en-US" sz="1600" dirty="0"/>
           </a:p>
         </p:txBody>
       </p:sp>
     </p:spTree>
     <p:extLst>
       <p:ext uri="{BB962C8B-B14F-4D97-AF65-F5344CB8AC3E}">
-        <p14:creationId xmlns:p14="http://schemas.microsoft.com/office/powerpoint/2010/main" val="3481620307"/>
+        <p14:creationId xmlns:p14="http://schemas.microsoft.com/office/powerpoint/2010/main" val="338607208"/>
+      </p:ext>
+    </p:extLst>
+  </p:cSld>
+  <p:clrMapOvr>
+    <a:masterClrMapping/>
+  </p:clrMapOvr>
+  <p:timing>
+    <p:tnLst>
+      <p:par>
+        <p:cTn id="1" dur="indefinite" restart="never" nodeType="tmRoot"/>
+      </p:par>
+    </p:tnLst>
+  </p:timing>
+</p:sld>
+</file>
+
+<file path=ppt/slides/slide9.xml><?xml version="1.0" encoding="utf-8"?>
+<p:sld xmlns:a="http://schemas.openxmlformats.org/drawingml/2006/main" xmlns:r="http://schemas.openxmlformats.org/officeDocument/2006/relationships" xmlns:p="http://schemas.openxmlformats.org/presentationml/2006/main">
+  <p:cSld>
+    <p:spTree>
+      <p:nvGrpSpPr>
+        <p:cNvPr id="1" name=""/>
+        <p:cNvGrpSpPr/>
+        <p:nvPr/>
+      </p:nvGrpSpPr>
+      <p:grpSpPr>
+        <a:xfrm>
+          <a:off x="0" y="0"/>
+          <a:ext cx="0" cy="0"/>
+          <a:chOff x="0" y="0"/>
+          <a:chExt cx="0" cy="0"/>
+        </a:xfrm>
+      </p:grpSpPr>
+      <p:sp>
+        <p:nvSpPr>
+          <p:cNvPr id="2" name="Title 1"/>
+          <p:cNvSpPr>
+            <a:spLocks noGrp="1"/>
+          </p:cNvSpPr>
+          <p:nvPr>
+            <p:ph type="title"/>
+          </p:nvPr>
+        </p:nvSpPr>
+        <p:spPr/>
+        <p:txBody>
+          <a:bodyPr/>
+          <a:lstStyle/>
+          <a:p>
+            <a:r>
+              <a:rPr lang="en-US" dirty="0" smtClean="0"/>
+              <a:t>Windows Universal Apps</a:t>
+            </a:r>
+            <a:endParaRPr lang="en-US" dirty="0"/>
+          </a:p>
+        </p:txBody>
+      </p:sp>
+      <p:sp>
+        <p:nvSpPr>
+          <p:cNvPr id="3" name="Content Placeholder 2"/>
+          <p:cNvSpPr>
+            <a:spLocks noGrp="1"/>
+          </p:cNvSpPr>
+          <p:nvPr>
+            <p:ph sz="half" idx="1"/>
+          </p:nvPr>
+        </p:nvSpPr>
+        <p:spPr>
+          <a:xfrm>
+            <a:off x="457200" y="1825625"/>
+            <a:ext cx="4057650" cy="4351338"/>
+          </a:xfrm>
+        </p:spPr>
+        <p:txBody>
+          <a:bodyPr>
+            <a:normAutofit/>
+          </a:bodyPr>
+          <a:lstStyle/>
+          <a:p>
+            <a:endParaRPr lang="en-US" sz="2400" dirty="0" smtClean="0"/>
+          </a:p>
+          <a:p>
+            <a:r>
+              <a:rPr lang="en-US" sz="2400" dirty="0" smtClean="0"/>
+              <a:t>Announced at //build</a:t>
+            </a:r>
+          </a:p>
+          <a:p>
+            <a:endParaRPr lang="en-US" sz="2400" dirty="0"/>
+          </a:p>
+          <a:p>
+            <a:r>
+              <a:rPr lang="en-US" sz="2400" dirty="0" smtClean="0"/>
+              <a:t>Windows 8.1</a:t>
+            </a:r>
+          </a:p>
+          <a:p>
+            <a:endParaRPr lang="en-US" sz="2400" dirty="0"/>
+          </a:p>
+          <a:p>
+            <a:r>
+              <a:rPr lang="en-US" sz="2400" dirty="0" smtClean="0"/>
+              <a:t>Windows Phone 8.1</a:t>
+            </a:r>
+          </a:p>
+          <a:p>
+            <a:endParaRPr lang="en-US" sz="2400" dirty="0"/>
+          </a:p>
+          <a:p>
+            <a:r>
+              <a:rPr lang="en-US" sz="2400" dirty="0" smtClean="0"/>
+              <a:t>Xbox One</a:t>
+            </a:r>
+            <a:endParaRPr lang="en-US" sz="2400" dirty="0"/>
+          </a:p>
+        </p:txBody>
+      </p:sp>
+      <p:sp>
+        <p:nvSpPr>
+          <p:cNvPr id="5" name="Rectangle 4"/>
+          <p:cNvSpPr/>
+          <p:nvPr/>
+        </p:nvSpPr>
+        <p:spPr>
+          <a:xfrm>
+            <a:off x="4572000" y="2133600"/>
+            <a:ext cx="2590800" cy="457200"/>
+          </a:xfrm>
+          <a:prstGeom prst="rect">
+            <a:avLst/>
+          </a:prstGeom>
+        </p:spPr>
+        <p:style>
+          <a:lnRef idx="2">
+            <a:schemeClr val="accent1">
+              <a:shade val="50000"/>
+            </a:schemeClr>
+          </a:lnRef>
+          <a:fillRef idx="1">
+            <a:schemeClr val="accent1"/>
+          </a:fillRef>
+          <a:effectRef idx="0">
+            <a:schemeClr val="accent1"/>
+          </a:effectRef>
+          <a:fontRef idx="minor">
+            <a:schemeClr val="lt1"/>
+          </a:fontRef>
+        </p:style>
+        <p:txBody>
+          <a:bodyPr rtlCol="0" anchor="ctr"/>
+          <a:lstStyle/>
+          <a:p>
+            <a:pPr algn="ctr"/>
+            <a:r>
+              <a:rPr lang="en-US" dirty="0" smtClean="0"/>
+              <a:t>Views</a:t>
+            </a:r>
+            <a:endParaRPr lang="en-US" dirty="0"/>
+          </a:p>
+        </p:txBody>
+      </p:sp>
+      <p:sp>
+        <p:nvSpPr>
+          <p:cNvPr id="7" name="Rectangle 6"/>
+          <p:cNvSpPr/>
+          <p:nvPr/>
+        </p:nvSpPr>
+        <p:spPr>
+          <a:xfrm>
+            <a:off x="4572000" y="3572926"/>
+            <a:ext cx="2590800" cy="457200"/>
+          </a:xfrm>
+          <a:prstGeom prst="rect">
+            <a:avLst/>
+          </a:prstGeom>
+        </p:spPr>
+        <p:style>
+          <a:lnRef idx="2">
+            <a:schemeClr val="accent1">
+              <a:shade val="50000"/>
+            </a:schemeClr>
+          </a:lnRef>
+          <a:fillRef idx="1">
+            <a:schemeClr val="accent1"/>
+          </a:fillRef>
+          <a:effectRef idx="0">
+            <a:schemeClr val="accent1"/>
+          </a:effectRef>
+          <a:fontRef idx="minor">
+            <a:schemeClr val="lt1"/>
+          </a:fontRef>
+        </p:style>
+        <p:txBody>
+          <a:bodyPr rtlCol="0" anchor="ctr"/>
+          <a:lstStyle/>
+          <a:p>
+            <a:pPr algn="ctr"/>
+            <a:r>
+              <a:rPr lang="en-US" dirty="0" smtClean="0"/>
+              <a:t>View Model</a:t>
+            </a:r>
+            <a:endParaRPr lang="en-US" dirty="0"/>
+          </a:p>
+        </p:txBody>
+      </p:sp>
+      <p:sp>
+        <p:nvSpPr>
+          <p:cNvPr id="8" name="Rectangle 7"/>
+          <p:cNvSpPr/>
+          <p:nvPr/>
+        </p:nvSpPr>
+        <p:spPr>
+          <a:xfrm>
+            <a:off x="4572000" y="5012252"/>
+            <a:ext cx="2590800" cy="457200"/>
+          </a:xfrm>
+          <a:prstGeom prst="rect">
+            <a:avLst/>
+          </a:prstGeom>
+        </p:spPr>
+        <p:style>
+          <a:lnRef idx="2">
+            <a:schemeClr val="accent1">
+              <a:shade val="50000"/>
+            </a:schemeClr>
+          </a:lnRef>
+          <a:fillRef idx="1">
+            <a:schemeClr val="accent1"/>
+          </a:fillRef>
+          <a:effectRef idx="0">
+            <a:schemeClr val="accent1"/>
+          </a:effectRef>
+          <a:fontRef idx="minor">
+            <a:schemeClr val="lt1"/>
+          </a:fontRef>
+        </p:style>
+        <p:txBody>
+          <a:bodyPr rtlCol="0" anchor="ctr"/>
+          <a:lstStyle/>
+          <a:p>
+            <a:pPr algn="ctr"/>
+            <a:r>
+              <a:rPr lang="en-US" dirty="0" smtClean="0"/>
+              <a:t>Model</a:t>
+            </a:r>
+            <a:endParaRPr lang="en-US" dirty="0"/>
+          </a:p>
+        </p:txBody>
+      </p:sp>
+      <p:sp>
+        <p:nvSpPr>
+          <p:cNvPr id="9" name="Down Arrow 8"/>
+          <p:cNvSpPr/>
+          <p:nvPr/>
+        </p:nvSpPr>
+        <p:spPr>
+          <a:xfrm>
+            <a:off x="5715000" y="2790685"/>
+            <a:ext cx="304800" cy="582355"/>
+          </a:xfrm>
+          <a:prstGeom prst="downArrow">
+            <a:avLst/>
+          </a:prstGeom>
+        </p:spPr>
+        <p:style>
+          <a:lnRef idx="2">
+            <a:schemeClr val="accent6">
+              <a:shade val="50000"/>
+            </a:schemeClr>
+          </a:lnRef>
+          <a:fillRef idx="1">
+            <a:schemeClr val="accent6"/>
+          </a:fillRef>
+          <a:effectRef idx="0">
+            <a:schemeClr val="accent6"/>
+          </a:effectRef>
+          <a:fontRef idx="minor">
+            <a:schemeClr val="lt1"/>
+          </a:fontRef>
+        </p:style>
+        <p:txBody>
+          <a:bodyPr rtlCol="0" anchor="ctr"/>
+          <a:lstStyle/>
+          <a:p>
+            <a:pPr algn="ctr"/>
+            <a:endParaRPr lang="en-US"/>
+          </a:p>
+        </p:txBody>
+      </p:sp>
+      <p:sp>
+        <p:nvSpPr>
+          <p:cNvPr id="10" name="Down Arrow 9"/>
+          <p:cNvSpPr/>
+          <p:nvPr/>
+        </p:nvSpPr>
+        <p:spPr>
+          <a:xfrm>
+            <a:off x="5715000" y="4210327"/>
+            <a:ext cx="304800" cy="582355"/>
+          </a:xfrm>
+          <a:prstGeom prst="downArrow">
+            <a:avLst/>
+          </a:prstGeom>
+        </p:spPr>
+        <p:style>
+          <a:lnRef idx="2">
+            <a:schemeClr val="accent6">
+              <a:shade val="50000"/>
+            </a:schemeClr>
+          </a:lnRef>
+          <a:fillRef idx="1">
+            <a:schemeClr val="accent6"/>
+          </a:fillRef>
+          <a:effectRef idx="0">
+            <a:schemeClr val="accent6"/>
+          </a:effectRef>
+          <a:fontRef idx="minor">
+            <a:schemeClr val="lt1"/>
+          </a:fontRef>
+        </p:style>
+        <p:txBody>
+          <a:bodyPr rtlCol="0" anchor="ctr"/>
+          <a:lstStyle/>
+          <a:p>
+            <a:pPr algn="ctr"/>
+            <a:endParaRPr lang="en-US"/>
+          </a:p>
+        </p:txBody>
+      </p:sp>
+      <p:sp>
+        <p:nvSpPr>
+          <p:cNvPr id="11" name="TextBox 10"/>
+          <p:cNvSpPr txBox="1"/>
+          <p:nvPr/>
+        </p:nvSpPr>
+        <p:spPr>
+          <a:xfrm>
+            <a:off x="6134100" y="2897197"/>
+            <a:ext cx="1504950" cy="307777"/>
+          </a:xfrm>
+          <a:prstGeom prst="rect">
+            <a:avLst/>
+          </a:prstGeom>
+          <a:noFill/>
+        </p:spPr>
+        <p:txBody>
+          <a:bodyPr wrap="square" rtlCol="0">
+            <a:spAutoFit/>
+          </a:bodyPr>
+          <a:lstStyle/>
+          <a:p>
+            <a:r>
+              <a:rPr lang="en-US" sz="1400" dirty="0" err="1" smtClean="0"/>
+              <a:t>Databinds</a:t>
+            </a:r>
+            <a:endParaRPr lang="en-US" sz="1400" dirty="0"/>
+          </a:p>
+        </p:txBody>
+      </p:sp>
+      <p:sp>
+        <p:nvSpPr>
+          <p:cNvPr id="16" name="TextBox 15"/>
+          <p:cNvSpPr txBox="1"/>
+          <p:nvPr/>
+        </p:nvSpPr>
+        <p:spPr>
+          <a:xfrm>
+            <a:off x="6134100" y="4316838"/>
+            <a:ext cx="1638300" cy="307777"/>
+          </a:xfrm>
+          <a:prstGeom prst="rect">
+            <a:avLst/>
+          </a:prstGeom>
+          <a:noFill/>
+        </p:spPr>
+        <p:txBody>
+          <a:bodyPr wrap="square" rtlCol="0">
+            <a:spAutoFit/>
+          </a:bodyPr>
+          <a:lstStyle/>
+          <a:p>
+            <a:r>
+              <a:rPr lang="en-US" sz="1400" dirty="0" smtClean="0"/>
+              <a:t>References</a:t>
+            </a:r>
+            <a:endParaRPr lang="en-US" sz="1400" dirty="0"/>
+          </a:p>
+        </p:txBody>
+      </p:sp>
+      <p:sp>
+        <p:nvSpPr>
+          <p:cNvPr id="18" name="Right Brace 17"/>
+          <p:cNvSpPr/>
+          <p:nvPr/>
+        </p:nvSpPr>
+        <p:spPr>
+          <a:xfrm>
+            <a:off x="7315200" y="2133600"/>
+            <a:ext cx="304800" cy="3335852"/>
+          </a:xfrm>
+          <a:prstGeom prst="rightBrace">
+            <a:avLst/>
+          </a:prstGeom>
+        </p:spPr>
+        <p:style>
+          <a:lnRef idx="1">
+            <a:schemeClr val="accent1"/>
+          </a:lnRef>
+          <a:fillRef idx="0">
+            <a:schemeClr val="accent1"/>
+          </a:fillRef>
+          <a:effectRef idx="0">
+            <a:schemeClr val="accent1"/>
+          </a:effectRef>
+          <a:fontRef idx="minor">
+            <a:schemeClr val="tx1"/>
+          </a:fontRef>
+        </p:style>
+        <p:txBody>
+          <a:bodyPr rtlCol="0" anchor="ctr"/>
+          <a:lstStyle/>
+          <a:p>
+            <a:pPr algn="ctr"/>
+            <a:endParaRPr lang="en-US"/>
+          </a:p>
+        </p:txBody>
+      </p:sp>
+      <p:sp>
+        <p:nvSpPr>
+          <p:cNvPr id="19" name="TextBox 18"/>
+          <p:cNvSpPr txBox="1"/>
+          <p:nvPr/>
+        </p:nvSpPr>
+        <p:spPr>
+          <a:xfrm>
+            <a:off x="7745627" y="3632249"/>
+            <a:ext cx="1371600" cy="338554"/>
+          </a:xfrm>
+          <a:prstGeom prst="rect">
+            <a:avLst/>
+          </a:prstGeom>
+          <a:noFill/>
+        </p:spPr>
+        <p:txBody>
+          <a:bodyPr wrap="square" rtlCol="0">
+            <a:spAutoFit/>
+          </a:bodyPr>
+          <a:lstStyle/>
+          <a:p>
+            <a:r>
+              <a:rPr lang="en-US" sz="1600" dirty="0" smtClean="0"/>
+              <a:t>Portable</a:t>
+            </a:r>
+            <a:endParaRPr lang="en-US" sz="1600" dirty="0"/>
+          </a:p>
+        </p:txBody>
+      </p:sp>
+    </p:spTree>
+    <p:extLst>
+      <p:ext uri="{BB962C8B-B14F-4D97-AF65-F5344CB8AC3E}">
+        <p14:creationId xmlns:p14="http://schemas.microsoft.com/office/powerpoint/2010/main" val="4113447928"/>
       </p:ext>
     </p:extLst>
   </p:cSld>

--- a/CrossPlatformDev/CrossPlatformDev.pptx
+++ b/CrossPlatformDev/CrossPlatformDev.pptx
@@ -3,22 +3,24 @@
 <p:presentation xmlns:a="http://schemas.openxmlformats.org/drawingml/2006/main" xmlns:r="http://schemas.openxmlformats.org/officeDocument/2006/relationships" xmlns:p="http://schemas.openxmlformats.org/presentationml/2006/main" saveSubsetFonts="1">
   <p:sldMasterIdLst>
     <p:sldMasterId id="2147483694" r:id="rId1"/>
+    <p:sldMasterId id="2147483706" r:id="rId2"/>
   </p:sldMasterIdLst>
   <p:notesMasterIdLst>
-    <p:notesMasterId r:id="rId13"/>
+    <p:notesMasterId r:id="rId15"/>
   </p:notesMasterIdLst>
   <p:sldIdLst>
-    <p:sldId id="269" r:id="rId2"/>
-    <p:sldId id="270" r:id="rId3"/>
-    <p:sldId id="271" r:id="rId4"/>
-    <p:sldId id="272" r:id="rId5"/>
-    <p:sldId id="275" r:id="rId6"/>
-    <p:sldId id="276" r:id="rId7"/>
-    <p:sldId id="273" r:id="rId8"/>
-    <p:sldId id="277" r:id="rId9"/>
-    <p:sldId id="278" r:id="rId10"/>
-    <p:sldId id="279" r:id="rId11"/>
-    <p:sldId id="274" r:id="rId12"/>
+    <p:sldId id="269" r:id="rId3"/>
+    <p:sldId id="280" r:id="rId4"/>
+    <p:sldId id="270" r:id="rId5"/>
+    <p:sldId id="271" r:id="rId6"/>
+    <p:sldId id="272" r:id="rId7"/>
+    <p:sldId id="275" r:id="rId8"/>
+    <p:sldId id="276" r:id="rId9"/>
+    <p:sldId id="273" r:id="rId10"/>
+    <p:sldId id="277" r:id="rId11"/>
+    <p:sldId id="278" r:id="rId12"/>
+    <p:sldId id="279" r:id="rId13"/>
+    <p:sldId id="274" r:id="rId14"/>
   </p:sldIdLst>
   <p:sldSz cx="9144000" cy="6858000" type="screen4x3"/>
   <p:notesSz cx="6858000" cy="9144000"/>
@@ -218,7 +220,7 @@
           <a:p>
             <a:fld id="{3A7C3860-7027-407A-982A-3CBA694F3788}" type="datetimeFigureOut">
               <a:rPr lang="en-US" smtClean="0"/>
-              <a:t>4/7/2014</a:t>
+              <a:t>5/13/2014</a:t>
             </a:fld>
             <a:endParaRPr lang="en-US"/>
           </a:p>
@@ -551,7 +553,7 @@
           <a:p>
             <a:fld id="{77DA41C2-2EC4-49B5-B3CD-E0A57519EAE4}" type="slidenum">
               <a:rPr lang="en-US" smtClean="0"/>
-              <a:t>11</a:t>
+              <a:t>12</a:t>
             </a:fld>
             <a:endParaRPr lang="en-US"/>
           </a:p>
@@ -1136,6 +1138,3701 @@
 </p:sldLayout>
 </file>
 
+<file path=ppt/slideLayouts/slideLayout12.xml><?xml version="1.0" encoding="utf-8"?>
+<p:sldLayout xmlns:a="http://schemas.openxmlformats.org/drawingml/2006/main" xmlns:r="http://schemas.openxmlformats.org/officeDocument/2006/relationships" xmlns:p="http://schemas.openxmlformats.org/presentationml/2006/main" preserve="1" userDrawn="1">
+  <p:cSld name="Title Slide - Client">
+    <p:spTree>
+      <p:nvGrpSpPr>
+        <p:cNvPr id="1" name=""/>
+        <p:cNvGrpSpPr/>
+        <p:nvPr/>
+      </p:nvGrpSpPr>
+      <p:grpSpPr>
+        <a:xfrm>
+          <a:off x="0" y="0"/>
+          <a:ext cx="0" cy="0"/>
+          <a:chOff x="0" y="0"/>
+          <a:chExt cx="0" cy="0"/>
+        </a:xfrm>
+      </p:grpSpPr>
+      <p:grpSp>
+        <p:nvGrpSpPr>
+          <p:cNvPr id="16" name="Group 15"/>
+          <p:cNvGrpSpPr/>
+          <p:nvPr/>
+        </p:nvGrpSpPr>
+        <p:grpSpPr>
+          <a:xfrm>
+            <a:off x="0" y="4906131"/>
+            <a:ext cx="9144000" cy="1951870"/>
+            <a:chOff x="0" y="4906131"/>
+            <a:chExt cx="9144000" cy="1951870"/>
+          </a:xfrm>
+        </p:grpSpPr>
+        <p:sp>
+          <p:nvSpPr>
+            <p:cNvPr id="9" name="Rectangle 8"/>
+            <p:cNvSpPr/>
+            <p:nvPr userDrawn="1"/>
+          </p:nvSpPr>
+          <p:spPr>
+            <a:xfrm>
+              <a:off x="0" y="4946953"/>
+              <a:ext cx="9144000" cy="1911048"/>
+            </a:xfrm>
+            <a:prstGeom prst="rect">
+              <a:avLst/>
+            </a:prstGeom>
+            <a:solidFill>
+              <a:srgbClr val="181717"/>
+            </a:solidFill>
+          </p:spPr>
+          <p:style>
+            <a:lnRef idx="1">
+              <a:schemeClr val="accent1"/>
+            </a:lnRef>
+            <a:fillRef idx="3">
+              <a:schemeClr val="accent1"/>
+            </a:fillRef>
+            <a:effectRef idx="2">
+              <a:schemeClr val="accent1"/>
+            </a:effectRef>
+            <a:fontRef idx="minor">
+              <a:schemeClr val="lt1"/>
+            </a:fontRef>
+          </p:style>
+          <p:txBody>
+            <a:bodyPr rtlCol="0" anchor="ctr"/>
+            <a:lstStyle/>
+            <a:p>
+              <a:pPr algn="ctr" defTabSz="457200"/>
+              <a:endParaRPr lang="en-US" dirty="0">
+                <a:solidFill>
+                  <a:srgbClr val="000000"/>
+                </a:solidFill>
+              </a:endParaRPr>
+            </a:p>
+          </p:txBody>
+        </p:sp>
+        <p:cxnSp>
+          <p:nvCxnSpPr>
+            <p:cNvPr id="11" name="Straight Connector 10"/>
+            <p:cNvCxnSpPr/>
+            <p:nvPr userDrawn="1"/>
+          </p:nvCxnSpPr>
+          <p:spPr>
+            <a:xfrm flipV="1">
+              <a:off x="0" y="4906131"/>
+              <a:ext cx="9144000" cy="24904"/>
+            </a:xfrm>
+            <a:prstGeom prst="line">
+              <a:avLst/>
+            </a:prstGeom>
+            <a:ln w="63500">
+              <a:solidFill>
+                <a:srgbClr val="2F6EBE"/>
+              </a:solidFill>
+            </a:ln>
+          </p:spPr>
+          <p:style>
+            <a:lnRef idx="2">
+              <a:schemeClr val="accent1"/>
+            </a:lnRef>
+            <a:fillRef idx="0">
+              <a:schemeClr val="accent1"/>
+            </a:fillRef>
+            <a:effectRef idx="1">
+              <a:schemeClr val="accent1"/>
+            </a:effectRef>
+            <a:fontRef idx="minor">
+              <a:schemeClr val="tx1"/>
+            </a:fontRef>
+          </p:style>
+        </p:cxnSp>
+      </p:grpSp>
+      <p:sp>
+        <p:nvSpPr>
+          <p:cNvPr id="12" name="Rectangle 11"/>
+          <p:cNvSpPr/>
+          <p:nvPr/>
+        </p:nvSpPr>
+        <p:spPr>
+          <a:xfrm>
+            <a:off x="0" y="1112762"/>
+            <a:ext cx="9144000" cy="3805822"/>
+          </a:xfrm>
+          <a:prstGeom prst="rect">
+            <a:avLst/>
+          </a:prstGeom>
+          <a:solidFill>
+            <a:srgbClr val="E6DDCB"/>
+          </a:solidFill>
+          <a:ln>
+            <a:solidFill>
+              <a:schemeClr val="bg2">
+                <a:lumMod val="90000"/>
+              </a:schemeClr>
+            </a:solidFill>
+          </a:ln>
+        </p:spPr>
+        <p:style>
+          <a:lnRef idx="1">
+            <a:schemeClr val="accent1"/>
+          </a:lnRef>
+          <a:fillRef idx="3">
+            <a:schemeClr val="accent1"/>
+          </a:fillRef>
+          <a:effectRef idx="2">
+            <a:schemeClr val="accent1"/>
+          </a:effectRef>
+          <a:fontRef idx="minor">
+            <a:schemeClr val="lt1"/>
+          </a:fontRef>
+        </p:style>
+        <p:txBody>
+          <a:bodyPr rtlCol="0" anchor="ctr"/>
+          <a:lstStyle/>
+          <a:p>
+            <a:pPr algn="ctr" defTabSz="457200"/>
+            <a:endParaRPr lang="en-US">
+              <a:solidFill>
+                <a:srgbClr val="E6DFD2"/>
+              </a:solidFill>
+            </a:endParaRPr>
+          </a:p>
+        </p:txBody>
+      </p:sp>
+      <p:sp>
+        <p:nvSpPr>
+          <p:cNvPr id="2" name="Title 1"/>
+          <p:cNvSpPr>
+            <a:spLocks noGrp="1"/>
+          </p:cNvSpPr>
+          <p:nvPr>
+            <p:ph type="ctrTitle"/>
+          </p:nvPr>
+        </p:nvSpPr>
+        <p:spPr>
+          <a:xfrm>
+            <a:off x="1" y="5023921"/>
+            <a:ext cx="9144000" cy="1122483"/>
+          </a:xfrm>
+          <a:solidFill>
+            <a:schemeClr val="bg2">
+              <a:alpha val="70000"/>
+            </a:schemeClr>
+          </a:solidFill>
+        </p:spPr>
+        <p:txBody>
+          <a:bodyPr/>
+          <a:lstStyle>
+            <a:lvl1pPr algn="ctr">
+              <a:defRPr b="0" i="0">
+                <a:solidFill>
+                  <a:schemeClr val="tx1"/>
+                </a:solidFill>
+              </a:defRPr>
+            </a:lvl1pPr>
+          </a:lstStyle>
+          <a:p>
+            <a:r>
+              <a:rPr lang="en-US" smtClean="0"/>
+              <a:t>Click to edit Master title style</a:t>
+            </a:r>
+            <a:endParaRPr lang="en-US" dirty="0"/>
+          </a:p>
+        </p:txBody>
+      </p:sp>
+      <p:pic>
+        <p:nvPicPr>
+          <p:cNvPr id="14" name="Picture 13"/>
+          <p:cNvPicPr>
+            <a:picLocks noChangeAspect="1"/>
+          </p:cNvPicPr>
+          <p:nvPr userDrawn="1"/>
+        </p:nvPicPr>
+        <p:blipFill rotWithShape="1">
+          <a:blip r:embed="rId2"/>
+          <a:srcRect b="26911"/>
+          <a:stretch/>
+        </p:blipFill>
+        <p:spPr>
+          <a:xfrm>
+            <a:off x="-31750" y="1112762"/>
+            <a:ext cx="9223375" cy="3840480"/>
+          </a:xfrm>
+          <a:prstGeom prst="rect">
+            <a:avLst/>
+          </a:prstGeom>
+        </p:spPr>
+      </p:pic>
+      <p:sp>
+        <p:nvSpPr>
+          <p:cNvPr id="21" name="TextBox 20"/>
+          <p:cNvSpPr txBox="1"/>
+          <p:nvPr/>
+        </p:nvSpPr>
+        <p:spPr>
+          <a:xfrm>
+            <a:off x="1371600" y="6317339"/>
+            <a:ext cx="6400800" cy="457200"/>
+          </a:xfrm>
+          <a:prstGeom prst="rect">
+            <a:avLst/>
+          </a:prstGeom>
+          <a:noFill/>
+        </p:spPr>
+        <p:txBody>
+          <a:bodyPr vert="horz" wrap="square" lIns="228600" tIns="45720" rIns="228600" bIns="45720" rtlCol="0" anchor="ctr" anchorCtr="0">
+            <a:noAutofit/>
+          </a:bodyPr>
+          <a:lstStyle/>
+          <a:p>
+            <a:pPr algn="ctr">
+              <a:defRPr/>
+            </a:pPr>
+            <a:r>
+              <a:rPr lang="en-US" sz="1400" dirty="0" smtClean="0">
+                <a:solidFill>
+                  <a:srgbClr val="A8A8A8"/>
+                </a:solidFill>
+              </a:rPr>
+              <a:t>INNOVATION · TRANSPARENCY · COLLABORATION</a:t>
+            </a:r>
+          </a:p>
+        </p:txBody>
+      </p:sp>
+      <p:pic>
+        <p:nvPicPr>
+          <p:cNvPr id="13" name="Picture 12"/>
+          <p:cNvPicPr>
+            <a:picLocks noChangeAspect="1"/>
+          </p:cNvPicPr>
+          <p:nvPr userDrawn="1"/>
+        </p:nvPicPr>
+        <p:blipFill>
+          <a:blip r:embed="rId3"/>
+          <a:stretch>
+            <a:fillRect/>
+          </a:stretch>
+        </p:blipFill>
+        <p:spPr>
+          <a:xfrm>
+            <a:off x="1656291" y="52916"/>
+            <a:ext cx="5466292" cy="972544"/>
+          </a:xfrm>
+          <a:prstGeom prst="rect">
+            <a:avLst/>
+          </a:prstGeom>
+        </p:spPr>
+      </p:pic>
+      <p:pic>
+        <p:nvPicPr>
+          <p:cNvPr id="17" name="Picture 16"/>
+          <p:cNvPicPr>
+            <a:picLocks noChangeAspect="1"/>
+          </p:cNvPicPr>
+          <p:nvPr userDrawn="1"/>
+        </p:nvPicPr>
+        <p:blipFill>
+          <a:blip r:embed="rId4"/>
+          <a:stretch>
+            <a:fillRect/>
+          </a:stretch>
+        </p:blipFill>
+        <p:spPr>
+          <a:xfrm>
+            <a:off x="4609481" y="1178385"/>
+            <a:ext cx="1005443" cy="919613"/>
+          </a:xfrm>
+          <a:prstGeom prst="rect">
+            <a:avLst/>
+          </a:prstGeom>
+        </p:spPr>
+      </p:pic>
+      <p:pic>
+        <p:nvPicPr>
+          <p:cNvPr id="18" name="Picture 17"/>
+          <p:cNvPicPr>
+            <a:picLocks noChangeAspect="1"/>
+          </p:cNvPicPr>
+          <p:nvPr userDrawn="1"/>
+        </p:nvPicPr>
+        <p:blipFill>
+          <a:blip r:embed="rId5"/>
+          <a:stretch>
+            <a:fillRect/>
+          </a:stretch>
+        </p:blipFill>
+        <p:spPr>
+          <a:xfrm>
+            <a:off x="6272337" y="1506833"/>
+            <a:ext cx="850246" cy="807196"/>
+          </a:xfrm>
+          <a:prstGeom prst="rect">
+            <a:avLst/>
+          </a:prstGeom>
+        </p:spPr>
+      </p:pic>
+      <p:pic>
+        <p:nvPicPr>
+          <p:cNvPr id="23" name="Picture 22"/>
+          <p:cNvPicPr>
+            <a:picLocks noChangeAspect="1"/>
+          </p:cNvPicPr>
+          <p:nvPr userDrawn="1"/>
+        </p:nvPicPr>
+        <p:blipFill>
+          <a:blip r:embed="rId6"/>
+          <a:stretch>
+            <a:fillRect/>
+          </a:stretch>
+        </p:blipFill>
+        <p:spPr>
+          <a:xfrm>
+            <a:off x="2476025" y="1386427"/>
+            <a:ext cx="821267" cy="810017"/>
+          </a:xfrm>
+          <a:prstGeom prst="rect">
+            <a:avLst/>
+          </a:prstGeom>
+        </p:spPr>
+      </p:pic>
+      <p:pic>
+        <p:nvPicPr>
+          <p:cNvPr id="24" name="Picture 23"/>
+          <p:cNvPicPr>
+            <a:picLocks noChangeAspect="1"/>
+          </p:cNvPicPr>
+          <p:nvPr userDrawn="1"/>
+        </p:nvPicPr>
+        <p:blipFill>
+          <a:blip r:embed="rId7"/>
+          <a:stretch>
+            <a:fillRect/>
+          </a:stretch>
+        </p:blipFill>
+        <p:spPr>
+          <a:xfrm>
+            <a:off x="2097617" y="3243814"/>
+            <a:ext cx="871915" cy="772583"/>
+          </a:xfrm>
+          <a:prstGeom prst="rect">
+            <a:avLst/>
+          </a:prstGeom>
+        </p:spPr>
+      </p:pic>
+      <p:pic>
+        <p:nvPicPr>
+          <p:cNvPr id="26" name="Picture 25"/>
+          <p:cNvPicPr>
+            <a:picLocks noChangeAspect="1"/>
+          </p:cNvPicPr>
+          <p:nvPr userDrawn="1"/>
+        </p:nvPicPr>
+        <p:blipFill>
+          <a:blip r:embed="rId8"/>
+          <a:stretch>
+            <a:fillRect/>
+          </a:stretch>
+        </p:blipFill>
+        <p:spPr>
+          <a:xfrm>
+            <a:off x="4921847" y="3564900"/>
+            <a:ext cx="1228717" cy="639434"/>
+          </a:xfrm>
+          <a:prstGeom prst="rect">
+            <a:avLst/>
+          </a:prstGeom>
+        </p:spPr>
+      </p:pic>
+      <p:pic>
+        <p:nvPicPr>
+          <p:cNvPr id="8" name="Picture 7"/>
+          <p:cNvPicPr>
+            <a:picLocks noChangeAspect="1"/>
+          </p:cNvPicPr>
+          <p:nvPr userDrawn="1"/>
+        </p:nvPicPr>
+        <p:blipFill>
+          <a:blip r:embed="rId9"/>
+          <a:stretch>
+            <a:fillRect/>
+          </a:stretch>
+        </p:blipFill>
+        <p:spPr>
+          <a:xfrm>
+            <a:off x="6626242" y="2677033"/>
+            <a:ext cx="898609" cy="864351"/>
+          </a:xfrm>
+          <a:prstGeom prst="rect">
+            <a:avLst/>
+          </a:prstGeom>
+        </p:spPr>
+      </p:pic>
+    </p:spTree>
+    <p:extLst>
+      <p:ext uri="{BB962C8B-B14F-4D97-AF65-F5344CB8AC3E}">
+        <p14:creationId xmlns:p14="http://schemas.microsoft.com/office/powerpoint/2010/main" val="3208139547"/>
+      </p:ext>
+    </p:extLst>
+  </p:cSld>
+  <p:clrMapOvr>
+    <a:masterClrMapping/>
+  </p:clrMapOvr>
+</p:sldLayout>
+</file>
+
+<file path=ppt/slideLayouts/slideLayout13.xml><?xml version="1.0" encoding="utf-8"?>
+<p:sldLayout xmlns:a="http://schemas.openxmlformats.org/drawingml/2006/main" xmlns:r="http://schemas.openxmlformats.org/officeDocument/2006/relationships" xmlns:p="http://schemas.openxmlformats.org/presentationml/2006/main" type="obj" preserve="1">
+  <p:cSld name="Title and Content">
+    <p:spTree>
+      <p:nvGrpSpPr>
+        <p:cNvPr id="1" name=""/>
+        <p:cNvGrpSpPr/>
+        <p:nvPr/>
+      </p:nvGrpSpPr>
+      <p:grpSpPr>
+        <a:xfrm>
+          <a:off x="0" y="0"/>
+          <a:ext cx="0" cy="0"/>
+          <a:chOff x="0" y="0"/>
+          <a:chExt cx="0" cy="0"/>
+        </a:xfrm>
+      </p:grpSpPr>
+      <p:sp>
+        <p:nvSpPr>
+          <p:cNvPr id="20" name="Rectangle 19"/>
+          <p:cNvSpPr/>
+          <p:nvPr userDrawn="1"/>
+        </p:nvSpPr>
+        <p:spPr>
+          <a:xfrm>
+            <a:off x="0" y="1161144"/>
+            <a:ext cx="9144000" cy="5092094"/>
+          </a:xfrm>
+          <a:prstGeom prst="rect">
+            <a:avLst/>
+          </a:prstGeom>
+          <a:solidFill>
+            <a:srgbClr val="E6DDCB">
+              <a:alpha val="8000"/>
+            </a:srgbClr>
+          </a:solidFill>
+          <a:ln>
+            <a:solidFill>
+              <a:schemeClr val="bg2">
+                <a:lumMod val="90000"/>
+                <a:alpha val="18000"/>
+              </a:schemeClr>
+            </a:solidFill>
+          </a:ln>
+        </p:spPr>
+        <p:style>
+          <a:lnRef idx="1">
+            <a:schemeClr val="accent1"/>
+          </a:lnRef>
+          <a:fillRef idx="3">
+            <a:schemeClr val="accent1"/>
+          </a:fillRef>
+          <a:effectRef idx="2">
+            <a:schemeClr val="accent1"/>
+          </a:effectRef>
+          <a:fontRef idx="minor">
+            <a:schemeClr val="lt1"/>
+          </a:fontRef>
+        </p:style>
+        <p:txBody>
+          <a:bodyPr rtlCol="0" anchor="ctr"/>
+          <a:lstStyle/>
+          <a:p>
+            <a:pPr algn="ctr" defTabSz="457200"/>
+            <a:endParaRPr lang="en-US">
+              <a:solidFill>
+                <a:srgbClr val="E6DFD2"/>
+              </a:solidFill>
+            </a:endParaRPr>
+          </a:p>
+        </p:txBody>
+      </p:sp>
+      <p:grpSp>
+        <p:nvGrpSpPr>
+          <p:cNvPr id="7" name="Group 6"/>
+          <p:cNvGrpSpPr/>
+          <p:nvPr/>
+        </p:nvGrpSpPr>
+        <p:grpSpPr>
+          <a:xfrm>
+            <a:off x="0" y="6253238"/>
+            <a:ext cx="9144000" cy="604762"/>
+            <a:chOff x="0" y="4906131"/>
+            <a:chExt cx="9144000" cy="1951870"/>
+          </a:xfrm>
+        </p:grpSpPr>
+        <p:sp>
+          <p:nvSpPr>
+            <p:cNvPr id="8" name="Rectangle 7"/>
+            <p:cNvSpPr/>
+            <p:nvPr userDrawn="1"/>
+          </p:nvSpPr>
+          <p:spPr>
+            <a:xfrm>
+              <a:off x="0" y="4946953"/>
+              <a:ext cx="9144000" cy="1911048"/>
+            </a:xfrm>
+            <a:prstGeom prst="rect">
+              <a:avLst/>
+            </a:prstGeom>
+            <a:solidFill>
+              <a:srgbClr val="181717"/>
+            </a:solidFill>
+          </p:spPr>
+          <p:style>
+            <a:lnRef idx="1">
+              <a:schemeClr val="accent1"/>
+            </a:lnRef>
+            <a:fillRef idx="3">
+              <a:schemeClr val="accent1"/>
+            </a:fillRef>
+            <a:effectRef idx="2">
+              <a:schemeClr val="accent1"/>
+            </a:effectRef>
+            <a:fontRef idx="minor">
+              <a:schemeClr val="lt1"/>
+            </a:fontRef>
+          </p:style>
+          <p:txBody>
+            <a:bodyPr rtlCol="0" anchor="ctr"/>
+            <a:lstStyle/>
+            <a:p>
+              <a:pPr algn="ctr" defTabSz="457200"/>
+              <a:endParaRPr lang="en-US" dirty="0">
+                <a:solidFill>
+                  <a:srgbClr val="000000"/>
+                </a:solidFill>
+              </a:endParaRPr>
+            </a:p>
+          </p:txBody>
+        </p:sp>
+        <p:cxnSp>
+          <p:nvCxnSpPr>
+            <p:cNvPr id="9" name="Straight Connector 8"/>
+            <p:cNvCxnSpPr/>
+            <p:nvPr userDrawn="1"/>
+          </p:nvCxnSpPr>
+          <p:spPr>
+            <a:xfrm flipV="1">
+              <a:off x="0" y="4906131"/>
+              <a:ext cx="9144000" cy="24904"/>
+            </a:xfrm>
+            <a:prstGeom prst="line">
+              <a:avLst/>
+            </a:prstGeom>
+            <a:ln w="63500">
+              <a:solidFill>
+                <a:srgbClr val="2F6EBE"/>
+              </a:solidFill>
+            </a:ln>
+          </p:spPr>
+          <p:style>
+            <a:lnRef idx="2">
+              <a:schemeClr val="accent1"/>
+            </a:lnRef>
+            <a:fillRef idx="0">
+              <a:schemeClr val="accent1"/>
+            </a:fillRef>
+            <a:effectRef idx="1">
+              <a:schemeClr val="accent1"/>
+            </a:effectRef>
+            <a:fontRef idx="minor">
+              <a:schemeClr val="tx1"/>
+            </a:fontRef>
+          </p:style>
+        </p:cxnSp>
+      </p:grpSp>
+      <p:sp>
+        <p:nvSpPr>
+          <p:cNvPr id="2" name="Title 1"/>
+          <p:cNvSpPr>
+            <a:spLocks noGrp="1"/>
+          </p:cNvSpPr>
+          <p:nvPr>
+            <p:ph type="title"/>
+          </p:nvPr>
+        </p:nvSpPr>
+        <p:spPr>
+          <a:xfrm>
+            <a:off x="796442" y="8548"/>
+            <a:ext cx="7513562" cy="983262"/>
+          </a:xfrm>
+        </p:spPr>
+        <p:txBody>
+          <a:bodyPr/>
+          <a:lstStyle>
+            <a:lvl1pPr algn="ctr">
+              <a:defRPr>
+                <a:solidFill>
+                  <a:srgbClr val="2F6EBE"/>
+                </a:solidFill>
+              </a:defRPr>
+            </a:lvl1pPr>
+          </a:lstStyle>
+          <a:p>
+            <a:r>
+              <a:rPr lang="en-US" smtClean="0"/>
+              <a:t>Click to edit Master title style</a:t>
+            </a:r>
+            <a:endParaRPr lang="en-US" dirty="0"/>
+          </a:p>
+        </p:txBody>
+      </p:sp>
+      <p:sp>
+        <p:nvSpPr>
+          <p:cNvPr id="3" name="Content Placeholder 2"/>
+          <p:cNvSpPr>
+            <a:spLocks noGrp="1"/>
+          </p:cNvSpPr>
+          <p:nvPr>
+            <p:ph idx="1"/>
+          </p:nvPr>
+        </p:nvSpPr>
+        <p:spPr>
+          <a:xfrm>
+            <a:off x="457200" y="1403048"/>
+            <a:ext cx="8229600" cy="4723115"/>
+          </a:xfrm>
+        </p:spPr>
+        <p:txBody>
+          <a:bodyPr/>
+          <a:lstStyle>
+            <a:lvl2pPr>
+              <a:defRPr>
+                <a:solidFill>
+                  <a:srgbClr val="838383"/>
+                </a:solidFill>
+              </a:defRPr>
+            </a:lvl2pPr>
+            <a:lvl4pPr>
+              <a:defRPr i="1">
+                <a:solidFill>
+                  <a:srgbClr val="838383"/>
+                </a:solidFill>
+              </a:defRPr>
+            </a:lvl4pPr>
+          </a:lstStyle>
+          <a:p>
+            <a:pPr lvl="0"/>
+            <a:r>
+              <a:rPr lang="en-US" smtClean="0"/>
+              <a:t>Click to edit Master text styles</a:t>
+            </a:r>
+          </a:p>
+          <a:p>
+            <a:pPr lvl="1"/>
+            <a:r>
+              <a:rPr lang="en-US" smtClean="0"/>
+              <a:t>Second level</a:t>
+            </a:r>
+          </a:p>
+          <a:p>
+            <a:pPr lvl="2"/>
+            <a:r>
+              <a:rPr lang="en-US" smtClean="0"/>
+              <a:t>Third level</a:t>
+            </a:r>
+          </a:p>
+          <a:p>
+            <a:pPr lvl="3"/>
+            <a:r>
+              <a:rPr lang="en-US" smtClean="0"/>
+              <a:t>Fourth level</a:t>
+            </a:r>
+          </a:p>
+          <a:p>
+            <a:pPr lvl="4"/>
+            <a:r>
+              <a:rPr lang="en-US" smtClean="0"/>
+              <a:t>Fifth level</a:t>
+            </a:r>
+            <a:endParaRPr lang="en-US" dirty="0"/>
+          </a:p>
+        </p:txBody>
+      </p:sp>
+      <p:sp>
+        <p:nvSpPr>
+          <p:cNvPr id="4" name="Date Placeholder 3"/>
+          <p:cNvSpPr>
+            <a:spLocks noGrp="1"/>
+          </p:cNvSpPr>
+          <p:nvPr>
+            <p:ph type="dt" sz="half" idx="10"/>
+          </p:nvPr>
+        </p:nvSpPr>
+        <p:spPr/>
+        <p:txBody>
+          <a:bodyPr/>
+          <a:lstStyle/>
+          <a:p>
+            <a:fld id="{8BBB7F0C-5CBC-F647-980A-4581A65C7434}" type="datetimeFigureOut">
+              <a:rPr lang="en-US" smtClean="0">
+                <a:solidFill>
+                  <a:prstClr val="black">
+                    <a:tint val="75000"/>
+                  </a:prstClr>
+                </a:solidFill>
+              </a:rPr>
+              <a:pPr/>
+              <a:t>5/13/2014</a:t>
+            </a:fld>
+            <a:endParaRPr lang="en-US">
+              <a:solidFill>
+                <a:prstClr val="black">
+                  <a:tint val="75000"/>
+                </a:prstClr>
+              </a:solidFill>
+            </a:endParaRPr>
+          </a:p>
+        </p:txBody>
+      </p:sp>
+      <p:sp>
+        <p:nvSpPr>
+          <p:cNvPr id="6" name="Slide Number Placeholder 5"/>
+          <p:cNvSpPr>
+            <a:spLocks noGrp="1"/>
+          </p:cNvSpPr>
+          <p:nvPr>
+            <p:ph type="sldNum" sz="quarter" idx="12"/>
+          </p:nvPr>
+        </p:nvSpPr>
+        <p:spPr/>
+        <p:txBody>
+          <a:bodyPr/>
+          <a:lstStyle/>
+          <a:p>
+            <a:fld id="{13FA93EC-5601-A549-96CE-C473C50A8FEC}" type="slidenum">
+              <a:rPr lang="en-US" smtClean="0">
+                <a:solidFill>
+                  <a:prstClr val="black">
+                    <a:tint val="75000"/>
+                  </a:prstClr>
+                </a:solidFill>
+              </a:rPr>
+              <a:pPr/>
+              <a:t>‹#›</a:t>
+            </a:fld>
+            <a:endParaRPr lang="en-US">
+              <a:solidFill>
+                <a:prstClr val="black">
+                  <a:tint val="75000"/>
+                </a:prstClr>
+              </a:solidFill>
+            </a:endParaRPr>
+          </a:p>
+        </p:txBody>
+      </p:sp>
+      <p:sp>
+        <p:nvSpPr>
+          <p:cNvPr id="10" name="TextBox 9"/>
+          <p:cNvSpPr txBox="1"/>
+          <p:nvPr/>
+        </p:nvSpPr>
+        <p:spPr>
+          <a:xfrm>
+            <a:off x="1371600" y="6317339"/>
+            <a:ext cx="6400800" cy="457200"/>
+          </a:xfrm>
+          <a:prstGeom prst="rect">
+            <a:avLst/>
+          </a:prstGeom>
+          <a:noFill/>
+        </p:spPr>
+        <p:txBody>
+          <a:bodyPr vert="horz" wrap="square" lIns="228600" tIns="45720" rIns="228600" bIns="45720" rtlCol="0" anchor="ctr" anchorCtr="0">
+            <a:noAutofit/>
+          </a:bodyPr>
+          <a:lstStyle/>
+          <a:p>
+            <a:pPr algn="ctr">
+              <a:defRPr/>
+            </a:pPr>
+            <a:r>
+              <a:rPr lang="en-US" sz="1400" dirty="0" smtClean="0">
+                <a:solidFill>
+                  <a:srgbClr val="A8A8A8"/>
+                </a:solidFill>
+              </a:rPr>
+              <a:t>INNOVATION · TRANSPARENCY · COLLABORATION</a:t>
+            </a:r>
+          </a:p>
+        </p:txBody>
+      </p:sp>
+      <p:pic>
+        <p:nvPicPr>
+          <p:cNvPr id="13" name="Picture 12"/>
+          <p:cNvPicPr>
+            <a:picLocks noChangeAspect="1"/>
+          </p:cNvPicPr>
+          <p:nvPr userDrawn="1"/>
+        </p:nvPicPr>
+        <p:blipFill rotWithShape="1">
+          <a:blip r:embed="rId2"/>
+          <a:srcRect r="82244"/>
+          <a:stretch/>
+        </p:blipFill>
+        <p:spPr>
+          <a:xfrm>
+            <a:off x="222250" y="249482"/>
+            <a:ext cx="612648" cy="613842"/>
+          </a:xfrm>
+          <a:prstGeom prst="rect">
+            <a:avLst/>
+          </a:prstGeom>
+        </p:spPr>
+      </p:pic>
+    </p:spTree>
+    <p:extLst>
+      <p:ext uri="{BB962C8B-B14F-4D97-AF65-F5344CB8AC3E}">
+        <p14:creationId xmlns:p14="http://schemas.microsoft.com/office/powerpoint/2010/main" val="3923752965"/>
+      </p:ext>
+    </p:extLst>
+  </p:cSld>
+  <p:clrMapOvr>
+    <a:masterClrMapping/>
+  </p:clrMapOvr>
+  <p:timing>
+    <p:tnLst>
+      <p:par>
+        <p:cTn id="1" dur="indefinite" restart="never" nodeType="tmRoot"/>
+      </p:par>
+    </p:tnLst>
+  </p:timing>
+</p:sldLayout>
+</file>
+
+<file path=ppt/slideLayouts/slideLayout14.xml><?xml version="1.0" encoding="utf-8"?>
+<p:sldLayout xmlns:a="http://schemas.openxmlformats.org/drawingml/2006/main" xmlns:r="http://schemas.openxmlformats.org/officeDocument/2006/relationships" xmlns:p="http://schemas.openxmlformats.org/presentationml/2006/main" type="secHead" preserve="1">
+  <p:cSld name="Section Header">
+    <p:spTree>
+      <p:nvGrpSpPr>
+        <p:cNvPr id="1" name=""/>
+        <p:cNvGrpSpPr/>
+        <p:nvPr/>
+      </p:nvGrpSpPr>
+      <p:grpSpPr>
+        <a:xfrm>
+          <a:off x="0" y="0"/>
+          <a:ext cx="0" cy="0"/>
+          <a:chOff x="0" y="0"/>
+          <a:chExt cx="0" cy="0"/>
+        </a:xfrm>
+      </p:grpSpPr>
+      <p:sp>
+        <p:nvSpPr>
+          <p:cNvPr id="13" name="Rectangle 12"/>
+          <p:cNvSpPr/>
+          <p:nvPr/>
+        </p:nvSpPr>
+        <p:spPr>
+          <a:xfrm>
+            <a:off x="0" y="1161144"/>
+            <a:ext cx="9144000" cy="5092094"/>
+          </a:xfrm>
+          <a:prstGeom prst="rect">
+            <a:avLst/>
+          </a:prstGeom>
+          <a:solidFill>
+            <a:srgbClr val="E6DDCB"/>
+          </a:solidFill>
+          <a:ln>
+            <a:solidFill>
+              <a:schemeClr val="bg2">
+                <a:lumMod val="90000"/>
+              </a:schemeClr>
+            </a:solidFill>
+          </a:ln>
+        </p:spPr>
+        <p:style>
+          <a:lnRef idx="1">
+            <a:schemeClr val="accent1"/>
+          </a:lnRef>
+          <a:fillRef idx="3">
+            <a:schemeClr val="accent1"/>
+          </a:fillRef>
+          <a:effectRef idx="2">
+            <a:schemeClr val="accent1"/>
+          </a:effectRef>
+          <a:fontRef idx="minor">
+            <a:schemeClr val="lt1"/>
+          </a:fontRef>
+        </p:style>
+        <p:txBody>
+          <a:bodyPr rtlCol="0" anchor="ctr"/>
+          <a:lstStyle/>
+          <a:p>
+            <a:pPr algn="ctr" defTabSz="457200"/>
+            <a:endParaRPr lang="en-US">
+              <a:solidFill>
+                <a:srgbClr val="E6DFD2"/>
+              </a:solidFill>
+            </a:endParaRPr>
+          </a:p>
+        </p:txBody>
+      </p:sp>
+      <p:sp>
+        <p:nvSpPr>
+          <p:cNvPr id="2" name="Title 1"/>
+          <p:cNvSpPr>
+            <a:spLocks noGrp="1"/>
+          </p:cNvSpPr>
+          <p:nvPr>
+            <p:ph type="title"/>
+          </p:nvPr>
+        </p:nvSpPr>
+        <p:spPr>
+          <a:xfrm>
+            <a:off x="722313" y="2719444"/>
+            <a:ext cx="7772400" cy="1362075"/>
+          </a:xfrm>
+        </p:spPr>
+        <p:txBody>
+          <a:bodyPr anchor="ctr" anchorCtr="0"/>
+          <a:lstStyle>
+            <a:lvl1pPr algn="ctr">
+              <a:defRPr sz="4000" b="1" cap="all"/>
+            </a:lvl1pPr>
+          </a:lstStyle>
+          <a:p>
+            <a:r>
+              <a:rPr lang="en-US" smtClean="0"/>
+              <a:t>Click to edit Master title style</a:t>
+            </a:r>
+            <a:endParaRPr lang="en-US" dirty="0"/>
+          </a:p>
+        </p:txBody>
+      </p:sp>
+      <p:sp>
+        <p:nvSpPr>
+          <p:cNvPr id="3" name="Text Placeholder 2"/>
+          <p:cNvSpPr>
+            <a:spLocks noGrp="1"/>
+          </p:cNvSpPr>
+          <p:nvPr>
+            <p:ph type="body" idx="1"/>
+          </p:nvPr>
+        </p:nvSpPr>
+        <p:spPr>
+          <a:xfrm>
+            <a:off x="722313" y="4093119"/>
+            <a:ext cx="7772400" cy="832726"/>
+          </a:xfrm>
+        </p:spPr>
+        <p:txBody>
+          <a:bodyPr anchor="t" anchorCtr="0"/>
+          <a:lstStyle>
+            <a:lvl1pPr marL="0" indent="0" algn="ctr">
+              <a:buNone/>
+              <a:defRPr sz="2000">
+                <a:solidFill>
+                  <a:schemeClr val="tx1">
+                    <a:tint val="75000"/>
+                  </a:schemeClr>
+                </a:solidFill>
+              </a:defRPr>
+            </a:lvl1pPr>
+            <a:lvl2pPr marL="457200" indent="0">
+              <a:buNone/>
+              <a:defRPr sz="1800">
+                <a:solidFill>
+                  <a:schemeClr val="tx1">
+                    <a:tint val="75000"/>
+                  </a:schemeClr>
+                </a:solidFill>
+              </a:defRPr>
+            </a:lvl2pPr>
+            <a:lvl3pPr marL="914400" indent="0">
+              <a:buNone/>
+              <a:defRPr sz="1600">
+                <a:solidFill>
+                  <a:schemeClr val="tx1">
+                    <a:tint val="75000"/>
+                  </a:schemeClr>
+                </a:solidFill>
+              </a:defRPr>
+            </a:lvl3pPr>
+            <a:lvl4pPr marL="1371600" indent="0">
+              <a:buNone/>
+              <a:defRPr sz="1400">
+                <a:solidFill>
+                  <a:schemeClr val="tx1">
+                    <a:tint val="75000"/>
+                  </a:schemeClr>
+                </a:solidFill>
+              </a:defRPr>
+            </a:lvl4pPr>
+            <a:lvl5pPr marL="1828800" indent="0">
+              <a:buNone/>
+              <a:defRPr sz="1400">
+                <a:solidFill>
+                  <a:schemeClr val="tx1">
+                    <a:tint val="75000"/>
+                  </a:schemeClr>
+                </a:solidFill>
+              </a:defRPr>
+            </a:lvl5pPr>
+            <a:lvl6pPr marL="2286000" indent="0">
+              <a:buNone/>
+              <a:defRPr sz="1400">
+                <a:solidFill>
+                  <a:schemeClr val="tx1">
+                    <a:tint val="75000"/>
+                  </a:schemeClr>
+                </a:solidFill>
+              </a:defRPr>
+            </a:lvl6pPr>
+            <a:lvl7pPr marL="2743200" indent="0">
+              <a:buNone/>
+              <a:defRPr sz="1400">
+                <a:solidFill>
+                  <a:schemeClr val="tx1">
+                    <a:tint val="75000"/>
+                  </a:schemeClr>
+                </a:solidFill>
+              </a:defRPr>
+            </a:lvl7pPr>
+            <a:lvl8pPr marL="3200400" indent="0">
+              <a:buNone/>
+              <a:defRPr sz="1400">
+                <a:solidFill>
+                  <a:schemeClr val="tx1">
+                    <a:tint val="75000"/>
+                  </a:schemeClr>
+                </a:solidFill>
+              </a:defRPr>
+            </a:lvl8pPr>
+            <a:lvl9pPr marL="3657600" indent="0">
+              <a:buNone/>
+              <a:defRPr sz="1400">
+                <a:solidFill>
+                  <a:schemeClr val="tx1">
+                    <a:tint val="75000"/>
+                  </a:schemeClr>
+                </a:solidFill>
+              </a:defRPr>
+            </a:lvl9pPr>
+          </a:lstStyle>
+          <a:p>
+            <a:pPr lvl="0"/>
+            <a:r>
+              <a:rPr lang="en-US" smtClean="0"/>
+              <a:t>Click to edit Master text styles</a:t>
+            </a:r>
+          </a:p>
+        </p:txBody>
+      </p:sp>
+      <p:grpSp>
+        <p:nvGrpSpPr>
+          <p:cNvPr id="7" name="Group 6"/>
+          <p:cNvGrpSpPr/>
+          <p:nvPr/>
+        </p:nvGrpSpPr>
+        <p:grpSpPr>
+          <a:xfrm>
+            <a:off x="0" y="6253238"/>
+            <a:ext cx="9144000" cy="604762"/>
+            <a:chOff x="0" y="4906131"/>
+            <a:chExt cx="9144000" cy="1951870"/>
+          </a:xfrm>
+        </p:grpSpPr>
+        <p:sp>
+          <p:nvSpPr>
+            <p:cNvPr id="8" name="Rectangle 7"/>
+            <p:cNvSpPr/>
+            <p:nvPr userDrawn="1"/>
+          </p:nvSpPr>
+          <p:spPr>
+            <a:xfrm>
+              <a:off x="0" y="4946953"/>
+              <a:ext cx="9144000" cy="1911048"/>
+            </a:xfrm>
+            <a:prstGeom prst="rect">
+              <a:avLst/>
+            </a:prstGeom>
+            <a:solidFill>
+              <a:srgbClr val="181717"/>
+            </a:solidFill>
+          </p:spPr>
+          <p:style>
+            <a:lnRef idx="1">
+              <a:schemeClr val="accent1"/>
+            </a:lnRef>
+            <a:fillRef idx="3">
+              <a:schemeClr val="accent1"/>
+            </a:fillRef>
+            <a:effectRef idx="2">
+              <a:schemeClr val="accent1"/>
+            </a:effectRef>
+            <a:fontRef idx="minor">
+              <a:schemeClr val="lt1"/>
+            </a:fontRef>
+          </p:style>
+          <p:txBody>
+            <a:bodyPr rtlCol="0" anchor="ctr"/>
+            <a:lstStyle/>
+            <a:p>
+              <a:pPr algn="ctr" defTabSz="457200"/>
+              <a:endParaRPr lang="en-US" dirty="0">
+                <a:solidFill>
+                  <a:srgbClr val="000000"/>
+                </a:solidFill>
+              </a:endParaRPr>
+            </a:p>
+          </p:txBody>
+        </p:sp>
+        <p:cxnSp>
+          <p:nvCxnSpPr>
+            <p:cNvPr id="9" name="Straight Connector 8"/>
+            <p:cNvCxnSpPr/>
+            <p:nvPr userDrawn="1"/>
+          </p:nvCxnSpPr>
+          <p:spPr>
+            <a:xfrm flipV="1">
+              <a:off x="0" y="4906131"/>
+              <a:ext cx="9144000" cy="24904"/>
+            </a:xfrm>
+            <a:prstGeom prst="line">
+              <a:avLst/>
+            </a:prstGeom>
+            <a:ln w="63500">
+              <a:solidFill>
+                <a:srgbClr val="2F6EBE"/>
+              </a:solidFill>
+            </a:ln>
+          </p:spPr>
+          <p:style>
+            <a:lnRef idx="2">
+              <a:schemeClr val="accent1"/>
+            </a:lnRef>
+            <a:fillRef idx="0">
+              <a:schemeClr val="accent1"/>
+            </a:fillRef>
+            <a:effectRef idx="1">
+              <a:schemeClr val="accent1"/>
+            </a:effectRef>
+            <a:fontRef idx="minor">
+              <a:schemeClr val="tx1"/>
+            </a:fontRef>
+          </p:style>
+        </p:cxnSp>
+      </p:grpSp>
+      <p:sp>
+        <p:nvSpPr>
+          <p:cNvPr id="10" name="Date Placeholder 3"/>
+          <p:cNvSpPr>
+            <a:spLocks noGrp="1"/>
+          </p:cNvSpPr>
+          <p:nvPr>
+            <p:ph type="dt" sz="half" idx="10"/>
+          </p:nvPr>
+        </p:nvSpPr>
+        <p:spPr>
+          <a:xfrm>
+            <a:off x="457200" y="6356350"/>
+            <a:ext cx="2133600" cy="365125"/>
+          </a:xfrm>
+        </p:spPr>
+        <p:txBody>
+          <a:bodyPr/>
+          <a:lstStyle/>
+          <a:p>
+            <a:fld id="{8BBB7F0C-5CBC-F647-980A-4581A65C7434}" type="datetimeFigureOut">
+              <a:rPr lang="en-US" smtClean="0">
+                <a:solidFill>
+                  <a:prstClr val="black">
+                    <a:tint val="75000"/>
+                  </a:prstClr>
+                </a:solidFill>
+              </a:rPr>
+              <a:pPr/>
+              <a:t>5/13/2014</a:t>
+            </a:fld>
+            <a:endParaRPr lang="en-US">
+              <a:solidFill>
+                <a:prstClr val="black">
+                  <a:tint val="75000"/>
+                </a:prstClr>
+              </a:solidFill>
+            </a:endParaRPr>
+          </a:p>
+        </p:txBody>
+      </p:sp>
+      <p:sp>
+        <p:nvSpPr>
+          <p:cNvPr id="11" name="Slide Number Placeholder 5"/>
+          <p:cNvSpPr>
+            <a:spLocks noGrp="1"/>
+          </p:cNvSpPr>
+          <p:nvPr>
+            <p:ph type="sldNum" sz="quarter" idx="12"/>
+          </p:nvPr>
+        </p:nvSpPr>
+        <p:spPr>
+          <a:xfrm>
+            <a:off x="6553200" y="6356350"/>
+            <a:ext cx="2133600" cy="365125"/>
+          </a:xfrm>
+        </p:spPr>
+        <p:txBody>
+          <a:bodyPr/>
+          <a:lstStyle/>
+          <a:p>
+            <a:fld id="{13FA93EC-5601-A549-96CE-C473C50A8FEC}" type="slidenum">
+              <a:rPr lang="en-US" smtClean="0">
+                <a:solidFill>
+                  <a:prstClr val="black">
+                    <a:tint val="75000"/>
+                  </a:prstClr>
+                </a:solidFill>
+              </a:rPr>
+              <a:pPr/>
+              <a:t>‹#›</a:t>
+            </a:fld>
+            <a:endParaRPr lang="en-US">
+              <a:solidFill>
+                <a:prstClr val="black">
+                  <a:tint val="75000"/>
+                </a:prstClr>
+              </a:solidFill>
+            </a:endParaRPr>
+          </a:p>
+        </p:txBody>
+      </p:sp>
+      <p:sp>
+        <p:nvSpPr>
+          <p:cNvPr id="12" name="TextBox 11"/>
+          <p:cNvSpPr txBox="1"/>
+          <p:nvPr/>
+        </p:nvSpPr>
+        <p:spPr>
+          <a:xfrm>
+            <a:off x="1371600" y="6317339"/>
+            <a:ext cx="6400800" cy="457200"/>
+          </a:xfrm>
+          <a:prstGeom prst="rect">
+            <a:avLst/>
+          </a:prstGeom>
+          <a:noFill/>
+        </p:spPr>
+        <p:txBody>
+          <a:bodyPr vert="horz" wrap="square" lIns="228600" tIns="45720" rIns="228600" bIns="45720" rtlCol="0" anchor="ctr" anchorCtr="0">
+            <a:noAutofit/>
+          </a:bodyPr>
+          <a:lstStyle/>
+          <a:p>
+            <a:pPr algn="ctr">
+              <a:defRPr/>
+            </a:pPr>
+            <a:r>
+              <a:rPr lang="en-US" sz="1400" dirty="0" smtClean="0">
+                <a:solidFill>
+                  <a:srgbClr val="A8A8A8"/>
+                </a:solidFill>
+              </a:rPr>
+              <a:t>INNOVATION · TRANSPARENCY · COLLABORATION</a:t>
+            </a:r>
+          </a:p>
+        </p:txBody>
+      </p:sp>
+      <p:pic>
+        <p:nvPicPr>
+          <p:cNvPr id="4" name="Picture 3"/>
+          <p:cNvPicPr>
+            <a:picLocks noChangeAspect="1"/>
+          </p:cNvPicPr>
+          <p:nvPr userDrawn="1"/>
+        </p:nvPicPr>
+        <p:blipFill>
+          <a:blip r:embed="rId2"/>
+          <a:stretch>
+            <a:fillRect/>
+          </a:stretch>
+        </p:blipFill>
+        <p:spPr>
+          <a:xfrm>
+            <a:off x="222250" y="249482"/>
+            <a:ext cx="3450167" cy="613842"/>
+          </a:xfrm>
+          <a:prstGeom prst="rect">
+            <a:avLst/>
+          </a:prstGeom>
+        </p:spPr>
+      </p:pic>
+    </p:spTree>
+    <p:extLst>
+      <p:ext uri="{BB962C8B-B14F-4D97-AF65-F5344CB8AC3E}">
+        <p14:creationId xmlns:p14="http://schemas.microsoft.com/office/powerpoint/2010/main" val="2335550849"/>
+      </p:ext>
+    </p:extLst>
+  </p:cSld>
+  <p:clrMapOvr>
+    <a:masterClrMapping/>
+  </p:clrMapOvr>
+  <p:timing>
+    <p:tnLst>
+      <p:par>
+        <p:cTn id="1" dur="indefinite" restart="never" nodeType="tmRoot"/>
+      </p:par>
+    </p:tnLst>
+  </p:timing>
+</p:sldLayout>
+</file>
+
+<file path=ppt/slideLayouts/slideLayout15.xml><?xml version="1.0" encoding="utf-8"?>
+<p:sldLayout xmlns:a="http://schemas.openxmlformats.org/drawingml/2006/main" xmlns:r="http://schemas.openxmlformats.org/officeDocument/2006/relationships" xmlns:p="http://schemas.openxmlformats.org/presentationml/2006/main" preserve="1" userDrawn="1">
+  <p:cSld name="Two Content">
+    <p:spTree>
+      <p:nvGrpSpPr>
+        <p:cNvPr id="1" name=""/>
+        <p:cNvGrpSpPr/>
+        <p:nvPr/>
+      </p:nvGrpSpPr>
+      <p:grpSpPr>
+        <a:xfrm>
+          <a:off x="0" y="0"/>
+          <a:ext cx="0" cy="0"/>
+          <a:chOff x="0" y="0"/>
+          <a:chExt cx="0" cy="0"/>
+        </a:xfrm>
+      </p:grpSpPr>
+      <p:sp>
+        <p:nvSpPr>
+          <p:cNvPr id="14" name="Rectangle 13"/>
+          <p:cNvSpPr/>
+          <p:nvPr userDrawn="1"/>
+        </p:nvSpPr>
+        <p:spPr>
+          <a:xfrm>
+            <a:off x="0" y="1161144"/>
+            <a:ext cx="9144000" cy="5092094"/>
+          </a:xfrm>
+          <a:prstGeom prst="rect">
+            <a:avLst/>
+          </a:prstGeom>
+          <a:solidFill>
+            <a:srgbClr val="E6DDCB">
+              <a:alpha val="8000"/>
+            </a:srgbClr>
+          </a:solidFill>
+          <a:ln>
+            <a:solidFill>
+              <a:schemeClr val="bg2">
+                <a:lumMod val="90000"/>
+                <a:alpha val="18000"/>
+              </a:schemeClr>
+            </a:solidFill>
+          </a:ln>
+        </p:spPr>
+        <p:style>
+          <a:lnRef idx="1">
+            <a:schemeClr val="accent1"/>
+          </a:lnRef>
+          <a:fillRef idx="3">
+            <a:schemeClr val="accent1"/>
+          </a:fillRef>
+          <a:effectRef idx="2">
+            <a:schemeClr val="accent1"/>
+          </a:effectRef>
+          <a:fontRef idx="minor">
+            <a:schemeClr val="lt1"/>
+          </a:fontRef>
+        </p:style>
+        <p:txBody>
+          <a:bodyPr rtlCol="0" anchor="ctr"/>
+          <a:lstStyle/>
+          <a:p>
+            <a:pPr algn="ctr" defTabSz="457200"/>
+            <a:endParaRPr lang="en-US">
+              <a:solidFill>
+                <a:srgbClr val="E6DFD2"/>
+              </a:solidFill>
+            </a:endParaRPr>
+          </a:p>
+        </p:txBody>
+      </p:sp>
+      <p:sp>
+        <p:nvSpPr>
+          <p:cNvPr id="3" name="Content Placeholder 2"/>
+          <p:cNvSpPr>
+            <a:spLocks noGrp="1"/>
+          </p:cNvSpPr>
+          <p:nvPr>
+            <p:ph sz="half" idx="1"/>
+          </p:nvPr>
+        </p:nvSpPr>
+        <p:spPr>
+          <a:xfrm>
+            <a:off x="457200" y="1600200"/>
+            <a:ext cx="4038600" cy="4525963"/>
+          </a:xfrm>
+        </p:spPr>
+        <p:txBody>
+          <a:bodyPr/>
+          <a:lstStyle>
+            <a:lvl1pPr>
+              <a:defRPr sz="2800"/>
+            </a:lvl1pPr>
+            <a:lvl2pPr>
+              <a:defRPr sz="2400">
+                <a:solidFill>
+                  <a:srgbClr val="838383"/>
+                </a:solidFill>
+              </a:defRPr>
+            </a:lvl2pPr>
+            <a:lvl3pPr>
+              <a:defRPr sz="2000"/>
+            </a:lvl3pPr>
+            <a:lvl4pPr>
+              <a:defRPr sz="1800" i="1">
+                <a:solidFill>
+                  <a:srgbClr val="838383"/>
+                </a:solidFill>
+              </a:defRPr>
+            </a:lvl4pPr>
+            <a:lvl5pPr>
+              <a:defRPr sz="1800"/>
+            </a:lvl5pPr>
+            <a:lvl6pPr>
+              <a:defRPr sz="1800"/>
+            </a:lvl6pPr>
+            <a:lvl7pPr>
+              <a:defRPr sz="1800"/>
+            </a:lvl7pPr>
+            <a:lvl8pPr>
+              <a:defRPr sz="1800"/>
+            </a:lvl8pPr>
+            <a:lvl9pPr>
+              <a:defRPr sz="1800"/>
+            </a:lvl9pPr>
+          </a:lstStyle>
+          <a:p>
+            <a:pPr lvl="0"/>
+            <a:r>
+              <a:rPr lang="en-US" smtClean="0"/>
+              <a:t>Click to edit Master text styles</a:t>
+            </a:r>
+          </a:p>
+          <a:p>
+            <a:pPr lvl="1"/>
+            <a:r>
+              <a:rPr lang="en-US" smtClean="0"/>
+              <a:t>Second level</a:t>
+            </a:r>
+          </a:p>
+          <a:p>
+            <a:pPr lvl="2"/>
+            <a:r>
+              <a:rPr lang="en-US" smtClean="0"/>
+              <a:t>Third level</a:t>
+            </a:r>
+          </a:p>
+          <a:p>
+            <a:pPr lvl="3"/>
+            <a:r>
+              <a:rPr lang="en-US" smtClean="0"/>
+              <a:t>Fourth level</a:t>
+            </a:r>
+          </a:p>
+          <a:p>
+            <a:pPr lvl="4"/>
+            <a:r>
+              <a:rPr lang="en-US" smtClean="0"/>
+              <a:t>Fifth level</a:t>
+            </a:r>
+            <a:endParaRPr lang="en-US" dirty="0"/>
+          </a:p>
+        </p:txBody>
+      </p:sp>
+      <p:sp>
+        <p:nvSpPr>
+          <p:cNvPr id="4" name="Content Placeholder 3"/>
+          <p:cNvSpPr>
+            <a:spLocks noGrp="1"/>
+          </p:cNvSpPr>
+          <p:nvPr>
+            <p:ph sz="half" idx="2"/>
+          </p:nvPr>
+        </p:nvSpPr>
+        <p:spPr>
+          <a:xfrm>
+            <a:off x="4648200" y="1600200"/>
+            <a:ext cx="4038600" cy="4525963"/>
+          </a:xfrm>
+        </p:spPr>
+        <p:txBody>
+          <a:bodyPr/>
+          <a:lstStyle>
+            <a:lvl1pPr>
+              <a:defRPr sz="2800"/>
+            </a:lvl1pPr>
+            <a:lvl2pPr>
+              <a:defRPr sz="2400">
+                <a:solidFill>
+                  <a:srgbClr val="838383"/>
+                </a:solidFill>
+              </a:defRPr>
+            </a:lvl2pPr>
+            <a:lvl3pPr>
+              <a:defRPr sz="2000"/>
+            </a:lvl3pPr>
+            <a:lvl4pPr>
+              <a:defRPr sz="1800" i="1">
+                <a:solidFill>
+                  <a:srgbClr val="838383"/>
+                </a:solidFill>
+              </a:defRPr>
+            </a:lvl4pPr>
+            <a:lvl5pPr>
+              <a:defRPr sz="1800"/>
+            </a:lvl5pPr>
+            <a:lvl6pPr>
+              <a:defRPr sz="1800"/>
+            </a:lvl6pPr>
+            <a:lvl7pPr>
+              <a:defRPr sz="1800"/>
+            </a:lvl7pPr>
+            <a:lvl8pPr>
+              <a:defRPr sz="1800"/>
+            </a:lvl8pPr>
+            <a:lvl9pPr>
+              <a:defRPr sz="1800"/>
+            </a:lvl9pPr>
+          </a:lstStyle>
+          <a:p>
+            <a:pPr lvl="0"/>
+            <a:r>
+              <a:rPr lang="en-US" smtClean="0"/>
+              <a:t>Click to edit Master text styles</a:t>
+            </a:r>
+          </a:p>
+          <a:p>
+            <a:pPr lvl="1"/>
+            <a:r>
+              <a:rPr lang="en-US" smtClean="0"/>
+              <a:t>Second level</a:t>
+            </a:r>
+          </a:p>
+          <a:p>
+            <a:pPr lvl="2"/>
+            <a:r>
+              <a:rPr lang="en-US" smtClean="0"/>
+              <a:t>Third level</a:t>
+            </a:r>
+          </a:p>
+          <a:p>
+            <a:pPr lvl="3"/>
+            <a:r>
+              <a:rPr lang="en-US" smtClean="0"/>
+              <a:t>Fourth level</a:t>
+            </a:r>
+          </a:p>
+          <a:p>
+            <a:pPr lvl="4"/>
+            <a:r>
+              <a:rPr lang="en-US" smtClean="0"/>
+              <a:t>Fifth level</a:t>
+            </a:r>
+            <a:endParaRPr lang="en-US" dirty="0"/>
+          </a:p>
+        </p:txBody>
+      </p:sp>
+      <p:grpSp>
+        <p:nvGrpSpPr>
+          <p:cNvPr id="8" name="Group 7"/>
+          <p:cNvGrpSpPr/>
+          <p:nvPr/>
+        </p:nvGrpSpPr>
+        <p:grpSpPr>
+          <a:xfrm>
+            <a:off x="0" y="6253238"/>
+            <a:ext cx="9144000" cy="604762"/>
+            <a:chOff x="0" y="4906131"/>
+            <a:chExt cx="9144000" cy="1951870"/>
+          </a:xfrm>
+        </p:grpSpPr>
+        <p:sp>
+          <p:nvSpPr>
+            <p:cNvPr id="9" name="Rectangle 8"/>
+            <p:cNvSpPr/>
+            <p:nvPr userDrawn="1"/>
+          </p:nvSpPr>
+          <p:spPr>
+            <a:xfrm>
+              <a:off x="0" y="4946953"/>
+              <a:ext cx="9144000" cy="1911048"/>
+            </a:xfrm>
+            <a:prstGeom prst="rect">
+              <a:avLst/>
+            </a:prstGeom>
+            <a:solidFill>
+              <a:srgbClr val="181717"/>
+            </a:solidFill>
+          </p:spPr>
+          <p:style>
+            <a:lnRef idx="1">
+              <a:schemeClr val="accent1"/>
+            </a:lnRef>
+            <a:fillRef idx="3">
+              <a:schemeClr val="accent1"/>
+            </a:fillRef>
+            <a:effectRef idx="2">
+              <a:schemeClr val="accent1"/>
+            </a:effectRef>
+            <a:fontRef idx="minor">
+              <a:schemeClr val="lt1"/>
+            </a:fontRef>
+          </p:style>
+          <p:txBody>
+            <a:bodyPr rtlCol="0" anchor="ctr"/>
+            <a:lstStyle/>
+            <a:p>
+              <a:pPr algn="ctr" defTabSz="457200"/>
+              <a:endParaRPr lang="en-US" dirty="0">
+                <a:solidFill>
+                  <a:srgbClr val="000000"/>
+                </a:solidFill>
+              </a:endParaRPr>
+            </a:p>
+          </p:txBody>
+        </p:sp>
+        <p:cxnSp>
+          <p:nvCxnSpPr>
+            <p:cNvPr id="10" name="Straight Connector 9"/>
+            <p:cNvCxnSpPr/>
+            <p:nvPr userDrawn="1"/>
+          </p:nvCxnSpPr>
+          <p:spPr>
+            <a:xfrm flipV="1">
+              <a:off x="0" y="4906131"/>
+              <a:ext cx="9144000" cy="24904"/>
+            </a:xfrm>
+            <a:prstGeom prst="line">
+              <a:avLst/>
+            </a:prstGeom>
+            <a:ln w="63500">
+              <a:solidFill>
+                <a:srgbClr val="2F6EBE"/>
+              </a:solidFill>
+            </a:ln>
+          </p:spPr>
+          <p:style>
+            <a:lnRef idx="2">
+              <a:schemeClr val="accent1"/>
+            </a:lnRef>
+            <a:fillRef idx="0">
+              <a:schemeClr val="accent1"/>
+            </a:fillRef>
+            <a:effectRef idx="1">
+              <a:schemeClr val="accent1"/>
+            </a:effectRef>
+            <a:fontRef idx="minor">
+              <a:schemeClr val="tx1"/>
+            </a:fontRef>
+          </p:style>
+        </p:cxnSp>
+      </p:grpSp>
+      <p:sp>
+        <p:nvSpPr>
+          <p:cNvPr id="11" name="Date Placeholder 3"/>
+          <p:cNvSpPr>
+            <a:spLocks noGrp="1"/>
+          </p:cNvSpPr>
+          <p:nvPr>
+            <p:ph type="dt" sz="half" idx="10"/>
+          </p:nvPr>
+        </p:nvSpPr>
+        <p:spPr>
+          <a:xfrm>
+            <a:off x="457200" y="6356350"/>
+            <a:ext cx="2133600" cy="365125"/>
+          </a:xfrm>
+        </p:spPr>
+        <p:txBody>
+          <a:bodyPr/>
+          <a:lstStyle/>
+          <a:p>
+            <a:fld id="{8BBB7F0C-5CBC-F647-980A-4581A65C7434}" type="datetimeFigureOut">
+              <a:rPr lang="en-US" smtClean="0">
+                <a:solidFill>
+                  <a:prstClr val="black">
+                    <a:tint val="75000"/>
+                  </a:prstClr>
+                </a:solidFill>
+              </a:rPr>
+              <a:pPr/>
+              <a:t>5/13/2014</a:t>
+            </a:fld>
+            <a:endParaRPr lang="en-US">
+              <a:solidFill>
+                <a:prstClr val="black">
+                  <a:tint val="75000"/>
+                </a:prstClr>
+              </a:solidFill>
+            </a:endParaRPr>
+          </a:p>
+        </p:txBody>
+      </p:sp>
+      <p:sp>
+        <p:nvSpPr>
+          <p:cNvPr id="12" name="Slide Number Placeholder 5"/>
+          <p:cNvSpPr>
+            <a:spLocks noGrp="1"/>
+          </p:cNvSpPr>
+          <p:nvPr>
+            <p:ph type="sldNum" sz="quarter" idx="12"/>
+          </p:nvPr>
+        </p:nvSpPr>
+        <p:spPr>
+          <a:xfrm>
+            <a:off x="6553200" y="6356350"/>
+            <a:ext cx="2133600" cy="365125"/>
+          </a:xfrm>
+        </p:spPr>
+        <p:txBody>
+          <a:bodyPr/>
+          <a:lstStyle/>
+          <a:p>
+            <a:fld id="{13FA93EC-5601-A549-96CE-C473C50A8FEC}" type="slidenum">
+              <a:rPr lang="en-US" smtClean="0">
+                <a:solidFill>
+                  <a:prstClr val="black">
+                    <a:tint val="75000"/>
+                  </a:prstClr>
+                </a:solidFill>
+              </a:rPr>
+              <a:pPr/>
+              <a:t>‹#›</a:t>
+            </a:fld>
+            <a:endParaRPr lang="en-US">
+              <a:solidFill>
+                <a:prstClr val="black">
+                  <a:tint val="75000"/>
+                </a:prstClr>
+              </a:solidFill>
+            </a:endParaRPr>
+          </a:p>
+        </p:txBody>
+      </p:sp>
+      <p:sp>
+        <p:nvSpPr>
+          <p:cNvPr id="13" name="TextBox 12"/>
+          <p:cNvSpPr txBox="1"/>
+          <p:nvPr/>
+        </p:nvSpPr>
+        <p:spPr>
+          <a:xfrm>
+            <a:off x="1371600" y="6317339"/>
+            <a:ext cx="6400800" cy="457200"/>
+          </a:xfrm>
+          <a:prstGeom prst="rect">
+            <a:avLst/>
+          </a:prstGeom>
+          <a:noFill/>
+        </p:spPr>
+        <p:txBody>
+          <a:bodyPr vert="horz" wrap="square" lIns="228600" tIns="45720" rIns="228600" bIns="45720" rtlCol="0" anchor="ctr" anchorCtr="0">
+            <a:noAutofit/>
+          </a:bodyPr>
+          <a:lstStyle/>
+          <a:p>
+            <a:pPr algn="ctr">
+              <a:defRPr/>
+            </a:pPr>
+            <a:r>
+              <a:rPr lang="en-US" sz="1400" dirty="0" smtClean="0">
+                <a:solidFill>
+                  <a:srgbClr val="A8A8A8"/>
+                </a:solidFill>
+              </a:rPr>
+              <a:t>INNOVATION · TRANSPARENCY · COLLABORATION</a:t>
+            </a:r>
+          </a:p>
+        </p:txBody>
+      </p:sp>
+      <p:sp>
+        <p:nvSpPr>
+          <p:cNvPr id="15" name="Title 1"/>
+          <p:cNvSpPr>
+            <a:spLocks noGrp="1"/>
+          </p:cNvSpPr>
+          <p:nvPr>
+            <p:ph type="title"/>
+          </p:nvPr>
+        </p:nvSpPr>
+        <p:spPr>
+          <a:xfrm>
+            <a:off x="796442" y="8548"/>
+            <a:ext cx="7513562" cy="983262"/>
+          </a:xfrm>
+        </p:spPr>
+        <p:txBody>
+          <a:bodyPr/>
+          <a:lstStyle>
+            <a:lvl1pPr algn="ctr">
+              <a:defRPr>
+                <a:solidFill>
+                  <a:srgbClr val="2F6EBE"/>
+                </a:solidFill>
+              </a:defRPr>
+            </a:lvl1pPr>
+          </a:lstStyle>
+          <a:p>
+            <a:r>
+              <a:rPr lang="en-US" smtClean="0"/>
+              <a:t>Click to edit Master title style</a:t>
+            </a:r>
+            <a:endParaRPr lang="en-US" dirty="0"/>
+          </a:p>
+        </p:txBody>
+      </p:sp>
+      <p:pic>
+        <p:nvPicPr>
+          <p:cNvPr id="16" name="Picture 15"/>
+          <p:cNvPicPr>
+            <a:picLocks noChangeAspect="1"/>
+          </p:cNvPicPr>
+          <p:nvPr userDrawn="1"/>
+        </p:nvPicPr>
+        <p:blipFill rotWithShape="1">
+          <a:blip r:embed="rId2"/>
+          <a:srcRect r="82244"/>
+          <a:stretch/>
+        </p:blipFill>
+        <p:spPr>
+          <a:xfrm>
+            <a:off x="222250" y="249482"/>
+            <a:ext cx="612648" cy="613842"/>
+          </a:xfrm>
+          <a:prstGeom prst="rect">
+            <a:avLst/>
+          </a:prstGeom>
+        </p:spPr>
+      </p:pic>
+    </p:spTree>
+    <p:extLst>
+      <p:ext uri="{BB962C8B-B14F-4D97-AF65-F5344CB8AC3E}">
+        <p14:creationId xmlns:p14="http://schemas.microsoft.com/office/powerpoint/2010/main" val="692655946"/>
+      </p:ext>
+    </p:extLst>
+  </p:cSld>
+  <p:clrMapOvr>
+    <a:masterClrMapping/>
+  </p:clrMapOvr>
+</p:sldLayout>
+</file>
+
+<file path=ppt/slideLayouts/slideLayout16.xml><?xml version="1.0" encoding="utf-8"?>
+<p:sldLayout xmlns:a="http://schemas.openxmlformats.org/drawingml/2006/main" xmlns:r="http://schemas.openxmlformats.org/officeDocument/2006/relationships" xmlns:p="http://schemas.openxmlformats.org/presentationml/2006/main" preserve="1" userDrawn="1">
+  <p:cSld name="Comparison">
+    <p:spTree>
+      <p:nvGrpSpPr>
+        <p:cNvPr id="1" name=""/>
+        <p:cNvGrpSpPr/>
+        <p:nvPr/>
+      </p:nvGrpSpPr>
+      <p:grpSpPr>
+        <a:xfrm>
+          <a:off x="0" y="0"/>
+          <a:ext cx="0" cy="0"/>
+          <a:chOff x="0" y="0"/>
+          <a:chExt cx="0" cy="0"/>
+        </a:xfrm>
+      </p:grpSpPr>
+      <p:sp>
+        <p:nvSpPr>
+          <p:cNvPr id="20" name="Rectangle 19"/>
+          <p:cNvSpPr/>
+          <p:nvPr userDrawn="1"/>
+        </p:nvSpPr>
+        <p:spPr>
+          <a:xfrm>
+            <a:off x="0" y="1161144"/>
+            <a:ext cx="9144000" cy="5092094"/>
+          </a:xfrm>
+          <a:prstGeom prst="rect">
+            <a:avLst/>
+          </a:prstGeom>
+          <a:solidFill>
+            <a:srgbClr val="E6DDCB">
+              <a:alpha val="8000"/>
+            </a:srgbClr>
+          </a:solidFill>
+          <a:ln>
+            <a:solidFill>
+              <a:schemeClr val="bg2">
+                <a:lumMod val="90000"/>
+                <a:alpha val="18000"/>
+              </a:schemeClr>
+            </a:solidFill>
+          </a:ln>
+        </p:spPr>
+        <p:style>
+          <a:lnRef idx="1">
+            <a:schemeClr val="accent1"/>
+          </a:lnRef>
+          <a:fillRef idx="3">
+            <a:schemeClr val="accent1"/>
+          </a:fillRef>
+          <a:effectRef idx="2">
+            <a:schemeClr val="accent1"/>
+          </a:effectRef>
+          <a:fontRef idx="minor">
+            <a:schemeClr val="lt1"/>
+          </a:fontRef>
+        </p:style>
+        <p:txBody>
+          <a:bodyPr rtlCol="0" anchor="ctr"/>
+          <a:lstStyle/>
+          <a:p>
+            <a:pPr algn="ctr" defTabSz="457200"/>
+            <a:endParaRPr lang="en-US">
+              <a:solidFill>
+                <a:srgbClr val="E6DFD2"/>
+              </a:solidFill>
+            </a:endParaRPr>
+          </a:p>
+        </p:txBody>
+      </p:sp>
+      <p:sp>
+        <p:nvSpPr>
+          <p:cNvPr id="3" name="Text Placeholder 2"/>
+          <p:cNvSpPr>
+            <a:spLocks noGrp="1"/>
+          </p:cNvSpPr>
+          <p:nvPr>
+            <p:ph type="body" idx="1"/>
+          </p:nvPr>
+        </p:nvSpPr>
+        <p:spPr>
+          <a:xfrm>
+            <a:off x="457200" y="1535113"/>
+            <a:ext cx="4040188" cy="639762"/>
+          </a:xfrm>
+        </p:spPr>
+        <p:txBody>
+          <a:bodyPr anchor="b"/>
+          <a:lstStyle>
+            <a:lvl1pPr marL="0" indent="0">
+              <a:buNone/>
+              <a:defRPr sz="2400" b="1">
+                <a:solidFill>
+                  <a:srgbClr val="838383"/>
+                </a:solidFill>
+              </a:defRPr>
+            </a:lvl1pPr>
+            <a:lvl2pPr marL="457200" indent="0">
+              <a:buNone/>
+              <a:defRPr sz="2000" b="1"/>
+            </a:lvl2pPr>
+            <a:lvl3pPr marL="914400" indent="0">
+              <a:buNone/>
+              <a:defRPr sz="1800" b="1"/>
+            </a:lvl3pPr>
+            <a:lvl4pPr marL="1371600" indent="0">
+              <a:buNone/>
+              <a:defRPr sz="1600" b="1"/>
+            </a:lvl4pPr>
+            <a:lvl5pPr marL="1828800" indent="0">
+              <a:buNone/>
+              <a:defRPr sz="1600" b="1"/>
+            </a:lvl5pPr>
+            <a:lvl6pPr marL="2286000" indent="0">
+              <a:buNone/>
+              <a:defRPr sz="1600" b="1"/>
+            </a:lvl6pPr>
+            <a:lvl7pPr marL="2743200" indent="0">
+              <a:buNone/>
+              <a:defRPr sz="1600" b="1"/>
+            </a:lvl7pPr>
+            <a:lvl8pPr marL="3200400" indent="0">
+              <a:buNone/>
+              <a:defRPr sz="1600" b="1"/>
+            </a:lvl8pPr>
+            <a:lvl9pPr marL="3657600" indent="0">
+              <a:buNone/>
+              <a:defRPr sz="1600" b="1"/>
+            </a:lvl9pPr>
+          </a:lstStyle>
+          <a:p>
+            <a:pPr lvl="0"/>
+            <a:r>
+              <a:rPr lang="en-US" smtClean="0"/>
+              <a:t>Click to edit Master text styles</a:t>
+            </a:r>
+          </a:p>
+        </p:txBody>
+      </p:sp>
+      <p:sp>
+        <p:nvSpPr>
+          <p:cNvPr id="4" name="Content Placeholder 3"/>
+          <p:cNvSpPr>
+            <a:spLocks noGrp="1"/>
+          </p:cNvSpPr>
+          <p:nvPr>
+            <p:ph sz="half" idx="2"/>
+          </p:nvPr>
+        </p:nvSpPr>
+        <p:spPr>
+          <a:xfrm>
+            <a:off x="457200" y="2174875"/>
+            <a:ext cx="4040188" cy="3951288"/>
+          </a:xfrm>
+        </p:spPr>
+        <p:txBody>
+          <a:bodyPr/>
+          <a:lstStyle>
+            <a:lvl1pPr>
+              <a:defRPr sz="2400">
+                <a:solidFill>
+                  <a:schemeClr val="tx1"/>
+                </a:solidFill>
+              </a:defRPr>
+            </a:lvl1pPr>
+            <a:lvl2pPr>
+              <a:defRPr sz="2000">
+                <a:solidFill>
+                  <a:srgbClr val="838383"/>
+                </a:solidFill>
+              </a:defRPr>
+            </a:lvl2pPr>
+            <a:lvl3pPr>
+              <a:defRPr sz="1800"/>
+            </a:lvl3pPr>
+            <a:lvl4pPr>
+              <a:defRPr sz="1600" i="1">
+                <a:solidFill>
+                  <a:srgbClr val="838383"/>
+                </a:solidFill>
+              </a:defRPr>
+            </a:lvl4pPr>
+            <a:lvl5pPr>
+              <a:defRPr sz="1600"/>
+            </a:lvl5pPr>
+            <a:lvl6pPr>
+              <a:defRPr sz="1600"/>
+            </a:lvl6pPr>
+            <a:lvl7pPr>
+              <a:defRPr sz="1600"/>
+            </a:lvl7pPr>
+            <a:lvl8pPr>
+              <a:defRPr sz="1600"/>
+            </a:lvl8pPr>
+            <a:lvl9pPr>
+              <a:defRPr sz="1600"/>
+            </a:lvl9pPr>
+          </a:lstStyle>
+          <a:p>
+            <a:pPr lvl="0"/>
+            <a:r>
+              <a:rPr lang="en-US" smtClean="0"/>
+              <a:t>Click to edit Master text styles</a:t>
+            </a:r>
+          </a:p>
+          <a:p>
+            <a:pPr lvl="1"/>
+            <a:r>
+              <a:rPr lang="en-US" smtClean="0"/>
+              <a:t>Second level</a:t>
+            </a:r>
+          </a:p>
+          <a:p>
+            <a:pPr lvl="2"/>
+            <a:r>
+              <a:rPr lang="en-US" smtClean="0"/>
+              <a:t>Third level</a:t>
+            </a:r>
+          </a:p>
+          <a:p>
+            <a:pPr lvl="3"/>
+            <a:r>
+              <a:rPr lang="en-US" smtClean="0"/>
+              <a:t>Fourth level</a:t>
+            </a:r>
+          </a:p>
+          <a:p>
+            <a:pPr lvl="4"/>
+            <a:r>
+              <a:rPr lang="en-US" smtClean="0"/>
+              <a:t>Fifth level</a:t>
+            </a:r>
+            <a:endParaRPr lang="en-US" dirty="0"/>
+          </a:p>
+        </p:txBody>
+      </p:sp>
+      <p:sp>
+        <p:nvSpPr>
+          <p:cNvPr id="5" name="Text Placeholder 4"/>
+          <p:cNvSpPr>
+            <a:spLocks noGrp="1"/>
+          </p:cNvSpPr>
+          <p:nvPr>
+            <p:ph type="body" sz="quarter" idx="3"/>
+          </p:nvPr>
+        </p:nvSpPr>
+        <p:spPr>
+          <a:xfrm>
+            <a:off x="4645025" y="1535113"/>
+            <a:ext cx="4041775" cy="639762"/>
+          </a:xfrm>
+        </p:spPr>
+        <p:txBody>
+          <a:bodyPr anchor="b"/>
+          <a:lstStyle>
+            <a:lvl1pPr marL="0" indent="0">
+              <a:buNone/>
+              <a:defRPr sz="2400" b="1">
+                <a:solidFill>
+                  <a:srgbClr val="838383"/>
+                </a:solidFill>
+              </a:defRPr>
+            </a:lvl1pPr>
+            <a:lvl2pPr marL="457200" indent="0">
+              <a:buNone/>
+              <a:defRPr sz="2000" b="1"/>
+            </a:lvl2pPr>
+            <a:lvl3pPr marL="914400" indent="0">
+              <a:buNone/>
+              <a:defRPr sz="1800" b="1"/>
+            </a:lvl3pPr>
+            <a:lvl4pPr marL="1371600" indent="0">
+              <a:buNone/>
+              <a:defRPr sz="1600" b="1"/>
+            </a:lvl4pPr>
+            <a:lvl5pPr marL="1828800" indent="0">
+              <a:buNone/>
+              <a:defRPr sz="1600" b="1"/>
+            </a:lvl5pPr>
+            <a:lvl6pPr marL="2286000" indent="0">
+              <a:buNone/>
+              <a:defRPr sz="1600" b="1"/>
+            </a:lvl6pPr>
+            <a:lvl7pPr marL="2743200" indent="0">
+              <a:buNone/>
+              <a:defRPr sz="1600" b="1"/>
+            </a:lvl7pPr>
+            <a:lvl8pPr marL="3200400" indent="0">
+              <a:buNone/>
+              <a:defRPr sz="1600" b="1"/>
+            </a:lvl8pPr>
+            <a:lvl9pPr marL="3657600" indent="0">
+              <a:buNone/>
+              <a:defRPr sz="1600" b="1"/>
+            </a:lvl9pPr>
+          </a:lstStyle>
+          <a:p>
+            <a:pPr lvl="0"/>
+            <a:r>
+              <a:rPr lang="en-US" smtClean="0"/>
+              <a:t>Click to edit Master text styles</a:t>
+            </a:r>
+          </a:p>
+        </p:txBody>
+      </p:sp>
+      <p:sp>
+        <p:nvSpPr>
+          <p:cNvPr id="6" name="Content Placeholder 5"/>
+          <p:cNvSpPr>
+            <a:spLocks noGrp="1"/>
+          </p:cNvSpPr>
+          <p:nvPr>
+            <p:ph sz="quarter" idx="4"/>
+          </p:nvPr>
+        </p:nvSpPr>
+        <p:spPr>
+          <a:xfrm>
+            <a:off x="4645025" y="2174875"/>
+            <a:ext cx="4041775" cy="3951288"/>
+          </a:xfrm>
+        </p:spPr>
+        <p:txBody>
+          <a:bodyPr/>
+          <a:lstStyle>
+            <a:lvl1pPr>
+              <a:defRPr sz="2400"/>
+            </a:lvl1pPr>
+            <a:lvl2pPr>
+              <a:defRPr sz="2000">
+                <a:solidFill>
+                  <a:srgbClr val="838383"/>
+                </a:solidFill>
+              </a:defRPr>
+            </a:lvl2pPr>
+            <a:lvl3pPr>
+              <a:defRPr sz="1800"/>
+            </a:lvl3pPr>
+            <a:lvl4pPr>
+              <a:defRPr sz="1600" i="1">
+                <a:solidFill>
+                  <a:srgbClr val="838383"/>
+                </a:solidFill>
+              </a:defRPr>
+            </a:lvl4pPr>
+            <a:lvl5pPr>
+              <a:defRPr sz="1600"/>
+            </a:lvl5pPr>
+            <a:lvl6pPr>
+              <a:defRPr sz="1600"/>
+            </a:lvl6pPr>
+            <a:lvl7pPr>
+              <a:defRPr sz="1600"/>
+            </a:lvl7pPr>
+            <a:lvl8pPr>
+              <a:defRPr sz="1600"/>
+            </a:lvl8pPr>
+            <a:lvl9pPr>
+              <a:defRPr sz="1600"/>
+            </a:lvl9pPr>
+          </a:lstStyle>
+          <a:p>
+            <a:pPr lvl="0"/>
+            <a:r>
+              <a:rPr lang="en-US" smtClean="0"/>
+              <a:t>Click to edit Master text styles</a:t>
+            </a:r>
+          </a:p>
+          <a:p>
+            <a:pPr lvl="1"/>
+            <a:r>
+              <a:rPr lang="en-US" smtClean="0"/>
+              <a:t>Second level</a:t>
+            </a:r>
+          </a:p>
+          <a:p>
+            <a:pPr lvl="2"/>
+            <a:r>
+              <a:rPr lang="en-US" smtClean="0"/>
+              <a:t>Third level</a:t>
+            </a:r>
+          </a:p>
+          <a:p>
+            <a:pPr lvl="3"/>
+            <a:r>
+              <a:rPr lang="en-US" smtClean="0"/>
+              <a:t>Fourth level</a:t>
+            </a:r>
+          </a:p>
+          <a:p>
+            <a:pPr lvl="4"/>
+            <a:r>
+              <a:rPr lang="en-US" smtClean="0"/>
+              <a:t>Fifth level</a:t>
+            </a:r>
+            <a:endParaRPr lang="en-US" dirty="0"/>
+          </a:p>
+        </p:txBody>
+      </p:sp>
+      <p:grpSp>
+        <p:nvGrpSpPr>
+          <p:cNvPr id="10" name="Group 9"/>
+          <p:cNvGrpSpPr/>
+          <p:nvPr/>
+        </p:nvGrpSpPr>
+        <p:grpSpPr>
+          <a:xfrm>
+            <a:off x="0" y="6253238"/>
+            <a:ext cx="9144000" cy="604762"/>
+            <a:chOff x="0" y="4906131"/>
+            <a:chExt cx="9144000" cy="1951870"/>
+          </a:xfrm>
+        </p:grpSpPr>
+        <p:sp>
+          <p:nvSpPr>
+            <p:cNvPr id="11" name="Rectangle 10"/>
+            <p:cNvSpPr/>
+            <p:nvPr userDrawn="1"/>
+          </p:nvSpPr>
+          <p:spPr>
+            <a:xfrm>
+              <a:off x="0" y="4946953"/>
+              <a:ext cx="9144000" cy="1911048"/>
+            </a:xfrm>
+            <a:prstGeom prst="rect">
+              <a:avLst/>
+            </a:prstGeom>
+            <a:solidFill>
+              <a:srgbClr val="181717"/>
+            </a:solidFill>
+          </p:spPr>
+          <p:style>
+            <a:lnRef idx="1">
+              <a:schemeClr val="accent1"/>
+            </a:lnRef>
+            <a:fillRef idx="3">
+              <a:schemeClr val="accent1"/>
+            </a:fillRef>
+            <a:effectRef idx="2">
+              <a:schemeClr val="accent1"/>
+            </a:effectRef>
+            <a:fontRef idx="minor">
+              <a:schemeClr val="lt1"/>
+            </a:fontRef>
+          </p:style>
+          <p:txBody>
+            <a:bodyPr rtlCol="0" anchor="ctr"/>
+            <a:lstStyle/>
+            <a:p>
+              <a:pPr algn="ctr" defTabSz="457200"/>
+              <a:endParaRPr lang="en-US" dirty="0">
+                <a:solidFill>
+                  <a:srgbClr val="000000"/>
+                </a:solidFill>
+              </a:endParaRPr>
+            </a:p>
+          </p:txBody>
+        </p:sp>
+        <p:cxnSp>
+          <p:nvCxnSpPr>
+            <p:cNvPr id="12" name="Straight Connector 11"/>
+            <p:cNvCxnSpPr/>
+            <p:nvPr userDrawn="1"/>
+          </p:nvCxnSpPr>
+          <p:spPr>
+            <a:xfrm flipV="1">
+              <a:off x="0" y="4906131"/>
+              <a:ext cx="9144000" cy="24904"/>
+            </a:xfrm>
+            <a:prstGeom prst="line">
+              <a:avLst/>
+            </a:prstGeom>
+            <a:ln w="63500">
+              <a:solidFill>
+                <a:srgbClr val="2F6EBE"/>
+              </a:solidFill>
+            </a:ln>
+          </p:spPr>
+          <p:style>
+            <a:lnRef idx="2">
+              <a:schemeClr val="accent1"/>
+            </a:lnRef>
+            <a:fillRef idx="0">
+              <a:schemeClr val="accent1"/>
+            </a:fillRef>
+            <a:effectRef idx="1">
+              <a:schemeClr val="accent1"/>
+            </a:effectRef>
+            <a:fontRef idx="minor">
+              <a:schemeClr val="tx1"/>
+            </a:fontRef>
+          </p:style>
+        </p:cxnSp>
+      </p:grpSp>
+      <p:sp>
+        <p:nvSpPr>
+          <p:cNvPr id="13" name="Date Placeholder 3"/>
+          <p:cNvSpPr>
+            <a:spLocks noGrp="1"/>
+          </p:cNvSpPr>
+          <p:nvPr>
+            <p:ph type="dt" sz="half" idx="10"/>
+          </p:nvPr>
+        </p:nvSpPr>
+        <p:spPr>
+          <a:xfrm>
+            <a:off x="457200" y="6356350"/>
+            <a:ext cx="2133600" cy="365125"/>
+          </a:xfrm>
+        </p:spPr>
+        <p:txBody>
+          <a:bodyPr/>
+          <a:lstStyle/>
+          <a:p>
+            <a:fld id="{8BBB7F0C-5CBC-F647-980A-4581A65C7434}" type="datetimeFigureOut">
+              <a:rPr lang="en-US" smtClean="0">
+                <a:solidFill>
+                  <a:prstClr val="black">
+                    <a:tint val="75000"/>
+                  </a:prstClr>
+                </a:solidFill>
+              </a:rPr>
+              <a:pPr/>
+              <a:t>5/13/2014</a:t>
+            </a:fld>
+            <a:endParaRPr lang="en-US">
+              <a:solidFill>
+                <a:prstClr val="black">
+                  <a:tint val="75000"/>
+                </a:prstClr>
+              </a:solidFill>
+            </a:endParaRPr>
+          </a:p>
+        </p:txBody>
+      </p:sp>
+      <p:sp>
+        <p:nvSpPr>
+          <p:cNvPr id="14" name="Slide Number Placeholder 5"/>
+          <p:cNvSpPr>
+            <a:spLocks noGrp="1"/>
+          </p:cNvSpPr>
+          <p:nvPr>
+            <p:ph type="sldNum" sz="quarter" idx="12"/>
+          </p:nvPr>
+        </p:nvSpPr>
+        <p:spPr>
+          <a:xfrm>
+            <a:off x="6553200" y="6356350"/>
+            <a:ext cx="2133600" cy="365125"/>
+          </a:xfrm>
+        </p:spPr>
+        <p:txBody>
+          <a:bodyPr/>
+          <a:lstStyle/>
+          <a:p>
+            <a:fld id="{13FA93EC-5601-A549-96CE-C473C50A8FEC}" type="slidenum">
+              <a:rPr lang="en-US" smtClean="0">
+                <a:solidFill>
+                  <a:prstClr val="black">
+                    <a:tint val="75000"/>
+                  </a:prstClr>
+                </a:solidFill>
+              </a:rPr>
+              <a:pPr/>
+              <a:t>‹#›</a:t>
+            </a:fld>
+            <a:endParaRPr lang="en-US">
+              <a:solidFill>
+                <a:prstClr val="black">
+                  <a:tint val="75000"/>
+                </a:prstClr>
+              </a:solidFill>
+            </a:endParaRPr>
+          </a:p>
+        </p:txBody>
+      </p:sp>
+      <p:sp>
+        <p:nvSpPr>
+          <p:cNvPr id="15" name="TextBox 14"/>
+          <p:cNvSpPr txBox="1"/>
+          <p:nvPr/>
+        </p:nvSpPr>
+        <p:spPr>
+          <a:xfrm>
+            <a:off x="1371600" y="6317339"/>
+            <a:ext cx="6400800" cy="457200"/>
+          </a:xfrm>
+          <a:prstGeom prst="rect">
+            <a:avLst/>
+          </a:prstGeom>
+          <a:noFill/>
+        </p:spPr>
+        <p:txBody>
+          <a:bodyPr vert="horz" wrap="square" lIns="228600" tIns="45720" rIns="228600" bIns="45720" rtlCol="0" anchor="ctr" anchorCtr="0">
+            <a:noAutofit/>
+          </a:bodyPr>
+          <a:lstStyle/>
+          <a:p>
+            <a:pPr algn="ctr">
+              <a:defRPr/>
+            </a:pPr>
+            <a:r>
+              <a:rPr lang="en-US" sz="1400" dirty="0" smtClean="0">
+                <a:solidFill>
+                  <a:srgbClr val="A8A8A8"/>
+                </a:solidFill>
+              </a:rPr>
+              <a:t>INNOVATION · TRANSPARENCY · COLLABORATION</a:t>
+            </a:r>
+          </a:p>
+        </p:txBody>
+      </p:sp>
+      <p:sp>
+        <p:nvSpPr>
+          <p:cNvPr id="16" name="Title 1"/>
+          <p:cNvSpPr>
+            <a:spLocks noGrp="1"/>
+          </p:cNvSpPr>
+          <p:nvPr>
+            <p:ph type="title"/>
+          </p:nvPr>
+        </p:nvSpPr>
+        <p:spPr>
+          <a:xfrm>
+            <a:off x="796442" y="8548"/>
+            <a:ext cx="7513562" cy="983262"/>
+          </a:xfrm>
+        </p:spPr>
+        <p:txBody>
+          <a:bodyPr/>
+          <a:lstStyle>
+            <a:lvl1pPr algn="ctr">
+              <a:defRPr>
+                <a:solidFill>
+                  <a:srgbClr val="2F6EBE"/>
+                </a:solidFill>
+              </a:defRPr>
+            </a:lvl1pPr>
+          </a:lstStyle>
+          <a:p>
+            <a:r>
+              <a:rPr lang="en-US" smtClean="0"/>
+              <a:t>Click to edit Master title style</a:t>
+            </a:r>
+            <a:endParaRPr lang="en-US" dirty="0"/>
+          </a:p>
+        </p:txBody>
+      </p:sp>
+      <p:pic>
+        <p:nvPicPr>
+          <p:cNvPr id="18" name="Picture 17"/>
+          <p:cNvPicPr>
+            <a:picLocks noChangeAspect="1"/>
+          </p:cNvPicPr>
+          <p:nvPr userDrawn="1"/>
+        </p:nvPicPr>
+        <p:blipFill rotWithShape="1">
+          <a:blip r:embed="rId2"/>
+          <a:srcRect r="82244"/>
+          <a:stretch/>
+        </p:blipFill>
+        <p:spPr>
+          <a:xfrm>
+            <a:off x="222250" y="249482"/>
+            <a:ext cx="612648" cy="613842"/>
+          </a:xfrm>
+          <a:prstGeom prst="rect">
+            <a:avLst/>
+          </a:prstGeom>
+        </p:spPr>
+      </p:pic>
+    </p:spTree>
+    <p:extLst>
+      <p:ext uri="{BB962C8B-B14F-4D97-AF65-F5344CB8AC3E}">
+        <p14:creationId xmlns:p14="http://schemas.microsoft.com/office/powerpoint/2010/main" val="792786293"/>
+      </p:ext>
+    </p:extLst>
+  </p:cSld>
+  <p:clrMapOvr>
+    <a:masterClrMapping/>
+  </p:clrMapOvr>
+</p:sldLayout>
+</file>
+
+<file path=ppt/slideLayouts/slideLayout17.xml><?xml version="1.0" encoding="utf-8"?>
+<p:sldLayout xmlns:a="http://schemas.openxmlformats.org/drawingml/2006/main" xmlns:r="http://schemas.openxmlformats.org/officeDocument/2006/relationships" xmlns:p="http://schemas.openxmlformats.org/presentationml/2006/main" preserve="1" userDrawn="1">
+  <p:cSld name="Title Only">
+    <p:spTree>
+      <p:nvGrpSpPr>
+        <p:cNvPr id="1" name=""/>
+        <p:cNvGrpSpPr/>
+        <p:nvPr/>
+      </p:nvGrpSpPr>
+      <p:grpSpPr>
+        <a:xfrm>
+          <a:off x="0" y="0"/>
+          <a:ext cx="0" cy="0"/>
+          <a:chOff x="0" y="0"/>
+          <a:chExt cx="0" cy="0"/>
+        </a:xfrm>
+      </p:grpSpPr>
+      <p:grpSp>
+        <p:nvGrpSpPr>
+          <p:cNvPr id="6" name="Group 5"/>
+          <p:cNvGrpSpPr/>
+          <p:nvPr/>
+        </p:nvGrpSpPr>
+        <p:grpSpPr>
+          <a:xfrm>
+            <a:off x="0" y="6253238"/>
+            <a:ext cx="9144000" cy="604762"/>
+            <a:chOff x="0" y="4906131"/>
+            <a:chExt cx="9144000" cy="1951870"/>
+          </a:xfrm>
+        </p:grpSpPr>
+        <p:sp>
+          <p:nvSpPr>
+            <p:cNvPr id="7" name="Rectangle 6"/>
+            <p:cNvSpPr/>
+            <p:nvPr userDrawn="1"/>
+          </p:nvSpPr>
+          <p:spPr>
+            <a:xfrm>
+              <a:off x="0" y="4946953"/>
+              <a:ext cx="9144000" cy="1911048"/>
+            </a:xfrm>
+            <a:prstGeom prst="rect">
+              <a:avLst/>
+            </a:prstGeom>
+            <a:solidFill>
+              <a:srgbClr val="181717"/>
+            </a:solidFill>
+          </p:spPr>
+          <p:style>
+            <a:lnRef idx="1">
+              <a:schemeClr val="accent1"/>
+            </a:lnRef>
+            <a:fillRef idx="3">
+              <a:schemeClr val="accent1"/>
+            </a:fillRef>
+            <a:effectRef idx="2">
+              <a:schemeClr val="accent1"/>
+            </a:effectRef>
+            <a:fontRef idx="minor">
+              <a:schemeClr val="lt1"/>
+            </a:fontRef>
+          </p:style>
+          <p:txBody>
+            <a:bodyPr rtlCol="0" anchor="ctr"/>
+            <a:lstStyle/>
+            <a:p>
+              <a:pPr algn="ctr" defTabSz="457200"/>
+              <a:endParaRPr lang="en-US" dirty="0">
+                <a:solidFill>
+                  <a:srgbClr val="000000"/>
+                </a:solidFill>
+              </a:endParaRPr>
+            </a:p>
+          </p:txBody>
+        </p:sp>
+        <p:cxnSp>
+          <p:nvCxnSpPr>
+            <p:cNvPr id="8" name="Straight Connector 7"/>
+            <p:cNvCxnSpPr/>
+            <p:nvPr userDrawn="1"/>
+          </p:nvCxnSpPr>
+          <p:spPr>
+            <a:xfrm flipV="1">
+              <a:off x="0" y="4906131"/>
+              <a:ext cx="9144000" cy="24904"/>
+            </a:xfrm>
+            <a:prstGeom prst="line">
+              <a:avLst/>
+            </a:prstGeom>
+            <a:ln w="63500">
+              <a:solidFill>
+                <a:srgbClr val="2F6EBE"/>
+              </a:solidFill>
+            </a:ln>
+          </p:spPr>
+          <p:style>
+            <a:lnRef idx="2">
+              <a:schemeClr val="accent1"/>
+            </a:lnRef>
+            <a:fillRef idx="0">
+              <a:schemeClr val="accent1"/>
+            </a:fillRef>
+            <a:effectRef idx="1">
+              <a:schemeClr val="accent1"/>
+            </a:effectRef>
+            <a:fontRef idx="minor">
+              <a:schemeClr val="tx1"/>
+            </a:fontRef>
+          </p:style>
+        </p:cxnSp>
+      </p:grpSp>
+      <p:sp>
+        <p:nvSpPr>
+          <p:cNvPr id="9" name="Date Placeholder 3"/>
+          <p:cNvSpPr>
+            <a:spLocks noGrp="1"/>
+          </p:cNvSpPr>
+          <p:nvPr>
+            <p:ph type="dt" sz="half" idx="10"/>
+          </p:nvPr>
+        </p:nvSpPr>
+        <p:spPr>
+          <a:xfrm>
+            <a:off x="457200" y="6356350"/>
+            <a:ext cx="2133600" cy="365125"/>
+          </a:xfrm>
+        </p:spPr>
+        <p:txBody>
+          <a:bodyPr/>
+          <a:lstStyle/>
+          <a:p>
+            <a:fld id="{8BBB7F0C-5CBC-F647-980A-4581A65C7434}" type="datetimeFigureOut">
+              <a:rPr lang="en-US" smtClean="0">
+                <a:solidFill>
+                  <a:prstClr val="black">
+                    <a:tint val="75000"/>
+                  </a:prstClr>
+                </a:solidFill>
+              </a:rPr>
+              <a:pPr/>
+              <a:t>5/13/2014</a:t>
+            </a:fld>
+            <a:endParaRPr lang="en-US">
+              <a:solidFill>
+                <a:prstClr val="black">
+                  <a:tint val="75000"/>
+                </a:prstClr>
+              </a:solidFill>
+            </a:endParaRPr>
+          </a:p>
+        </p:txBody>
+      </p:sp>
+      <p:sp>
+        <p:nvSpPr>
+          <p:cNvPr id="10" name="Slide Number Placeholder 5"/>
+          <p:cNvSpPr>
+            <a:spLocks noGrp="1"/>
+          </p:cNvSpPr>
+          <p:nvPr>
+            <p:ph type="sldNum" sz="quarter" idx="12"/>
+          </p:nvPr>
+        </p:nvSpPr>
+        <p:spPr>
+          <a:xfrm>
+            <a:off x="6553200" y="6356350"/>
+            <a:ext cx="2133600" cy="365125"/>
+          </a:xfrm>
+        </p:spPr>
+        <p:txBody>
+          <a:bodyPr/>
+          <a:lstStyle/>
+          <a:p>
+            <a:fld id="{13FA93EC-5601-A549-96CE-C473C50A8FEC}" type="slidenum">
+              <a:rPr lang="en-US" smtClean="0">
+                <a:solidFill>
+                  <a:prstClr val="black">
+                    <a:tint val="75000"/>
+                  </a:prstClr>
+                </a:solidFill>
+              </a:rPr>
+              <a:pPr/>
+              <a:t>‹#›</a:t>
+            </a:fld>
+            <a:endParaRPr lang="en-US">
+              <a:solidFill>
+                <a:prstClr val="black">
+                  <a:tint val="75000"/>
+                </a:prstClr>
+              </a:solidFill>
+            </a:endParaRPr>
+          </a:p>
+        </p:txBody>
+      </p:sp>
+      <p:sp>
+        <p:nvSpPr>
+          <p:cNvPr id="11" name="TextBox 10"/>
+          <p:cNvSpPr txBox="1"/>
+          <p:nvPr/>
+        </p:nvSpPr>
+        <p:spPr>
+          <a:xfrm>
+            <a:off x="1371600" y="6317339"/>
+            <a:ext cx="6400800" cy="457200"/>
+          </a:xfrm>
+          <a:prstGeom prst="rect">
+            <a:avLst/>
+          </a:prstGeom>
+          <a:noFill/>
+        </p:spPr>
+        <p:txBody>
+          <a:bodyPr vert="horz" wrap="square" lIns="228600" tIns="45720" rIns="228600" bIns="45720" rtlCol="0" anchor="ctr" anchorCtr="0">
+            <a:noAutofit/>
+          </a:bodyPr>
+          <a:lstStyle/>
+          <a:p>
+            <a:pPr algn="ctr">
+              <a:defRPr/>
+            </a:pPr>
+            <a:r>
+              <a:rPr lang="en-US" sz="1400" dirty="0" smtClean="0">
+                <a:solidFill>
+                  <a:srgbClr val="A8A8A8"/>
+                </a:solidFill>
+              </a:rPr>
+              <a:t>INNOVATION · TRANSPARENCY · COLLABORATION</a:t>
+            </a:r>
+          </a:p>
+        </p:txBody>
+      </p:sp>
+      <p:sp>
+        <p:nvSpPr>
+          <p:cNvPr id="12" name="Rectangle 11"/>
+          <p:cNvSpPr/>
+          <p:nvPr userDrawn="1"/>
+        </p:nvSpPr>
+        <p:spPr>
+          <a:xfrm>
+            <a:off x="0" y="1161144"/>
+            <a:ext cx="9144000" cy="5092094"/>
+          </a:xfrm>
+          <a:prstGeom prst="rect">
+            <a:avLst/>
+          </a:prstGeom>
+          <a:solidFill>
+            <a:srgbClr val="E6DDCB">
+              <a:alpha val="8000"/>
+            </a:srgbClr>
+          </a:solidFill>
+          <a:ln>
+            <a:solidFill>
+              <a:schemeClr val="bg2">
+                <a:lumMod val="90000"/>
+                <a:alpha val="18000"/>
+              </a:schemeClr>
+            </a:solidFill>
+          </a:ln>
+        </p:spPr>
+        <p:style>
+          <a:lnRef idx="1">
+            <a:schemeClr val="accent1"/>
+          </a:lnRef>
+          <a:fillRef idx="3">
+            <a:schemeClr val="accent1"/>
+          </a:fillRef>
+          <a:effectRef idx="2">
+            <a:schemeClr val="accent1"/>
+          </a:effectRef>
+          <a:fontRef idx="minor">
+            <a:schemeClr val="lt1"/>
+          </a:fontRef>
+        </p:style>
+        <p:txBody>
+          <a:bodyPr rtlCol="0" anchor="ctr"/>
+          <a:lstStyle/>
+          <a:p>
+            <a:pPr algn="ctr" defTabSz="457200"/>
+            <a:endParaRPr lang="en-US">
+              <a:solidFill>
+                <a:srgbClr val="E6DFD2"/>
+              </a:solidFill>
+            </a:endParaRPr>
+          </a:p>
+        </p:txBody>
+      </p:sp>
+      <p:sp>
+        <p:nvSpPr>
+          <p:cNvPr id="13" name="Title 1"/>
+          <p:cNvSpPr>
+            <a:spLocks noGrp="1"/>
+          </p:cNvSpPr>
+          <p:nvPr>
+            <p:ph type="title"/>
+          </p:nvPr>
+        </p:nvSpPr>
+        <p:spPr>
+          <a:xfrm>
+            <a:off x="796442" y="8548"/>
+            <a:ext cx="7513562" cy="983262"/>
+          </a:xfrm>
+        </p:spPr>
+        <p:txBody>
+          <a:bodyPr/>
+          <a:lstStyle>
+            <a:lvl1pPr algn="ctr">
+              <a:defRPr>
+                <a:solidFill>
+                  <a:srgbClr val="2F6EBE"/>
+                </a:solidFill>
+              </a:defRPr>
+            </a:lvl1pPr>
+          </a:lstStyle>
+          <a:p>
+            <a:r>
+              <a:rPr lang="en-US" smtClean="0"/>
+              <a:t>Click to edit Master title style</a:t>
+            </a:r>
+            <a:endParaRPr lang="en-US" dirty="0"/>
+          </a:p>
+        </p:txBody>
+      </p:sp>
+      <p:pic>
+        <p:nvPicPr>
+          <p:cNvPr id="14" name="Picture 13"/>
+          <p:cNvPicPr>
+            <a:picLocks noChangeAspect="1"/>
+          </p:cNvPicPr>
+          <p:nvPr userDrawn="1"/>
+        </p:nvPicPr>
+        <p:blipFill rotWithShape="1">
+          <a:blip r:embed="rId2"/>
+          <a:srcRect r="82244"/>
+          <a:stretch/>
+        </p:blipFill>
+        <p:spPr>
+          <a:xfrm>
+            <a:off x="222250" y="249482"/>
+            <a:ext cx="612648" cy="613842"/>
+          </a:xfrm>
+          <a:prstGeom prst="rect">
+            <a:avLst/>
+          </a:prstGeom>
+        </p:spPr>
+      </p:pic>
+    </p:spTree>
+    <p:extLst>
+      <p:ext uri="{BB962C8B-B14F-4D97-AF65-F5344CB8AC3E}">
+        <p14:creationId xmlns:p14="http://schemas.microsoft.com/office/powerpoint/2010/main" val="861768951"/>
+      </p:ext>
+    </p:extLst>
+  </p:cSld>
+  <p:clrMapOvr>
+    <a:masterClrMapping/>
+  </p:clrMapOvr>
+</p:sldLayout>
+</file>
+
+<file path=ppt/slideLayouts/slideLayout18.xml><?xml version="1.0" encoding="utf-8"?>
+<p:sldLayout xmlns:a="http://schemas.openxmlformats.org/drawingml/2006/main" xmlns:r="http://schemas.openxmlformats.org/officeDocument/2006/relationships" xmlns:p="http://schemas.openxmlformats.org/presentationml/2006/main" type="blank" preserve="1">
+  <p:cSld name="Blank">
+    <p:spTree>
+      <p:nvGrpSpPr>
+        <p:cNvPr id="1" name=""/>
+        <p:cNvGrpSpPr/>
+        <p:nvPr/>
+      </p:nvGrpSpPr>
+      <p:grpSpPr>
+        <a:xfrm>
+          <a:off x="0" y="0"/>
+          <a:ext cx="0" cy="0"/>
+          <a:chOff x="0" y="0"/>
+          <a:chExt cx="0" cy="0"/>
+        </a:xfrm>
+      </p:grpSpPr>
+      <p:sp>
+        <p:nvSpPr>
+          <p:cNvPr id="12" name="Rectangle 11"/>
+          <p:cNvSpPr/>
+          <p:nvPr userDrawn="1"/>
+        </p:nvSpPr>
+        <p:spPr>
+          <a:xfrm>
+            <a:off x="0" y="0"/>
+            <a:ext cx="9144000" cy="6253238"/>
+          </a:xfrm>
+          <a:prstGeom prst="rect">
+            <a:avLst/>
+          </a:prstGeom>
+          <a:solidFill>
+            <a:srgbClr val="E6DDCB">
+              <a:alpha val="8000"/>
+            </a:srgbClr>
+          </a:solidFill>
+          <a:ln>
+            <a:solidFill>
+              <a:schemeClr val="bg2">
+                <a:lumMod val="90000"/>
+                <a:alpha val="18000"/>
+              </a:schemeClr>
+            </a:solidFill>
+          </a:ln>
+        </p:spPr>
+        <p:style>
+          <a:lnRef idx="1">
+            <a:schemeClr val="accent1"/>
+          </a:lnRef>
+          <a:fillRef idx="3">
+            <a:schemeClr val="accent1"/>
+          </a:fillRef>
+          <a:effectRef idx="2">
+            <a:schemeClr val="accent1"/>
+          </a:effectRef>
+          <a:fontRef idx="minor">
+            <a:schemeClr val="lt1"/>
+          </a:fontRef>
+        </p:style>
+        <p:txBody>
+          <a:bodyPr rtlCol="0" anchor="ctr"/>
+          <a:lstStyle/>
+          <a:p>
+            <a:pPr algn="ctr" defTabSz="457200"/>
+            <a:endParaRPr lang="en-US">
+              <a:solidFill>
+                <a:srgbClr val="E6DFD2"/>
+              </a:solidFill>
+            </a:endParaRPr>
+          </a:p>
+        </p:txBody>
+      </p:sp>
+      <p:grpSp>
+        <p:nvGrpSpPr>
+          <p:cNvPr id="5" name="Group 4"/>
+          <p:cNvGrpSpPr/>
+          <p:nvPr/>
+        </p:nvGrpSpPr>
+        <p:grpSpPr>
+          <a:xfrm>
+            <a:off x="0" y="6253238"/>
+            <a:ext cx="9144000" cy="604762"/>
+            <a:chOff x="0" y="4906131"/>
+            <a:chExt cx="9144000" cy="1951870"/>
+          </a:xfrm>
+        </p:grpSpPr>
+        <p:sp>
+          <p:nvSpPr>
+            <p:cNvPr id="6" name="Rectangle 5"/>
+            <p:cNvSpPr/>
+            <p:nvPr userDrawn="1"/>
+          </p:nvSpPr>
+          <p:spPr>
+            <a:xfrm>
+              <a:off x="0" y="4946953"/>
+              <a:ext cx="9144000" cy="1911048"/>
+            </a:xfrm>
+            <a:prstGeom prst="rect">
+              <a:avLst/>
+            </a:prstGeom>
+            <a:solidFill>
+              <a:srgbClr val="181717"/>
+            </a:solidFill>
+          </p:spPr>
+          <p:style>
+            <a:lnRef idx="1">
+              <a:schemeClr val="accent1"/>
+            </a:lnRef>
+            <a:fillRef idx="3">
+              <a:schemeClr val="accent1"/>
+            </a:fillRef>
+            <a:effectRef idx="2">
+              <a:schemeClr val="accent1"/>
+            </a:effectRef>
+            <a:fontRef idx="minor">
+              <a:schemeClr val="lt1"/>
+            </a:fontRef>
+          </p:style>
+          <p:txBody>
+            <a:bodyPr rtlCol="0" anchor="ctr"/>
+            <a:lstStyle/>
+            <a:p>
+              <a:pPr algn="ctr" defTabSz="457200"/>
+              <a:endParaRPr lang="en-US" dirty="0">
+                <a:solidFill>
+                  <a:srgbClr val="000000"/>
+                </a:solidFill>
+              </a:endParaRPr>
+            </a:p>
+          </p:txBody>
+        </p:sp>
+        <p:cxnSp>
+          <p:nvCxnSpPr>
+            <p:cNvPr id="7" name="Straight Connector 6"/>
+            <p:cNvCxnSpPr/>
+            <p:nvPr userDrawn="1"/>
+          </p:nvCxnSpPr>
+          <p:spPr>
+            <a:xfrm flipV="1">
+              <a:off x="0" y="4906131"/>
+              <a:ext cx="9144000" cy="24904"/>
+            </a:xfrm>
+            <a:prstGeom prst="line">
+              <a:avLst/>
+            </a:prstGeom>
+            <a:ln w="63500">
+              <a:solidFill>
+                <a:srgbClr val="2F6EBE"/>
+              </a:solidFill>
+            </a:ln>
+          </p:spPr>
+          <p:style>
+            <a:lnRef idx="2">
+              <a:schemeClr val="accent1"/>
+            </a:lnRef>
+            <a:fillRef idx="0">
+              <a:schemeClr val="accent1"/>
+            </a:fillRef>
+            <a:effectRef idx="1">
+              <a:schemeClr val="accent1"/>
+            </a:effectRef>
+            <a:fontRef idx="minor">
+              <a:schemeClr val="tx1"/>
+            </a:fontRef>
+          </p:style>
+        </p:cxnSp>
+      </p:grpSp>
+      <p:sp>
+        <p:nvSpPr>
+          <p:cNvPr id="8" name="Date Placeholder 3"/>
+          <p:cNvSpPr>
+            <a:spLocks noGrp="1"/>
+          </p:cNvSpPr>
+          <p:nvPr>
+            <p:ph type="dt" sz="half" idx="10"/>
+          </p:nvPr>
+        </p:nvSpPr>
+        <p:spPr>
+          <a:xfrm>
+            <a:off x="457200" y="6356350"/>
+            <a:ext cx="2133600" cy="365125"/>
+          </a:xfrm>
+        </p:spPr>
+        <p:txBody>
+          <a:bodyPr/>
+          <a:lstStyle/>
+          <a:p>
+            <a:fld id="{8BBB7F0C-5CBC-F647-980A-4581A65C7434}" type="datetimeFigureOut">
+              <a:rPr lang="en-US" smtClean="0">
+                <a:solidFill>
+                  <a:prstClr val="black">
+                    <a:tint val="75000"/>
+                  </a:prstClr>
+                </a:solidFill>
+              </a:rPr>
+              <a:pPr/>
+              <a:t>5/13/2014</a:t>
+            </a:fld>
+            <a:endParaRPr lang="en-US">
+              <a:solidFill>
+                <a:prstClr val="black">
+                  <a:tint val="75000"/>
+                </a:prstClr>
+              </a:solidFill>
+            </a:endParaRPr>
+          </a:p>
+        </p:txBody>
+      </p:sp>
+      <p:sp>
+        <p:nvSpPr>
+          <p:cNvPr id="9" name="Slide Number Placeholder 5"/>
+          <p:cNvSpPr>
+            <a:spLocks noGrp="1"/>
+          </p:cNvSpPr>
+          <p:nvPr>
+            <p:ph type="sldNum" sz="quarter" idx="12"/>
+          </p:nvPr>
+        </p:nvSpPr>
+        <p:spPr>
+          <a:xfrm>
+            <a:off x="6553200" y="6356350"/>
+            <a:ext cx="2133600" cy="365125"/>
+          </a:xfrm>
+        </p:spPr>
+        <p:txBody>
+          <a:bodyPr/>
+          <a:lstStyle/>
+          <a:p>
+            <a:fld id="{13FA93EC-5601-A549-96CE-C473C50A8FEC}" type="slidenum">
+              <a:rPr lang="en-US" smtClean="0">
+                <a:solidFill>
+                  <a:prstClr val="black">
+                    <a:tint val="75000"/>
+                  </a:prstClr>
+                </a:solidFill>
+              </a:rPr>
+              <a:pPr/>
+              <a:t>‹#›</a:t>
+            </a:fld>
+            <a:endParaRPr lang="en-US">
+              <a:solidFill>
+                <a:prstClr val="black">
+                  <a:tint val="75000"/>
+                </a:prstClr>
+              </a:solidFill>
+            </a:endParaRPr>
+          </a:p>
+        </p:txBody>
+      </p:sp>
+      <p:sp>
+        <p:nvSpPr>
+          <p:cNvPr id="10" name="TextBox 9"/>
+          <p:cNvSpPr txBox="1"/>
+          <p:nvPr/>
+        </p:nvSpPr>
+        <p:spPr>
+          <a:xfrm>
+            <a:off x="1371600" y="6317339"/>
+            <a:ext cx="6400800" cy="457200"/>
+          </a:xfrm>
+          <a:prstGeom prst="rect">
+            <a:avLst/>
+          </a:prstGeom>
+          <a:noFill/>
+        </p:spPr>
+        <p:txBody>
+          <a:bodyPr vert="horz" wrap="square" lIns="228600" tIns="45720" rIns="228600" bIns="45720" rtlCol="0" anchor="ctr" anchorCtr="0">
+            <a:noAutofit/>
+          </a:bodyPr>
+          <a:lstStyle/>
+          <a:p>
+            <a:pPr algn="ctr">
+              <a:defRPr/>
+            </a:pPr>
+            <a:r>
+              <a:rPr lang="en-US" sz="1400" dirty="0" smtClean="0">
+                <a:solidFill>
+                  <a:srgbClr val="A8A8A8"/>
+                </a:solidFill>
+              </a:rPr>
+              <a:t>INNOVATION · TRANSPARENCY · COLLABORATION</a:t>
+            </a:r>
+          </a:p>
+        </p:txBody>
+      </p:sp>
+    </p:spTree>
+    <p:extLst>
+      <p:ext uri="{BB962C8B-B14F-4D97-AF65-F5344CB8AC3E}">
+        <p14:creationId xmlns:p14="http://schemas.microsoft.com/office/powerpoint/2010/main" val="2195034872"/>
+      </p:ext>
+    </p:extLst>
+  </p:cSld>
+  <p:clrMapOvr>
+    <a:masterClrMapping/>
+  </p:clrMapOvr>
+</p:sldLayout>
+</file>
+
+<file path=ppt/slideLayouts/slideLayout19.xml><?xml version="1.0" encoding="utf-8"?>
+<p:sldLayout xmlns:a="http://schemas.openxmlformats.org/drawingml/2006/main" xmlns:r="http://schemas.openxmlformats.org/officeDocument/2006/relationships" xmlns:p="http://schemas.openxmlformats.org/presentationml/2006/main" type="objTx" preserve="1">
+  <p:cSld name="Content with Caption">
+    <p:spTree>
+      <p:nvGrpSpPr>
+        <p:cNvPr id="1" name=""/>
+        <p:cNvGrpSpPr/>
+        <p:nvPr/>
+      </p:nvGrpSpPr>
+      <p:grpSpPr>
+        <a:xfrm>
+          <a:off x="0" y="0"/>
+          <a:ext cx="0" cy="0"/>
+          <a:chOff x="0" y="0"/>
+          <a:chExt cx="0" cy="0"/>
+        </a:xfrm>
+      </p:grpSpPr>
+      <p:sp>
+        <p:nvSpPr>
+          <p:cNvPr id="2" name="Title 1"/>
+          <p:cNvSpPr>
+            <a:spLocks noGrp="1"/>
+          </p:cNvSpPr>
+          <p:nvPr>
+            <p:ph type="title"/>
+          </p:nvPr>
+        </p:nvSpPr>
+        <p:spPr>
+          <a:xfrm>
+            <a:off x="457200" y="273050"/>
+            <a:ext cx="3008313" cy="1162050"/>
+          </a:xfrm>
+        </p:spPr>
+        <p:txBody>
+          <a:bodyPr anchor="b"/>
+          <a:lstStyle>
+            <a:lvl1pPr algn="l">
+              <a:defRPr sz="2000" b="1">
+                <a:solidFill>
+                  <a:srgbClr val="2F6EBE"/>
+                </a:solidFill>
+              </a:defRPr>
+            </a:lvl1pPr>
+          </a:lstStyle>
+          <a:p>
+            <a:r>
+              <a:rPr lang="en-US" smtClean="0"/>
+              <a:t>Click to edit Master title style</a:t>
+            </a:r>
+            <a:endParaRPr lang="en-US" dirty="0"/>
+          </a:p>
+        </p:txBody>
+      </p:sp>
+      <p:sp>
+        <p:nvSpPr>
+          <p:cNvPr id="3" name="Content Placeholder 2"/>
+          <p:cNvSpPr>
+            <a:spLocks noGrp="1"/>
+          </p:cNvSpPr>
+          <p:nvPr>
+            <p:ph idx="1"/>
+          </p:nvPr>
+        </p:nvSpPr>
+        <p:spPr>
+          <a:xfrm>
+            <a:off x="3575050" y="273050"/>
+            <a:ext cx="5111750" cy="5853113"/>
+          </a:xfrm>
+        </p:spPr>
+        <p:txBody>
+          <a:bodyPr/>
+          <a:lstStyle>
+            <a:lvl1pPr>
+              <a:defRPr sz="3200"/>
+            </a:lvl1pPr>
+            <a:lvl2pPr>
+              <a:defRPr sz="2800">
+                <a:solidFill>
+                  <a:srgbClr val="838383"/>
+                </a:solidFill>
+              </a:defRPr>
+            </a:lvl2pPr>
+            <a:lvl3pPr>
+              <a:defRPr sz="2400"/>
+            </a:lvl3pPr>
+            <a:lvl4pPr>
+              <a:defRPr sz="2000" i="1">
+                <a:solidFill>
+                  <a:srgbClr val="838383"/>
+                </a:solidFill>
+              </a:defRPr>
+            </a:lvl4pPr>
+            <a:lvl5pPr>
+              <a:defRPr sz="2000"/>
+            </a:lvl5pPr>
+            <a:lvl6pPr>
+              <a:defRPr sz="2000"/>
+            </a:lvl6pPr>
+            <a:lvl7pPr>
+              <a:defRPr sz="2000"/>
+            </a:lvl7pPr>
+            <a:lvl8pPr>
+              <a:defRPr sz="2000"/>
+            </a:lvl8pPr>
+            <a:lvl9pPr>
+              <a:defRPr sz="2000"/>
+            </a:lvl9pPr>
+          </a:lstStyle>
+          <a:p>
+            <a:pPr lvl="0"/>
+            <a:r>
+              <a:rPr lang="en-US" smtClean="0"/>
+              <a:t>Click to edit Master text styles</a:t>
+            </a:r>
+          </a:p>
+          <a:p>
+            <a:pPr lvl="1"/>
+            <a:r>
+              <a:rPr lang="en-US" smtClean="0"/>
+              <a:t>Second level</a:t>
+            </a:r>
+          </a:p>
+          <a:p>
+            <a:pPr lvl="2"/>
+            <a:r>
+              <a:rPr lang="en-US" smtClean="0"/>
+              <a:t>Third level</a:t>
+            </a:r>
+          </a:p>
+          <a:p>
+            <a:pPr lvl="3"/>
+            <a:r>
+              <a:rPr lang="en-US" smtClean="0"/>
+              <a:t>Fourth level</a:t>
+            </a:r>
+          </a:p>
+          <a:p>
+            <a:pPr lvl="4"/>
+            <a:r>
+              <a:rPr lang="en-US" smtClean="0"/>
+              <a:t>Fifth level</a:t>
+            </a:r>
+            <a:endParaRPr lang="en-US" dirty="0"/>
+          </a:p>
+        </p:txBody>
+      </p:sp>
+      <p:sp>
+        <p:nvSpPr>
+          <p:cNvPr id="4" name="Text Placeholder 3"/>
+          <p:cNvSpPr>
+            <a:spLocks noGrp="1"/>
+          </p:cNvSpPr>
+          <p:nvPr>
+            <p:ph type="body" sz="half" idx="2"/>
+          </p:nvPr>
+        </p:nvSpPr>
+        <p:spPr>
+          <a:xfrm>
+            <a:off x="457200" y="1435100"/>
+            <a:ext cx="3008313" cy="4691063"/>
+          </a:xfrm>
+        </p:spPr>
+        <p:txBody>
+          <a:bodyPr/>
+          <a:lstStyle>
+            <a:lvl1pPr marL="0" indent="0">
+              <a:buNone/>
+              <a:defRPr sz="1400">
+                <a:solidFill>
+                  <a:srgbClr val="838383"/>
+                </a:solidFill>
+              </a:defRPr>
+            </a:lvl1pPr>
+            <a:lvl2pPr marL="457200" indent="0">
+              <a:buNone/>
+              <a:defRPr sz="1200"/>
+            </a:lvl2pPr>
+            <a:lvl3pPr marL="914400" indent="0">
+              <a:buNone/>
+              <a:defRPr sz="1000"/>
+            </a:lvl3pPr>
+            <a:lvl4pPr marL="1371600" indent="0">
+              <a:buNone/>
+              <a:defRPr sz="900"/>
+            </a:lvl4pPr>
+            <a:lvl5pPr marL="1828800" indent="0">
+              <a:buNone/>
+              <a:defRPr sz="900"/>
+            </a:lvl5pPr>
+            <a:lvl6pPr marL="2286000" indent="0">
+              <a:buNone/>
+              <a:defRPr sz="900"/>
+            </a:lvl6pPr>
+            <a:lvl7pPr marL="2743200" indent="0">
+              <a:buNone/>
+              <a:defRPr sz="900"/>
+            </a:lvl7pPr>
+            <a:lvl8pPr marL="3200400" indent="0">
+              <a:buNone/>
+              <a:defRPr sz="900"/>
+            </a:lvl8pPr>
+            <a:lvl9pPr marL="3657600" indent="0">
+              <a:buNone/>
+              <a:defRPr sz="900"/>
+            </a:lvl9pPr>
+          </a:lstStyle>
+          <a:p>
+            <a:pPr lvl="0"/>
+            <a:r>
+              <a:rPr lang="en-US" smtClean="0"/>
+              <a:t>Click to edit Master text styles</a:t>
+            </a:r>
+          </a:p>
+        </p:txBody>
+      </p:sp>
+      <p:grpSp>
+        <p:nvGrpSpPr>
+          <p:cNvPr id="8" name="Group 7"/>
+          <p:cNvGrpSpPr/>
+          <p:nvPr/>
+        </p:nvGrpSpPr>
+        <p:grpSpPr>
+          <a:xfrm>
+            <a:off x="0" y="6253238"/>
+            <a:ext cx="9144000" cy="604762"/>
+            <a:chOff x="0" y="4906131"/>
+            <a:chExt cx="9144000" cy="1951870"/>
+          </a:xfrm>
+        </p:grpSpPr>
+        <p:sp>
+          <p:nvSpPr>
+            <p:cNvPr id="9" name="Rectangle 8"/>
+            <p:cNvSpPr/>
+            <p:nvPr userDrawn="1"/>
+          </p:nvSpPr>
+          <p:spPr>
+            <a:xfrm>
+              <a:off x="0" y="4946953"/>
+              <a:ext cx="9144000" cy="1911048"/>
+            </a:xfrm>
+            <a:prstGeom prst="rect">
+              <a:avLst/>
+            </a:prstGeom>
+            <a:solidFill>
+              <a:srgbClr val="181717"/>
+            </a:solidFill>
+          </p:spPr>
+          <p:style>
+            <a:lnRef idx="1">
+              <a:schemeClr val="accent1"/>
+            </a:lnRef>
+            <a:fillRef idx="3">
+              <a:schemeClr val="accent1"/>
+            </a:fillRef>
+            <a:effectRef idx="2">
+              <a:schemeClr val="accent1"/>
+            </a:effectRef>
+            <a:fontRef idx="minor">
+              <a:schemeClr val="lt1"/>
+            </a:fontRef>
+          </p:style>
+          <p:txBody>
+            <a:bodyPr rtlCol="0" anchor="ctr"/>
+            <a:lstStyle/>
+            <a:p>
+              <a:pPr algn="ctr" defTabSz="457200"/>
+              <a:endParaRPr lang="en-US" dirty="0">
+                <a:solidFill>
+                  <a:srgbClr val="000000"/>
+                </a:solidFill>
+              </a:endParaRPr>
+            </a:p>
+          </p:txBody>
+        </p:sp>
+        <p:cxnSp>
+          <p:nvCxnSpPr>
+            <p:cNvPr id="10" name="Straight Connector 9"/>
+            <p:cNvCxnSpPr/>
+            <p:nvPr userDrawn="1"/>
+          </p:nvCxnSpPr>
+          <p:spPr>
+            <a:xfrm flipV="1">
+              <a:off x="0" y="4906131"/>
+              <a:ext cx="9144000" cy="24904"/>
+            </a:xfrm>
+            <a:prstGeom prst="line">
+              <a:avLst/>
+            </a:prstGeom>
+            <a:ln w="63500">
+              <a:solidFill>
+                <a:srgbClr val="2F6EBE"/>
+              </a:solidFill>
+            </a:ln>
+          </p:spPr>
+          <p:style>
+            <a:lnRef idx="2">
+              <a:schemeClr val="accent1"/>
+            </a:lnRef>
+            <a:fillRef idx="0">
+              <a:schemeClr val="accent1"/>
+            </a:fillRef>
+            <a:effectRef idx="1">
+              <a:schemeClr val="accent1"/>
+            </a:effectRef>
+            <a:fontRef idx="minor">
+              <a:schemeClr val="tx1"/>
+            </a:fontRef>
+          </p:style>
+        </p:cxnSp>
+      </p:grpSp>
+      <p:sp>
+        <p:nvSpPr>
+          <p:cNvPr id="11" name="Date Placeholder 3"/>
+          <p:cNvSpPr>
+            <a:spLocks noGrp="1"/>
+          </p:cNvSpPr>
+          <p:nvPr>
+            <p:ph type="dt" sz="half" idx="10"/>
+          </p:nvPr>
+        </p:nvSpPr>
+        <p:spPr>
+          <a:xfrm>
+            <a:off x="457200" y="6356350"/>
+            <a:ext cx="2133600" cy="365125"/>
+          </a:xfrm>
+        </p:spPr>
+        <p:txBody>
+          <a:bodyPr/>
+          <a:lstStyle/>
+          <a:p>
+            <a:fld id="{8BBB7F0C-5CBC-F647-980A-4581A65C7434}" type="datetimeFigureOut">
+              <a:rPr lang="en-US" smtClean="0">
+                <a:solidFill>
+                  <a:prstClr val="black">
+                    <a:tint val="75000"/>
+                  </a:prstClr>
+                </a:solidFill>
+              </a:rPr>
+              <a:pPr/>
+              <a:t>5/13/2014</a:t>
+            </a:fld>
+            <a:endParaRPr lang="en-US">
+              <a:solidFill>
+                <a:prstClr val="black">
+                  <a:tint val="75000"/>
+                </a:prstClr>
+              </a:solidFill>
+            </a:endParaRPr>
+          </a:p>
+        </p:txBody>
+      </p:sp>
+      <p:sp>
+        <p:nvSpPr>
+          <p:cNvPr id="12" name="Slide Number Placeholder 5"/>
+          <p:cNvSpPr>
+            <a:spLocks noGrp="1"/>
+          </p:cNvSpPr>
+          <p:nvPr>
+            <p:ph type="sldNum" sz="quarter" idx="12"/>
+          </p:nvPr>
+        </p:nvSpPr>
+        <p:spPr>
+          <a:xfrm>
+            <a:off x="6553200" y="6356350"/>
+            <a:ext cx="2133600" cy="365125"/>
+          </a:xfrm>
+        </p:spPr>
+        <p:txBody>
+          <a:bodyPr/>
+          <a:lstStyle/>
+          <a:p>
+            <a:fld id="{13FA93EC-5601-A549-96CE-C473C50A8FEC}" type="slidenum">
+              <a:rPr lang="en-US" smtClean="0">
+                <a:solidFill>
+                  <a:prstClr val="black">
+                    <a:tint val="75000"/>
+                  </a:prstClr>
+                </a:solidFill>
+              </a:rPr>
+              <a:pPr/>
+              <a:t>‹#›</a:t>
+            </a:fld>
+            <a:endParaRPr lang="en-US">
+              <a:solidFill>
+                <a:prstClr val="black">
+                  <a:tint val="75000"/>
+                </a:prstClr>
+              </a:solidFill>
+            </a:endParaRPr>
+          </a:p>
+        </p:txBody>
+      </p:sp>
+      <p:sp>
+        <p:nvSpPr>
+          <p:cNvPr id="13" name="TextBox 12"/>
+          <p:cNvSpPr txBox="1"/>
+          <p:nvPr/>
+        </p:nvSpPr>
+        <p:spPr>
+          <a:xfrm>
+            <a:off x="1371600" y="6317339"/>
+            <a:ext cx="6400800" cy="457200"/>
+          </a:xfrm>
+          <a:prstGeom prst="rect">
+            <a:avLst/>
+          </a:prstGeom>
+          <a:noFill/>
+        </p:spPr>
+        <p:txBody>
+          <a:bodyPr vert="horz" wrap="square" lIns="228600" tIns="45720" rIns="228600" bIns="45720" rtlCol="0" anchor="ctr" anchorCtr="0">
+            <a:noAutofit/>
+          </a:bodyPr>
+          <a:lstStyle/>
+          <a:p>
+            <a:pPr algn="ctr">
+              <a:defRPr/>
+            </a:pPr>
+            <a:r>
+              <a:rPr lang="en-US" sz="1400" dirty="0" smtClean="0">
+                <a:solidFill>
+                  <a:srgbClr val="A8A8A8"/>
+                </a:solidFill>
+              </a:rPr>
+              <a:t>INNOVATION · TRANSPARENCY · COLLABORATION</a:t>
+            </a:r>
+          </a:p>
+        </p:txBody>
+      </p:sp>
+      <p:pic>
+        <p:nvPicPr>
+          <p:cNvPr id="15" name="Picture 14"/>
+          <p:cNvPicPr>
+            <a:picLocks noChangeAspect="1"/>
+          </p:cNvPicPr>
+          <p:nvPr userDrawn="1"/>
+        </p:nvPicPr>
+        <p:blipFill rotWithShape="1">
+          <a:blip r:embed="rId2"/>
+          <a:srcRect r="82244"/>
+          <a:stretch/>
+        </p:blipFill>
+        <p:spPr>
+          <a:xfrm>
+            <a:off x="222250" y="249482"/>
+            <a:ext cx="612648" cy="613842"/>
+          </a:xfrm>
+          <a:prstGeom prst="rect">
+            <a:avLst/>
+          </a:prstGeom>
+        </p:spPr>
+      </p:pic>
+    </p:spTree>
+    <p:extLst>
+      <p:ext uri="{BB962C8B-B14F-4D97-AF65-F5344CB8AC3E}">
+        <p14:creationId xmlns:p14="http://schemas.microsoft.com/office/powerpoint/2010/main" val="1048676255"/>
+      </p:ext>
+    </p:extLst>
+  </p:cSld>
+  <p:clrMapOvr>
+    <a:masterClrMapping/>
+  </p:clrMapOvr>
+</p:sldLayout>
+</file>
+
 <file path=ppt/slideLayouts/slideLayout2.xml><?xml version="1.0" encoding="utf-8"?>
 <p:sldLayout xmlns:a="http://schemas.openxmlformats.org/drawingml/2006/main" xmlns:r="http://schemas.openxmlformats.org/officeDocument/2006/relationships" xmlns:p="http://schemas.openxmlformats.org/presentationml/2006/main" showMasterSp="0" type="obj" preserve="1">
   <p:cSld name="Title and Content">
@@ -1311,6 +5008,720 @@
   <p:clrMapOvr>
     <a:masterClrMapping/>
   </p:clrMapOvr>
+</p:sldLayout>
+</file>
+
+<file path=ppt/slideLayouts/slideLayout20.xml><?xml version="1.0" encoding="utf-8"?>
+<p:sldLayout xmlns:a="http://schemas.openxmlformats.org/drawingml/2006/main" xmlns:r="http://schemas.openxmlformats.org/officeDocument/2006/relationships" xmlns:p="http://schemas.openxmlformats.org/presentationml/2006/main" type="picTx" preserve="1">
+  <p:cSld name="Picture with Caption">
+    <p:spTree>
+      <p:nvGrpSpPr>
+        <p:cNvPr id="1" name=""/>
+        <p:cNvGrpSpPr/>
+        <p:nvPr/>
+      </p:nvGrpSpPr>
+      <p:grpSpPr>
+        <a:xfrm>
+          <a:off x="0" y="0"/>
+          <a:ext cx="0" cy="0"/>
+          <a:chOff x="0" y="0"/>
+          <a:chExt cx="0" cy="0"/>
+        </a:xfrm>
+      </p:grpSpPr>
+      <p:sp>
+        <p:nvSpPr>
+          <p:cNvPr id="2" name="Title 1"/>
+          <p:cNvSpPr>
+            <a:spLocks noGrp="1"/>
+          </p:cNvSpPr>
+          <p:nvPr>
+            <p:ph type="title"/>
+          </p:nvPr>
+        </p:nvSpPr>
+        <p:spPr>
+          <a:xfrm>
+            <a:off x="1792288" y="4800600"/>
+            <a:ext cx="5486400" cy="566738"/>
+          </a:xfrm>
+        </p:spPr>
+        <p:txBody>
+          <a:bodyPr anchor="b"/>
+          <a:lstStyle>
+            <a:lvl1pPr algn="l">
+              <a:defRPr sz="2000" b="1"/>
+            </a:lvl1pPr>
+          </a:lstStyle>
+          <a:p>
+            <a:r>
+              <a:rPr lang="en-US" smtClean="0"/>
+              <a:t>Click to edit Master title style</a:t>
+            </a:r>
+            <a:endParaRPr lang="en-US" dirty="0"/>
+          </a:p>
+        </p:txBody>
+      </p:sp>
+      <p:sp>
+        <p:nvSpPr>
+          <p:cNvPr id="3" name="Picture Placeholder 2"/>
+          <p:cNvSpPr>
+            <a:spLocks noGrp="1"/>
+          </p:cNvSpPr>
+          <p:nvPr>
+            <p:ph type="pic" idx="1"/>
+          </p:nvPr>
+        </p:nvSpPr>
+        <p:spPr>
+          <a:xfrm>
+            <a:off x="1792288" y="612775"/>
+            <a:ext cx="5486400" cy="4114800"/>
+          </a:xfrm>
+        </p:spPr>
+        <p:txBody>
+          <a:bodyPr/>
+          <a:lstStyle>
+            <a:lvl1pPr marL="0" indent="0">
+              <a:buNone/>
+              <a:defRPr sz="3200"/>
+            </a:lvl1pPr>
+            <a:lvl2pPr marL="457200" indent="0">
+              <a:buNone/>
+              <a:defRPr sz="2800"/>
+            </a:lvl2pPr>
+            <a:lvl3pPr marL="914400" indent="0">
+              <a:buNone/>
+              <a:defRPr sz="2400"/>
+            </a:lvl3pPr>
+            <a:lvl4pPr marL="1371600" indent="0">
+              <a:buNone/>
+              <a:defRPr sz="2000"/>
+            </a:lvl4pPr>
+            <a:lvl5pPr marL="1828800" indent="0">
+              <a:buNone/>
+              <a:defRPr sz="2000"/>
+            </a:lvl5pPr>
+            <a:lvl6pPr marL="2286000" indent="0">
+              <a:buNone/>
+              <a:defRPr sz="2000"/>
+            </a:lvl6pPr>
+            <a:lvl7pPr marL="2743200" indent="0">
+              <a:buNone/>
+              <a:defRPr sz="2000"/>
+            </a:lvl7pPr>
+            <a:lvl8pPr marL="3200400" indent="0">
+              <a:buNone/>
+              <a:defRPr sz="2000"/>
+            </a:lvl8pPr>
+            <a:lvl9pPr marL="3657600" indent="0">
+              <a:buNone/>
+              <a:defRPr sz="2000"/>
+            </a:lvl9pPr>
+          </a:lstStyle>
+          <a:p>
+            <a:r>
+              <a:rPr lang="en-US" smtClean="0"/>
+              <a:t>Drag picture to placeholder or click icon to add</a:t>
+            </a:r>
+            <a:endParaRPr lang="en-US"/>
+          </a:p>
+        </p:txBody>
+      </p:sp>
+      <p:sp>
+        <p:nvSpPr>
+          <p:cNvPr id="4" name="Text Placeholder 3"/>
+          <p:cNvSpPr>
+            <a:spLocks noGrp="1"/>
+          </p:cNvSpPr>
+          <p:nvPr>
+            <p:ph type="body" sz="half" idx="2"/>
+          </p:nvPr>
+        </p:nvSpPr>
+        <p:spPr>
+          <a:xfrm>
+            <a:off x="1792288" y="5367338"/>
+            <a:ext cx="5486400" cy="804862"/>
+          </a:xfrm>
+        </p:spPr>
+        <p:txBody>
+          <a:bodyPr/>
+          <a:lstStyle>
+            <a:lvl1pPr marL="0" indent="0">
+              <a:buNone/>
+              <a:defRPr sz="1400">
+                <a:solidFill>
+                  <a:srgbClr val="838383"/>
+                </a:solidFill>
+              </a:defRPr>
+            </a:lvl1pPr>
+            <a:lvl2pPr marL="457200" indent="0">
+              <a:buNone/>
+              <a:defRPr sz="1200"/>
+            </a:lvl2pPr>
+            <a:lvl3pPr marL="914400" indent="0">
+              <a:buNone/>
+              <a:defRPr sz="1000"/>
+            </a:lvl3pPr>
+            <a:lvl4pPr marL="1371600" indent="0">
+              <a:buNone/>
+              <a:defRPr sz="900"/>
+            </a:lvl4pPr>
+            <a:lvl5pPr marL="1828800" indent="0">
+              <a:buNone/>
+              <a:defRPr sz="900"/>
+            </a:lvl5pPr>
+            <a:lvl6pPr marL="2286000" indent="0">
+              <a:buNone/>
+              <a:defRPr sz="900"/>
+            </a:lvl6pPr>
+            <a:lvl7pPr marL="2743200" indent="0">
+              <a:buNone/>
+              <a:defRPr sz="900"/>
+            </a:lvl7pPr>
+            <a:lvl8pPr marL="3200400" indent="0">
+              <a:buNone/>
+              <a:defRPr sz="900"/>
+            </a:lvl8pPr>
+            <a:lvl9pPr marL="3657600" indent="0">
+              <a:buNone/>
+              <a:defRPr sz="900"/>
+            </a:lvl9pPr>
+          </a:lstStyle>
+          <a:p>
+            <a:pPr lvl="0"/>
+            <a:r>
+              <a:rPr lang="en-US" smtClean="0"/>
+              <a:t>Click to edit Master text styles</a:t>
+            </a:r>
+          </a:p>
+        </p:txBody>
+      </p:sp>
+      <p:grpSp>
+        <p:nvGrpSpPr>
+          <p:cNvPr id="8" name="Group 7"/>
+          <p:cNvGrpSpPr/>
+          <p:nvPr/>
+        </p:nvGrpSpPr>
+        <p:grpSpPr>
+          <a:xfrm>
+            <a:off x="0" y="6253238"/>
+            <a:ext cx="9144000" cy="604762"/>
+            <a:chOff x="0" y="4906131"/>
+            <a:chExt cx="9144000" cy="1951870"/>
+          </a:xfrm>
+        </p:grpSpPr>
+        <p:sp>
+          <p:nvSpPr>
+            <p:cNvPr id="9" name="Rectangle 8"/>
+            <p:cNvSpPr/>
+            <p:nvPr userDrawn="1"/>
+          </p:nvSpPr>
+          <p:spPr>
+            <a:xfrm>
+              <a:off x="0" y="4946953"/>
+              <a:ext cx="9144000" cy="1911048"/>
+            </a:xfrm>
+            <a:prstGeom prst="rect">
+              <a:avLst/>
+            </a:prstGeom>
+            <a:solidFill>
+              <a:srgbClr val="181717"/>
+            </a:solidFill>
+          </p:spPr>
+          <p:style>
+            <a:lnRef idx="1">
+              <a:schemeClr val="accent1"/>
+            </a:lnRef>
+            <a:fillRef idx="3">
+              <a:schemeClr val="accent1"/>
+            </a:fillRef>
+            <a:effectRef idx="2">
+              <a:schemeClr val="accent1"/>
+            </a:effectRef>
+            <a:fontRef idx="minor">
+              <a:schemeClr val="lt1"/>
+            </a:fontRef>
+          </p:style>
+          <p:txBody>
+            <a:bodyPr rtlCol="0" anchor="ctr"/>
+            <a:lstStyle/>
+            <a:p>
+              <a:pPr algn="ctr" defTabSz="457200"/>
+              <a:endParaRPr lang="en-US" dirty="0">
+                <a:solidFill>
+                  <a:srgbClr val="000000"/>
+                </a:solidFill>
+              </a:endParaRPr>
+            </a:p>
+          </p:txBody>
+        </p:sp>
+        <p:cxnSp>
+          <p:nvCxnSpPr>
+            <p:cNvPr id="10" name="Straight Connector 9"/>
+            <p:cNvCxnSpPr/>
+            <p:nvPr userDrawn="1"/>
+          </p:nvCxnSpPr>
+          <p:spPr>
+            <a:xfrm flipV="1">
+              <a:off x="0" y="4906131"/>
+              <a:ext cx="9144000" cy="24904"/>
+            </a:xfrm>
+            <a:prstGeom prst="line">
+              <a:avLst/>
+            </a:prstGeom>
+            <a:ln w="63500">
+              <a:solidFill>
+                <a:srgbClr val="2F6EBE"/>
+              </a:solidFill>
+            </a:ln>
+          </p:spPr>
+          <p:style>
+            <a:lnRef idx="2">
+              <a:schemeClr val="accent1"/>
+            </a:lnRef>
+            <a:fillRef idx="0">
+              <a:schemeClr val="accent1"/>
+            </a:fillRef>
+            <a:effectRef idx="1">
+              <a:schemeClr val="accent1"/>
+            </a:effectRef>
+            <a:fontRef idx="minor">
+              <a:schemeClr val="tx1"/>
+            </a:fontRef>
+          </p:style>
+        </p:cxnSp>
+      </p:grpSp>
+      <p:sp>
+        <p:nvSpPr>
+          <p:cNvPr id="11" name="Date Placeholder 3"/>
+          <p:cNvSpPr>
+            <a:spLocks noGrp="1"/>
+          </p:cNvSpPr>
+          <p:nvPr>
+            <p:ph type="dt" sz="half" idx="10"/>
+          </p:nvPr>
+        </p:nvSpPr>
+        <p:spPr>
+          <a:xfrm>
+            <a:off x="457200" y="6356350"/>
+            <a:ext cx="2133600" cy="365125"/>
+          </a:xfrm>
+        </p:spPr>
+        <p:txBody>
+          <a:bodyPr/>
+          <a:lstStyle/>
+          <a:p>
+            <a:fld id="{8BBB7F0C-5CBC-F647-980A-4581A65C7434}" type="datetimeFigureOut">
+              <a:rPr lang="en-US" smtClean="0">
+                <a:solidFill>
+                  <a:prstClr val="black">
+                    <a:tint val="75000"/>
+                  </a:prstClr>
+                </a:solidFill>
+              </a:rPr>
+              <a:pPr/>
+              <a:t>5/13/2014</a:t>
+            </a:fld>
+            <a:endParaRPr lang="en-US">
+              <a:solidFill>
+                <a:prstClr val="black">
+                  <a:tint val="75000"/>
+                </a:prstClr>
+              </a:solidFill>
+            </a:endParaRPr>
+          </a:p>
+        </p:txBody>
+      </p:sp>
+      <p:sp>
+        <p:nvSpPr>
+          <p:cNvPr id="12" name="Slide Number Placeholder 5"/>
+          <p:cNvSpPr>
+            <a:spLocks noGrp="1"/>
+          </p:cNvSpPr>
+          <p:nvPr>
+            <p:ph type="sldNum" sz="quarter" idx="12"/>
+          </p:nvPr>
+        </p:nvSpPr>
+        <p:spPr>
+          <a:xfrm>
+            <a:off x="6553200" y="6356350"/>
+            <a:ext cx="2133600" cy="365125"/>
+          </a:xfrm>
+        </p:spPr>
+        <p:txBody>
+          <a:bodyPr/>
+          <a:lstStyle/>
+          <a:p>
+            <a:fld id="{13FA93EC-5601-A549-96CE-C473C50A8FEC}" type="slidenum">
+              <a:rPr lang="en-US" smtClean="0">
+                <a:solidFill>
+                  <a:prstClr val="black">
+                    <a:tint val="75000"/>
+                  </a:prstClr>
+                </a:solidFill>
+              </a:rPr>
+              <a:pPr/>
+              <a:t>‹#›</a:t>
+            </a:fld>
+            <a:endParaRPr lang="en-US">
+              <a:solidFill>
+                <a:prstClr val="black">
+                  <a:tint val="75000"/>
+                </a:prstClr>
+              </a:solidFill>
+            </a:endParaRPr>
+          </a:p>
+        </p:txBody>
+      </p:sp>
+      <p:sp>
+        <p:nvSpPr>
+          <p:cNvPr id="13" name="TextBox 12"/>
+          <p:cNvSpPr txBox="1"/>
+          <p:nvPr/>
+        </p:nvSpPr>
+        <p:spPr>
+          <a:xfrm>
+            <a:off x="1371600" y="6317339"/>
+            <a:ext cx="6400800" cy="457200"/>
+          </a:xfrm>
+          <a:prstGeom prst="rect">
+            <a:avLst/>
+          </a:prstGeom>
+          <a:noFill/>
+        </p:spPr>
+        <p:txBody>
+          <a:bodyPr vert="horz" wrap="square" lIns="228600" tIns="45720" rIns="228600" bIns="45720" rtlCol="0" anchor="ctr" anchorCtr="0">
+            <a:noAutofit/>
+          </a:bodyPr>
+          <a:lstStyle/>
+          <a:p>
+            <a:pPr algn="ctr">
+              <a:defRPr/>
+            </a:pPr>
+            <a:r>
+              <a:rPr lang="en-US" sz="1400" dirty="0" smtClean="0">
+                <a:solidFill>
+                  <a:srgbClr val="A8A8A8"/>
+                </a:solidFill>
+              </a:rPr>
+              <a:t>INNOVATION · TRANSPARENCY · COLLABORATION</a:t>
+            </a:r>
+          </a:p>
+        </p:txBody>
+      </p:sp>
+      <p:pic>
+        <p:nvPicPr>
+          <p:cNvPr id="16" name="Picture 15" descr="header_logo.gif"/>
+          <p:cNvPicPr>
+            <a:picLocks noChangeAspect="1"/>
+          </p:cNvPicPr>
+          <p:nvPr userDrawn="1"/>
+        </p:nvPicPr>
+        <p:blipFill rotWithShape="1">
+          <a:blip r:embed="rId2">
+            <a:extLst>
+              <a:ext uri="{28A0092B-C50C-407E-A947-70E740481C1C}">
+                <a14:useLocalDpi xmlns:a14="http://schemas.microsoft.com/office/drawing/2010/main" val="0"/>
+              </a:ext>
+            </a:extLst>
+          </a:blip>
+          <a:srcRect l="1" r="83559"/>
+          <a:stretch/>
+        </p:blipFill>
+        <p:spPr>
+          <a:xfrm>
+            <a:off x="314476" y="302381"/>
+            <a:ext cx="530352" cy="508000"/>
+          </a:xfrm>
+          <a:prstGeom prst="rect">
+            <a:avLst/>
+          </a:prstGeom>
+        </p:spPr>
+      </p:pic>
+    </p:spTree>
+    <p:extLst>
+      <p:ext uri="{BB962C8B-B14F-4D97-AF65-F5344CB8AC3E}">
+        <p14:creationId xmlns:p14="http://schemas.microsoft.com/office/powerpoint/2010/main" val="1524087547"/>
+      </p:ext>
+    </p:extLst>
+  </p:cSld>
+  <p:clrMapOvr>
+    <a:masterClrMapping/>
+  </p:clrMapOvr>
+</p:sldLayout>
+</file>
+
+<file path=ppt/slideLayouts/slideLayout21.xml><?xml version="1.0" encoding="utf-8"?>
+<p:sldLayout xmlns:a="http://schemas.openxmlformats.org/drawingml/2006/main" xmlns:r="http://schemas.openxmlformats.org/officeDocument/2006/relationships" xmlns:p="http://schemas.openxmlformats.org/presentationml/2006/main" preserve="1" userDrawn="1">
+  <p:cSld name="Closing Slide">
+    <p:spTree>
+      <p:nvGrpSpPr>
+        <p:cNvPr id="1" name=""/>
+        <p:cNvGrpSpPr/>
+        <p:nvPr/>
+      </p:nvGrpSpPr>
+      <p:grpSpPr>
+        <a:xfrm>
+          <a:off x="0" y="0"/>
+          <a:ext cx="0" cy="0"/>
+          <a:chOff x="0" y="0"/>
+          <a:chExt cx="0" cy="0"/>
+        </a:xfrm>
+      </p:grpSpPr>
+      <p:grpSp>
+        <p:nvGrpSpPr>
+          <p:cNvPr id="7" name="Group 6"/>
+          <p:cNvGrpSpPr/>
+          <p:nvPr userDrawn="1"/>
+        </p:nvGrpSpPr>
+        <p:grpSpPr>
+          <a:xfrm>
+            <a:off x="0" y="6253200"/>
+            <a:ext cx="9144000" cy="604747"/>
+            <a:chOff x="0" y="4906131"/>
+            <a:chExt cx="9144000" cy="1951870"/>
+          </a:xfrm>
+        </p:grpSpPr>
+        <p:sp>
+          <p:nvSpPr>
+            <p:cNvPr id="8" name="Rectangle 7"/>
+            <p:cNvSpPr/>
+            <p:nvPr userDrawn="1"/>
+          </p:nvSpPr>
+          <p:spPr>
+            <a:xfrm>
+              <a:off x="0" y="4946953"/>
+              <a:ext cx="9144000" cy="1911048"/>
+            </a:xfrm>
+            <a:prstGeom prst="rect">
+              <a:avLst/>
+            </a:prstGeom>
+            <a:solidFill>
+              <a:srgbClr val="181717"/>
+            </a:solidFill>
+          </p:spPr>
+          <p:style>
+            <a:lnRef idx="1">
+              <a:schemeClr val="accent1"/>
+            </a:lnRef>
+            <a:fillRef idx="3">
+              <a:schemeClr val="accent1"/>
+            </a:fillRef>
+            <a:effectRef idx="2">
+              <a:schemeClr val="accent1"/>
+            </a:effectRef>
+            <a:fontRef idx="minor">
+              <a:schemeClr val="lt1"/>
+            </a:fontRef>
+          </p:style>
+          <p:txBody>
+            <a:bodyPr rtlCol="0" anchor="ctr"/>
+            <a:lstStyle/>
+            <a:p>
+              <a:pPr algn="ctr" defTabSz="457200"/>
+              <a:endParaRPr lang="en-US" dirty="0">
+                <a:solidFill>
+                  <a:srgbClr val="000000"/>
+                </a:solidFill>
+              </a:endParaRPr>
+            </a:p>
+          </p:txBody>
+        </p:sp>
+        <p:cxnSp>
+          <p:nvCxnSpPr>
+            <p:cNvPr id="9" name="Straight Connector 8"/>
+            <p:cNvCxnSpPr/>
+            <p:nvPr userDrawn="1"/>
+          </p:nvCxnSpPr>
+          <p:spPr>
+            <a:xfrm flipV="1">
+              <a:off x="0" y="4906131"/>
+              <a:ext cx="9144000" cy="24904"/>
+            </a:xfrm>
+            <a:prstGeom prst="line">
+              <a:avLst/>
+            </a:prstGeom>
+            <a:ln w="63500">
+              <a:solidFill>
+                <a:srgbClr val="2F6EBE"/>
+              </a:solidFill>
+            </a:ln>
+          </p:spPr>
+          <p:style>
+            <a:lnRef idx="2">
+              <a:schemeClr val="accent1"/>
+            </a:lnRef>
+            <a:fillRef idx="0">
+              <a:schemeClr val="accent1"/>
+            </a:fillRef>
+            <a:effectRef idx="1">
+              <a:schemeClr val="accent1"/>
+            </a:effectRef>
+            <a:fontRef idx="minor">
+              <a:schemeClr val="tx1"/>
+            </a:fontRef>
+          </p:style>
+        </p:cxnSp>
+      </p:grpSp>
+      <p:sp>
+        <p:nvSpPr>
+          <p:cNvPr id="13" name="Rectangle 12"/>
+          <p:cNvSpPr/>
+          <p:nvPr/>
+        </p:nvSpPr>
+        <p:spPr>
+          <a:xfrm>
+            <a:off x="0" y="2642502"/>
+            <a:ext cx="9144000" cy="3610735"/>
+          </a:xfrm>
+          <a:prstGeom prst="rect">
+            <a:avLst/>
+          </a:prstGeom>
+          <a:solidFill>
+            <a:srgbClr val="E6DDCB"/>
+          </a:solidFill>
+          <a:ln>
+            <a:solidFill>
+              <a:schemeClr val="bg2">
+                <a:lumMod val="90000"/>
+              </a:schemeClr>
+            </a:solidFill>
+          </a:ln>
+        </p:spPr>
+        <p:style>
+          <a:lnRef idx="1">
+            <a:schemeClr val="accent1"/>
+          </a:lnRef>
+          <a:fillRef idx="3">
+            <a:schemeClr val="accent1"/>
+          </a:fillRef>
+          <a:effectRef idx="2">
+            <a:schemeClr val="accent1"/>
+          </a:effectRef>
+          <a:fontRef idx="minor">
+            <a:schemeClr val="lt1"/>
+          </a:fontRef>
+        </p:style>
+        <p:txBody>
+          <a:bodyPr rtlCol="0" anchor="ctr"/>
+          <a:lstStyle/>
+          <a:p>
+            <a:pPr algn="ctr" defTabSz="457200"/>
+            <a:endParaRPr lang="en-US">
+              <a:solidFill>
+                <a:srgbClr val="E6DFD2"/>
+              </a:solidFill>
+            </a:endParaRPr>
+          </a:p>
+        </p:txBody>
+      </p:sp>
+      <p:sp>
+        <p:nvSpPr>
+          <p:cNvPr id="2" name="Title 1"/>
+          <p:cNvSpPr>
+            <a:spLocks noGrp="1"/>
+          </p:cNvSpPr>
+          <p:nvPr>
+            <p:ph type="title"/>
+          </p:nvPr>
+        </p:nvSpPr>
+        <p:spPr>
+          <a:xfrm>
+            <a:off x="722313" y="3693295"/>
+            <a:ext cx="7772400" cy="1362075"/>
+          </a:xfrm>
+        </p:spPr>
+        <p:txBody>
+          <a:bodyPr anchor="t"/>
+          <a:lstStyle>
+            <a:lvl1pPr algn="ctr">
+              <a:defRPr sz="4000" b="1" cap="all" baseline="0"/>
+            </a:lvl1pPr>
+          </a:lstStyle>
+          <a:p>
+            <a:r>
+              <a:rPr lang="en-US" smtClean="0"/>
+              <a:t>Click to edit Master title style</a:t>
+            </a:r>
+            <a:endParaRPr lang="en-US" dirty="0"/>
+          </a:p>
+        </p:txBody>
+      </p:sp>
+      <p:sp>
+        <p:nvSpPr>
+          <p:cNvPr id="12" name="TextBox 11"/>
+          <p:cNvSpPr txBox="1"/>
+          <p:nvPr/>
+        </p:nvSpPr>
+        <p:spPr>
+          <a:xfrm>
+            <a:off x="1371600" y="6317339"/>
+            <a:ext cx="6400800" cy="457200"/>
+          </a:xfrm>
+          <a:prstGeom prst="rect">
+            <a:avLst/>
+          </a:prstGeom>
+          <a:noFill/>
+        </p:spPr>
+        <p:txBody>
+          <a:bodyPr vert="horz" wrap="square" lIns="228600" tIns="45720" rIns="228600" bIns="45720" rtlCol="0" anchor="ctr" anchorCtr="0">
+            <a:noAutofit/>
+          </a:bodyPr>
+          <a:lstStyle/>
+          <a:p>
+            <a:pPr algn="ctr">
+              <a:defRPr/>
+            </a:pPr>
+            <a:r>
+              <a:rPr lang="en-US" sz="1400" dirty="0" smtClean="0">
+                <a:solidFill>
+                  <a:srgbClr val="A8A8A8"/>
+                </a:solidFill>
+              </a:rPr>
+              <a:t>INNOVATION · TRANSPARENCY · COLLABORATION</a:t>
+            </a:r>
+          </a:p>
+        </p:txBody>
+      </p:sp>
+      <p:pic>
+        <p:nvPicPr>
+          <p:cNvPr id="11" name="Picture 10"/>
+          <p:cNvPicPr>
+            <a:picLocks noChangeAspect="1"/>
+          </p:cNvPicPr>
+          <p:nvPr userDrawn="1"/>
+        </p:nvPicPr>
+        <p:blipFill>
+          <a:blip r:embed="rId2"/>
+          <a:stretch>
+            <a:fillRect/>
+          </a:stretch>
+        </p:blipFill>
+        <p:spPr>
+          <a:xfrm>
+            <a:off x="1656291" y="719645"/>
+            <a:ext cx="5466292" cy="972544"/>
+          </a:xfrm>
+          <a:prstGeom prst="rect">
+            <a:avLst/>
+          </a:prstGeom>
+        </p:spPr>
+      </p:pic>
+    </p:spTree>
+    <p:extLst>
+      <p:ext uri="{BB962C8B-B14F-4D97-AF65-F5344CB8AC3E}">
+        <p14:creationId xmlns:p14="http://schemas.microsoft.com/office/powerpoint/2010/main" val="1904663659"/>
+      </p:ext>
+    </p:extLst>
+  </p:cSld>
+  <p:clrMapOvr>
+    <a:masterClrMapping/>
+  </p:clrMapOvr>
+  <p:timing>
+    <p:tnLst>
+      <p:par>
+        <p:cTn id="1" dur="indefinite" restart="never" nodeType="tmRoot"/>
+      </p:par>
+    </p:tnLst>
+  </p:timing>
 </p:sldLayout>
 </file>
 
@@ -3509,6 +7920,550 @@
 </p:sldMaster>
 </file>
 
+<file path=ppt/slideMasters/slideMaster2.xml><?xml version="1.0" encoding="utf-8"?>
+<p:sldMaster xmlns:a="http://schemas.openxmlformats.org/drawingml/2006/main" xmlns:r="http://schemas.openxmlformats.org/officeDocument/2006/relationships" xmlns:p="http://schemas.openxmlformats.org/presentationml/2006/main">
+  <p:cSld>
+    <p:bg>
+      <p:bgRef idx="1001">
+        <a:schemeClr val="bg1"/>
+      </p:bgRef>
+    </p:bg>
+    <p:spTree>
+      <p:nvGrpSpPr>
+        <p:cNvPr id="1" name=""/>
+        <p:cNvGrpSpPr/>
+        <p:nvPr/>
+      </p:nvGrpSpPr>
+      <p:grpSpPr>
+        <a:xfrm>
+          <a:off x="0" y="0"/>
+          <a:ext cx="0" cy="0"/>
+          <a:chOff x="0" y="0"/>
+          <a:chExt cx="0" cy="0"/>
+        </a:xfrm>
+      </p:grpSpPr>
+      <p:sp>
+        <p:nvSpPr>
+          <p:cNvPr id="2" name="Title Placeholder 1"/>
+          <p:cNvSpPr>
+            <a:spLocks noGrp="1"/>
+          </p:cNvSpPr>
+          <p:nvPr>
+            <p:ph type="title"/>
+          </p:nvPr>
+        </p:nvSpPr>
+        <p:spPr>
+          <a:xfrm>
+            <a:off x="457200" y="274638"/>
+            <a:ext cx="8229600" cy="1143000"/>
+          </a:xfrm>
+          <a:prstGeom prst="rect">
+            <a:avLst/>
+          </a:prstGeom>
+        </p:spPr>
+        <p:txBody>
+          <a:bodyPr vert="horz" lIns="91440" tIns="45720" rIns="91440" bIns="45720" rtlCol="0" anchor="ctr">
+            <a:normAutofit/>
+          </a:bodyPr>
+          <a:lstStyle/>
+          <a:p>
+            <a:r>
+              <a:rPr lang="en-US" smtClean="0"/>
+              <a:t>Click to edit Master title style</a:t>
+            </a:r>
+            <a:endParaRPr lang="en-US"/>
+          </a:p>
+        </p:txBody>
+      </p:sp>
+      <p:sp>
+        <p:nvSpPr>
+          <p:cNvPr id="3" name="Text Placeholder 2"/>
+          <p:cNvSpPr>
+            <a:spLocks noGrp="1"/>
+          </p:cNvSpPr>
+          <p:nvPr>
+            <p:ph type="body" idx="1"/>
+          </p:nvPr>
+        </p:nvSpPr>
+        <p:spPr>
+          <a:xfrm>
+            <a:off x="457200" y="1600200"/>
+            <a:ext cx="8229600" cy="4525963"/>
+          </a:xfrm>
+          <a:prstGeom prst="rect">
+            <a:avLst/>
+          </a:prstGeom>
+        </p:spPr>
+        <p:txBody>
+          <a:bodyPr vert="horz" lIns="91440" tIns="45720" rIns="91440" bIns="45720" rtlCol="0">
+            <a:normAutofit/>
+          </a:bodyPr>
+          <a:lstStyle/>
+          <a:p>
+            <a:pPr lvl="0"/>
+            <a:r>
+              <a:rPr lang="en-US" smtClean="0"/>
+              <a:t>Click to edit Master text styles</a:t>
+            </a:r>
+          </a:p>
+          <a:p>
+            <a:pPr lvl="1"/>
+            <a:r>
+              <a:rPr lang="en-US" smtClean="0"/>
+              <a:t>Second level</a:t>
+            </a:r>
+          </a:p>
+          <a:p>
+            <a:pPr lvl="2"/>
+            <a:r>
+              <a:rPr lang="en-US" smtClean="0"/>
+              <a:t>Third level</a:t>
+            </a:r>
+          </a:p>
+          <a:p>
+            <a:pPr lvl="3"/>
+            <a:r>
+              <a:rPr lang="en-US" smtClean="0"/>
+              <a:t>Fourth level</a:t>
+            </a:r>
+          </a:p>
+          <a:p>
+            <a:pPr lvl="4"/>
+            <a:r>
+              <a:rPr lang="en-US" smtClean="0"/>
+              <a:t>Fifth level</a:t>
+            </a:r>
+            <a:endParaRPr lang="en-US" dirty="0"/>
+          </a:p>
+        </p:txBody>
+      </p:sp>
+      <p:sp>
+        <p:nvSpPr>
+          <p:cNvPr id="4" name="Date Placeholder 3"/>
+          <p:cNvSpPr>
+            <a:spLocks noGrp="1"/>
+          </p:cNvSpPr>
+          <p:nvPr>
+            <p:ph type="dt" sz="half" idx="2"/>
+          </p:nvPr>
+        </p:nvSpPr>
+        <p:spPr>
+          <a:xfrm>
+            <a:off x="457200" y="6356350"/>
+            <a:ext cx="2133600" cy="365125"/>
+          </a:xfrm>
+          <a:prstGeom prst="rect">
+            <a:avLst/>
+          </a:prstGeom>
+        </p:spPr>
+        <p:txBody>
+          <a:bodyPr vert="horz" lIns="91440" tIns="45720" rIns="91440" bIns="45720" rtlCol="0" anchor="ctr"/>
+          <a:lstStyle>
+            <a:lvl1pPr algn="l">
+              <a:defRPr sz="1200">
+                <a:solidFill>
+                  <a:schemeClr val="tx1">
+                    <a:tint val="75000"/>
+                  </a:schemeClr>
+                </a:solidFill>
+              </a:defRPr>
+            </a:lvl1pPr>
+          </a:lstStyle>
+          <a:p>
+            <a:pPr defTabSz="457200"/>
+            <a:fld id="{8BBB7F0C-5CBC-F647-980A-4581A65C7434}" type="datetimeFigureOut">
+              <a:rPr lang="en-US" smtClean="0">
+                <a:solidFill>
+                  <a:prstClr val="black">
+                    <a:tint val="75000"/>
+                  </a:prstClr>
+                </a:solidFill>
+              </a:rPr>
+              <a:pPr defTabSz="457200"/>
+              <a:t>5/13/2014</a:t>
+            </a:fld>
+            <a:endParaRPr lang="en-US">
+              <a:solidFill>
+                <a:prstClr val="black">
+                  <a:tint val="75000"/>
+                </a:prstClr>
+              </a:solidFill>
+            </a:endParaRPr>
+          </a:p>
+        </p:txBody>
+      </p:sp>
+      <p:sp>
+        <p:nvSpPr>
+          <p:cNvPr id="5" name="Footer Placeholder 4"/>
+          <p:cNvSpPr>
+            <a:spLocks noGrp="1"/>
+          </p:cNvSpPr>
+          <p:nvPr>
+            <p:ph type="ftr" sz="quarter" idx="3"/>
+          </p:nvPr>
+        </p:nvSpPr>
+        <p:spPr>
+          <a:xfrm>
+            <a:off x="3124200" y="6356350"/>
+            <a:ext cx="2895600" cy="365125"/>
+          </a:xfrm>
+          <a:prstGeom prst="rect">
+            <a:avLst/>
+          </a:prstGeom>
+        </p:spPr>
+        <p:txBody>
+          <a:bodyPr vert="horz" lIns="91440" tIns="45720" rIns="91440" bIns="45720" rtlCol="0" anchor="ctr"/>
+          <a:lstStyle>
+            <a:lvl1pPr algn="ctr">
+              <a:defRPr sz="1200">
+                <a:solidFill>
+                  <a:schemeClr val="tx1">
+                    <a:tint val="75000"/>
+                  </a:schemeClr>
+                </a:solidFill>
+              </a:defRPr>
+            </a:lvl1pPr>
+          </a:lstStyle>
+          <a:p>
+            <a:pPr defTabSz="457200"/>
+            <a:endParaRPr lang="en-US">
+              <a:solidFill>
+                <a:prstClr val="black">
+                  <a:tint val="75000"/>
+                </a:prstClr>
+              </a:solidFill>
+            </a:endParaRPr>
+          </a:p>
+        </p:txBody>
+      </p:sp>
+      <p:sp>
+        <p:nvSpPr>
+          <p:cNvPr id="6" name="Slide Number Placeholder 5"/>
+          <p:cNvSpPr>
+            <a:spLocks noGrp="1"/>
+          </p:cNvSpPr>
+          <p:nvPr>
+            <p:ph type="sldNum" sz="quarter" idx="4"/>
+          </p:nvPr>
+        </p:nvSpPr>
+        <p:spPr>
+          <a:xfrm>
+            <a:off x="6553200" y="6356350"/>
+            <a:ext cx="2133600" cy="365125"/>
+          </a:xfrm>
+          <a:prstGeom prst="rect">
+            <a:avLst/>
+          </a:prstGeom>
+        </p:spPr>
+        <p:txBody>
+          <a:bodyPr vert="horz" lIns="91440" tIns="45720" rIns="91440" bIns="45720" rtlCol="0" anchor="ctr"/>
+          <a:lstStyle>
+            <a:lvl1pPr algn="r">
+              <a:defRPr sz="1200">
+                <a:solidFill>
+                  <a:schemeClr val="tx1">
+                    <a:tint val="75000"/>
+                  </a:schemeClr>
+                </a:solidFill>
+              </a:defRPr>
+            </a:lvl1pPr>
+          </a:lstStyle>
+          <a:p>
+            <a:pPr defTabSz="457200"/>
+            <a:fld id="{13FA93EC-5601-A549-96CE-C473C50A8FEC}" type="slidenum">
+              <a:rPr lang="en-US" smtClean="0">
+                <a:solidFill>
+                  <a:prstClr val="black">
+                    <a:tint val="75000"/>
+                  </a:prstClr>
+                </a:solidFill>
+              </a:rPr>
+              <a:pPr defTabSz="457200"/>
+              <a:t>‹#›</a:t>
+            </a:fld>
+            <a:endParaRPr lang="en-US">
+              <a:solidFill>
+                <a:prstClr val="black">
+                  <a:tint val="75000"/>
+                </a:prstClr>
+              </a:solidFill>
+            </a:endParaRPr>
+          </a:p>
+        </p:txBody>
+      </p:sp>
+    </p:spTree>
+    <p:extLst>
+      <p:ext uri="{BB962C8B-B14F-4D97-AF65-F5344CB8AC3E}">
+        <p14:creationId xmlns:p14="http://schemas.microsoft.com/office/powerpoint/2010/main" val="3722270582"/>
+      </p:ext>
+    </p:extLst>
+  </p:cSld>
+  <p:clrMap bg1="lt1" tx1="dk1" bg2="lt2" tx2="dk2" accent1="accent1" accent2="accent2" accent3="accent3" accent4="accent4" accent5="accent5" accent6="accent6" hlink="hlink" folHlink="folHlink"/>
+  <p:sldLayoutIdLst>
+    <p:sldLayoutId id="2147483707" r:id="rId1"/>
+    <p:sldLayoutId id="2147483708" r:id="rId2"/>
+    <p:sldLayoutId id="2147483709" r:id="rId3"/>
+    <p:sldLayoutId id="2147483710" r:id="rId4"/>
+    <p:sldLayoutId id="2147483711" r:id="rId5"/>
+    <p:sldLayoutId id="2147483712" r:id="rId6"/>
+    <p:sldLayoutId id="2147483713" r:id="rId7"/>
+    <p:sldLayoutId id="2147483714" r:id="rId8"/>
+    <p:sldLayoutId id="2147483715" r:id="rId9"/>
+    <p:sldLayoutId id="2147483716" r:id="rId10"/>
+  </p:sldLayoutIdLst>
+  <p:txStyles>
+    <p:titleStyle>
+      <a:lvl1pPr algn="ctr" defTabSz="457200" rtl="0" eaLnBrk="1" latinLnBrk="0" hangingPunct="1">
+        <a:spcBef>
+          <a:spcPct val="0"/>
+        </a:spcBef>
+        <a:buNone/>
+        <a:defRPr sz="4400" kern="1200">
+          <a:solidFill>
+            <a:schemeClr val="tx1"/>
+          </a:solidFill>
+          <a:latin typeface="+mj-lt"/>
+          <a:ea typeface="+mj-ea"/>
+          <a:cs typeface="+mj-cs"/>
+        </a:defRPr>
+      </a:lvl1pPr>
+    </p:titleStyle>
+    <p:bodyStyle>
+      <a:lvl1pPr marL="342900" indent="-342900" algn="l" defTabSz="457200" rtl="0" eaLnBrk="1" latinLnBrk="0" hangingPunct="1">
+        <a:spcBef>
+          <a:spcPct val="20000"/>
+        </a:spcBef>
+        <a:buFont typeface="Arial"/>
+        <a:buChar char="•"/>
+        <a:defRPr sz="3200" kern="1200">
+          <a:solidFill>
+            <a:schemeClr val="tx1"/>
+          </a:solidFill>
+          <a:latin typeface="+mn-lt"/>
+          <a:ea typeface="+mn-ea"/>
+          <a:cs typeface="+mn-cs"/>
+        </a:defRPr>
+      </a:lvl1pPr>
+      <a:lvl2pPr marL="742950" indent="-285750" algn="l" defTabSz="457200" rtl="0" eaLnBrk="1" latinLnBrk="0" hangingPunct="1">
+        <a:spcBef>
+          <a:spcPct val="20000"/>
+        </a:spcBef>
+        <a:buFont typeface="Arial"/>
+        <a:buChar char="–"/>
+        <a:defRPr sz="2800" kern="1200">
+          <a:solidFill>
+            <a:schemeClr val="tx1"/>
+          </a:solidFill>
+          <a:latin typeface="+mn-lt"/>
+          <a:ea typeface="+mn-ea"/>
+          <a:cs typeface="+mn-cs"/>
+        </a:defRPr>
+      </a:lvl2pPr>
+      <a:lvl3pPr marL="1143000" indent="-228600" algn="l" defTabSz="457200" rtl="0" eaLnBrk="1" latinLnBrk="0" hangingPunct="1">
+        <a:spcBef>
+          <a:spcPct val="20000"/>
+        </a:spcBef>
+        <a:buFont typeface="Arial"/>
+        <a:buChar char="•"/>
+        <a:defRPr sz="2400" kern="1200">
+          <a:solidFill>
+            <a:schemeClr val="tx1"/>
+          </a:solidFill>
+          <a:latin typeface="+mn-lt"/>
+          <a:ea typeface="+mn-ea"/>
+          <a:cs typeface="+mn-cs"/>
+        </a:defRPr>
+      </a:lvl3pPr>
+      <a:lvl4pPr marL="1600200" indent="-228600" algn="l" defTabSz="457200" rtl="0" eaLnBrk="1" latinLnBrk="0" hangingPunct="1">
+        <a:spcBef>
+          <a:spcPct val="20000"/>
+        </a:spcBef>
+        <a:buFont typeface="Arial"/>
+        <a:buChar char="–"/>
+        <a:defRPr sz="2000" kern="1200">
+          <a:solidFill>
+            <a:schemeClr val="tx1"/>
+          </a:solidFill>
+          <a:latin typeface="+mn-lt"/>
+          <a:ea typeface="+mn-ea"/>
+          <a:cs typeface="+mn-cs"/>
+        </a:defRPr>
+      </a:lvl4pPr>
+      <a:lvl5pPr marL="2057400" indent="-228600" algn="l" defTabSz="457200" rtl="0" eaLnBrk="1" latinLnBrk="0" hangingPunct="1">
+        <a:spcBef>
+          <a:spcPct val="20000"/>
+        </a:spcBef>
+        <a:buFont typeface="Arial"/>
+        <a:buChar char="»"/>
+        <a:defRPr sz="2000" kern="1200">
+          <a:solidFill>
+            <a:schemeClr val="tx1"/>
+          </a:solidFill>
+          <a:latin typeface="+mn-lt"/>
+          <a:ea typeface="+mn-ea"/>
+          <a:cs typeface="+mn-cs"/>
+        </a:defRPr>
+      </a:lvl5pPr>
+      <a:lvl6pPr marL="2514600" indent="-228600" algn="l" defTabSz="457200" rtl="0" eaLnBrk="1" latinLnBrk="0" hangingPunct="1">
+        <a:spcBef>
+          <a:spcPct val="20000"/>
+        </a:spcBef>
+        <a:buFont typeface="Arial"/>
+        <a:buChar char="•"/>
+        <a:defRPr sz="2000" kern="1200">
+          <a:solidFill>
+            <a:schemeClr val="tx1"/>
+          </a:solidFill>
+          <a:latin typeface="+mn-lt"/>
+          <a:ea typeface="+mn-ea"/>
+          <a:cs typeface="+mn-cs"/>
+        </a:defRPr>
+      </a:lvl6pPr>
+      <a:lvl7pPr marL="2971800" indent="-228600" algn="l" defTabSz="457200" rtl="0" eaLnBrk="1" latinLnBrk="0" hangingPunct="1">
+        <a:spcBef>
+          <a:spcPct val="20000"/>
+        </a:spcBef>
+        <a:buFont typeface="Arial"/>
+        <a:buChar char="•"/>
+        <a:defRPr sz="2000" kern="1200">
+          <a:solidFill>
+            <a:schemeClr val="tx1"/>
+          </a:solidFill>
+          <a:latin typeface="+mn-lt"/>
+          <a:ea typeface="+mn-ea"/>
+          <a:cs typeface="+mn-cs"/>
+        </a:defRPr>
+      </a:lvl7pPr>
+      <a:lvl8pPr marL="3429000" indent="-228600" algn="l" defTabSz="457200" rtl="0" eaLnBrk="1" latinLnBrk="0" hangingPunct="1">
+        <a:spcBef>
+          <a:spcPct val="20000"/>
+        </a:spcBef>
+        <a:buFont typeface="Arial"/>
+        <a:buChar char="•"/>
+        <a:defRPr sz="2000" kern="1200">
+          <a:solidFill>
+            <a:schemeClr val="tx1"/>
+          </a:solidFill>
+          <a:latin typeface="+mn-lt"/>
+          <a:ea typeface="+mn-ea"/>
+          <a:cs typeface="+mn-cs"/>
+        </a:defRPr>
+      </a:lvl8pPr>
+      <a:lvl9pPr marL="3886200" indent="-228600" algn="l" defTabSz="457200" rtl="0" eaLnBrk="1" latinLnBrk="0" hangingPunct="1">
+        <a:spcBef>
+          <a:spcPct val="20000"/>
+        </a:spcBef>
+        <a:buFont typeface="Arial"/>
+        <a:buChar char="•"/>
+        <a:defRPr sz="2000" kern="1200">
+          <a:solidFill>
+            <a:schemeClr val="tx1"/>
+          </a:solidFill>
+          <a:latin typeface="+mn-lt"/>
+          <a:ea typeface="+mn-ea"/>
+          <a:cs typeface="+mn-cs"/>
+        </a:defRPr>
+      </a:lvl9pPr>
+    </p:bodyStyle>
+    <p:otherStyle>
+      <a:defPPr>
+        <a:defRPr lang="en-US"/>
+      </a:defPPr>
+      <a:lvl1pPr marL="0" algn="l" defTabSz="457200" rtl="0" eaLnBrk="1" latinLnBrk="0" hangingPunct="1">
+        <a:defRPr sz="1800" kern="1200">
+          <a:solidFill>
+            <a:schemeClr val="tx1"/>
+          </a:solidFill>
+          <a:latin typeface="+mn-lt"/>
+          <a:ea typeface="+mn-ea"/>
+          <a:cs typeface="+mn-cs"/>
+        </a:defRPr>
+      </a:lvl1pPr>
+      <a:lvl2pPr marL="457200" algn="l" defTabSz="457200" rtl="0" eaLnBrk="1" latinLnBrk="0" hangingPunct="1">
+        <a:defRPr sz="1800" kern="1200">
+          <a:solidFill>
+            <a:schemeClr val="tx1"/>
+          </a:solidFill>
+          <a:latin typeface="+mn-lt"/>
+          <a:ea typeface="+mn-ea"/>
+          <a:cs typeface="+mn-cs"/>
+        </a:defRPr>
+      </a:lvl2pPr>
+      <a:lvl3pPr marL="914400" algn="l" defTabSz="457200" rtl="0" eaLnBrk="1" latinLnBrk="0" hangingPunct="1">
+        <a:defRPr sz="1800" kern="1200">
+          <a:solidFill>
+            <a:schemeClr val="tx1"/>
+          </a:solidFill>
+          <a:latin typeface="+mn-lt"/>
+          <a:ea typeface="+mn-ea"/>
+          <a:cs typeface="+mn-cs"/>
+        </a:defRPr>
+      </a:lvl3pPr>
+      <a:lvl4pPr marL="1371600" algn="l" defTabSz="457200" rtl="0" eaLnBrk="1" latinLnBrk="0" hangingPunct="1">
+        <a:defRPr sz="1800" kern="1200">
+          <a:solidFill>
+            <a:schemeClr val="tx1"/>
+          </a:solidFill>
+          <a:latin typeface="+mn-lt"/>
+          <a:ea typeface="+mn-ea"/>
+          <a:cs typeface="+mn-cs"/>
+        </a:defRPr>
+      </a:lvl4pPr>
+      <a:lvl5pPr marL="1828800" algn="l" defTabSz="457200" rtl="0" eaLnBrk="1" latinLnBrk="0" hangingPunct="1">
+        <a:defRPr sz="1800" kern="1200">
+          <a:solidFill>
+            <a:schemeClr val="tx1"/>
+          </a:solidFill>
+          <a:latin typeface="+mn-lt"/>
+          <a:ea typeface="+mn-ea"/>
+          <a:cs typeface="+mn-cs"/>
+        </a:defRPr>
+      </a:lvl5pPr>
+      <a:lvl6pPr marL="2286000" algn="l" defTabSz="457200" rtl="0" eaLnBrk="1" latinLnBrk="0" hangingPunct="1">
+        <a:defRPr sz="1800" kern="1200">
+          <a:solidFill>
+            <a:schemeClr val="tx1"/>
+          </a:solidFill>
+          <a:latin typeface="+mn-lt"/>
+          <a:ea typeface="+mn-ea"/>
+          <a:cs typeface="+mn-cs"/>
+        </a:defRPr>
+      </a:lvl6pPr>
+      <a:lvl7pPr marL="2743200" algn="l" defTabSz="457200" rtl="0" eaLnBrk="1" latinLnBrk="0" hangingPunct="1">
+        <a:defRPr sz="1800" kern="1200">
+          <a:solidFill>
+            <a:schemeClr val="tx1"/>
+          </a:solidFill>
+          <a:latin typeface="+mn-lt"/>
+          <a:ea typeface="+mn-ea"/>
+          <a:cs typeface="+mn-cs"/>
+        </a:defRPr>
+      </a:lvl7pPr>
+      <a:lvl8pPr marL="3200400" algn="l" defTabSz="457200" rtl="0" eaLnBrk="1" latinLnBrk="0" hangingPunct="1">
+        <a:defRPr sz="1800" kern="1200">
+          <a:solidFill>
+            <a:schemeClr val="tx1"/>
+          </a:solidFill>
+          <a:latin typeface="+mn-lt"/>
+          <a:ea typeface="+mn-ea"/>
+          <a:cs typeface="+mn-cs"/>
+        </a:defRPr>
+      </a:lvl8pPr>
+      <a:lvl9pPr marL="3657600" algn="l" defTabSz="457200" rtl="0" eaLnBrk="1" latinLnBrk="0" hangingPunct="1">
+        <a:defRPr sz="1800" kern="1200">
+          <a:solidFill>
+            <a:schemeClr val="tx1"/>
+          </a:solidFill>
+          <a:latin typeface="+mn-lt"/>
+          <a:ea typeface="+mn-ea"/>
+          <a:cs typeface="+mn-cs"/>
+        </a:defRPr>
+      </a:lvl9pPr>
+    </p:otherStyle>
+  </p:txStyles>
+</p:sldMaster>
+</file>
+
 <file path=ppt/slides/slide1.xml><?xml version="1.0" encoding="utf-8"?>
 <p:sld xmlns:a="http://schemas.openxmlformats.org/drawingml/2006/main" xmlns:r="http://schemas.openxmlformats.org/officeDocument/2006/relationships" xmlns:p="http://schemas.openxmlformats.org/presentationml/2006/main">
   <p:cSld>
@@ -3823,6 +8778,466 @@
       </p:grpSpPr>
       <p:sp>
         <p:nvSpPr>
+          <p:cNvPr id="2" name="Title 1"/>
+          <p:cNvSpPr>
+            <a:spLocks noGrp="1"/>
+          </p:cNvSpPr>
+          <p:nvPr>
+            <p:ph type="title"/>
+          </p:nvPr>
+        </p:nvSpPr>
+        <p:spPr/>
+        <p:txBody>
+          <a:bodyPr/>
+          <a:lstStyle/>
+          <a:p>
+            <a:r>
+              <a:rPr lang="en-US" dirty="0" smtClean="0"/>
+              <a:t>Windows Universal Apps</a:t>
+            </a:r>
+            <a:endParaRPr lang="en-US" dirty="0"/>
+          </a:p>
+        </p:txBody>
+      </p:sp>
+      <p:sp>
+        <p:nvSpPr>
+          <p:cNvPr id="3" name="Content Placeholder 2"/>
+          <p:cNvSpPr>
+            <a:spLocks noGrp="1"/>
+          </p:cNvSpPr>
+          <p:nvPr>
+            <p:ph sz="half" idx="1"/>
+          </p:nvPr>
+        </p:nvSpPr>
+        <p:spPr>
+          <a:xfrm>
+            <a:off x="457200" y="1825625"/>
+            <a:ext cx="4057650" cy="4351338"/>
+          </a:xfrm>
+        </p:spPr>
+        <p:txBody>
+          <a:bodyPr>
+            <a:normAutofit/>
+          </a:bodyPr>
+          <a:lstStyle/>
+          <a:p>
+            <a:endParaRPr lang="en-US" sz="2400" dirty="0" smtClean="0"/>
+          </a:p>
+          <a:p>
+            <a:r>
+              <a:rPr lang="en-US" sz="2400" dirty="0" smtClean="0"/>
+              <a:t>Announced at //build</a:t>
+            </a:r>
+          </a:p>
+          <a:p>
+            <a:endParaRPr lang="en-US" sz="2400" dirty="0"/>
+          </a:p>
+          <a:p>
+            <a:r>
+              <a:rPr lang="en-US" sz="2400" dirty="0" smtClean="0"/>
+              <a:t>Windows 8.1</a:t>
+            </a:r>
+          </a:p>
+          <a:p>
+            <a:endParaRPr lang="en-US" sz="2400" dirty="0"/>
+          </a:p>
+          <a:p>
+            <a:r>
+              <a:rPr lang="en-US" sz="2400" dirty="0" smtClean="0"/>
+              <a:t>Windows Phone 8.1</a:t>
+            </a:r>
+          </a:p>
+          <a:p>
+            <a:endParaRPr lang="en-US" sz="2400" dirty="0"/>
+          </a:p>
+          <a:p>
+            <a:r>
+              <a:rPr lang="en-US" sz="2400" dirty="0" smtClean="0"/>
+              <a:t>Xbox One</a:t>
+            </a:r>
+            <a:endParaRPr lang="en-US" sz="2400" dirty="0"/>
+          </a:p>
+        </p:txBody>
+      </p:sp>
+      <p:sp>
+        <p:nvSpPr>
+          <p:cNvPr id="5" name="Rectangle 4"/>
+          <p:cNvSpPr/>
+          <p:nvPr/>
+        </p:nvSpPr>
+        <p:spPr>
+          <a:xfrm>
+            <a:off x="4572000" y="2133600"/>
+            <a:ext cx="2590800" cy="457200"/>
+          </a:xfrm>
+          <a:prstGeom prst="rect">
+            <a:avLst/>
+          </a:prstGeom>
+        </p:spPr>
+        <p:style>
+          <a:lnRef idx="2">
+            <a:schemeClr val="accent1">
+              <a:shade val="50000"/>
+            </a:schemeClr>
+          </a:lnRef>
+          <a:fillRef idx="1">
+            <a:schemeClr val="accent1"/>
+          </a:fillRef>
+          <a:effectRef idx="0">
+            <a:schemeClr val="accent1"/>
+          </a:effectRef>
+          <a:fontRef idx="minor">
+            <a:schemeClr val="lt1"/>
+          </a:fontRef>
+        </p:style>
+        <p:txBody>
+          <a:bodyPr rtlCol="0" anchor="ctr"/>
+          <a:lstStyle/>
+          <a:p>
+            <a:pPr algn="ctr"/>
+            <a:r>
+              <a:rPr lang="en-US" dirty="0" smtClean="0"/>
+              <a:t>Views</a:t>
+            </a:r>
+            <a:endParaRPr lang="en-US" dirty="0"/>
+          </a:p>
+        </p:txBody>
+      </p:sp>
+      <p:sp>
+        <p:nvSpPr>
+          <p:cNvPr id="7" name="Rectangle 6"/>
+          <p:cNvSpPr/>
+          <p:nvPr/>
+        </p:nvSpPr>
+        <p:spPr>
+          <a:xfrm>
+            <a:off x="4572000" y="3572926"/>
+            <a:ext cx="2590800" cy="457200"/>
+          </a:xfrm>
+          <a:prstGeom prst="rect">
+            <a:avLst/>
+          </a:prstGeom>
+        </p:spPr>
+        <p:style>
+          <a:lnRef idx="2">
+            <a:schemeClr val="accent1">
+              <a:shade val="50000"/>
+            </a:schemeClr>
+          </a:lnRef>
+          <a:fillRef idx="1">
+            <a:schemeClr val="accent1"/>
+          </a:fillRef>
+          <a:effectRef idx="0">
+            <a:schemeClr val="accent1"/>
+          </a:effectRef>
+          <a:fontRef idx="minor">
+            <a:schemeClr val="lt1"/>
+          </a:fontRef>
+        </p:style>
+        <p:txBody>
+          <a:bodyPr rtlCol="0" anchor="ctr"/>
+          <a:lstStyle/>
+          <a:p>
+            <a:pPr algn="ctr"/>
+            <a:r>
+              <a:rPr lang="en-US" dirty="0" smtClean="0"/>
+              <a:t>View Model</a:t>
+            </a:r>
+            <a:endParaRPr lang="en-US" dirty="0"/>
+          </a:p>
+        </p:txBody>
+      </p:sp>
+      <p:sp>
+        <p:nvSpPr>
+          <p:cNvPr id="8" name="Rectangle 7"/>
+          <p:cNvSpPr/>
+          <p:nvPr/>
+        </p:nvSpPr>
+        <p:spPr>
+          <a:xfrm>
+            <a:off x="4572000" y="5012252"/>
+            <a:ext cx="2590800" cy="457200"/>
+          </a:xfrm>
+          <a:prstGeom prst="rect">
+            <a:avLst/>
+          </a:prstGeom>
+        </p:spPr>
+        <p:style>
+          <a:lnRef idx="2">
+            <a:schemeClr val="accent1">
+              <a:shade val="50000"/>
+            </a:schemeClr>
+          </a:lnRef>
+          <a:fillRef idx="1">
+            <a:schemeClr val="accent1"/>
+          </a:fillRef>
+          <a:effectRef idx="0">
+            <a:schemeClr val="accent1"/>
+          </a:effectRef>
+          <a:fontRef idx="minor">
+            <a:schemeClr val="lt1"/>
+          </a:fontRef>
+        </p:style>
+        <p:txBody>
+          <a:bodyPr rtlCol="0" anchor="ctr"/>
+          <a:lstStyle/>
+          <a:p>
+            <a:pPr algn="ctr"/>
+            <a:r>
+              <a:rPr lang="en-US" dirty="0" smtClean="0"/>
+              <a:t>Model</a:t>
+            </a:r>
+            <a:endParaRPr lang="en-US" dirty="0"/>
+          </a:p>
+        </p:txBody>
+      </p:sp>
+      <p:sp>
+        <p:nvSpPr>
+          <p:cNvPr id="9" name="Down Arrow 8"/>
+          <p:cNvSpPr/>
+          <p:nvPr/>
+        </p:nvSpPr>
+        <p:spPr>
+          <a:xfrm>
+            <a:off x="5715000" y="2790685"/>
+            <a:ext cx="304800" cy="582355"/>
+          </a:xfrm>
+          <a:prstGeom prst="downArrow">
+            <a:avLst/>
+          </a:prstGeom>
+        </p:spPr>
+        <p:style>
+          <a:lnRef idx="2">
+            <a:schemeClr val="accent6">
+              <a:shade val="50000"/>
+            </a:schemeClr>
+          </a:lnRef>
+          <a:fillRef idx="1">
+            <a:schemeClr val="accent6"/>
+          </a:fillRef>
+          <a:effectRef idx="0">
+            <a:schemeClr val="accent6"/>
+          </a:effectRef>
+          <a:fontRef idx="minor">
+            <a:schemeClr val="lt1"/>
+          </a:fontRef>
+        </p:style>
+        <p:txBody>
+          <a:bodyPr rtlCol="0" anchor="ctr"/>
+          <a:lstStyle/>
+          <a:p>
+            <a:pPr algn="ctr"/>
+            <a:endParaRPr lang="en-US"/>
+          </a:p>
+        </p:txBody>
+      </p:sp>
+      <p:sp>
+        <p:nvSpPr>
+          <p:cNvPr id="10" name="Down Arrow 9"/>
+          <p:cNvSpPr/>
+          <p:nvPr/>
+        </p:nvSpPr>
+        <p:spPr>
+          <a:xfrm>
+            <a:off x="5715000" y="4210327"/>
+            <a:ext cx="304800" cy="582355"/>
+          </a:xfrm>
+          <a:prstGeom prst="downArrow">
+            <a:avLst/>
+          </a:prstGeom>
+        </p:spPr>
+        <p:style>
+          <a:lnRef idx="2">
+            <a:schemeClr val="accent6">
+              <a:shade val="50000"/>
+            </a:schemeClr>
+          </a:lnRef>
+          <a:fillRef idx="1">
+            <a:schemeClr val="accent6"/>
+          </a:fillRef>
+          <a:effectRef idx="0">
+            <a:schemeClr val="accent6"/>
+          </a:effectRef>
+          <a:fontRef idx="minor">
+            <a:schemeClr val="lt1"/>
+          </a:fontRef>
+        </p:style>
+        <p:txBody>
+          <a:bodyPr rtlCol="0" anchor="ctr"/>
+          <a:lstStyle/>
+          <a:p>
+            <a:pPr algn="ctr"/>
+            <a:endParaRPr lang="en-US"/>
+          </a:p>
+        </p:txBody>
+      </p:sp>
+      <p:sp>
+        <p:nvSpPr>
+          <p:cNvPr id="11" name="TextBox 10"/>
+          <p:cNvSpPr txBox="1"/>
+          <p:nvPr/>
+        </p:nvSpPr>
+        <p:spPr>
+          <a:xfrm>
+            <a:off x="6134100" y="2897197"/>
+            <a:ext cx="1504950" cy="307777"/>
+          </a:xfrm>
+          <a:prstGeom prst="rect">
+            <a:avLst/>
+          </a:prstGeom>
+          <a:noFill/>
+        </p:spPr>
+        <p:txBody>
+          <a:bodyPr wrap="square" rtlCol="0">
+            <a:spAutoFit/>
+          </a:bodyPr>
+          <a:lstStyle/>
+          <a:p>
+            <a:r>
+              <a:rPr lang="en-US" sz="1400" dirty="0" err="1" smtClean="0"/>
+              <a:t>Databinds</a:t>
+            </a:r>
+            <a:endParaRPr lang="en-US" sz="1400" dirty="0"/>
+          </a:p>
+        </p:txBody>
+      </p:sp>
+      <p:sp>
+        <p:nvSpPr>
+          <p:cNvPr id="16" name="TextBox 15"/>
+          <p:cNvSpPr txBox="1"/>
+          <p:nvPr/>
+        </p:nvSpPr>
+        <p:spPr>
+          <a:xfrm>
+            <a:off x="6134100" y="4316838"/>
+            <a:ext cx="1638300" cy="307777"/>
+          </a:xfrm>
+          <a:prstGeom prst="rect">
+            <a:avLst/>
+          </a:prstGeom>
+          <a:noFill/>
+        </p:spPr>
+        <p:txBody>
+          <a:bodyPr wrap="square" rtlCol="0">
+            <a:spAutoFit/>
+          </a:bodyPr>
+          <a:lstStyle/>
+          <a:p>
+            <a:r>
+              <a:rPr lang="en-US" sz="1400" dirty="0" smtClean="0"/>
+              <a:t>References</a:t>
+            </a:r>
+            <a:endParaRPr lang="en-US" sz="1400" dirty="0"/>
+          </a:p>
+        </p:txBody>
+      </p:sp>
+      <p:sp>
+        <p:nvSpPr>
+          <p:cNvPr id="18" name="Right Brace 17"/>
+          <p:cNvSpPr/>
+          <p:nvPr/>
+        </p:nvSpPr>
+        <p:spPr>
+          <a:xfrm>
+            <a:off x="7315200" y="2133600"/>
+            <a:ext cx="304800" cy="3335852"/>
+          </a:xfrm>
+          <a:prstGeom prst="rightBrace">
+            <a:avLst/>
+          </a:prstGeom>
+        </p:spPr>
+        <p:style>
+          <a:lnRef idx="1">
+            <a:schemeClr val="accent1"/>
+          </a:lnRef>
+          <a:fillRef idx="0">
+            <a:schemeClr val="accent1"/>
+          </a:fillRef>
+          <a:effectRef idx="0">
+            <a:schemeClr val="accent1"/>
+          </a:effectRef>
+          <a:fontRef idx="minor">
+            <a:schemeClr val="tx1"/>
+          </a:fontRef>
+        </p:style>
+        <p:txBody>
+          <a:bodyPr rtlCol="0" anchor="ctr"/>
+          <a:lstStyle/>
+          <a:p>
+            <a:pPr algn="ctr"/>
+            <a:endParaRPr lang="en-US"/>
+          </a:p>
+        </p:txBody>
+      </p:sp>
+      <p:sp>
+        <p:nvSpPr>
+          <p:cNvPr id="19" name="TextBox 18"/>
+          <p:cNvSpPr txBox="1"/>
+          <p:nvPr/>
+        </p:nvSpPr>
+        <p:spPr>
+          <a:xfrm>
+            <a:off x="7745627" y="3632249"/>
+            <a:ext cx="1371600" cy="338554"/>
+          </a:xfrm>
+          <a:prstGeom prst="rect">
+            <a:avLst/>
+          </a:prstGeom>
+          <a:noFill/>
+        </p:spPr>
+        <p:txBody>
+          <a:bodyPr wrap="square" rtlCol="0">
+            <a:spAutoFit/>
+          </a:bodyPr>
+          <a:lstStyle/>
+          <a:p>
+            <a:r>
+              <a:rPr lang="en-US" sz="1600" dirty="0" smtClean="0"/>
+              <a:t>Portable</a:t>
+            </a:r>
+            <a:endParaRPr lang="en-US" sz="1600" dirty="0"/>
+          </a:p>
+        </p:txBody>
+      </p:sp>
+    </p:spTree>
+    <p:extLst>
+      <p:ext uri="{BB962C8B-B14F-4D97-AF65-F5344CB8AC3E}">
+        <p14:creationId xmlns:p14="http://schemas.microsoft.com/office/powerpoint/2010/main" val="4113447928"/>
+      </p:ext>
+    </p:extLst>
+  </p:cSld>
+  <p:clrMapOvr>
+    <a:masterClrMapping/>
+  </p:clrMapOvr>
+  <p:timing>
+    <p:tnLst>
+      <p:par>
+        <p:cTn id="1" dur="indefinite" restart="never" nodeType="tmRoot"/>
+      </p:par>
+    </p:tnLst>
+  </p:timing>
+</p:sld>
+</file>
+
+<file path=ppt/slides/slide11.xml><?xml version="1.0" encoding="utf-8"?>
+<p:sld xmlns:a="http://schemas.openxmlformats.org/drawingml/2006/main" xmlns:r="http://schemas.openxmlformats.org/officeDocument/2006/relationships" xmlns:p="http://schemas.openxmlformats.org/presentationml/2006/main">
+  <p:cSld>
+    <p:spTree>
+      <p:nvGrpSpPr>
+        <p:cNvPr id="1" name=""/>
+        <p:cNvGrpSpPr/>
+        <p:nvPr/>
+      </p:nvGrpSpPr>
+      <p:grpSpPr>
+        <a:xfrm>
+          <a:off x="0" y="0"/>
+          <a:ext cx="0" cy="0"/>
+          <a:chOff x="0" y="0"/>
+          <a:chExt cx="0" cy="0"/>
+        </a:xfrm>
+      </p:grpSpPr>
+      <p:sp>
+        <p:nvSpPr>
           <p:cNvPr id="8" name="Title 7"/>
           <p:cNvSpPr>
             <a:spLocks noGrp="1"/>
@@ -4539,7 +9954,7 @@
 </p:sld>
 </file>
 
-<file path=ppt/slides/slide11.xml><?xml version="1.0" encoding="utf-8"?>
+<file path=ppt/slides/slide12.xml><?xml version="1.0" encoding="utf-8"?>
 <p:sld xmlns:a="http://schemas.openxmlformats.org/drawingml/2006/main" xmlns:r="http://schemas.openxmlformats.org/officeDocument/2006/relationships" xmlns:p="http://schemas.openxmlformats.org/presentationml/2006/main">
   <p:cSld>
     <p:spTree>
@@ -4637,7 +10052,7 @@
       </p:grpSpPr>
       <p:sp>
         <p:nvSpPr>
-          <p:cNvPr id="2" name="Title 1"/>
+          <p:cNvPr id="4" name="Title 3"/>
           <p:cNvSpPr>
             <a:spLocks noGrp="1"/>
           </p:cNvSpPr>
@@ -4652,7 +10067,7 @@
           <a:p>
             <a:r>
               <a:rPr lang="en-US" dirty="0" smtClean="0"/>
-              <a:t>What are Portable Class Libraries?</a:t>
+              <a:t>Headspring is hiring!</a:t>
             </a:r>
             <a:endParaRPr lang="en-US" dirty="0"/>
           </a:p>
@@ -4660,86 +10075,134 @@
       </p:sp>
       <p:sp>
         <p:nvSpPr>
-          <p:cNvPr id="3" name="Content Placeholder 2"/>
-          <p:cNvSpPr>
-            <a:spLocks noGrp="1"/>
-          </p:cNvSpPr>
-          <p:nvPr>
-            <p:ph sz="half" idx="1"/>
+          <p:cNvPr id="5" name="Content Placeholder 4"/>
+          <p:cNvSpPr>
+            <a:spLocks noGrp="1"/>
+          </p:cNvSpPr>
+          <p:nvPr>
+            <p:ph idx="1"/>
           </p:nvPr>
         </p:nvSpPr>
         <p:spPr/>
         <p:txBody>
           <a:bodyPr>
-            <a:normAutofit fontScale="77500" lnSpcReduction="20000"/>
+            <a:normAutofit fontScale="62500" lnSpcReduction="20000"/>
           </a:bodyPr>
           <a:lstStyle/>
           <a:p>
+            <a:pPr marL="0" indent="0">
+              <a:buNone/>
+            </a:pPr>
+            <a:r>
+              <a:rPr lang="en-US" b="1" dirty="0" smtClean="0">
+                <a:solidFill>
+                  <a:srgbClr val="0A58AC"/>
+                </a:solidFill>
+              </a:rPr>
+              <a:t>Why Headspring? </a:t>
+            </a:r>
+          </a:p>
+          <a:p>
             <a:r>
               <a:rPr lang="en-US" dirty="0" smtClean="0"/>
-              <a:t>“The Happy Little Feature that Could”</a:t>
-            </a:r>
-          </a:p>
-          <a:p>
+              <a:t>Very real 40 hour work week. </a:t>
+            </a:r>
+          </a:p>
+          <a:p>
+            <a:r>
+              <a:rPr lang="en-US" dirty="0" smtClean="0"/>
+              <a:t>No </a:t>
+            </a:r>
+            <a:r>
+              <a:rPr lang="en-US" dirty="0"/>
+              <a:t>shipping you off to a client site - we work together at our office! </a:t>
+            </a:r>
+          </a:p>
+          <a:p>
+            <a:r>
+              <a:rPr lang="en-US" dirty="0"/>
+              <a:t>You will work with really, really smart people.</a:t>
+            </a:r>
+          </a:p>
+          <a:p>
+            <a:r>
+              <a:rPr lang="en-US" dirty="0"/>
+              <a:t>We don’t hire jerks. Ever. </a:t>
+            </a:r>
+          </a:p>
+          <a:p>
+            <a:r>
+              <a:rPr lang="en-US" dirty="0"/>
+              <a:t>Start-up feel with strong support from Austin HQ and long history of profitability and stability.</a:t>
+            </a:r>
+          </a:p>
+          <a:p>
+            <a:r>
+              <a:rPr lang="en-US" dirty="0"/>
+              <a:t>We believe in giving back to the community - and we do it! </a:t>
+            </a:r>
+          </a:p>
+          <a:p>
+            <a:pPr marL="0" indent="0">
+              <a:buNone/>
+            </a:pPr>
             <a:endParaRPr lang="en-US" dirty="0"/>
           </a:p>
           <a:p>
+            <a:pPr marL="0" indent="0">
+              <a:buNone/>
+            </a:pPr>
+            <a:r>
+              <a:rPr lang="en-US" b="1" dirty="0" smtClean="0">
+                <a:solidFill>
+                  <a:schemeClr val="tx2"/>
+                </a:solidFill>
+              </a:rPr>
+              <a:t>Specific Dallas Opportunities: </a:t>
+            </a:r>
+            <a:endParaRPr lang="en-US" b="1" dirty="0">
+              <a:solidFill>
+                <a:schemeClr val="tx2"/>
+              </a:solidFill>
+            </a:endParaRPr>
+          </a:p>
+          <a:p>
             <a:r>
               <a:rPr lang="en-US" dirty="0" smtClean="0"/>
-              <a:t>Enable targeting multiple platforms without recompiling or multiple projects</a:t>
-            </a:r>
-          </a:p>
-          <a:p>
+              <a:t>Expert </a:t>
+            </a:r>
+            <a:r>
+              <a:rPr lang="en-US" dirty="0"/>
+              <a:t>front-end developer with a strong passion for and extensive experience in all major UI technologies</a:t>
+            </a:r>
+          </a:p>
+          <a:p>
+            <a:r>
+              <a:rPr lang="en-US" dirty="0" smtClean="0"/>
+              <a:t>Strong </a:t>
+            </a:r>
+            <a:r>
+              <a:rPr lang="en-US" dirty="0"/>
+              <a:t>developer who can lead a software project end-to-end and is looking for a client-facing career path but wants to remain “in the code” as </a:t>
+            </a:r>
+            <a:r>
+              <a:rPr lang="en-US" dirty="0" smtClean="0"/>
+              <a:t>well</a:t>
+            </a:r>
             <a:endParaRPr lang="en-US" dirty="0"/>
           </a:p>
           <a:p>
-            <a:r>
-              <a:rPr lang="en-US" dirty="0" smtClean="0"/>
-              <a:t>Save us from #if hell</a:t>
-            </a:r>
-          </a:p>
-          <a:p>
+            <a:pPr marL="0" indent="0">
+              <a:buNone/>
+            </a:pPr>
             <a:endParaRPr lang="en-US" dirty="0"/>
           </a:p>
-          <a:p>
-            <a:r>
-              <a:rPr lang="en-US" dirty="0" smtClean="0"/>
-              <a:t>Abstract away the differences between APIs and available features</a:t>
-            </a:r>
-            <a:endParaRPr lang="en-US" dirty="0"/>
-          </a:p>
-        </p:txBody>
-      </p:sp>
-      <p:pic>
-        <p:nvPicPr>
-          <p:cNvPr id="5" name="Content Placeholder 4"/>
-          <p:cNvPicPr>
-            <a:picLocks noGrp="1" noChangeAspect="1"/>
-          </p:cNvPicPr>
-          <p:nvPr>
-            <p:ph sz="half" idx="2"/>
-          </p:nvPr>
-        </p:nvPicPr>
-        <p:blipFill>
-          <a:blip r:embed="rId2"/>
-          <a:stretch>
-            <a:fillRect/>
-          </a:stretch>
-        </p:blipFill>
-        <p:spPr>
-          <a:xfrm>
-            <a:off x="5438775" y="2524919"/>
-            <a:ext cx="2266950" cy="2952750"/>
-          </a:xfrm>
-          <a:prstGeom prst="rect">
-            <a:avLst/>
-          </a:prstGeom>
-        </p:spPr>
-      </p:pic>
+        </p:txBody>
+      </p:sp>
     </p:spTree>
     <p:extLst>
       <p:ext uri="{BB962C8B-B14F-4D97-AF65-F5344CB8AC3E}">
-        <p14:creationId xmlns:p14="http://schemas.microsoft.com/office/powerpoint/2010/main" val="2198459531"/>
+        <p14:creationId xmlns:p14="http://schemas.microsoft.com/office/powerpoint/2010/main" val="3028660393"/>
       </p:ext>
     </p:extLst>
   </p:cSld>
@@ -4790,7 +10253,7 @@
           <a:p>
             <a:r>
               <a:rPr lang="en-US" dirty="0" smtClean="0"/>
-              <a:t>Who should care?</a:t>
+              <a:t>What are Portable Class Libraries?</a:t>
             </a:r>
             <a:endParaRPr lang="en-US" dirty="0"/>
           </a:p>
@@ -4803,64 +10266,81 @@
             <a:spLocks noGrp="1"/>
           </p:cNvSpPr>
           <p:nvPr>
-            <p:ph idx="1"/>
+            <p:ph sz="half" idx="1"/>
           </p:nvPr>
         </p:nvSpPr>
         <p:spPr/>
         <p:txBody>
-          <a:bodyPr/>
+          <a:bodyPr>
+            <a:normAutofit fontScale="77500" lnSpcReduction="20000"/>
+          </a:bodyPr>
           <a:lstStyle/>
           <a:p>
             <a:r>
               <a:rPr lang="en-US" dirty="0" smtClean="0"/>
-              <a:t>2012 – earlier</a:t>
-            </a:r>
-          </a:p>
-          <a:p>
-            <a:pPr lvl="1"/>
+              <a:t>“The Happy Little Feature that Could”</a:t>
+            </a:r>
+          </a:p>
+          <a:p>
+            <a:endParaRPr lang="en-US" dirty="0"/>
+          </a:p>
+          <a:p>
             <a:r>
               <a:rPr lang="en-US" dirty="0" smtClean="0"/>
-              <a:t>OSS library developers</a:t>
-            </a:r>
-          </a:p>
-          <a:p>
-            <a:pPr lvl="1"/>
+              <a:t>Enable targeting multiple platforms without recompiling or multiple projects</a:t>
+            </a:r>
+          </a:p>
+          <a:p>
+            <a:endParaRPr lang="en-US" dirty="0"/>
+          </a:p>
+          <a:p>
             <a:r>
               <a:rPr lang="en-US" dirty="0" smtClean="0"/>
-              <a:t>Thick client app developers</a:t>
-            </a:r>
-          </a:p>
-          <a:p>
-            <a:pPr lvl="1"/>
+              <a:t>Save us from #if hell</a:t>
+            </a:r>
+          </a:p>
+          <a:p>
             <a:endParaRPr lang="en-US" dirty="0"/>
           </a:p>
           <a:p>
             <a:r>
               <a:rPr lang="en-US" dirty="0" smtClean="0"/>
-              <a:t>2013 – today</a:t>
-            </a:r>
-          </a:p>
-          <a:p>
-            <a:pPr lvl="1"/>
-            <a:r>
-              <a:rPr lang="en-US" dirty="0" smtClean="0"/>
-              <a:t>Mobile app developers (plus all of the above)</a:t>
-            </a:r>
-          </a:p>
-          <a:p>
-            <a:pPr lvl="1"/>
-            <a:r>
-              <a:rPr lang="en-US" dirty="0" smtClean="0"/>
-              <a:t>People who like testing</a:t>
+              <a:t>Abstract away the differences between APIs and available features</a:t>
             </a:r>
             <a:endParaRPr lang="en-US" dirty="0"/>
           </a:p>
         </p:txBody>
       </p:sp>
+      <p:pic>
+        <p:nvPicPr>
+          <p:cNvPr id="5" name="Content Placeholder 4"/>
+          <p:cNvPicPr>
+            <a:picLocks noGrp="1" noChangeAspect="1"/>
+          </p:cNvPicPr>
+          <p:nvPr>
+            <p:ph sz="half" idx="2"/>
+          </p:nvPr>
+        </p:nvPicPr>
+        <p:blipFill>
+          <a:blip r:embed="rId2"/>
+          <a:stretch>
+            <a:fillRect/>
+          </a:stretch>
+        </p:blipFill>
+        <p:spPr>
+          <a:xfrm>
+            <a:off x="5438775" y="2524919"/>
+            <a:ext cx="2266950" cy="2952750"/>
+          </a:xfrm>
+          <a:prstGeom prst="rect">
+            <a:avLst/>
+          </a:prstGeom>
+        </p:spPr>
+      </p:pic>
     </p:spTree>
     <p:extLst>
       <p:ext uri="{BB962C8B-B14F-4D97-AF65-F5344CB8AC3E}">
-        <p14:creationId xmlns:p14="http://schemas.microsoft.com/office/powerpoint/2010/main" val="3580092603"/>
+        <p14:creationId xmlns:p14="http://schemas.microsoft.com/office/powerpoint/2010/main" val="2198459531"/>
       </p:ext>
     </p:extLst>
   </p:cSld>
@@ -4911,7 +10391,7 @@
           <a:p>
             <a:r>
               <a:rPr lang="en-US" dirty="0" smtClean="0"/>
-              <a:t>What is supported?</a:t>
+              <a:t>Who should care?</a:t>
             </a:r>
             <a:endParaRPr lang="en-US" dirty="0"/>
           </a:p>
@@ -4929,49 +10409,26 @@
         </p:nvSpPr>
         <p:spPr/>
         <p:txBody>
-          <a:bodyPr>
-            <a:normAutofit fontScale="92500" lnSpcReduction="10000"/>
-          </a:bodyPr>
+          <a:bodyPr/>
           <a:lstStyle/>
           <a:p>
             <a:r>
               <a:rPr lang="en-US" dirty="0" smtClean="0"/>
-              <a:t>VS 2012</a:t>
+              <a:t>2012 – earlier</a:t>
             </a:r>
           </a:p>
           <a:p>
             <a:pPr lvl="1"/>
             <a:r>
               <a:rPr lang="en-US" dirty="0" smtClean="0"/>
-              <a:t>.NET 4+</a:t>
+              <a:t>OSS library developers</a:t>
             </a:r>
           </a:p>
           <a:p>
             <a:pPr lvl="1"/>
             <a:r>
               <a:rPr lang="en-US" dirty="0" smtClean="0"/>
-              <a:t>Silverlight 4+</a:t>
-            </a:r>
-          </a:p>
-          <a:p>
-            <a:pPr lvl="1"/>
-            <a:r>
-              <a:rPr lang="en-US" dirty="0" smtClean="0"/>
-              <a:t>Windows Phone 7+</a:t>
-            </a:r>
-          </a:p>
-          <a:p>
-            <a:pPr lvl="1"/>
-            <a:r>
-              <a:rPr lang="en-US" dirty="0" smtClean="0"/>
-              <a:t>Windows Store apps</a:t>
-            </a:r>
-          </a:p>
-          <a:p>
-            <a:pPr lvl="1"/>
-            <a:r>
-              <a:rPr lang="en-US" dirty="0" smtClean="0"/>
-              <a:t>Xbox 360</a:t>
+              <a:t>Thick client app developers</a:t>
             </a:r>
           </a:p>
           <a:p>
@@ -4981,43 +10438,30 @@
           <a:p>
             <a:r>
               <a:rPr lang="en-US" dirty="0" smtClean="0"/>
-              <a:t>VS 2013</a:t>
+              <a:t>2013 – today</a:t>
             </a:r>
           </a:p>
           <a:p>
             <a:pPr lvl="1"/>
             <a:r>
               <a:rPr lang="en-US" dirty="0" smtClean="0"/>
-              <a:t>.NET 4+</a:t>
+              <a:t>Mobile app developers (plus all of the above)</a:t>
             </a:r>
           </a:p>
           <a:p>
             <a:pPr lvl="1"/>
             <a:r>
               <a:rPr lang="en-US" dirty="0" smtClean="0"/>
-              <a:t>Silverlight 5</a:t>
-            </a:r>
-          </a:p>
-          <a:p>
-            <a:pPr lvl="1"/>
-            <a:r>
-              <a:rPr lang="en-US" dirty="0" smtClean="0"/>
-              <a:t>Windows Phone 8</a:t>
-            </a:r>
-          </a:p>
-          <a:p>
-            <a:pPr lvl="1"/>
-            <a:r>
-              <a:rPr lang="en-US" dirty="0" smtClean="0"/>
-              <a:t>Windows Store apps</a:t>
-            </a:r>
+              <a:t>People who like testing</a:t>
+            </a:r>
+            <a:endParaRPr lang="en-US" dirty="0"/>
           </a:p>
         </p:txBody>
       </p:sp>
     </p:spTree>
     <p:extLst>
       <p:ext uri="{BB962C8B-B14F-4D97-AF65-F5344CB8AC3E}">
-        <p14:creationId xmlns:p14="http://schemas.microsoft.com/office/powerpoint/2010/main" val="25192279"/>
+        <p14:creationId xmlns:p14="http://schemas.microsoft.com/office/powerpoint/2010/main" val="3580092603"/>
       </p:ext>
     </p:extLst>
   </p:cSld>
@@ -5087,7 +10531,7 @@
         <p:spPr/>
         <p:txBody>
           <a:bodyPr>
-            <a:normAutofit fontScale="92500" lnSpcReduction="20000"/>
+            <a:normAutofit fontScale="92500" lnSpcReduction="10000"/>
           </a:bodyPr>
           <a:lstStyle/>
           <a:p>
@@ -5169,69 +10613,12 @@
               <a:t>Windows Store apps</a:t>
             </a:r>
           </a:p>
-          <a:p>
-            <a:pPr lvl="1"/>
-            <a:r>
-              <a:rPr lang="en-US" b="1" dirty="0" err="1" smtClean="0"/>
-              <a:t>Xamarin.Android</a:t>
-            </a:r>
-            <a:endParaRPr lang="en-US" b="1" dirty="0" smtClean="0"/>
-          </a:p>
-          <a:p>
-            <a:pPr lvl="1"/>
-            <a:r>
-              <a:rPr lang="en-US" b="1" dirty="0" err="1" smtClean="0"/>
-              <a:t>Xamarin.iOS</a:t>
-            </a:r>
-            <a:endParaRPr lang="en-US" b="1" dirty="0"/>
-          </a:p>
-        </p:txBody>
-      </p:sp>
-      <p:pic>
-        <p:nvPicPr>
-          <p:cNvPr id="1026" name="Picture 2" descr="http://1.bp.blogspot.com/-WRCgiO-64qk/UYns2bvdVpI/AAAAAAAAFEQ/jT8yvj526-8/s640/misc-all-the-things.png"/>
-          <p:cNvPicPr>
-            <a:picLocks noChangeAspect="1" noChangeArrowheads="1"/>
-          </p:cNvPicPr>
-          <p:nvPr/>
-        </p:nvPicPr>
-        <p:blipFill>
-          <a:blip r:embed="rId2">
-            <a:extLst>
-              <a:ext uri="{28A0092B-C50C-407E-A947-70E740481C1C}">
-                <a14:useLocalDpi xmlns:a14="http://schemas.microsoft.com/office/drawing/2010/main" val="0"/>
-              </a:ext>
-            </a:extLst>
-          </a:blip>
-          <a:srcRect/>
-          <a:stretch>
-            <a:fillRect/>
-          </a:stretch>
-        </p:blipFill>
-        <p:spPr bwMode="auto">
-          <a:xfrm>
-            <a:off x="5334000" y="2743200"/>
-            <a:ext cx="2857500" cy="2143125"/>
-          </a:xfrm>
-          <a:prstGeom prst="rect">
-            <a:avLst/>
-          </a:prstGeom>
-          <a:noFill/>
-          <a:extLst>
-            <a:ext uri="{909E8E84-426E-40DD-AFC4-6F175D3DCCD1}">
-              <a14:hiddenFill xmlns:a14="http://schemas.microsoft.com/office/drawing/2010/main">
-                <a:solidFill>
-                  <a:srgbClr val="FFFFFF"/>
-                </a:solidFill>
-              </a14:hiddenFill>
-            </a:ext>
-          </a:extLst>
-        </p:spPr>
-      </p:pic>
+        </p:txBody>
+      </p:sp>
     </p:spTree>
     <p:extLst>
       <p:ext uri="{BB962C8B-B14F-4D97-AF65-F5344CB8AC3E}">
-        <p14:creationId xmlns:p14="http://schemas.microsoft.com/office/powerpoint/2010/main" val="2509327903"/>
+        <p14:creationId xmlns:p14="http://schemas.microsoft.com/office/powerpoint/2010/main" val="25192279"/>
       </p:ext>
     </p:extLst>
   </p:cSld>
@@ -5241,75 +10628,7 @@
   <p:timing>
     <p:tnLst>
       <p:par>
-        <p:cTn id="1" dur="indefinite" restart="never" nodeType="tmRoot">
-          <p:childTnLst>
-            <p:seq concurrent="1" nextAc="seek">
-              <p:cTn id="2" dur="indefinite" nodeType="mainSeq">
-                <p:childTnLst>
-                  <p:par>
-                    <p:cTn id="3" fill="hold">
-                      <p:stCondLst>
-                        <p:cond delay="indefinite"/>
-                      </p:stCondLst>
-                      <p:childTnLst>
-                        <p:par>
-                          <p:cTn id="4" fill="hold">
-                            <p:stCondLst>
-                              <p:cond delay="0"/>
-                            </p:stCondLst>
-                            <p:childTnLst>
-                              <p:par>
-                                <p:cTn id="5" presetID="1" presetClass="entr" presetSubtype="0" fill="hold" nodeType="clickEffect">
-                                  <p:stCondLst>
-                                    <p:cond delay="0"/>
-                                  </p:stCondLst>
-                                  <p:childTnLst>
-                                    <p:set>
-                                      <p:cBhvr>
-                                        <p:cTn id="6" dur="1" fill="hold">
-                                          <p:stCondLst>
-                                            <p:cond delay="0"/>
-                                          </p:stCondLst>
-                                        </p:cTn>
-                                        <p:tgtEl>
-                                          <p:spTgt spid="1026"/>
-                                        </p:tgtEl>
-                                        <p:attrNameLst>
-                                          <p:attrName>style.visibility</p:attrName>
-                                        </p:attrNameLst>
-                                      </p:cBhvr>
-                                      <p:to>
-                                        <p:strVal val="visible"/>
-                                      </p:to>
-                                    </p:set>
-                                  </p:childTnLst>
-                                </p:cTn>
-                              </p:par>
-                            </p:childTnLst>
-                          </p:cTn>
-                        </p:par>
-                      </p:childTnLst>
-                    </p:cTn>
-                  </p:par>
-                </p:childTnLst>
-              </p:cTn>
-              <p:prevCondLst>
-                <p:cond evt="onPrev" delay="0">
-                  <p:tgtEl>
-                    <p:sldTgt/>
-                  </p:tgtEl>
-                </p:cond>
-              </p:prevCondLst>
-              <p:nextCondLst>
-                <p:cond evt="onNext" delay="0">
-                  <p:tgtEl>
-                    <p:sldTgt/>
-                  </p:tgtEl>
-                </p:cond>
-              </p:nextCondLst>
-            </p:seq>
-          </p:childTnLst>
-        </p:cTn>
+        <p:cTn id="1" dur="indefinite" restart="never" nodeType="tmRoot"/>
       </p:par>
     </p:tnLst>
   </p:timing>
@@ -5350,11 +10669,7 @@
           <a:p>
             <a:r>
               <a:rPr lang="en-US" dirty="0" smtClean="0"/>
-              <a:t>What is supported</a:t>
-            </a:r>
-            <a:r>
-              <a:rPr lang="en-US" dirty="0" smtClean="0"/>
-              <a:t>? //build edition</a:t>
+              <a:t>What is supported?</a:t>
             </a:r>
             <a:endParaRPr lang="en-US" dirty="0"/>
           </a:p>
@@ -5370,12 +10685,7 @@
             <p:ph idx="1"/>
           </p:nvPr>
         </p:nvSpPr>
-        <p:spPr>
-          <a:xfrm>
-            <a:off x="628650" y="1825624"/>
-            <a:ext cx="7886700" cy="4651376"/>
-          </a:xfrm>
-        </p:spPr>
+        <p:spPr/>
         <p:txBody>
           <a:bodyPr>
             <a:normAutofit fontScale="92500" lnSpcReduction="20000"/>
@@ -5429,13 +10739,8 @@
           <a:p>
             <a:r>
               <a:rPr lang="en-US" dirty="0" smtClean="0"/>
-              <a:t>VS </a:t>
-            </a:r>
-            <a:r>
-              <a:rPr lang="en-US" dirty="0" smtClean="0"/>
-              <a:t>2013 Update 2 RC</a:t>
-            </a:r>
-            <a:endParaRPr lang="en-US" dirty="0" smtClean="0"/>
+              <a:t>VS 2013</a:t>
+            </a:r>
           </a:p>
           <a:p>
             <a:pPr lvl="1"/>
@@ -5455,48 +10760,31 @@
             <a:pPr lvl="1"/>
             <a:r>
               <a:rPr lang="en-US" dirty="0" smtClean="0"/>
-              <a:t>Windows Phone </a:t>
-            </a:r>
+              <a:t>Windows Phone 8</a:t>
+            </a:r>
+          </a:p>
+          <a:p>
+            <a:pPr lvl="1"/>
             <a:r>
               <a:rPr lang="en-US" dirty="0" smtClean="0"/>
-              <a:t>8 Silverlight</a:t>
+              <a:t>Windows Store apps</a:t>
             </a:r>
           </a:p>
           <a:p>
             <a:pPr lvl="1"/>
             <a:r>
-              <a:rPr lang="en-US" dirty="0" smtClean="0"/>
-              <a:t>Windows Phone 8.1</a:t>
-            </a:r>
-            <a:endParaRPr lang="en-US" dirty="0" smtClean="0"/>
+              <a:rPr lang="en-US" b="1" dirty="0" err="1" smtClean="0"/>
+              <a:t>Xamarin.Android</a:t>
+            </a:r>
+            <a:endParaRPr lang="en-US" b="1" dirty="0" smtClean="0"/>
           </a:p>
           <a:p>
             <a:pPr lvl="1"/>
             <a:r>
-              <a:rPr lang="en-US" dirty="0" smtClean="0"/>
-              <a:t>Windows </a:t>
-            </a:r>
-            <a:r>
-              <a:rPr lang="en-US" dirty="0" smtClean="0"/>
-              <a:t>8</a:t>
-            </a:r>
-            <a:endParaRPr lang="en-US" dirty="0" smtClean="0"/>
-          </a:p>
-          <a:p>
-            <a:pPr lvl="1"/>
-            <a:r>
-              <a:rPr lang="en-US" dirty="0" err="1" smtClean="0"/>
-              <a:t>Xamarin.Android</a:t>
-            </a:r>
-            <a:endParaRPr lang="en-US" dirty="0" smtClean="0"/>
-          </a:p>
-          <a:p>
-            <a:pPr lvl="1"/>
-            <a:r>
-              <a:rPr lang="en-US" dirty="0" err="1" smtClean="0"/>
+              <a:rPr lang="en-US" b="1" dirty="0" err="1" smtClean="0"/>
               <a:t>Xamarin.iOS</a:t>
             </a:r>
-            <a:endParaRPr lang="en-US" dirty="0"/>
+            <a:endParaRPr lang="en-US" b="1" dirty="0"/>
           </a:p>
         </p:txBody>
       </p:sp>
@@ -5523,7 +10811,7 @@
         </p:blipFill>
         <p:spPr bwMode="auto">
           <a:xfrm>
-            <a:off x="5562600" y="2362200"/>
+            <a:off x="5334000" y="2743200"/>
             <a:ext cx="2857500" cy="2143125"/>
           </a:xfrm>
           <a:prstGeom prst="rect">
@@ -5544,7 +10832,7 @@
     </p:spTree>
     <p:extLst>
       <p:ext uri="{BB962C8B-B14F-4D97-AF65-F5344CB8AC3E}">
-        <p14:creationId xmlns:p14="http://schemas.microsoft.com/office/powerpoint/2010/main" val="1980002931"/>
+        <p14:creationId xmlns:p14="http://schemas.microsoft.com/office/powerpoint/2010/main" val="2509327903"/>
       </p:ext>
     </p:extLst>
   </p:cSld>
@@ -5663,6 +10951,300 @@
           <a:p>
             <a:r>
               <a:rPr lang="en-US" dirty="0" smtClean="0"/>
+              <a:t>What is supported? //build edition</a:t>
+            </a:r>
+            <a:endParaRPr lang="en-US" dirty="0"/>
+          </a:p>
+        </p:txBody>
+      </p:sp>
+      <p:sp>
+        <p:nvSpPr>
+          <p:cNvPr id="3" name="Content Placeholder 2"/>
+          <p:cNvSpPr>
+            <a:spLocks noGrp="1"/>
+          </p:cNvSpPr>
+          <p:nvPr>
+            <p:ph idx="1"/>
+          </p:nvPr>
+        </p:nvSpPr>
+        <p:spPr>
+          <a:xfrm>
+            <a:off x="628650" y="1825624"/>
+            <a:ext cx="7886700" cy="4651376"/>
+          </a:xfrm>
+        </p:spPr>
+        <p:txBody>
+          <a:bodyPr>
+            <a:normAutofit fontScale="92500" lnSpcReduction="20000"/>
+          </a:bodyPr>
+          <a:lstStyle/>
+          <a:p>
+            <a:r>
+              <a:rPr lang="en-US" dirty="0" smtClean="0"/>
+              <a:t>VS 2012</a:t>
+            </a:r>
+          </a:p>
+          <a:p>
+            <a:pPr lvl="1"/>
+            <a:r>
+              <a:rPr lang="en-US" dirty="0" smtClean="0"/>
+              <a:t>.NET 4+</a:t>
+            </a:r>
+          </a:p>
+          <a:p>
+            <a:pPr lvl="1"/>
+            <a:r>
+              <a:rPr lang="en-US" dirty="0" smtClean="0"/>
+              <a:t>Silverlight 4+</a:t>
+            </a:r>
+          </a:p>
+          <a:p>
+            <a:pPr lvl="1"/>
+            <a:r>
+              <a:rPr lang="en-US" dirty="0" smtClean="0"/>
+              <a:t>Windows Phone 7+</a:t>
+            </a:r>
+          </a:p>
+          <a:p>
+            <a:pPr lvl="1"/>
+            <a:r>
+              <a:rPr lang="en-US" dirty="0" smtClean="0"/>
+              <a:t>Windows Store apps</a:t>
+            </a:r>
+          </a:p>
+          <a:p>
+            <a:pPr lvl="1"/>
+            <a:r>
+              <a:rPr lang="en-US" dirty="0" smtClean="0"/>
+              <a:t>Xbox 360</a:t>
+            </a:r>
+          </a:p>
+          <a:p>
+            <a:pPr lvl="1"/>
+            <a:endParaRPr lang="en-US" dirty="0"/>
+          </a:p>
+          <a:p>
+            <a:r>
+              <a:rPr lang="en-US" dirty="0" smtClean="0"/>
+              <a:t>VS 2013 Update 2 RC</a:t>
+            </a:r>
+          </a:p>
+          <a:p>
+            <a:pPr lvl="1"/>
+            <a:r>
+              <a:rPr lang="en-US" dirty="0" smtClean="0"/>
+              <a:t>.NET 4+</a:t>
+            </a:r>
+          </a:p>
+          <a:p>
+            <a:pPr lvl="1"/>
+            <a:r>
+              <a:rPr lang="en-US" dirty="0" smtClean="0"/>
+              <a:t>Silverlight 5</a:t>
+            </a:r>
+          </a:p>
+          <a:p>
+            <a:pPr lvl="1"/>
+            <a:r>
+              <a:rPr lang="en-US" dirty="0" smtClean="0"/>
+              <a:t>Windows Phone 8 Silverlight</a:t>
+            </a:r>
+          </a:p>
+          <a:p>
+            <a:pPr lvl="1"/>
+            <a:r>
+              <a:rPr lang="en-US" dirty="0" smtClean="0"/>
+              <a:t>Windows Phone 8.1</a:t>
+            </a:r>
+          </a:p>
+          <a:p>
+            <a:pPr lvl="1"/>
+            <a:r>
+              <a:rPr lang="en-US" dirty="0" smtClean="0"/>
+              <a:t>Windows 8</a:t>
+            </a:r>
+          </a:p>
+          <a:p>
+            <a:pPr lvl="1"/>
+            <a:r>
+              <a:rPr lang="en-US" dirty="0" err="1" smtClean="0"/>
+              <a:t>Xamarin.Android</a:t>
+            </a:r>
+            <a:endParaRPr lang="en-US" dirty="0" smtClean="0"/>
+          </a:p>
+          <a:p>
+            <a:pPr lvl="1"/>
+            <a:r>
+              <a:rPr lang="en-US" dirty="0" err="1" smtClean="0"/>
+              <a:t>Xamarin.iOS</a:t>
+            </a:r>
+            <a:endParaRPr lang="en-US" dirty="0"/>
+          </a:p>
+        </p:txBody>
+      </p:sp>
+      <p:pic>
+        <p:nvPicPr>
+          <p:cNvPr id="1026" name="Picture 2" descr="http://1.bp.blogspot.com/-WRCgiO-64qk/UYns2bvdVpI/AAAAAAAAFEQ/jT8yvj526-8/s640/misc-all-the-things.png"/>
+          <p:cNvPicPr>
+            <a:picLocks noChangeAspect="1" noChangeArrowheads="1"/>
+          </p:cNvPicPr>
+          <p:nvPr/>
+        </p:nvPicPr>
+        <p:blipFill>
+          <a:blip r:embed="rId2">
+            <a:extLst>
+              <a:ext uri="{28A0092B-C50C-407E-A947-70E740481C1C}">
+                <a14:useLocalDpi xmlns:a14="http://schemas.microsoft.com/office/drawing/2010/main" val="0"/>
+              </a:ext>
+            </a:extLst>
+          </a:blip>
+          <a:srcRect/>
+          <a:stretch>
+            <a:fillRect/>
+          </a:stretch>
+        </p:blipFill>
+        <p:spPr bwMode="auto">
+          <a:xfrm>
+            <a:off x="5562600" y="2362200"/>
+            <a:ext cx="2857500" cy="2143125"/>
+          </a:xfrm>
+          <a:prstGeom prst="rect">
+            <a:avLst/>
+          </a:prstGeom>
+          <a:noFill/>
+          <a:extLst>
+            <a:ext uri="{909E8E84-426E-40DD-AFC4-6F175D3DCCD1}">
+              <a14:hiddenFill xmlns:a14="http://schemas.microsoft.com/office/drawing/2010/main">
+                <a:solidFill>
+                  <a:srgbClr val="FFFFFF"/>
+                </a:solidFill>
+              </a14:hiddenFill>
+            </a:ext>
+          </a:extLst>
+        </p:spPr>
+      </p:pic>
+    </p:spTree>
+    <p:extLst>
+      <p:ext uri="{BB962C8B-B14F-4D97-AF65-F5344CB8AC3E}">
+        <p14:creationId xmlns:p14="http://schemas.microsoft.com/office/powerpoint/2010/main" val="1980002931"/>
+      </p:ext>
+    </p:extLst>
+  </p:cSld>
+  <p:clrMapOvr>
+    <a:masterClrMapping/>
+  </p:clrMapOvr>
+  <p:timing>
+    <p:tnLst>
+      <p:par>
+        <p:cTn id="1" dur="indefinite" restart="never" nodeType="tmRoot">
+          <p:childTnLst>
+            <p:seq concurrent="1" nextAc="seek">
+              <p:cTn id="2" dur="indefinite" nodeType="mainSeq">
+                <p:childTnLst>
+                  <p:par>
+                    <p:cTn id="3" fill="hold">
+                      <p:stCondLst>
+                        <p:cond delay="indefinite"/>
+                      </p:stCondLst>
+                      <p:childTnLst>
+                        <p:par>
+                          <p:cTn id="4" fill="hold">
+                            <p:stCondLst>
+                              <p:cond delay="0"/>
+                            </p:stCondLst>
+                            <p:childTnLst>
+                              <p:par>
+                                <p:cTn id="5" presetID="1" presetClass="entr" presetSubtype="0" fill="hold" nodeType="clickEffect">
+                                  <p:stCondLst>
+                                    <p:cond delay="0"/>
+                                  </p:stCondLst>
+                                  <p:childTnLst>
+                                    <p:set>
+                                      <p:cBhvr>
+                                        <p:cTn id="6" dur="1" fill="hold">
+                                          <p:stCondLst>
+                                            <p:cond delay="0"/>
+                                          </p:stCondLst>
+                                        </p:cTn>
+                                        <p:tgtEl>
+                                          <p:spTgt spid="1026"/>
+                                        </p:tgtEl>
+                                        <p:attrNameLst>
+                                          <p:attrName>style.visibility</p:attrName>
+                                        </p:attrNameLst>
+                                      </p:cBhvr>
+                                      <p:to>
+                                        <p:strVal val="visible"/>
+                                      </p:to>
+                                    </p:set>
+                                  </p:childTnLst>
+                                </p:cTn>
+                              </p:par>
+                            </p:childTnLst>
+                          </p:cTn>
+                        </p:par>
+                      </p:childTnLst>
+                    </p:cTn>
+                  </p:par>
+                </p:childTnLst>
+              </p:cTn>
+              <p:prevCondLst>
+                <p:cond evt="onPrev" delay="0">
+                  <p:tgtEl>
+                    <p:sldTgt/>
+                  </p:tgtEl>
+                </p:cond>
+              </p:prevCondLst>
+              <p:nextCondLst>
+                <p:cond evt="onNext" delay="0">
+                  <p:tgtEl>
+                    <p:sldTgt/>
+                  </p:tgtEl>
+                </p:cond>
+              </p:nextCondLst>
+            </p:seq>
+          </p:childTnLst>
+        </p:cTn>
+      </p:par>
+    </p:tnLst>
+  </p:timing>
+</p:sld>
+</file>
+
+<file path=ppt/slides/slide8.xml><?xml version="1.0" encoding="utf-8"?>
+<p:sld xmlns:a="http://schemas.openxmlformats.org/drawingml/2006/main" xmlns:r="http://schemas.openxmlformats.org/officeDocument/2006/relationships" xmlns:p="http://schemas.openxmlformats.org/presentationml/2006/main">
+  <p:cSld>
+    <p:spTree>
+      <p:nvGrpSpPr>
+        <p:cNvPr id="1" name=""/>
+        <p:cNvGrpSpPr/>
+        <p:nvPr/>
+      </p:nvGrpSpPr>
+      <p:grpSpPr>
+        <a:xfrm>
+          <a:off x="0" y="0"/>
+          <a:ext cx="0" cy="0"/>
+          <a:chOff x="0" y="0"/>
+          <a:chExt cx="0" cy="0"/>
+        </a:xfrm>
+      </p:grpSpPr>
+      <p:sp>
+        <p:nvSpPr>
+          <p:cNvPr id="2" name="Title 1"/>
+          <p:cNvSpPr>
+            <a:spLocks noGrp="1"/>
+          </p:cNvSpPr>
+          <p:nvPr>
+            <p:ph type="title"/>
+          </p:nvPr>
+        </p:nvSpPr>
+        <p:spPr/>
+        <p:txBody>
+          <a:bodyPr/>
+          <a:lstStyle/>
+          <a:p>
+            <a:r>
+              <a:rPr lang="en-US" dirty="0" smtClean="0"/>
               <a:t>Licensing</a:t>
             </a:r>
             <a:endParaRPr lang="en-US" dirty="0"/>
@@ -5830,580 +11412,6 @@
 </p:sld>
 </file>
 
-<file path=ppt/slides/slide8.xml><?xml version="1.0" encoding="utf-8"?>
-<p:sld xmlns:a="http://schemas.openxmlformats.org/drawingml/2006/main" xmlns:r="http://schemas.openxmlformats.org/officeDocument/2006/relationships" xmlns:p="http://schemas.openxmlformats.org/presentationml/2006/main">
-  <p:cSld>
-    <p:spTree>
-      <p:nvGrpSpPr>
-        <p:cNvPr id="1" name=""/>
-        <p:cNvGrpSpPr/>
-        <p:nvPr/>
-      </p:nvGrpSpPr>
-      <p:grpSpPr>
-        <a:xfrm>
-          <a:off x="0" y="0"/>
-          <a:ext cx="0" cy="0"/>
-          <a:chOff x="0" y="0"/>
-          <a:chExt cx="0" cy="0"/>
-        </a:xfrm>
-      </p:grpSpPr>
-      <p:sp>
-        <p:nvSpPr>
-          <p:cNvPr id="2" name="Title 1"/>
-          <p:cNvSpPr>
-            <a:spLocks noGrp="1"/>
-          </p:cNvSpPr>
-          <p:nvPr>
-            <p:ph type="title"/>
-          </p:nvPr>
-        </p:nvSpPr>
-        <p:spPr/>
-        <p:txBody>
-          <a:bodyPr/>
-          <a:lstStyle/>
-          <a:p>
-            <a:r>
-              <a:rPr lang="en-US" dirty="0" smtClean="0"/>
-              <a:t>MVVM (Model-View-</a:t>
-            </a:r>
-            <a:r>
-              <a:rPr lang="en-US" dirty="0" err="1" smtClean="0"/>
-              <a:t>ViewModel</a:t>
-            </a:r>
-            <a:r>
-              <a:rPr lang="en-US" dirty="0" smtClean="0"/>
-              <a:t>)</a:t>
-            </a:r>
-            <a:endParaRPr lang="en-US" dirty="0"/>
-          </a:p>
-        </p:txBody>
-      </p:sp>
-      <p:sp>
-        <p:nvSpPr>
-          <p:cNvPr id="3" name="Content Placeholder 2"/>
-          <p:cNvSpPr>
-            <a:spLocks noGrp="1"/>
-          </p:cNvSpPr>
-          <p:nvPr>
-            <p:ph sz="half" idx="1"/>
-          </p:nvPr>
-        </p:nvSpPr>
-        <p:spPr/>
-        <p:txBody>
-          <a:bodyPr>
-            <a:normAutofit fontScale="85000" lnSpcReduction="10000"/>
-          </a:bodyPr>
-          <a:lstStyle/>
-          <a:p>
-            <a:r>
-              <a:rPr lang="en-US" dirty="0" smtClean="0"/>
-              <a:t>Views</a:t>
-            </a:r>
-          </a:p>
-          <a:p>
-            <a:pPr lvl="1"/>
-            <a:r>
-              <a:rPr lang="en-US" dirty="0" smtClean="0"/>
-              <a:t>How to display information</a:t>
-            </a:r>
-          </a:p>
-          <a:p>
-            <a:pPr lvl="1"/>
-            <a:r>
-              <a:rPr lang="en-US" dirty="0" smtClean="0"/>
-              <a:t>Native</a:t>
-            </a:r>
-          </a:p>
-          <a:p>
-            <a:pPr lvl="1"/>
-            <a:endParaRPr lang="en-US" dirty="0"/>
-          </a:p>
-          <a:p>
-            <a:r>
-              <a:rPr lang="en-US" dirty="0" smtClean="0"/>
-              <a:t>View Models</a:t>
-            </a:r>
-          </a:p>
-          <a:p>
-            <a:pPr lvl="1"/>
-            <a:r>
-              <a:rPr lang="en-US" dirty="0" smtClean="0"/>
-              <a:t>What information to display</a:t>
-            </a:r>
-          </a:p>
-          <a:p>
-            <a:pPr lvl="1"/>
-            <a:r>
-              <a:rPr lang="en-US" dirty="0" smtClean="0"/>
-              <a:t>Flow of interaction</a:t>
-            </a:r>
-          </a:p>
-          <a:p>
-            <a:pPr lvl="1"/>
-            <a:endParaRPr lang="en-US" dirty="0"/>
-          </a:p>
-          <a:p>
-            <a:r>
-              <a:rPr lang="en-US" dirty="0" smtClean="0"/>
-              <a:t>Models</a:t>
-            </a:r>
-          </a:p>
-          <a:p>
-            <a:pPr lvl="1"/>
-            <a:r>
-              <a:rPr lang="en-US" dirty="0" smtClean="0"/>
-              <a:t>Data objects</a:t>
-            </a:r>
-          </a:p>
-          <a:p>
-            <a:pPr lvl="1"/>
-            <a:r>
-              <a:rPr lang="en-US" dirty="0" smtClean="0"/>
-              <a:t>Business objects</a:t>
-            </a:r>
-          </a:p>
-          <a:p>
-            <a:pPr lvl="1"/>
-            <a:r>
-              <a:rPr lang="en-US" dirty="0" smtClean="0"/>
-              <a:t>Domain models </a:t>
-            </a:r>
-            <a:r>
-              <a:rPr lang="en-US" dirty="0" err="1" smtClean="0"/>
-              <a:t>etc</a:t>
-            </a:r>
-            <a:endParaRPr lang="en-US" dirty="0"/>
-          </a:p>
-        </p:txBody>
-      </p:sp>
-      <p:sp>
-        <p:nvSpPr>
-          <p:cNvPr id="5" name="Rectangle 4"/>
-          <p:cNvSpPr/>
-          <p:nvPr/>
-        </p:nvSpPr>
-        <p:spPr>
-          <a:xfrm>
-            <a:off x="4572000" y="2133600"/>
-            <a:ext cx="2590800" cy="457200"/>
-          </a:xfrm>
-          <a:prstGeom prst="rect">
-            <a:avLst/>
-          </a:prstGeom>
-        </p:spPr>
-        <p:style>
-          <a:lnRef idx="2">
-            <a:schemeClr val="accent1">
-              <a:shade val="50000"/>
-            </a:schemeClr>
-          </a:lnRef>
-          <a:fillRef idx="1">
-            <a:schemeClr val="accent1"/>
-          </a:fillRef>
-          <a:effectRef idx="0">
-            <a:schemeClr val="accent1"/>
-          </a:effectRef>
-          <a:fontRef idx="minor">
-            <a:schemeClr val="lt1"/>
-          </a:fontRef>
-        </p:style>
-        <p:txBody>
-          <a:bodyPr rtlCol="0" anchor="ctr"/>
-          <a:lstStyle/>
-          <a:p>
-            <a:pPr algn="ctr"/>
-            <a:r>
-              <a:rPr lang="en-US" dirty="0" smtClean="0"/>
-              <a:t>Views</a:t>
-            </a:r>
-            <a:endParaRPr lang="en-US" dirty="0"/>
-          </a:p>
-        </p:txBody>
-      </p:sp>
-      <p:sp>
-        <p:nvSpPr>
-          <p:cNvPr id="7" name="Rectangle 6"/>
-          <p:cNvSpPr/>
-          <p:nvPr/>
-        </p:nvSpPr>
-        <p:spPr>
-          <a:xfrm>
-            <a:off x="4572000" y="3572926"/>
-            <a:ext cx="2590800" cy="457200"/>
-          </a:xfrm>
-          <a:prstGeom prst="rect">
-            <a:avLst/>
-          </a:prstGeom>
-        </p:spPr>
-        <p:style>
-          <a:lnRef idx="2">
-            <a:schemeClr val="accent1">
-              <a:shade val="50000"/>
-            </a:schemeClr>
-          </a:lnRef>
-          <a:fillRef idx="1">
-            <a:schemeClr val="accent1"/>
-          </a:fillRef>
-          <a:effectRef idx="0">
-            <a:schemeClr val="accent1"/>
-          </a:effectRef>
-          <a:fontRef idx="minor">
-            <a:schemeClr val="lt1"/>
-          </a:fontRef>
-        </p:style>
-        <p:txBody>
-          <a:bodyPr rtlCol="0" anchor="ctr"/>
-          <a:lstStyle/>
-          <a:p>
-            <a:pPr algn="ctr"/>
-            <a:r>
-              <a:rPr lang="en-US" dirty="0" smtClean="0"/>
-              <a:t>View Model</a:t>
-            </a:r>
-            <a:endParaRPr lang="en-US" dirty="0"/>
-          </a:p>
-        </p:txBody>
-      </p:sp>
-      <p:sp>
-        <p:nvSpPr>
-          <p:cNvPr id="8" name="Rectangle 7"/>
-          <p:cNvSpPr/>
-          <p:nvPr/>
-        </p:nvSpPr>
-        <p:spPr>
-          <a:xfrm>
-            <a:off x="4572000" y="5012252"/>
-            <a:ext cx="2590800" cy="457200"/>
-          </a:xfrm>
-          <a:prstGeom prst="rect">
-            <a:avLst/>
-          </a:prstGeom>
-        </p:spPr>
-        <p:style>
-          <a:lnRef idx="2">
-            <a:schemeClr val="accent1">
-              <a:shade val="50000"/>
-            </a:schemeClr>
-          </a:lnRef>
-          <a:fillRef idx="1">
-            <a:schemeClr val="accent1"/>
-          </a:fillRef>
-          <a:effectRef idx="0">
-            <a:schemeClr val="accent1"/>
-          </a:effectRef>
-          <a:fontRef idx="minor">
-            <a:schemeClr val="lt1"/>
-          </a:fontRef>
-        </p:style>
-        <p:txBody>
-          <a:bodyPr rtlCol="0" anchor="ctr"/>
-          <a:lstStyle/>
-          <a:p>
-            <a:pPr algn="ctr"/>
-            <a:r>
-              <a:rPr lang="en-US" dirty="0" smtClean="0"/>
-              <a:t>Model</a:t>
-            </a:r>
-            <a:endParaRPr lang="en-US" dirty="0"/>
-          </a:p>
-        </p:txBody>
-      </p:sp>
-      <p:sp>
-        <p:nvSpPr>
-          <p:cNvPr id="9" name="Down Arrow 8"/>
-          <p:cNvSpPr/>
-          <p:nvPr/>
-        </p:nvSpPr>
-        <p:spPr>
-          <a:xfrm>
-            <a:off x="5715000" y="2790685"/>
-            <a:ext cx="304800" cy="582355"/>
-          </a:xfrm>
-          <a:prstGeom prst="downArrow">
-            <a:avLst/>
-          </a:prstGeom>
-        </p:spPr>
-        <p:style>
-          <a:lnRef idx="2">
-            <a:schemeClr val="accent6">
-              <a:shade val="50000"/>
-            </a:schemeClr>
-          </a:lnRef>
-          <a:fillRef idx="1">
-            <a:schemeClr val="accent6"/>
-          </a:fillRef>
-          <a:effectRef idx="0">
-            <a:schemeClr val="accent6"/>
-          </a:effectRef>
-          <a:fontRef idx="minor">
-            <a:schemeClr val="lt1"/>
-          </a:fontRef>
-        </p:style>
-        <p:txBody>
-          <a:bodyPr rtlCol="0" anchor="ctr"/>
-          <a:lstStyle/>
-          <a:p>
-            <a:pPr algn="ctr"/>
-            <a:endParaRPr lang="en-US"/>
-          </a:p>
-        </p:txBody>
-      </p:sp>
-      <p:sp>
-        <p:nvSpPr>
-          <p:cNvPr id="10" name="Down Arrow 9"/>
-          <p:cNvSpPr/>
-          <p:nvPr/>
-        </p:nvSpPr>
-        <p:spPr>
-          <a:xfrm>
-            <a:off x="5715000" y="4210327"/>
-            <a:ext cx="304800" cy="582355"/>
-          </a:xfrm>
-          <a:prstGeom prst="downArrow">
-            <a:avLst/>
-          </a:prstGeom>
-        </p:spPr>
-        <p:style>
-          <a:lnRef idx="2">
-            <a:schemeClr val="accent6">
-              <a:shade val="50000"/>
-            </a:schemeClr>
-          </a:lnRef>
-          <a:fillRef idx="1">
-            <a:schemeClr val="accent6"/>
-          </a:fillRef>
-          <a:effectRef idx="0">
-            <a:schemeClr val="accent6"/>
-          </a:effectRef>
-          <a:fontRef idx="minor">
-            <a:schemeClr val="lt1"/>
-          </a:fontRef>
-        </p:style>
-        <p:txBody>
-          <a:bodyPr rtlCol="0" anchor="ctr"/>
-          <a:lstStyle/>
-          <a:p>
-            <a:pPr algn="ctr"/>
-            <a:endParaRPr lang="en-US"/>
-          </a:p>
-        </p:txBody>
-      </p:sp>
-      <p:sp>
-        <p:nvSpPr>
-          <p:cNvPr id="11" name="TextBox 10"/>
-          <p:cNvSpPr txBox="1"/>
-          <p:nvPr/>
-        </p:nvSpPr>
-        <p:spPr>
-          <a:xfrm>
-            <a:off x="6134100" y="2897197"/>
-            <a:ext cx="1504950" cy="307777"/>
-          </a:xfrm>
-          <a:prstGeom prst="rect">
-            <a:avLst/>
-          </a:prstGeom>
-          <a:noFill/>
-        </p:spPr>
-        <p:txBody>
-          <a:bodyPr wrap="square" rtlCol="0">
-            <a:spAutoFit/>
-          </a:bodyPr>
-          <a:lstStyle/>
-          <a:p>
-            <a:r>
-              <a:rPr lang="en-US" sz="1400" dirty="0" err="1" smtClean="0"/>
-              <a:t>Databinds</a:t>
-            </a:r>
-            <a:endParaRPr lang="en-US" sz="1400" dirty="0"/>
-          </a:p>
-        </p:txBody>
-      </p:sp>
-      <p:sp>
-        <p:nvSpPr>
-          <p:cNvPr id="16" name="TextBox 15"/>
-          <p:cNvSpPr txBox="1"/>
-          <p:nvPr/>
-        </p:nvSpPr>
-        <p:spPr>
-          <a:xfrm>
-            <a:off x="6134100" y="4316838"/>
-            <a:ext cx="1638300" cy="307777"/>
-          </a:xfrm>
-          <a:prstGeom prst="rect">
-            <a:avLst/>
-          </a:prstGeom>
-          <a:noFill/>
-        </p:spPr>
-        <p:txBody>
-          <a:bodyPr wrap="square" rtlCol="0">
-            <a:spAutoFit/>
-          </a:bodyPr>
-          <a:lstStyle/>
-          <a:p>
-            <a:r>
-              <a:rPr lang="en-US" sz="1400" dirty="0" smtClean="0"/>
-              <a:t>References</a:t>
-            </a:r>
-            <a:endParaRPr lang="en-US" sz="1400" dirty="0"/>
-          </a:p>
-        </p:txBody>
-      </p:sp>
-      <p:sp>
-        <p:nvSpPr>
-          <p:cNvPr id="17" name="Right Brace 16"/>
-          <p:cNvSpPr/>
-          <p:nvPr/>
-        </p:nvSpPr>
-        <p:spPr>
-          <a:xfrm>
-            <a:off x="7315200" y="2133600"/>
-            <a:ext cx="304800" cy="457200"/>
-          </a:xfrm>
-          <a:prstGeom prst="rightBrace">
-            <a:avLst/>
-          </a:prstGeom>
-        </p:spPr>
-        <p:style>
-          <a:lnRef idx="1">
-            <a:schemeClr val="accent1"/>
-          </a:lnRef>
-          <a:fillRef idx="0">
-            <a:schemeClr val="accent1"/>
-          </a:fillRef>
-          <a:effectRef idx="0">
-            <a:schemeClr val="accent1"/>
-          </a:effectRef>
-          <a:fontRef idx="minor">
-            <a:schemeClr val="tx1"/>
-          </a:fontRef>
-        </p:style>
-        <p:txBody>
-          <a:bodyPr rtlCol="0" anchor="ctr"/>
-          <a:lstStyle/>
-          <a:p>
-            <a:pPr algn="ctr"/>
-            <a:endParaRPr lang="en-US"/>
-          </a:p>
-        </p:txBody>
-      </p:sp>
-      <p:sp>
-        <p:nvSpPr>
-          <p:cNvPr id="18" name="Right Brace 17"/>
-          <p:cNvSpPr/>
-          <p:nvPr/>
-        </p:nvSpPr>
-        <p:spPr>
-          <a:xfrm>
-            <a:off x="7315200" y="3572926"/>
-            <a:ext cx="304800" cy="1896526"/>
-          </a:xfrm>
-          <a:prstGeom prst="rightBrace">
-            <a:avLst/>
-          </a:prstGeom>
-        </p:spPr>
-        <p:style>
-          <a:lnRef idx="1">
-            <a:schemeClr val="accent1"/>
-          </a:lnRef>
-          <a:fillRef idx="0">
-            <a:schemeClr val="accent1"/>
-          </a:fillRef>
-          <a:effectRef idx="0">
-            <a:schemeClr val="accent1"/>
-          </a:effectRef>
-          <a:fontRef idx="minor">
-            <a:schemeClr val="tx1"/>
-          </a:fontRef>
-        </p:style>
-        <p:txBody>
-          <a:bodyPr rtlCol="0" anchor="ctr"/>
-          <a:lstStyle/>
-          <a:p>
-            <a:pPr algn="ctr"/>
-            <a:endParaRPr lang="en-US"/>
-          </a:p>
-        </p:txBody>
-      </p:sp>
-      <p:sp>
-        <p:nvSpPr>
-          <p:cNvPr id="19" name="TextBox 18"/>
-          <p:cNvSpPr txBox="1"/>
-          <p:nvPr/>
-        </p:nvSpPr>
-        <p:spPr>
-          <a:xfrm>
-            <a:off x="7696200" y="4316838"/>
-            <a:ext cx="1371600" cy="338554"/>
-          </a:xfrm>
-          <a:prstGeom prst="rect">
-            <a:avLst/>
-          </a:prstGeom>
-          <a:noFill/>
-        </p:spPr>
-        <p:txBody>
-          <a:bodyPr wrap="square" rtlCol="0">
-            <a:spAutoFit/>
-          </a:bodyPr>
-          <a:lstStyle/>
-          <a:p>
-            <a:r>
-              <a:rPr lang="en-US" sz="1600" dirty="0" smtClean="0"/>
-              <a:t>Portable</a:t>
-            </a:r>
-            <a:endParaRPr lang="en-US" sz="1600" dirty="0"/>
-          </a:p>
-        </p:txBody>
-      </p:sp>
-      <p:sp>
-        <p:nvSpPr>
-          <p:cNvPr id="20" name="TextBox 19"/>
-          <p:cNvSpPr txBox="1"/>
-          <p:nvPr/>
-        </p:nvSpPr>
-        <p:spPr>
-          <a:xfrm>
-            <a:off x="7696200" y="2177534"/>
-            <a:ext cx="1371600" cy="584775"/>
-          </a:xfrm>
-          <a:prstGeom prst="rect">
-            <a:avLst/>
-          </a:prstGeom>
-          <a:noFill/>
-        </p:spPr>
-        <p:txBody>
-          <a:bodyPr wrap="square" rtlCol="0">
-            <a:spAutoFit/>
-          </a:bodyPr>
-          <a:lstStyle/>
-          <a:p>
-            <a:r>
-              <a:rPr lang="en-US" sz="1600" dirty="0" smtClean="0"/>
-              <a:t>Platform-specific</a:t>
-            </a:r>
-            <a:endParaRPr lang="en-US" sz="1600" dirty="0"/>
-          </a:p>
-        </p:txBody>
-      </p:sp>
-    </p:spTree>
-    <p:extLst>
-      <p:ext uri="{BB962C8B-B14F-4D97-AF65-F5344CB8AC3E}">
-        <p14:creationId xmlns:p14="http://schemas.microsoft.com/office/powerpoint/2010/main" val="338607208"/>
-      </p:ext>
-    </p:extLst>
-  </p:cSld>
-  <p:clrMapOvr>
-    <a:masterClrMapping/>
-  </p:clrMapOvr>
-  <p:timing>
-    <p:tnLst>
-      <p:par>
-        <p:cTn id="1" dur="indefinite" restart="never" nodeType="tmRoot"/>
-      </p:par>
-    </p:tnLst>
-  </p:timing>
-</p:sld>
-</file>
-
 <file path=ppt/slides/slide9.xml><?xml version="1.0" encoding="utf-8"?>
 <p:sld xmlns:a="http://schemas.openxmlformats.org/drawingml/2006/main" xmlns:r="http://schemas.openxmlformats.org/officeDocument/2006/relationships" xmlns:p="http://schemas.openxmlformats.org/presentationml/2006/main">
   <p:cSld>
@@ -6438,7 +11446,15 @@
           <a:p>
             <a:r>
               <a:rPr lang="en-US" dirty="0" smtClean="0"/>
-              <a:t>Windows Universal Apps</a:t>
+              <a:t>MVVM (Model-View-</a:t>
+            </a:r>
+            <a:r>
+              <a:rPr lang="en-US" dirty="0" err="1" smtClean="0"/>
+              <a:t>ViewModel</a:t>
+            </a:r>
+            <a:r>
+              <a:rPr lang="en-US" dirty="0" smtClean="0"/>
+              <a:t>)</a:t>
             </a:r>
             <a:endParaRPr lang="en-US" dirty="0"/>
           </a:p>
@@ -6454,53 +11470,91 @@
             <p:ph sz="half" idx="1"/>
           </p:nvPr>
         </p:nvSpPr>
-        <p:spPr>
-          <a:xfrm>
-            <a:off x="457200" y="1825625"/>
-            <a:ext cx="4057650" cy="4351338"/>
-          </a:xfrm>
-        </p:spPr>
+        <p:spPr/>
         <p:txBody>
           <a:bodyPr>
-            <a:normAutofit/>
+            <a:normAutofit fontScale="85000" lnSpcReduction="10000"/>
           </a:bodyPr>
           <a:lstStyle/>
           <a:p>
-            <a:endParaRPr lang="en-US" sz="2400" dirty="0" smtClean="0"/>
-          </a:p>
-          <a:p>
-            <a:r>
-              <a:rPr lang="en-US" sz="2400" dirty="0" smtClean="0"/>
-              <a:t>Announced at //build</a:t>
-            </a:r>
-          </a:p>
-          <a:p>
-            <a:endParaRPr lang="en-US" sz="2400" dirty="0"/>
-          </a:p>
-          <a:p>
-            <a:r>
-              <a:rPr lang="en-US" sz="2400" dirty="0" smtClean="0"/>
-              <a:t>Windows 8.1</a:t>
-            </a:r>
-          </a:p>
-          <a:p>
-            <a:endParaRPr lang="en-US" sz="2400" dirty="0"/>
-          </a:p>
-          <a:p>
-            <a:r>
-              <a:rPr lang="en-US" sz="2400" dirty="0" smtClean="0"/>
-              <a:t>Windows Phone 8.1</a:t>
-            </a:r>
-          </a:p>
-          <a:p>
-            <a:endParaRPr lang="en-US" sz="2400" dirty="0"/>
-          </a:p>
-          <a:p>
-            <a:r>
-              <a:rPr lang="en-US" sz="2400" dirty="0" smtClean="0"/>
-              <a:t>Xbox One</a:t>
-            </a:r>
-            <a:endParaRPr lang="en-US" sz="2400" dirty="0"/>
+            <a:r>
+              <a:rPr lang="en-US" dirty="0" smtClean="0"/>
+              <a:t>Views</a:t>
+            </a:r>
+          </a:p>
+          <a:p>
+            <a:pPr lvl="1"/>
+            <a:r>
+              <a:rPr lang="en-US" dirty="0" smtClean="0"/>
+              <a:t>How to display information</a:t>
+            </a:r>
+          </a:p>
+          <a:p>
+            <a:pPr lvl="1"/>
+            <a:r>
+              <a:rPr lang="en-US" dirty="0" smtClean="0"/>
+              <a:t>Native</a:t>
+            </a:r>
+          </a:p>
+          <a:p>
+            <a:pPr lvl="1"/>
+            <a:endParaRPr lang="en-US" dirty="0"/>
+          </a:p>
+          <a:p>
+            <a:r>
+              <a:rPr lang="en-US" dirty="0" smtClean="0"/>
+              <a:t>View Models</a:t>
+            </a:r>
+          </a:p>
+          <a:p>
+            <a:pPr lvl="1"/>
+            <a:r>
+              <a:rPr lang="en-US" dirty="0" smtClean="0"/>
+              <a:t>What information to display</a:t>
+            </a:r>
+          </a:p>
+          <a:p>
+            <a:pPr lvl="1"/>
+            <a:r>
+              <a:rPr lang="en-US" dirty="0" smtClean="0"/>
+              <a:t>Flow of interaction</a:t>
+            </a:r>
+          </a:p>
+          <a:p>
+            <a:pPr lvl="1"/>
+            <a:endParaRPr lang="en-US" dirty="0"/>
+          </a:p>
+          <a:p>
+            <a:r>
+              <a:rPr lang="en-US" dirty="0" smtClean="0"/>
+              <a:t>Models</a:t>
+            </a:r>
+          </a:p>
+          <a:p>
+            <a:pPr lvl="1"/>
+            <a:r>
+              <a:rPr lang="en-US" dirty="0" smtClean="0"/>
+              <a:t>Data objects</a:t>
+            </a:r>
+          </a:p>
+          <a:p>
+            <a:pPr lvl="1"/>
+            <a:r>
+              <a:rPr lang="en-US" dirty="0" smtClean="0"/>
+              <a:t>Business objects</a:t>
+            </a:r>
+          </a:p>
+          <a:p>
+            <a:pPr lvl="1"/>
+            <a:r>
+              <a:rPr lang="en-US" dirty="0" smtClean="0"/>
+              <a:t>Domain models </a:t>
+            </a:r>
+            <a:r>
+              <a:rPr lang="en-US" dirty="0" err="1" smtClean="0"/>
+              <a:t>etc</a:t>
+            </a:r>
+            <a:endParaRPr lang="en-US" dirty="0"/>
           </a:p>
         </p:txBody>
       </p:sp>
@@ -6778,14 +11832,14 @@
       </p:sp>
       <p:sp>
         <p:nvSpPr>
-          <p:cNvPr id="18" name="Right Brace 17"/>
+          <p:cNvPr id="17" name="Right Brace 16"/>
           <p:cNvSpPr/>
           <p:nvPr/>
         </p:nvSpPr>
         <p:spPr>
           <a:xfrm>
             <a:off x="7315200" y="2133600"/>
-            <a:ext cx="304800" cy="3335852"/>
+            <a:ext cx="304800" cy="457200"/>
           </a:xfrm>
           <a:prstGeom prst="rightBrace">
             <a:avLst/>
@@ -6816,13 +11870,51 @@
       </p:sp>
       <p:sp>
         <p:nvSpPr>
+          <p:cNvPr id="18" name="Right Brace 17"/>
+          <p:cNvSpPr/>
+          <p:nvPr/>
+        </p:nvSpPr>
+        <p:spPr>
+          <a:xfrm>
+            <a:off x="7315200" y="3572926"/>
+            <a:ext cx="304800" cy="1896526"/>
+          </a:xfrm>
+          <a:prstGeom prst="rightBrace">
+            <a:avLst/>
+          </a:prstGeom>
+        </p:spPr>
+        <p:style>
+          <a:lnRef idx="1">
+            <a:schemeClr val="accent1"/>
+          </a:lnRef>
+          <a:fillRef idx="0">
+            <a:schemeClr val="accent1"/>
+          </a:fillRef>
+          <a:effectRef idx="0">
+            <a:schemeClr val="accent1"/>
+          </a:effectRef>
+          <a:fontRef idx="minor">
+            <a:schemeClr val="tx1"/>
+          </a:fontRef>
+        </p:style>
+        <p:txBody>
+          <a:bodyPr rtlCol="0" anchor="ctr"/>
+          <a:lstStyle/>
+          <a:p>
+            <a:pPr algn="ctr"/>
+            <a:endParaRPr lang="en-US"/>
+          </a:p>
+        </p:txBody>
+      </p:sp>
+      <p:sp>
+        <p:nvSpPr>
           <p:cNvPr id="19" name="TextBox 18"/>
           <p:cNvSpPr txBox="1"/>
           <p:nvPr/>
         </p:nvSpPr>
         <p:spPr>
           <a:xfrm>
-            <a:off x="7745627" y="3632249"/>
+            <a:off x="7696200" y="4316838"/>
             <a:ext cx="1371600" cy="338554"/>
           </a:xfrm>
           <a:prstGeom prst="rect">
@@ -6844,10 +11936,40 @@
           </a:p>
         </p:txBody>
       </p:sp>
+      <p:sp>
+        <p:nvSpPr>
+          <p:cNvPr id="20" name="TextBox 19"/>
+          <p:cNvSpPr txBox="1"/>
+          <p:nvPr/>
+        </p:nvSpPr>
+        <p:spPr>
+          <a:xfrm>
+            <a:off x="7696200" y="2177534"/>
+            <a:ext cx="1371600" cy="584775"/>
+          </a:xfrm>
+          <a:prstGeom prst="rect">
+            <a:avLst/>
+          </a:prstGeom>
+          <a:noFill/>
+        </p:spPr>
+        <p:txBody>
+          <a:bodyPr wrap="square" rtlCol="0">
+            <a:spAutoFit/>
+          </a:bodyPr>
+          <a:lstStyle/>
+          <a:p>
+            <a:r>
+              <a:rPr lang="en-US" sz="1600" dirty="0" smtClean="0"/>
+              <a:t>Platform-specific</a:t>
+            </a:r>
+            <a:endParaRPr lang="en-US" sz="1600" dirty="0"/>
+          </a:p>
+        </p:txBody>
+      </p:sp>
     </p:spTree>
     <p:extLst>
       <p:ext uri="{BB962C8B-B14F-4D97-AF65-F5344CB8AC3E}">
-        <p14:creationId xmlns:p14="http://schemas.microsoft.com/office/powerpoint/2010/main" val="4113447928"/>
+        <p14:creationId xmlns:p14="http://schemas.microsoft.com/office/powerpoint/2010/main" val="338607208"/>
       </p:ext>
     </p:extLst>
   </p:cSld>
@@ -7078,6 +12200,326 @@
 </file>
 
 <file path=ppt/theme/theme2.xml><?xml version="1.0" encoding="utf-8"?>
+<a:theme xmlns:a="http://schemas.openxmlformats.org/drawingml/2006/main" name="Headspring_PPT_Template_Recruiting">
+  <a:themeElements>
+    <a:clrScheme name="Headspring">
+      <a:dk1>
+        <a:sysClr val="windowText" lastClr="000000"/>
+      </a:dk1>
+      <a:lt1>
+        <a:sysClr val="window" lastClr="FFFFFF"/>
+      </a:lt1>
+      <a:dk2>
+        <a:srgbClr val="0A58AC"/>
+      </a:dk2>
+      <a:lt2>
+        <a:srgbClr val="E3D8C5"/>
+      </a:lt2>
+      <a:accent1>
+        <a:srgbClr val="327FEF"/>
+      </a:accent1>
+      <a:accent2>
+        <a:srgbClr val="C0504D"/>
+      </a:accent2>
+      <a:accent3>
+        <a:srgbClr val="9BBB59"/>
+      </a:accent3>
+      <a:accent4>
+        <a:srgbClr val="2D71D4"/>
+      </a:accent4>
+      <a:accent5>
+        <a:srgbClr val="656565"/>
+      </a:accent5>
+      <a:accent6>
+        <a:srgbClr val="FEC10D"/>
+      </a:accent6>
+      <a:hlink>
+        <a:srgbClr val="0000FF"/>
+      </a:hlink>
+      <a:folHlink>
+        <a:srgbClr val="800080"/>
+      </a:folHlink>
+    </a:clrScheme>
+    <a:fontScheme name="Office">
+      <a:majorFont>
+        <a:latin typeface="Calibri"/>
+        <a:ea typeface=""/>
+        <a:cs typeface=""/>
+        <a:font script="Jpan" typeface="ＭＳ Ｐゴシック"/>
+        <a:font script="Hang" typeface="맑은 고딕"/>
+        <a:font script="Hans" typeface="宋体"/>
+        <a:font script="Hant" typeface="新細明體"/>
+        <a:font script="Arab" typeface="Times New Roman"/>
+        <a:font script="Hebr" typeface="Times New Roman"/>
+        <a:font script="Thai" typeface="Angsana New"/>
+        <a:font script="Ethi" typeface="Nyala"/>
+        <a:font script="Beng" typeface="Vrinda"/>
+        <a:font script="Gujr" typeface="Shruti"/>
+        <a:font script="Khmr" typeface="MoolBoran"/>
+        <a:font script="Knda" typeface="Tunga"/>
+        <a:font script="Guru" typeface="Raavi"/>
+        <a:font script="Cans" typeface="Euphemia"/>
+        <a:font script="Cher" typeface="Plantagenet Cherokee"/>
+        <a:font script="Yiii" typeface="Microsoft Yi Baiti"/>
+        <a:font script="Tibt" typeface="Microsoft Himalaya"/>
+        <a:font script="Thaa" typeface="MV Boli"/>
+        <a:font script="Deva" typeface="Mangal"/>
+        <a:font script="Telu" typeface="Gautami"/>
+        <a:font script="Taml" typeface="Latha"/>
+        <a:font script="Syrc" typeface="Estrangelo Edessa"/>
+        <a:font script="Orya" typeface="Kalinga"/>
+        <a:font script="Mlym" typeface="Kartika"/>
+        <a:font script="Laoo" typeface="DokChampa"/>
+        <a:font script="Sinh" typeface="Iskoola Pota"/>
+        <a:font script="Mong" typeface="Mongolian Baiti"/>
+        <a:font script="Viet" typeface="Times New Roman"/>
+        <a:font script="Uigh" typeface="Microsoft Uighur"/>
+        <a:font script="Geor" typeface="Sylfaen"/>
+      </a:majorFont>
+      <a:minorFont>
+        <a:latin typeface="Calibri"/>
+        <a:ea typeface=""/>
+        <a:cs typeface=""/>
+        <a:font script="Jpan" typeface="ＭＳ Ｐゴシック"/>
+        <a:font script="Hang" typeface="맑은 고딕"/>
+        <a:font script="Hans" typeface="宋体"/>
+        <a:font script="Hant" typeface="新細明體"/>
+        <a:font script="Arab" typeface="Arial"/>
+        <a:font script="Hebr" typeface="Arial"/>
+        <a:font script="Thai" typeface="Cordia New"/>
+        <a:font script="Ethi" typeface="Nyala"/>
+        <a:font script="Beng" typeface="Vrinda"/>
+        <a:font script="Gujr" typeface="Shruti"/>
+        <a:font script="Khmr" typeface="DaunPenh"/>
+        <a:font script="Knda" typeface="Tunga"/>
+        <a:font script="Guru" typeface="Raavi"/>
+        <a:font script="Cans" typeface="Euphemia"/>
+        <a:font script="Cher" typeface="Plantagenet Cherokee"/>
+        <a:font script="Yiii" typeface="Microsoft Yi Baiti"/>
+        <a:font script="Tibt" typeface="Microsoft Himalaya"/>
+        <a:font script="Thaa" typeface="MV Boli"/>
+        <a:font script="Deva" typeface="Mangal"/>
+        <a:font script="Telu" typeface="Gautami"/>
+        <a:font script="Taml" typeface="Latha"/>
+        <a:font script="Syrc" typeface="Estrangelo Edessa"/>
+        <a:font script="Orya" typeface="Kalinga"/>
+        <a:font script="Mlym" typeface="Kartika"/>
+        <a:font script="Laoo" typeface="DokChampa"/>
+        <a:font script="Sinh" typeface="Iskoola Pota"/>
+        <a:font script="Mong" typeface="Mongolian Baiti"/>
+        <a:font script="Viet" typeface="Arial"/>
+        <a:font script="Uigh" typeface="Microsoft Uighur"/>
+        <a:font script="Geor" typeface="Sylfaen"/>
+      </a:minorFont>
+    </a:fontScheme>
+    <a:fmtScheme name="Office">
+      <a:fillStyleLst>
+        <a:solidFill>
+          <a:schemeClr val="phClr"/>
+        </a:solidFill>
+        <a:gradFill rotWithShape="1">
+          <a:gsLst>
+            <a:gs pos="0">
+              <a:schemeClr val="phClr">
+                <a:tint val="50000"/>
+                <a:satMod val="300000"/>
+              </a:schemeClr>
+            </a:gs>
+            <a:gs pos="35000">
+              <a:schemeClr val="phClr">
+                <a:tint val="37000"/>
+                <a:satMod val="300000"/>
+              </a:schemeClr>
+            </a:gs>
+            <a:gs pos="100000">
+              <a:schemeClr val="phClr">
+                <a:tint val="15000"/>
+                <a:satMod val="350000"/>
+              </a:schemeClr>
+            </a:gs>
+          </a:gsLst>
+          <a:lin ang="16200000" scaled="1"/>
+        </a:gradFill>
+        <a:gradFill rotWithShape="1">
+          <a:gsLst>
+            <a:gs pos="0">
+              <a:schemeClr val="phClr">
+                <a:tint val="100000"/>
+                <a:shade val="100000"/>
+                <a:satMod val="130000"/>
+              </a:schemeClr>
+            </a:gs>
+            <a:gs pos="100000">
+              <a:schemeClr val="phClr">
+                <a:tint val="50000"/>
+                <a:shade val="100000"/>
+                <a:satMod val="350000"/>
+              </a:schemeClr>
+            </a:gs>
+          </a:gsLst>
+          <a:lin ang="16200000" scaled="0"/>
+        </a:gradFill>
+      </a:fillStyleLst>
+      <a:lnStyleLst>
+        <a:ln w="9525" cap="flat" cmpd="sng" algn="ctr">
+          <a:solidFill>
+            <a:schemeClr val="phClr">
+              <a:shade val="95000"/>
+              <a:satMod val="105000"/>
+            </a:schemeClr>
+          </a:solidFill>
+          <a:prstDash val="solid"/>
+        </a:ln>
+        <a:ln w="25400" cap="flat" cmpd="sng" algn="ctr">
+          <a:solidFill>
+            <a:schemeClr val="phClr"/>
+          </a:solidFill>
+          <a:prstDash val="solid"/>
+        </a:ln>
+        <a:ln w="38100" cap="flat" cmpd="sng" algn="ctr">
+          <a:solidFill>
+            <a:schemeClr val="phClr"/>
+          </a:solidFill>
+          <a:prstDash val="solid"/>
+        </a:ln>
+      </a:lnStyleLst>
+      <a:effectStyleLst>
+        <a:effectStyle>
+          <a:effectLst>
+            <a:outerShdw blurRad="40000" dist="20000" dir="5400000" rotWithShape="0">
+              <a:srgbClr val="000000">
+                <a:alpha val="38000"/>
+              </a:srgbClr>
+            </a:outerShdw>
+          </a:effectLst>
+        </a:effectStyle>
+        <a:effectStyle>
+          <a:effectLst>
+            <a:outerShdw blurRad="40000" dist="23000" dir="5400000" rotWithShape="0">
+              <a:srgbClr val="000000">
+                <a:alpha val="35000"/>
+              </a:srgbClr>
+            </a:outerShdw>
+          </a:effectLst>
+        </a:effectStyle>
+        <a:effectStyle>
+          <a:effectLst>
+            <a:outerShdw blurRad="40000" dist="23000" dir="5400000" rotWithShape="0">
+              <a:srgbClr val="000000">
+                <a:alpha val="35000"/>
+              </a:srgbClr>
+            </a:outerShdw>
+          </a:effectLst>
+          <a:scene3d>
+            <a:camera prst="orthographicFront">
+              <a:rot lat="0" lon="0" rev="0"/>
+            </a:camera>
+            <a:lightRig rig="threePt" dir="t">
+              <a:rot lat="0" lon="0" rev="1200000"/>
+            </a:lightRig>
+          </a:scene3d>
+          <a:sp3d>
+            <a:bevelT w="63500" h="25400"/>
+          </a:sp3d>
+        </a:effectStyle>
+      </a:effectStyleLst>
+      <a:bgFillStyleLst>
+        <a:solidFill>
+          <a:schemeClr val="phClr"/>
+        </a:solidFill>
+        <a:gradFill rotWithShape="1">
+          <a:gsLst>
+            <a:gs pos="0">
+              <a:schemeClr val="phClr">
+                <a:tint val="40000"/>
+                <a:satMod val="350000"/>
+              </a:schemeClr>
+            </a:gs>
+            <a:gs pos="40000">
+              <a:schemeClr val="phClr">
+                <a:tint val="45000"/>
+                <a:shade val="99000"/>
+                <a:satMod val="350000"/>
+              </a:schemeClr>
+            </a:gs>
+            <a:gs pos="100000">
+              <a:schemeClr val="phClr">
+                <a:shade val="20000"/>
+                <a:satMod val="255000"/>
+              </a:schemeClr>
+            </a:gs>
+          </a:gsLst>
+          <a:path path="circle">
+            <a:fillToRect l="50000" t="-80000" r="50000" b="180000"/>
+          </a:path>
+        </a:gradFill>
+        <a:gradFill rotWithShape="1">
+          <a:gsLst>
+            <a:gs pos="0">
+              <a:schemeClr val="phClr">
+                <a:tint val="80000"/>
+                <a:satMod val="300000"/>
+              </a:schemeClr>
+            </a:gs>
+            <a:gs pos="100000">
+              <a:schemeClr val="phClr">
+                <a:shade val="30000"/>
+                <a:satMod val="200000"/>
+              </a:schemeClr>
+            </a:gs>
+          </a:gsLst>
+          <a:path path="circle">
+            <a:fillToRect l="50000" t="50000" r="50000" b="50000"/>
+          </a:path>
+        </a:gradFill>
+      </a:bgFillStyleLst>
+    </a:fmtScheme>
+  </a:themeElements>
+  <a:objectDefaults>
+    <a:spDef>
+      <a:spPr/>
+      <a:bodyPr/>
+      <a:lstStyle/>
+      <a:style>
+        <a:lnRef idx="1">
+          <a:schemeClr val="accent1"/>
+        </a:lnRef>
+        <a:fillRef idx="3">
+          <a:schemeClr val="accent1"/>
+        </a:fillRef>
+        <a:effectRef idx="2">
+          <a:schemeClr val="accent1"/>
+        </a:effectRef>
+        <a:fontRef idx="minor">
+          <a:schemeClr val="lt1"/>
+        </a:fontRef>
+      </a:style>
+    </a:spDef>
+    <a:lnDef>
+      <a:spPr/>
+      <a:bodyPr/>
+      <a:lstStyle/>
+      <a:style>
+        <a:lnRef idx="2">
+          <a:schemeClr val="accent1"/>
+        </a:lnRef>
+        <a:fillRef idx="0">
+          <a:schemeClr val="accent1"/>
+        </a:fillRef>
+        <a:effectRef idx="1">
+          <a:schemeClr val="accent1"/>
+        </a:effectRef>
+        <a:fontRef idx="minor">
+          <a:schemeClr val="tx1"/>
+        </a:fontRef>
+      </a:style>
+    </a:lnDef>
+  </a:objectDefaults>
+  <a:extraClrSchemeLst/>
+</a:theme>
+</file>
+
+<file path=ppt/theme/theme3.xml><?xml version="1.0" encoding="utf-8"?>
 <a:theme xmlns:a="http://schemas.openxmlformats.org/drawingml/2006/main" name="Office Theme">
   <a:themeElements>
     <a:clrScheme name="Office">
